--- a/数据库管理基础架构.pptx
+++ b/数据库管理基础架构.pptx
@@ -1,19 +1,19 @@
 
 <file path=ppt/presentation.xml><?xml version="1.0" encoding="utf-8"?>
-<p:presentation xmlns:a="http://schemas.openxmlformats.org/drawingml/2006/main" xmlns:r="http://schemas.openxmlformats.org/officeDocument/2006/relationships" xmlns:p="http://schemas.openxmlformats.org/presentationml/2006/main" saveSubsetFonts="1">
+<p:presentation xmlns:a="http://schemas.openxmlformats.org/drawingml/2006/main" xmlns:r="http://schemas.openxmlformats.org/officeDocument/2006/relationships" xmlns:p="http://schemas.openxmlformats.org/presentationml/2006/main">
   <p:sldMasterIdLst>
     <p:sldMasterId id="2147483648" r:id="rId1"/>
   </p:sldMasterIdLst>
   <p:notesMasterIdLst>
-    <p:notesMasterId r:id="rId8"/>
+    <p:notesMasterId r:id="rId9"/>
   </p:notesMasterIdLst>
   <p:sldIdLst>
-    <p:sldId id="256" r:id="rId2"/>
-    <p:sldId id="258" r:id="rId3"/>
-    <p:sldId id="257" r:id="rId4"/>
-    <p:sldId id="265" r:id="rId5"/>
-    <p:sldId id="264" r:id="rId6"/>
-    <p:sldId id="262" r:id="rId7"/>
+    <p:sldId id="256" r:id="rId3"/>
+    <p:sldId id="258" r:id="rId4"/>
+    <p:sldId id="257" r:id="rId5"/>
+    <p:sldId id="265" r:id="rId6"/>
+    <p:sldId id="264" r:id="rId7"/>
+    <p:sldId id="262" r:id="rId8"/>
   </p:sldIdLst>
   <p:sldSz cx="12192000" cy="6858000"/>
   <p:notesSz cx="6858000" cy="9144000"/>
@@ -112,11 +112,6 @@
       </a:defRPr>
     </a:lvl9pPr>
   </p:defaultTextStyle>
-  <p:extLst>
-    <p:ext uri="{EFAFB233-063F-42B5-8137-9DF3F51BA10A}">
-      <p15:sldGuideLst xmlns:p15="http://schemas.microsoft.com/office/powerpoint/2012/main"/>
-    </p:ext>
-  </p:extLst>
 </p:presentation>
 </file>
 
@@ -202,7 +197,6 @@
           <a:p>
             <a:fld id="{7CF37AC1-B06B-4FC0-B7BF-4939F7AED2D9}" type="datetimeFigureOut">
               <a:rPr lang="zh-CN" altLang="en-US" smtClean="0"/>
-              <a:t>2022/1/13</a:t>
             </a:fld>
             <a:endParaRPr lang="zh-CN" altLang="en-US"/>
           </a:p>
@@ -269,6 +263,7 @@
               <a:rPr lang="zh-CN" altLang="en-US"/>
               <a:t>单击此处编辑母版文本样式</a:t>
             </a:r>
+            <a:endParaRPr lang="zh-CN" altLang="en-US"/>
           </a:p>
           <a:p>
             <a:pPr lvl="1"/>
@@ -276,6 +271,7 @@
               <a:rPr lang="zh-CN" altLang="en-US"/>
               <a:t>二级</a:t>
             </a:r>
+            <a:endParaRPr lang="zh-CN" altLang="en-US"/>
           </a:p>
           <a:p>
             <a:pPr lvl="2"/>
@@ -283,6 +279,7 @@
               <a:rPr lang="zh-CN" altLang="en-US"/>
               <a:t>三级</a:t>
             </a:r>
+            <a:endParaRPr lang="zh-CN" altLang="en-US"/>
           </a:p>
           <a:p>
             <a:pPr lvl="3"/>
@@ -290,6 +287,7 @@
               <a:rPr lang="zh-CN" altLang="en-US"/>
               <a:t>四级</a:t>
             </a:r>
+            <a:endParaRPr lang="zh-CN" altLang="en-US"/>
           </a:p>
           <a:p>
             <a:pPr lvl="4"/>
@@ -297,6 +295,7 @@
               <a:rPr lang="zh-CN" altLang="en-US"/>
               <a:t>五级</a:t>
             </a:r>
+            <a:endParaRPr lang="zh-CN" altLang="en-US"/>
           </a:p>
         </p:txBody>
       </p:sp>
@@ -360,18 +359,12 @@
           <a:p>
             <a:fld id="{7193BBAB-73B5-42D0-88E7-B2C7A2E5C4B7}" type="slidenum">
               <a:rPr lang="zh-CN" altLang="en-US" smtClean="0"/>
-              <a:t>‹#›</a:t>
             </a:fld>
             <a:endParaRPr lang="zh-CN" altLang="en-US"/>
           </a:p>
         </p:txBody>
       </p:sp>
     </p:spTree>
-    <p:extLst>
-      <p:ext uri="{BB962C8B-B14F-4D97-AF65-F5344CB8AC3E}">
-        <p14:creationId xmlns:p14="http://schemas.microsoft.com/office/powerpoint/2010/main" val="4049058824"/>
-      </p:ext>
-    </p:extLst>
   </p:cSld>
   <p:clrMap bg1="lt1" tx1="dk1" bg2="lt2" tx2="dk2" accent1="accent1" accent2="accent2" accent3="accent3" accent4="accent4" accent5="accent5" accent6="accent6" hlink="hlink" folHlink="folHlink"/>
   <p:notesStyle>
@@ -488,13 +481,7 @@
       </p:grpSpPr>
       <p:sp>
         <p:nvSpPr>
-          <p:cNvPr id="2" name="标题 1">
-            <a:extLst>
-              <a:ext uri="{FF2B5EF4-FFF2-40B4-BE49-F238E27FC236}">
-                <a16:creationId xmlns:a16="http://schemas.microsoft.com/office/drawing/2014/main" id="{6F62F3F2-499E-46AF-A06B-8EF80DED2E65}"/>
-              </a:ext>
-            </a:extLst>
-          </p:cNvPr>
+          <p:cNvPr id="2" name="标题 1"/>
           <p:cNvSpPr>
             <a:spLocks noGrp="1"/>
           </p:cNvSpPr>
@@ -520,18 +507,13 @@
               <a:rPr lang="zh-CN" altLang="en-US"/>
               <a:t>单击此处编辑母版标题样式</a:t>
             </a:r>
-          </a:p>
-        </p:txBody>
-      </p:sp>
-      <p:sp>
-        <p:nvSpPr>
-          <p:cNvPr id="3" name="副标题 2">
-            <a:extLst>
-              <a:ext uri="{FF2B5EF4-FFF2-40B4-BE49-F238E27FC236}">
-                <a16:creationId xmlns:a16="http://schemas.microsoft.com/office/drawing/2014/main" id="{9834023F-7EF1-4A42-BA52-39D821350EAA}"/>
-              </a:ext>
-            </a:extLst>
-          </p:cNvPr>
+            <a:endParaRPr lang="zh-CN" altLang="en-US"/>
+          </a:p>
+        </p:txBody>
+      </p:sp>
+      <p:sp>
+        <p:nvSpPr>
+          <p:cNvPr id="3" name="副标题 2"/>
           <p:cNvSpPr>
             <a:spLocks noGrp="1"/>
           </p:cNvSpPr>
@@ -590,18 +572,13 @@
               <a:rPr lang="zh-CN" altLang="en-US"/>
               <a:t>单击此处编辑母版副标题样式</a:t>
             </a:r>
-          </a:p>
-        </p:txBody>
-      </p:sp>
-      <p:sp>
-        <p:nvSpPr>
-          <p:cNvPr id="4" name="日期占位符 3">
-            <a:extLst>
-              <a:ext uri="{FF2B5EF4-FFF2-40B4-BE49-F238E27FC236}">
-                <a16:creationId xmlns:a16="http://schemas.microsoft.com/office/drawing/2014/main" id="{E485AE6F-309F-4D19-BE63-3DCFF80FF162}"/>
-              </a:ext>
-            </a:extLst>
-          </p:cNvPr>
+            <a:endParaRPr lang="zh-CN" altLang="en-US"/>
+          </a:p>
+        </p:txBody>
+      </p:sp>
+      <p:sp>
+        <p:nvSpPr>
+          <p:cNvPr id="4" name="日期占位符 3"/>
           <p:cNvSpPr>
             <a:spLocks noGrp="1"/>
           </p:cNvSpPr>
@@ -616,7 +593,6 @@
           <a:p>
             <a:fld id="{B3DC1390-E0D3-4F54-80B6-EEDB5247BA75}" type="datetimeFigureOut">
               <a:rPr lang="zh-CN" altLang="en-US" smtClean="0"/>
-              <a:t>2022/1/13</a:t>
             </a:fld>
             <a:endParaRPr lang="zh-CN" altLang="en-US"/>
           </a:p>
@@ -624,13 +600,7 @@
       </p:sp>
       <p:sp>
         <p:nvSpPr>
-          <p:cNvPr id="5" name="页脚占位符 4">
-            <a:extLst>
-              <a:ext uri="{FF2B5EF4-FFF2-40B4-BE49-F238E27FC236}">
-                <a16:creationId xmlns:a16="http://schemas.microsoft.com/office/drawing/2014/main" id="{B555CEEC-2A58-4CC7-9CC2-0143846B0CA2}"/>
-              </a:ext>
-            </a:extLst>
-          </p:cNvPr>
+          <p:cNvPr id="5" name="页脚占位符 4"/>
           <p:cNvSpPr>
             <a:spLocks noGrp="1"/>
           </p:cNvSpPr>
@@ -649,13 +619,7 @@
       </p:sp>
       <p:sp>
         <p:nvSpPr>
-          <p:cNvPr id="6" name="灯片编号占位符 5">
-            <a:extLst>
-              <a:ext uri="{FF2B5EF4-FFF2-40B4-BE49-F238E27FC236}">
-                <a16:creationId xmlns:a16="http://schemas.microsoft.com/office/drawing/2014/main" id="{98330E1C-0D9B-4A92-A190-2F05A9106687}"/>
-              </a:ext>
-            </a:extLst>
-          </p:cNvPr>
+          <p:cNvPr id="6" name="灯片编号占位符 5"/>
           <p:cNvSpPr>
             <a:spLocks noGrp="1"/>
           </p:cNvSpPr>
@@ -670,18 +634,12 @@
           <a:p>
             <a:fld id="{725655B8-490E-4BA2-947D-8C01334AC0DD}" type="slidenum">
               <a:rPr lang="zh-CN" altLang="en-US" smtClean="0"/>
-              <a:t>‹#›</a:t>
             </a:fld>
             <a:endParaRPr lang="zh-CN" altLang="en-US"/>
           </a:p>
         </p:txBody>
       </p:sp>
     </p:spTree>
-    <p:extLst>
-      <p:ext uri="{BB962C8B-B14F-4D97-AF65-F5344CB8AC3E}">
-        <p14:creationId xmlns:p14="http://schemas.microsoft.com/office/powerpoint/2010/main" val="2370335174"/>
-      </p:ext>
-    </p:extLst>
   </p:cSld>
   <p:clrMapOvr>
     <a:masterClrMapping/>
@@ -708,13 +666,7 @@
       </p:grpSpPr>
       <p:sp>
         <p:nvSpPr>
-          <p:cNvPr id="2" name="标题 1">
-            <a:extLst>
-              <a:ext uri="{FF2B5EF4-FFF2-40B4-BE49-F238E27FC236}">
-                <a16:creationId xmlns:a16="http://schemas.microsoft.com/office/drawing/2014/main" id="{4E531687-5CCB-4624-89C3-52579AC878D4}"/>
-              </a:ext>
-            </a:extLst>
-          </p:cNvPr>
+          <p:cNvPr id="2" name="标题 1"/>
           <p:cNvSpPr>
             <a:spLocks noGrp="1"/>
           </p:cNvSpPr>
@@ -731,18 +683,13 @@
               <a:rPr lang="zh-CN" altLang="en-US"/>
               <a:t>单击此处编辑母版标题样式</a:t>
             </a:r>
-          </a:p>
-        </p:txBody>
-      </p:sp>
-      <p:sp>
-        <p:nvSpPr>
-          <p:cNvPr id="3" name="竖排文字占位符 2">
-            <a:extLst>
-              <a:ext uri="{FF2B5EF4-FFF2-40B4-BE49-F238E27FC236}">
-                <a16:creationId xmlns:a16="http://schemas.microsoft.com/office/drawing/2014/main" id="{3F64A721-1B2A-46D1-A225-C3955AB24EB1}"/>
-              </a:ext>
-            </a:extLst>
-          </p:cNvPr>
+            <a:endParaRPr lang="zh-CN" altLang="en-US"/>
+          </a:p>
+        </p:txBody>
+      </p:sp>
+      <p:sp>
+        <p:nvSpPr>
+          <p:cNvPr id="3" name="竖排文字占位符 2"/>
           <p:cNvSpPr>
             <a:spLocks noGrp="1"/>
           </p:cNvSpPr>
@@ -760,6 +707,7 @@
               <a:rPr lang="zh-CN" altLang="en-US"/>
               <a:t>单击此处编辑母版文本样式</a:t>
             </a:r>
+            <a:endParaRPr lang="zh-CN" altLang="en-US"/>
           </a:p>
           <a:p>
             <a:pPr lvl="1"/>
@@ -767,6 +715,7 @@
               <a:rPr lang="zh-CN" altLang="en-US"/>
               <a:t>二级</a:t>
             </a:r>
+            <a:endParaRPr lang="zh-CN" altLang="en-US"/>
           </a:p>
           <a:p>
             <a:pPr lvl="2"/>
@@ -774,6 +723,7 @@
               <a:rPr lang="zh-CN" altLang="en-US"/>
               <a:t>三级</a:t>
             </a:r>
+            <a:endParaRPr lang="zh-CN" altLang="en-US"/>
           </a:p>
           <a:p>
             <a:pPr lvl="3"/>
@@ -781,6 +731,7 @@
               <a:rPr lang="zh-CN" altLang="en-US"/>
               <a:t>四级</a:t>
             </a:r>
+            <a:endParaRPr lang="zh-CN" altLang="en-US"/>
           </a:p>
           <a:p>
             <a:pPr lvl="4"/>
@@ -788,18 +739,13 @@
               <a:rPr lang="zh-CN" altLang="en-US"/>
               <a:t>五级</a:t>
             </a:r>
-          </a:p>
-        </p:txBody>
-      </p:sp>
-      <p:sp>
-        <p:nvSpPr>
-          <p:cNvPr id="4" name="日期占位符 3">
-            <a:extLst>
-              <a:ext uri="{FF2B5EF4-FFF2-40B4-BE49-F238E27FC236}">
-                <a16:creationId xmlns:a16="http://schemas.microsoft.com/office/drawing/2014/main" id="{C5E1EC4A-DEB8-48E8-8407-37EC0DD2B0E6}"/>
-              </a:ext>
-            </a:extLst>
-          </p:cNvPr>
+            <a:endParaRPr lang="zh-CN" altLang="en-US"/>
+          </a:p>
+        </p:txBody>
+      </p:sp>
+      <p:sp>
+        <p:nvSpPr>
+          <p:cNvPr id="4" name="日期占位符 3"/>
           <p:cNvSpPr>
             <a:spLocks noGrp="1"/>
           </p:cNvSpPr>
@@ -814,7 +760,6 @@
           <a:p>
             <a:fld id="{B3DC1390-E0D3-4F54-80B6-EEDB5247BA75}" type="datetimeFigureOut">
               <a:rPr lang="zh-CN" altLang="en-US" smtClean="0"/>
-              <a:t>2022/1/13</a:t>
             </a:fld>
             <a:endParaRPr lang="zh-CN" altLang="en-US"/>
           </a:p>
@@ -822,13 +767,7 @@
       </p:sp>
       <p:sp>
         <p:nvSpPr>
-          <p:cNvPr id="5" name="页脚占位符 4">
-            <a:extLst>
-              <a:ext uri="{FF2B5EF4-FFF2-40B4-BE49-F238E27FC236}">
-                <a16:creationId xmlns:a16="http://schemas.microsoft.com/office/drawing/2014/main" id="{993F86FC-DC42-4E39-9DED-6E0D3297EA7C}"/>
-              </a:ext>
-            </a:extLst>
-          </p:cNvPr>
+          <p:cNvPr id="5" name="页脚占位符 4"/>
           <p:cNvSpPr>
             <a:spLocks noGrp="1"/>
           </p:cNvSpPr>
@@ -847,13 +786,7 @@
       </p:sp>
       <p:sp>
         <p:nvSpPr>
-          <p:cNvPr id="6" name="灯片编号占位符 5">
-            <a:extLst>
-              <a:ext uri="{FF2B5EF4-FFF2-40B4-BE49-F238E27FC236}">
-                <a16:creationId xmlns:a16="http://schemas.microsoft.com/office/drawing/2014/main" id="{81F8BFEA-1083-42B1-BB0A-D8049958ED7D}"/>
-              </a:ext>
-            </a:extLst>
-          </p:cNvPr>
+          <p:cNvPr id="6" name="灯片编号占位符 5"/>
           <p:cNvSpPr>
             <a:spLocks noGrp="1"/>
           </p:cNvSpPr>
@@ -868,18 +801,12 @@
           <a:p>
             <a:fld id="{725655B8-490E-4BA2-947D-8C01334AC0DD}" type="slidenum">
               <a:rPr lang="zh-CN" altLang="en-US" smtClean="0"/>
-              <a:t>‹#›</a:t>
             </a:fld>
             <a:endParaRPr lang="zh-CN" altLang="en-US"/>
           </a:p>
         </p:txBody>
       </p:sp>
     </p:spTree>
-    <p:extLst>
-      <p:ext uri="{BB962C8B-B14F-4D97-AF65-F5344CB8AC3E}">
-        <p14:creationId xmlns:p14="http://schemas.microsoft.com/office/powerpoint/2010/main" val="3874687063"/>
-      </p:ext>
-    </p:extLst>
   </p:cSld>
   <p:clrMapOvr>
     <a:masterClrMapping/>
@@ -906,13 +833,7 @@
       </p:grpSpPr>
       <p:sp>
         <p:nvSpPr>
-          <p:cNvPr id="2" name="竖排标题 1">
-            <a:extLst>
-              <a:ext uri="{FF2B5EF4-FFF2-40B4-BE49-F238E27FC236}">
-                <a16:creationId xmlns:a16="http://schemas.microsoft.com/office/drawing/2014/main" id="{23C5D70E-15A1-4029-A7BF-0C7BECE01C09}"/>
-              </a:ext>
-            </a:extLst>
-          </p:cNvPr>
+          <p:cNvPr id="2" name="竖排标题 1"/>
           <p:cNvSpPr>
             <a:spLocks noGrp="1"/>
           </p:cNvSpPr>
@@ -934,18 +855,13 @@
               <a:rPr lang="zh-CN" altLang="en-US"/>
               <a:t>单击此处编辑母版标题样式</a:t>
             </a:r>
-          </a:p>
-        </p:txBody>
-      </p:sp>
-      <p:sp>
-        <p:nvSpPr>
-          <p:cNvPr id="3" name="竖排文字占位符 2">
-            <a:extLst>
-              <a:ext uri="{FF2B5EF4-FFF2-40B4-BE49-F238E27FC236}">
-                <a16:creationId xmlns:a16="http://schemas.microsoft.com/office/drawing/2014/main" id="{D341DF88-7445-4E45-8881-556D4F861FBF}"/>
-              </a:ext>
-            </a:extLst>
-          </p:cNvPr>
+            <a:endParaRPr lang="zh-CN" altLang="en-US"/>
+          </a:p>
+        </p:txBody>
+      </p:sp>
+      <p:sp>
+        <p:nvSpPr>
+          <p:cNvPr id="3" name="竖排文字占位符 2"/>
           <p:cNvSpPr>
             <a:spLocks noGrp="1"/>
           </p:cNvSpPr>
@@ -968,6 +884,7 @@
               <a:rPr lang="zh-CN" altLang="en-US"/>
               <a:t>单击此处编辑母版文本样式</a:t>
             </a:r>
+            <a:endParaRPr lang="zh-CN" altLang="en-US"/>
           </a:p>
           <a:p>
             <a:pPr lvl="1"/>
@@ -975,6 +892,7 @@
               <a:rPr lang="zh-CN" altLang="en-US"/>
               <a:t>二级</a:t>
             </a:r>
+            <a:endParaRPr lang="zh-CN" altLang="en-US"/>
           </a:p>
           <a:p>
             <a:pPr lvl="2"/>
@@ -982,6 +900,7 @@
               <a:rPr lang="zh-CN" altLang="en-US"/>
               <a:t>三级</a:t>
             </a:r>
+            <a:endParaRPr lang="zh-CN" altLang="en-US"/>
           </a:p>
           <a:p>
             <a:pPr lvl="3"/>
@@ -989,6 +908,7 @@
               <a:rPr lang="zh-CN" altLang="en-US"/>
               <a:t>四级</a:t>
             </a:r>
+            <a:endParaRPr lang="zh-CN" altLang="en-US"/>
           </a:p>
           <a:p>
             <a:pPr lvl="4"/>
@@ -996,18 +916,13 @@
               <a:rPr lang="zh-CN" altLang="en-US"/>
               <a:t>五级</a:t>
             </a:r>
-          </a:p>
-        </p:txBody>
-      </p:sp>
-      <p:sp>
-        <p:nvSpPr>
-          <p:cNvPr id="4" name="日期占位符 3">
-            <a:extLst>
-              <a:ext uri="{FF2B5EF4-FFF2-40B4-BE49-F238E27FC236}">
-                <a16:creationId xmlns:a16="http://schemas.microsoft.com/office/drawing/2014/main" id="{86F684B8-A4F4-402E-84B1-95B12EAFCFC1}"/>
-              </a:ext>
-            </a:extLst>
-          </p:cNvPr>
+            <a:endParaRPr lang="zh-CN" altLang="en-US"/>
+          </a:p>
+        </p:txBody>
+      </p:sp>
+      <p:sp>
+        <p:nvSpPr>
+          <p:cNvPr id="4" name="日期占位符 3"/>
           <p:cNvSpPr>
             <a:spLocks noGrp="1"/>
           </p:cNvSpPr>
@@ -1022,7 +937,6 @@
           <a:p>
             <a:fld id="{B3DC1390-E0D3-4F54-80B6-EEDB5247BA75}" type="datetimeFigureOut">
               <a:rPr lang="zh-CN" altLang="en-US" smtClean="0"/>
-              <a:t>2022/1/13</a:t>
             </a:fld>
             <a:endParaRPr lang="zh-CN" altLang="en-US"/>
           </a:p>
@@ -1030,13 +944,7 @@
       </p:sp>
       <p:sp>
         <p:nvSpPr>
-          <p:cNvPr id="5" name="页脚占位符 4">
-            <a:extLst>
-              <a:ext uri="{FF2B5EF4-FFF2-40B4-BE49-F238E27FC236}">
-                <a16:creationId xmlns:a16="http://schemas.microsoft.com/office/drawing/2014/main" id="{E16C487B-47EE-492B-818A-39DEF79E9B52}"/>
-              </a:ext>
-            </a:extLst>
-          </p:cNvPr>
+          <p:cNvPr id="5" name="页脚占位符 4"/>
           <p:cNvSpPr>
             <a:spLocks noGrp="1"/>
           </p:cNvSpPr>
@@ -1055,13 +963,7 @@
       </p:sp>
       <p:sp>
         <p:nvSpPr>
-          <p:cNvPr id="6" name="灯片编号占位符 5">
-            <a:extLst>
-              <a:ext uri="{FF2B5EF4-FFF2-40B4-BE49-F238E27FC236}">
-                <a16:creationId xmlns:a16="http://schemas.microsoft.com/office/drawing/2014/main" id="{D61190BE-AED3-4457-BD54-01B1730F2D69}"/>
-              </a:ext>
-            </a:extLst>
-          </p:cNvPr>
+          <p:cNvPr id="6" name="灯片编号占位符 5"/>
           <p:cNvSpPr>
             <a:spLocks noGrp="1"/>
           </p:cNvSpPr>
@@ -1076,18 +978,12 @@
           <a:p>
             <a:fld id="{725655B8-490E-4BA2-947D-8C01334AC0DD}" type="slidenum">
               <a:rPr lang="zh-CN" altLang="en-US" smtClean="0"/>
-              <a:t>‹#›</a:t>
             </a:fld>
             <a:endParaRPr lang="zh-CN" altLang="en-US"/>
           </a:p>
         </p:txBody>
       </p:sp>
     </p:spTree>
-    <p:extLst>
-      <p:ext uri="{BB962C8B-B14F-4D97-AF65-F5344CB8AC3E}">
-        <p14:creationId xmlns:p14="http://schemas.microsoft.com/office/powerpoint/2010/main" val="1302404069"/>
-      </p:ext>
-    </p:extLst>
   </p:cSld>
   <p:clrMapOvr>
     <a:masterClrMapping/>
@@ -1114,13 +1010,7 @@
       </p:grpSpPr>
       <p:sp>
         <p:nvSpPr>
-          <p:cNvPr id="2" name="标题 1">
-            <a:extLst>
-              <a:ext uri="{FF2B5EF4-FFF2-40B4-BE49-F238E27FC236}">
-                <a16:creationId xmlns:a16="http://schemas.microsoft.com/office/drawing/2014/main" id="{32152BD0-14FC-41AB-A830-689A99FCFB18}"/>
-              </a:ext>
-            </a:extLst>
-          </p:cNvPr>
+          <p:cNvPr id="2" name="标题 1"/>
           <p:cNvSpPr>
             <a:spLocks noGrp="1"/>
           </p:cNvSpPr>
@@ -1137,18 +1027,13 @@
               <a:rPr lang="zh-CN" altLang="en-US"/>
               <a:t>单击此处编辑母版标题样式</a:t>
             </a:r>
-          </a:p>
-        </p:txBody>
-      </p:sp>
-      <p:sp>
-        <p:nvSpPr>
-          <p:cNvPr id="3" name="内容占位符 2">
-            <a:extLst>
-              <a:ext uri="{FF2B5EF4-FFF2-40B4-BE49-F238E27FC236}">
-                <a16:creationId xmlns:a16="http://schemas.microsoft.com/office/drawing/2014/main" id="{C26A3E07-2455-4A00-A301-04F400711BD6}"/>
-              </a:ext>
-            </a:extLst>
-          </p:cNvPr>
+            <a:endParaRPr lang="zh-CN" altLang="en-US"/>
+          </a:p>
+        </p:txBody>
+      </p:sp>
+      <p:sp>
+        <p:nvSpPr>
+          <p:cNvPr id="3" name="内容占位符 2"/>
           <p:cNvSpPr>
             <a:spLocks noGrp="1"/>
           </p:cNvSpPr>
@@ -1166,6 +1051,7 @@
               <a:rPr lang="zh-CN" altLang="en-US"/>
               <a:t>单击此处编辑母版文本样式</a:t>
             </a:r>
+            <a:endParaRPr lang="zh-CN" altLang="en-US"/>
           </a:p>
           <a:p>
             <a:pPr lvl="1"/>
@@ -1173,6 +1059,7 @@
               <a:rPr lang="zh-CN" altLang="en-US"/>
               <a:t>二级</a:t>
             </a:r>
+            <a:endParaRPr lang="zh-CN" altLang="en-US"/>
           </a:p>
           <a:p>
             <a:pPr lvl="2"/>
@@ -1180,6 +1067,7 @@
               <a:rPr lang="zh-CN" altLang="en-US"/>
               <a:t>三级</a:t>
             </a:r>
+            <a:endParaRPr lang="zh-CN" altLang="en-US"/>
           </a:p>
           <a:p>
             <a:pPr lvl="3"/>
@@ -1187,6 +1075,7 @@
               <a:rPr lang="zh-CN" altLang="en-US"/>
               <a:t>四级</a:t>
             </a:r>
+            <a:endParaRPr lang="zh-CN" altLang="en-US"/>
           </a:p>
           <a:p>
             <a:pPr lvl="4"/>
@@ -1194,18 +1083,13 @@
               <a:rPr lang="zh-CN" altLang="en-US"/>
               <a:t>五级</a:t>
             </a:r>
-          </a:p>
-        </p:txBody>
-      </p:sp>
-      <p:sp>
-        <p:nvSpPr>
-          <p:cNvPr id="4" name="日期占位符 3">
-            <a:extLst>
-              <a:ext uri="{FF2B5EF4-FFF2-40B4-BE49-F238E27FC236}">
-                <a16:creationId xmlns:a16="http://schemas.microsoft.com/office/drawing/2014/main" id="{B71D4FFA-86C7-4587-9E74-C6164E6CE907}"/>
-              </a:ext>
-            </a:extLst>
-          </p:cNvPr>
+            <a:endParaRPr lang="zh-CN" altLang="en-US"/>
+          </a:p>
+        </p:txBody>
+      </p:sp>
+      <p:sp>
+        <p:nvSpPr>
+          <p:cNvPr id="4" name="日期占位符 3"/>
           <p:cNvSpPr>
             <a:spLocks noGrp="1"/>
           </p:cNvSpPr>
@@ -1220,7 +1104,6 @@
           <a:p>
             <a:fld id="{B3DC1390-E0D3-4F54-80B6-EEDB5247BA75}" type="datetimeFigureOut">
               <a:rPr lang="zh-CN" altLang="en-US" smtClean="0"/>
-              <a:t>2022/1/13</a:t>
             </a:fld>
             <a:endParaRPr lang="zh-CN" altLang="en-US"/>
           </a:p>
@@ -1228,13 +1111,7 @@
       </p:sp>
       <p:sp>
         <p:nvSpPr>
-          <p:cNvPr id="5" name="页脚占位符 4">
-            <a:extLst>
-              <a:ext uri="{FF2B5EF4-FFF2-40B4-BE49-F238E27FC236}">
-                <a16:creationId xmlns:a16="http://schemas.microsoft.com/office/drawing/2014/main" id="{86611E0D-4149-49E1-8155-D758E2216452}"/>
-              </a:ext>
-            </a:extLst>
-          </p:cNvPr>
+          <p:cNvPr id="5" name="页脚占位符 4"/>
           <p:cNvSpPr>
             <a:spLocks noGrp="1"/>
           </p:cNvSpPr>
@@ -1253,13 +1130,7 @@
       </p:sp>
       <p:sp>
         <p:nvSpPr>
-          <p:cNvPr id="6" name="灯片编号占位符 5">
-            <a:extLst>
-              <a:ext uri="{FF2B5EF4-FFF2-40B4-BE49-F238E27FC236}">
-                <a16:creationId xmlns:a16="http://schemas.microsoft.com/office/drawing/2014/main" id="{B0777EFC-DFFD-4F47-A8B9-A54E45A45AE6}"/>
-              </a:ext>
-            </a:extLst>
-          </p:cNvPr>
+          <p:cNvPr id="6" name="灯片编号占位符 5"/>
           <p:cNvSpPr>
             <a:spLocks noGrp="1"/>
           </p:cNvSpPr>
@@ -1274,18 +1145,12 @@
           <a:p>
             <a:fld id="{725655B8-490E-4BA2-947D-8C01334AC0DD}" type="slidenum">
               <a:rPr lang="zh-CN" altLang="en-US" smtClean="0"/>
-              <a:t>‹#›</a:t>
             </a:fld>
             <a:endParaRPr lang="zh-CN" altLang="en-US"/>
           </a:p>
         </p:txBody>
       </p:sp>
     </p:spTree>
-    <p:extLst>
-      <p:ext uri="{BB962C8B-B14F-4D97-AF65-F5344CB8AC3E}">
-        <p14:creationId xmlns:p14="http://schemas.microsoft.com/office/powerpoint/2010/main" val="2668777526"/>
-      </p:ext>
-    </p:extLst>
   </p:cSld>
   <p:clrMapOvr>
     <a:masterClrMapping/>
@@ -1312,13 +1177,7 @@
       </p:grpSpPr>
       <p:sp>
         <p:nvSpPr>
-          <p:cNvPr id="2" name="标题 1">
-            <a:extLst>
-              <a:ext uri="{FF2B5EF4-FFF2-40B4-BE49-F238E27FC236}">
-                <a16:creationId xmlns:a16="http://schemas.microsoft.com/office/drawing/2014/main" id="{F7E7871D-E8F8-45A4-B755-8C881D6402CA}"/>
-              </a:ext>
-            </a:extLst>
-          </p:cNvPr>
+          <p:cNvPr id="2" name="标题 1"/>
           <p:cNvSpPr>
             <a:spLocks noGrp="1"/>
           </p:cNvSpPr>
@@ -1344,18 +1203,13 @@
               <a:rPr lang="zh-CN" altLang="en-US"/>
               <a:t>单击此处编辑母版标题样式</a:t>
             </a:r>
-          </a:p>
-        </p:txBody>
-      </p:sp>
-      <p:sp>
-        <p:nvSpPr>
-          <p:cNvPr id="3" name="文本占位符 2">
-            <a:extLst>
-              <a:ext uri="{FF2B5EF4-FFF2-40B4-BE49-F238E27FC236}">
-                <a16:creationId xmlns:a16="http://schemas.microsoft.com/office/drawing/2014/main" id="{ADD8640F-9973-414D-9FE4-F977F0F7921C}"/>
-              </a:ext>
-            </a:extLst>
-          </p:cNvPr>
+            <a:endParaRPr lang="zh-CN" altLang="en-US"/>
+          </a:p>
+        </p:txBody>
+      </p:sp>
+      <p:sp>
+        <p:nvSpPr>
+          <p:cNvPr id="3" name="文本占位符 2"/>
           <p:cNvSpPr>
             <a:spLocks noGrp="1"/>
           </p:cNvSpPr>
@@ -1469,18 +1323,13 @@
               <a:rPr lang="zh-CN" altLang="en-US"/>
               <a:t>单击此处编辑母版文本样式</a:t>
             </a:r>
-          </a:p>
-        </p:txBody>
-      </p:sp>
-      <p:sp>
-        <p:nvSpPr>
-          <p:cNvPr id="4" name="日期占位符 3">
-            <a:extLst>
-              <a:ext uri="{FF2B5EF4-FFF2-40B4-BE49-F238E27FC236}">
-                <a16:creationId xmlns:a16="http://schemas.microsoft.com/office/drawing/2014/main" id="{34B6A379-CB86-48F9-9E41-398BEC6C33AF}"/>
-              </a:ext>
-            </a:extLst>
-          </p:cNvPr>
+            <a:endParaRPr lang="zh-CN" altLang="en-US"/>
+          </a:p>
+        </p:txBody>
+      </p:sp>
+      <p:sp>
+        <p:nvSpPr>
+          <p:cNvPr id="4" name="日期占位符 3"/>
           <p:cNvSpPr>
             <a:spLocks noGrp="1"/>
           </p:cNvSpPr>
@@ -1495,7 +1344,6 @@
           <a:p>
             <a:fld id="{B3DC1390-E0D3-4F54-80B6-EEDB5247BA75}" type="datetimeFigureOut">
               <a:rPr lang="zh-CN" altLang="en-US" smtClean="0"/>
-              <a:t>2022/1/13</a:t>
             </a:fld>
             <a:endParaRPr lang="zh-CN" altLang="en-US"/>
           </a:p>
@@ -1503,13 +1351,7 @@
       </p:sp>
       <p:sp>
         <p:nvSpPr>
-          <p:cNvPr id="5" name="页脚占位符 4">
-            <a:extLst>
-              <a:ext uri="{FF2B5EF4-FFF2-40B4-BE49-F238E27FC236}">
-                <a16:creationId xmlns:a16="http://schemas.microsoft.com/office/drawing/2014/main" id="{457FA575-6C8F-47DE-A35D-184F76D582B1}"/>
-              </a:ext>
-            </a:extLst>
-          </p:cNvPr>
+          <p:cNvPr id="5" name="页脚占位符 4"/>
           <p:cNvSpPr>
             <a:spLocks noGrp="1"/>
           </p:cNvSpPr>
@@ -1528,13 +1370,7 @@
       </p:sp>
       <p:sp>
         <p:nvSpPr>
-          <p:cNvPr id="6" name="灯片编号占位符 5">
-            <a:extLst>
-              <a:ext uri="{FF2B5EF4-FFF2-40B4-BE49-F238E27FC236}">
-                <a16:creationId xmlns:a16="http://schemas.microsoft.com/office/drawing/2014/main" id="{2DF4E302-C2A9-44F7-AB61-79F48EC73F75}"/>
-              </a:ext>
-            </a:extLst>
-          </p:cNvPr>
+          <p:cNvPr id="6" name="灯片编号占位符 5"/>
           <p:cNvSpPr>
             <a:spLocks noGrp="1"/>
           </p:cNvSpPr>
@@ -1549,18 +1385,12 @@
           <a:p>
             <a:fld id="{725655B8-490E-4BA2-947D-8C01334AC0DD}" type="slidenum">
               <a:rPr lang="zh-CN" altLang="en-US" smtClean="0"/>
-              <a:t>‹#›</a:t>
             </a:fld>
             <a:endParaRPr lang="zh-CN" altLang="en-US"/>
           </a:p>
         </p:txBody>
       </p:sp>
     </p:spTree>
-    <p:extLst>
-      <p:ext uri="{BB962C8B-B14F-4D97-AF65-F5344CB8AC3E}">
-        <p14:creationId xmlns:p14="http://schemas.microsoft.com/office/powerpoint/2010/main" val="2771171676"/>
-      </p:ext>
-    </p:extLst>
   </p:cSld>
   <p:clrMapOvr>
     <a:masterClrMapping/>
@@ -1587,13 +1417,7 @@
       </p:grpSpPr>
       <p:sp>
         <p:nvSpPr>
-          <p:cNvPr id="2" name="标题 1">
-            <a:extLst>
-              <a:ext uri="{FF2B5EF4-FFF2-40B4-BE49-F238E27FC236}">
-                <a16:creationId xmlns:a16="http://schemas.microsoft.com/office/drawing/2014/main" id="{3D233F7A-F27A-474F-B38A-E01CF38CDC83}"/>
-              </a:ext>
-            </a:extLst>
-          </p:cNvPr>
+          <p:cNvPr id="2" name="标题 1"/>
           <p:cNvSpPr>
             <a:spLocks noGrp="1"/>
           </p:cNvSpPr>
@@ -1610,18 +1434,13 @@
               <a:rPr lang="zh-CN" altLang="en-US"/>
               <a:t>单击此处编辑母版标题样式</a:t>
             </a:r>
-          </a:p>
-        </p:txBody>
-      </p:sp>
-      <p:sp>
-        <p:nvSpPr>
-          <p:cNvPr id="3" name="内容占位符 2">
-            <a:extLst>
-              <a:ext uri="{FF2B5EF4-FFF2-40B4-BE49-F238E27FC236}">
-                <a16:creationId xmlns:a16="http://schemas.microsoft.com/office/drawing/2014/main" id="{6C35AF55-179B-4BD4-ADE7-43EB2B8A69E7}"/>
-              </a:ext>
-            </a:extLst>
-          </p:cNvPr>
+            <a:endParaRPr lang="zh-CN" altLang="en-US"/>
+          </a:p>
+        </p:txBody>
+      </p:sp>
+      <p:sp>
+        <p:nvSpPr>
+          <p:cNvPr id="3" name="内容占位符 2"/>
           <p:cNvSpPr>
             <a:spLocks noGrp="1"/>
           </p:cNvSpPr>
@@ -1644,6 +1463,7 @@
               <a:rPr lang="zh-CN" altLang="en-US"/>
               <a:t>单击此处编辑母版文本样式</a:t>
             </a:r>
+            <a:endParaRPr lang="zh-CN" altLang="en-US"/>
           </a:p>
           <a:p>
             <a:pPr lvl="1"/>
@@ -1651,6 +1471,7 @@
               <a:rPr lang="zh-CN" altLang="en-US"/>
               <a:t>二级</a:t>
             </a:r>
+            <a:endParaRPr lang="zh-CN" altLang="en-US"/>
           </a:p>
           <a:p>
             <a:pPr lvl="2"/>
@@ -1658,6 +1479,7 @@
               <a:rPr lang="zh-CN" altLang="en-US"/>
               <a:t>三级</a:t>
             </a:r>
+            <a:endParaRPr lang="zh-CN" altLang="en-US"/>
           </a:p>
           <a:p>
             <a:pPr lvl="3"/>
@@ -1665,6 +1487,7 @@
               <a:rPr lang="zh-CN" altLang="en-US"/>
               <a:t>四级</a:t>
             </a:r>
+            <a:endParaRPr lang="zh-CN" altLang="en-US"/>
           </a:p>
           <a:p>
             <a:pPr lvl="4"/>
@@ -1672,18 +1495,13 @@
               <a:rPr lang="zh-CN" altLang="en-US"/>
               <a:t>五级</a:t>
             </a:r>
-          </a:p>
-        </p:txBody>
-      </p:sp>
-      <p:sp>
-        <p:nvSpPr>
-          <p:cNvPr id="4" name="内容占位符 3">
-            <a:extLst>
-              <a:ext uri="{FF2B5EF4-FFF2-40B4-BE49-F238E27FC236}">
-                <a16:creationId xmlns:a16="http://schemas.microsoft.com/office/drawing/2014/main" id="{0994B84F-D11E-49B0-AC5B-FFE91FEE1106}"/>
-              </a:ext>
-            </a:extLst>
-          </p:cNvPr>
+            <a:endParaRPr lang="zh-CN" altLang="en-US"/>
+          </a:p>
+        </p:txBody>
+      </p:sp>
+      <p:sp>
+        <p:nvSpPr>
+          <p:cNvPr id="4" name="内容占位符 3"/>
           <p:cNvSpPr>
             <a:spLocks noGrp="1"/>
           </p:cNvSpPr>
@@ -1706,6 +1524,7 @@
               <a:rPr lang="zh-CN" altLang="en-US"/>
               <a:t>单击此处编辑母版文本样式</a:t>
             </a:r>
+            <a:endParaRPr lang="zh-CN" altLang="en-US"/>
           </a:p>
           <a:p>
             <a:pPr lvl="1"/>
@@ -1713,6 +1532,7 @@
               <a:rPr lang="zh-CN" altLang="en-US"/>
               <a:t>二级</a:t>
             </a:r>
+            <a:endParaRPr lang="zh-CN" altLang="en-US"/>
           </a:p>
           <a:p>
             <a:pPr lvl="2"/>
@@ -1720,6 +1540,7 @@
               <a:rPr lang="zh-CN" altLang="en-US"/>
               <a:t>三级</a:t>
             </a:r>
+            <a:endParaRPr lang="zh-CN" altLang="en-US"/>
           </a:p>
           <a:p>
             <a:pPr lvl="3"/>
@@ -1727,6 +1548,7 @@
               <a:rPr lang="zh-CN" altLang="en-US"/>
               <a:t>四级</a:t>
             </a:r>
+            <a:endParaRPr lang="zh-CN" altLang="en-US"/>
           </a:p>
           <a:p>
             <a:pPr lvl="4"/>
@@ -1734,18 +1556,13 @@
               <a:rPr lang="zh-CN" altLang="en-US"/>
               <a:t>五级</a:t>
             </a:r>
-          </a:p>
-        </p:txBody>
-      </p:sp>
-      <p:sp>
-        <p:nvSpPr>
-          <p:cNvPr id="5" name="日期占位符 4">
-            <a:extLst>
-              <a:ext uri="{FF2B5EF4-FFF2-40B4-BE49-F238E27FC236}">
-                <a16:creationId xmlns:a16="http://schemas.microsoft.com/office/drawing/2014/main" id="{F2A18FF7-31E9-4E71-9ED3-C86528BAD3CF}"/>
-              </a:ext>
-            </a:extLst>
-          </p:cNvPr>
+            <a:endParaRPr lang="zh-CN" altLang="en-US"/>
+          </a:p>
+        </p:txBody>
+      </p:sp>
+      <p:sp>
+        <p:nvSpPr>
+          <p:cNvPr id="5" name="日期占位符 4"/>
           <p:cNvSpPr>
             <a:spLocks noGrp="1"/>
           </p:cNvSpPr>
@@ -1760,7 +1577,6 @@
           <a:p>
             <a:fld id="{B3DC1390-E0D3-4F54-80B6-EEDB5247BA75}" type="datetimeFigureOut">
               <a:rPr lang="zh-CN" altLang="en-US" smtClean="0"/>
-              <a:t>2022/1/13</a:t>
             </a:fld>
             <a:endParaRPr lang="zh-CN" altLang="en-US"/>
           </a:p>
@@ -1768,13 +1584,7 @@
       </p:sp>
       <p:sp>
         <p:nvSpPr>
-          <p:cNvPr id="6" name="页脚占位符 5">
-            <a:extLst>
-              <a:ext uri="{FF2B5EF4-FFF2-40B4-BE49-F238E27FC236}">
-                <a16:creationId xmlns:a16="http://schemas.microsoft.com/office/drawing/2014/main" id="{B0352C24-7B52-4B4C-943F-70E798C602D9}"/>
-              </a:ext>
-            </a:extLst>
-          </p:cNvPr>
+          <p:cNvPr id="6" name="页脚占位符 5"/>
           <p:cNvSpPr>
             <a:spLocks noGrp="1"/>
           </p:cNvSpPr>
@@ -1793,13 +1603,7 @@
       </p:sp>
       <p:sp>
         <p:nvSpPr>
-          <p:cNvPr id="7" name="灯片编号占位符 6">
-            <a:extLst>
-              <a:ext uri="{FF2B5EF4-FFF2-40B4-BE49-F238E27FC236}">
-                <a16:creationId xmlns:a16="http://schemas.microsoft.com/office/drawing/2014/main" id="{6546C0C6-C50B-479A-9DBD-E416A257A6F5}"/>
-              </a:ext>
-            </a:extLst>
-          </p:cNvPr>
+          <p:cNvPr id="7" name="灯片编号占位符 6"/>
           <p:cNvSpPr>
             <a:spLocks noGrp="1"/>
           </p:cNvSpPr>
@@ -1814,18 +1618,12 @@
           <a:p>
             <a:fld id="{725655B8-490E-4BA2-947D-8C01334AC0DD}" type="slidenum">
               <a:rPr lang="zh-CN" altLang="en-US" smtClean="0"/>
-              <a:t>‹#›</a:t>
             </a:fld>
             <a:endParaRPr lang="zh-CN" altLang="en-US"/>
           </a:p>
         </p:txBody>
       </p:sp>
     </p:spTree>
-    <p:extLst>
-      <p:ext uri="{BB962C8B-B14F-4D97-AF65-F5344CB8AC3E}">
-        <p14:creationId xmlns:p14="http://schemas.microsoft.com/office/powerpoint/2010/main" val="2341426531"/>
-      </p:ext>
-    </p:extLst>
   </p:cSld>
   <p:clrMapOvr>
     <a:masterClrMapping/>
@@ -1852,13 +1650,7 @@
       </p:grpSpPr>
       <p:sp>
         <p:nvSpPr>
-          <p:cNvPr id="2" name="标题 1">
-            <a:extLst>
-              <a:ext uri="{FF2B5EF4-FFF2-40B4-BE49-F238E27FC236}">
-                <a16:creationId xmlns:a16="http://schemas.microsoft.com/office/drawing/2014/main" id="{BA331B03-E824-4F48-B76F-86DD9B8DA71F}"/>
-              </a:ext>
-            </a:extLst>
-          </p:cNvPr>
+          <p:cNvPr id="2" name="标题 1"/>
           <p:cNvSpPr>
             <a:spLocks noGrp="1"/>
           </p:cNvSpPr>
@@ -1880,18 +1672,13 @@
               <a:rPr lang="zh-CN" altLang="en-US"/>
               <a:t>单击此处编辑母版标题样式</a:t>
             </a:r>
-          </a:p>
-        </p:txBody>
-      </p:sp>
-      <p:sp>
-        <p:nvSpPr>
-          <p:cNvPr id="3" name="文本占位符 2">
-            <a:extLst>
-              <a:ext uri="{FF2B5EF4-FFF2-40B4-BE49-F238E27FC236}">
-                <a16:creationId xmlns:a16="http://schemas.microsoft.com/office/drawing/2014/main" id="{B001C7B5-A788-44C3-A946-DD20EF9221D1}"/>
-              </a:ext>
-            </a:extLst>
-          </p:cNvPr>
+            <a:endParaRPr lang="zh-CN" altLang="en-US"/>
+          </a:p>
+        </p:txBody>
+      </p:sp>
+      <p:sp>
+        <p:nvSpPr>
+          <p:cNvPr id="3" name="文本占位符 2"/>
           <p:cNvSpPr>
             <a:spLocks noGrp="1"/>
           </p:cNvSpPr>
@@ -1951,18 +1738,13 @@
               <a:rPr lang="zh-CN" altLang="en-US"/>
               <a:t>单击此处编辑母版文本样式</a:t>
             </a:r>
-          </a:p>
-        </p:txBody>
-      </p:sp>
-      <p:sp>
-        <p:nvSpPr>
-          <p:cNvPr id="4" name="内容占位符 3">
-            <a:extLst>
-              <a:ext uri="{FF2B5EF4-FFF2-40B4-BE49-F238E27FC236}">
-                <a16:creationId xmlns:a16="http://schemas.microsoft.com/office/drawing/2014/main" id="{6BB704FE-DC82-4BB3-9CEA-B25699F1CCA2}"/>
-              </a:ext>
-            </a:extLst>
-          </p:cNvPr>
+            <a:endParaRPr lang="zh-CN" altLang="en-US"/>
+          </a:p>
+        </p:txBody>
+      </p:sp>
+      <p:sp>
+        <p:nvSpPr>
+          <p:cNvPr id="4" name="内容占位符 3"/>
           <p:cNvSpPr>
             <a:spLocks noGrp="1"/>
           </p:cNvSpPr>
@@ -1985,6 +1767,7 @@
               <a:rPr lang="zh-CN" altLang="en-US"/>
               <a:t>单击此处编辑母版文本样式</a:t>
             </a:r>
+            <a:endParaRPr lang="zh-CN" altLang="en-US"/>
           </a:p>
           <a:p>
             <a:pPr lvl="1"/>
@@ -1992,6 +1775,7 @@
               <a:rPr lang="zh-CN" altLang="en-US"/>
               <a:t>二级</a:t>
             </a:r>
+            <a:endParaRPr lang="zh-CN" altLang="en-US"/>
           </a:p>
           <a:p>
             <a:pPr lvl="2"/>
@@ -1999,6 +1783,7 @@
               <a:rPr lang="zh-CN" altLang="en-US"/>
               <a:t>三级</a:t>
             </a:r>
+            <a:endParaRPr lang="zh-CN" altLang="en-US"/>
           </a:p>
           <a:p>
             <a:pPr lvl="3"/>
@@ -2006,6 +1791,7 @@
               <a:rPr lang="zh-CN" altLang="en-US"/>
               <a:t>四级</a:t>
             </a:r>
+            <a:endParaRPr lang="zh-CN" altLang="en-US"/>
           </a:p>
           <a:p>
             <a:pPr lvl="4"/>
@@ -2013,18 +1799,13 @@
               <a:rPr lang="zh-CN" altLang="en-US"/>
               <a:t>五级</a:t>
             </a:r>
-          </a:p>
-        </p:txBody>
-      </p:sp>
-      <p:sp>
-        <p:nvSpPr>
-          <p:cNvPr id="5" name="文本占位符 4">
-            <a:extLst>
-              <a:ext uri="{FF2B5EF4-FFF2-40B4-BE49-F238E27FC236}">
-                <a16:creationId xmlns:a16="http://schemas.microsoft.com/office/drawing/2014/main" id="{65029038-7504-447A-8029-7E535A6FB19C}"/>
-              </a:ext>
-            </a:extLst>
-          </p:cNvPr>
+            <a:endParaRPr lang="zh-CN" altLang="en-US"/>
+          </a:p>
+        </p:txBody>
+      </p:sp>
+      <p:sp>
+        <p:nvSpPr>
+          <p:cNvPr id="5" name="文本占位符 4"/>
           <p:cNvSpPr>
             <a:spLocks noGrp="1"/>
           </p:cNvSpPr>
@@ -2084,18 +1865,13 @@
               <a:rPr lang="zh-CN" altLang="en-US"/>
               <a:t>单击此处编辑母版文本样式</a:t>
             </a:r>
-          </a:p>
-        </p:txBody>
-      </p:sp>
-      <p:sp>
-        <p:nvSpPr>
-          <p:cNvPr id="6" name="内容占位符 5">
-            <a:extLst>
-              <a:ext uri="{FF2B5EF4-FFF2-40B4-BE49-F238E27FC236}">
-                <a16:creationId xmlns:a16="http://schemas.microsoft.com/office/drawing/2014/main" id="{55B7655C-09AD-4D67-BD45-B56C0F5480D3}"/>
-              </a:ext>
-            </a:extLst>
-          </p:cNvPr>
+            <a:endParaRPr lang="zh-CN" altLang="en-US"/>
+          </a:p>
+        </p:txBody>
+      </p:sp>
+      <p:sp>
+        <p:nvSpPr>
+          <p:cNvPr id="6" name="内容占位符 5"/>
           <p:cNvSpPr>
             <a:spLocks noGrp="1"/>
           </p:cNvSpPr>
@@ -2118,6 +1894,7 @@
               <a:rPr lang="zh-CN" altLang="en-US"/>
               <a:t>单击此处编辑母版文本样式</a:t>
             </a:r>
+            <a:endParaRPr lang="zh-CN" altLang="en-US"/>
           </a:p>
           <a:p>
             <a:pPr lvl="1"/>
@@ -2125,6 +1902,7 @@
               <a:rPr lang="zh-CN" altLang="en-US"/>
               <a:t>二级</a:t>
             </a:r>
+            <a:endParaRPr lang="zh-CN" altLang="en-US"/>
           </a:p>
           <a:p>
             <a:pPr lvl="2"/>
@@ -2132,6 +1910,7 @@
               <a:rPr lang="zh-CN" altLang="en-US"/>
               <a:t>三级</a:t>
             </a:r>
+            <a:endParaRPr lang="zh-CN" altLang="en-US"/>
           </a:p>
           <a:p>
             <a:pPr lvl="3"/>
@@ -2139,6 +1918,7 @@
               <a:rPr lang="zh-CN" altLang="en-US"/>
               <a:t>四级</a:t>
             </a:r>
+            <a:endParaRPr lang="zh-CN" altLang="en-US"/>
           </a:p>
           <a:p>
             <a:pPr lvl="4"/>
@@ -2146,18 +1926,13 @@
               <a:rPr lang="zh-CN" altLang="en-US"/>
               <a:t>五级</a:t>
             </a:r>
-          </a:p>
-        </p:txBody>
-      </p:sp>
-      <p:sp>
-        <p:nvSpPr>
-          <p:cNvPr id="7" name="日期占位符 6">
-            <a:extLst>
-              <a:ext uri="{FF2B5EF4-FFF2-40B4-BE49-F238E27FC236}">
-                <a16:creationId xmlns:a16="http://schemas.microsoft.com/office/drawing/2014/main" id="{C4BD8044-0085-425C-B7F2-3596A2E4409C}"/>
-              </a:ext>
-            </a:extLst>
-          </p:cNvPr>
+            <a:endParaRPr lang="zh-CN" altLang="en-US"/>
+          </a:p>
+        </p:txBody>
+      </p:sp>
+      <p:sp>
+        <p:nvSpPr>
+          <p:cNvPr id="7" name="日期占位符 6"/>
           <p:cNvSpPr>
             <a:spLocks noGrp="1"/>
           </p:cNvSpPr>
@@ -2172,7 +1947,6 @@
           <a:p>
             <a:fld id="{B3DC1390-E0D3-4F54-80B6-EEDB5247BA75}" type="datetimeFigureOut">
               <a:rPr lang="zh-CN" altLang="en-US" smtClean="0"/>
-              <a:t>2022/1/13</a:t>
             </a:fld>
             <a:endParaRPr lang="zh-CN" altLang="en-US"/>
           </a:p>
@@ -2180,13 +1954,7 @@
       </p:sp>
       <p:sp>
         <p:nvSpPr>
-          <p:cNvPr id="8" name="页脚占位符 7">
-            <a:extLst>
-              <a:ext uri="{FF2B5EF4-FFF2-40B4-BE49-F238E27FC236}">
-                <a16:creationId xmlns:a16="http://schemas.microsoft.com/office/drawing/2014/main" id="{8FA03E6A-B99B-4960-A232-CB1E75207D78}"/>
-              </a:ext>
-            </a:extLst>
-          </p:cNvPr>
+          <p:cNvPr id="8" name="页脚占位符 7"/>
           <p:cNvSpPr>
             <a:spLocks noGrp="1"/>
           </p:cNvSpPr>
@@ -2205,13 +1973,7 @@
       </p:sp>
       <p:sp>
         <p:nvSpPr>
-          <p:cNvPr id="9" name="灯片编号占位符 8">
-            <a:extLst>
-              <a:ext uri="{FF2B5EF4-FFF2-40B4-BE49-F238E27FC236}">
-                <a16:creationId xmlns:a16="http://schemas.microsoft.com/office/drawing/2014/main" id="{19EF984A-7BE1-4C69-955A-E93B9295C2CB}"/>
-              </a:ext>
-            </a:extLst>
-          </p:cNvPr>
+          <p:cNvPr id="9" name="灯片编号占位符 8"/>
           <p:cNvSpPr>
             <a:spLocks noGrp="1"/>
           </p:cNvSpPr>
@@ -2226,18 +1988,12 @@
           <a:p>
             <a:fld id="{725655B8-490E-4BA2-947D-8C01334AC0DD}" type="slidenum">
               <a:rPr lang="zh-CN" altLang="en-US" smtClean="0"/>
-              <a:t>‹#›</a:t>
             </a:fld>
             <a:endParaRPr lang="zh-CN" altLang="en-US"/>
           </a:p>
         </p:txBody>
       </p:sp>
     </p:spTree>
-    <p:extLst>
-      <p:ext uri="{BB962C8B-B14F-4D97-AF65-F5344CB8AC3E}">
-        <p14:creationId xmlns:p14="http://schemas.microsoft.com/office/powerpoint/2010/main" val="627392347"/>
-      </p:ext>
-    </p:extLst>
   </p:cSld>
   <p:clrMapOvr>
     <a:masterClrMapping/>
@@ -2264,13 +2020,7 @@
       </p:grpSpPr>
       <p:sp>
         <p:nvSpPr>
-          <p:cNvPr id="2" name="标题 1">
-            <a:extLst>
-              <a:ext uri="{FF2B5EF4-FFF2-40B4-BE49-F238E27FC236}">
-                <a16:creationId xmlns:a16="http://schemas.microsoft.com/office/drawing/2014/main" id="{7419FD4D-6321-459C-8408-062018EA63BB}"/>
-              </a:ext>
-            </a:extLst>
-          </p:cNvPr>
+          <p:cNvPr id="2" name="标题 1"/>
           <p:cNvSpPr>
             <a:spLocks noGrp="1"/>
           </p:cNvSpPr>
@@ -2287,18 +2037,13 @@
               <a:rPr lang="zh-CN" altLang="en-US"/>
               <a:t>单击此处编辑母版标题样式</a:t>
             </a:r>
-          </a:p>
-        </p:txBody>
-      </p:sp>
-      <p:sp>
-        <p:nvSpPr>
-          <p:cNvPr id="3" name="日期占位符 2">
-            <a:extLst>
-              <a:ext uri="{FF2B5EF4-FFF2-40B4-BE49-F238E27FC236}">
-                <a16:creationId xmlns:a16="http://schemas.microsoft.com/office/drawing/2014/main" id="{D2A23D91-D153-4BCC-AEDA-0B01DDF1E065}"/>
-              </a:ext>
-            </a:extLst>
-          </p:cNvPr>
+            <a:endParaRPr lang="zh-CN" altLang="en-US"/>
+          </a:p>
+        </p:txBody>
+      </p:sp>
+      <p:sp>
+        <p:nvSpPr>
+          <p:cNvPr id="3" name="日期占位符 2"/>
           <p:cNvSpPr>
             <a:spLocks noGrp="1"/>
           </p:cNvSpPr>
@@ -2313,7 +2058,6 @@
           <a:p>
             <a:fld id="{B3DC1390-E0D3-4F54-80B6-EEDB5247BA75}" type="datetimeFigureOut">
               <a:rPr lang="zh-CN" altLang="en-US" smtClean="0"/>
-              <a:t>2022/1/13</a:t>
             </a:fld>
             <a:endParaRPr lang="zh-CN" altLang="en-US"/>
           </a:p>
@@ -2321,13 +2065,7 @@
       </p:sp>
       <p:sp>
         <p:nvSpPr>
-          <p:cNvPr id="4" name="页脚占位符 3">
-            <a:extLst>
-              <a:ext uri="{FF2B5EF4-FFF2-40B4-BE49-F238E27FC236}">
-                <a16:creationId xmlns:a16="http://schemas.microsoft.com/office/drawing/2014/main" id="{9E87E788-FB1A-46FB-9E57-A41E66D951A2}"/>
-              </a:ext>
-            </a:extLst>
-          </p:cNvPr>
+          <p:cNvPr id="4" name="页脚占位符 3"/>
           <p:cNvSpPr>
             <a:spLocks noGrp="1"/>
           </p:cNvSpPr>
@@ -2346,13 +2084,7 @@
       </p:sp>
       <p:sp>
         <p:nvSpPr>
-          <p:cNvPr id="5" name="灯片编号占位符 4">
-            <a:extLst>
-              <a:ext uri="{FF2B5EF4-FFF2-40B4-BE49-F238E27FC236}">
-                <a16:creationId xmlns:a16="http://schemas.microsoft.com/office/drawing/2014/main" id="{7072BE4E-E8BD-4D72-9D0A-044DCD97E3A0}"/>
-              </a:ext>
-            </a:extLst>
-          </p:cNvPr>
+          <p:cNvPr id="5" name="灯片编号占位符 4"/>
           <p:cNvSpPr>
             <a:spLocks noGrp="1"/>
           </p:cNvSpPr>
@@ -2367,18 +2099,12 @@
           <a:p>
             <a:fld id="{725655B8-490E-4BA2-947D-8C01334AC0DD}" type="slidenum">
               <a:rPr lang="zh-CN" altLang="en-US" smtClean="0"/>
-              <a:t>‹#›</a:t>
             </a:fld>
             <a:endParaRPr lang="zh-CN" altLang="en-US"/>
           </a:p>
         </p:txBody>
       </p:sp>
     </p:spTree>
-    <p:extLst>
-      <p:ext uri="{BB962C8B-B14F-4D97-AF65-F5344CB8AC3E}">
-        <p14:creationId xmlns:p14="http://schemas.microsoft.com/office/powerpoint/2010/main" val="2770605665"/>
-      </p:ext>
-    </p:extLst>
   </p:cSld>
   <p:clrMapOvr>
     <a:masterClrMapping/>
@@ -2405,13 +2131,7 @@
       </p:grpSpPr>
       <p:sp>
         <p:nvSpPr>
-          <p:cNvPr id="2" name="日期占位符 1">
-            <a:extLst>
-              <a:ext uri="{FF2B5EF4-FFF2-40B4-BE49-F238E27FC236}">
-                <a16:creationId xmlns:a16="http://schemas.microsoft.com/office/drawing/2014/main" id="{ED37AAAA-2175-42FE-A3F4-28446C1BFA6B}"/>
-              </a:ext>
-            </a:extLst>
-          </p:cNvPr>
+          <p:cNvPr id="2" name="日期占位符 1"/>
           <p:cNvSpPr>
             <a:spLocks noGrp="1"/>
           </p:cNvSpPr>
@@ -2426,7 +2146,6 @@
           <a:p>
             <a:fld id="{B3DC1390-E0D3-4F54-80B6-EEDB5247BA75}" type="datetimeFigureOut">
               <a:rPr lang="zh-CN" altLang="en-US" smtClean="0"/>
-              <a:t>2022/1/13</a:t>
             </a:fld>
             <a:endParaRPr lang="zh-CN" altLang="en-US"/>
           </a:p>
@@ -2434,13 +2153,7 @@
       </p:sp>
       <p:sp>
         <p:nvSpPr>
-          <p:cNvPr id="3" name="页脚占位符 2">
-            <a:extLst>
-              <a:ext uri="{FF2B5EF4-FFF2-40B4-BE49-F238E27FC236}">
-                <a16:creationId xmlns:a16="http://schemas.microsoft.com/office/drawing/2014/main" id="{2696E512-3ADA-4202-942A-FAC08A7D303B}"/>
-              </a:ext>
-            </a:extLst>
-          </p:cNvPr>
+          <p:cNvPr id="3" name="页脚占位符 2"/>
           <p:cNvSpPr>
             <a:spLocks noGrp="1"/>
           </p:cNvSpPr>
@@ -2459,13 +2172,7 @@
       </p:sp>
       <p:sp>
         <p:nvSpPr>
-          <p:cNvPr id="4" name="灯片编号占位符 3">
-            <a:extLst>
-              <a:ext uri="{FF2B5EF4-FFF2-40B4-BE49-F238E27FC236}">
-                <a16:creationId xmlns:a16="http://schemas.microsoft.com/office/drawing/2014/main" id="{8CFA4451-364E-4A87-B8A4-FECCB5389B1A}"/>
-              </a:ext>
-            </a:extLst>
-          </p:cNvPr>
+          <p:cNvPr id="4" name="灯片编号占位符 3"/>
           <p:cNvSpPr>
             <a:spLocks noGrp="1"/>
           </p:cNvSpPr>
@@ -2480,18 +2187,12 @@
           <a:p>
             <a:fld id="{725655B8-490E-4BA2-947D-8C01334AC0DD}" type="slidenum">
               <a:rPr lang="zh-CN" altLang="en-US" smtClean="0"/>
-              <a:t>‹#›</a:t>
             </a:fld>
             <a:endParaRPr lang="zh-CN" altLang="en-US"/>
           </a:p>
         </p:txBody>
       </p:sp>
     </p:spTree>
-    <p:extLst>
-      <p:ext uri="{BB962C8B-B14F-4D97-AF65-F5344CB8AC3E}">
-        <p14:creationId xmlns:p14="http://schemas.microsoft.com/office/powerpoint/2010/main" val="1785701786"/>
-      </p:ext>
-    </p:extLst>
   </p:cSld>
   <p:clrMapOvr>
     <a:masterClrMapping/>
@@ -2518,13 +2219,7 @@
       </p:grpSpPr>
       <p:sp>
         <p:nvSpPr>
-          <p:cNvPr id="2" name="标题 1">
-            <a:extLst>
-              <a:ext uri="{FF2B5EF4-FFF2-40B4-BE49-F238E27FC236}">
-                <a16:creationId xmlns:a16="http://schemas.microsoft.com/office/drawing/2014/main" id="{07D52897-AB29-4F62-9D84-03DE09C49CC6}"/>
-              </a:ext>
-            </a:extLst>
-          </p:cNvPr>
+          <p:cNvPr id="2" name="标题 1"/>
           <p:cNvSpPr>
             <a:spLocks noGrp="1"/>
           </p:cNvSpPr>
@@ -2550,18 +2245,13 @@
               <a:rPr lang="zh-CN" altLang="en-US"/>
               <a:t>单击此处编辑母版标题样式</a:t>
             </a:r>
-          </a:p>
-        </p:txBody>
-      </p:sp>
-      <p:sp>
-        <p:nvSpPr>
-          <p:cNvPr id="3" name="内容占位符 2">
-            <a:extLst>
-              <a:ext uri="{FF2B5EF4-FFF2-40B4-BE49-F238E27FC236}">
-                <a16:creationId xmlns:a16="http://schemas.microsoft.com/office/drawing/2014/main" id="{BFF5F6AE-E41A-4A0D-AEF3-DC4BA571C4FB}"/>
-              </a:ext>
-            </a:extLst>
-          </p:cNvPr>
+            <a:endParaRPr lang="zh-CN" altLang="en-US"/>
+          </a:p>
+        </p:txBody>
+      </p:sp>
+      <p:sp>
+        <p:nvSpPr>
+          <p:cNvPr id="3" name="内容占位符 2"/>
           <p:cNvSpPr>
             <a:spLocks noGrp="1"/>
           </p:cNvSpPr>
@@ -2612,6 +2302,7 @@
               <a:rPr lang="zh-CN" altLang="en-US"/>
               <a:t>单击此处编辑母版文本样式</a:t>
             </a:r>
+            <a:endParaRPr lang="zh-CN" altLang="en-US"/>
           </a:p>
           <a:p>
             <a:pPr lvl="1"/>
@@ -2619,6 +2310,7 @@
               <a:rPr lang="zh-CN" altLang="en-US"/>
               <a:t>二级</a:t>
             </a:r>
+            <a:endParaRPr lang="zh-CN" altLang="en-US"/>
           </a:p>
           <a:p>
             <a:pPr lvl="2"/>
@@ -2626,6 +2318,7 @@
               <a:rPr lang="zh-CN" altLang="en-US"/>
               <a:t>三级</a:t>
             </a:r>
+            <a:endParaRPr lang="zh-CN" altLang="en-US"/>
           </a:p>
           <a:p>
             <a:pPr lvl="3"/>
@@ -2633,6 +2326,7 @@
               <a:rPr lang="zh-CN" altLang="en-US"/>
               <a:t>四级</a:t>
             </a:r>
+            <a:endParaRPr lang="zh-CN" altLang="en-US"/>
           </a:p>
           <a:p>
             <a:pPr lvl="4"/>
@@ -2640,18 +2334,13 @@
               <a:rPr lang="zh-CN" altLang="en-US"/>
               <a:t>五级</a:t>
             </a:r>
-          </a:p>
-        </p:txBody>
-      </p:sp>
-      <p:sp>
-        <p:nvSpPr>
-          <p:cNvPr id="4" name="文本占位符 3">
-            <a:extLst>
-              <a:ext uri="{FF2B5EF4-FFF2-40B4-BE49-F238E27FC236}">
-                <a16:creationId xmlns:a16="http://schemas.microsoft.com/office/drawing/2014/main" id="{B2B605CF-76C3-419A-8738-1A469F74F867}"/>
-              </a:ext>
-            </a:extLst>
-          </p:cNvPr>
+            <a:endParaRPr lang="zh-CN" altLang="en-US"/>
+          </a:p>
+        </p:txBody>
+      </p:sp>
+      <p:sp>
+        <p:nvSpPr>
+          <p:cNvPr id="4" name="文本占位符 3"/>
           <p:cNvSpPr>
             <a:spLocks noGrp="1"/>
           </p:cNvSpPr>
@@ -2711,18 +2400,13 @@
               <a:rPr lang="zh-CN" altLang="en-US"/>
               <a:t>单击此处编辑母版文本样式</a:t>
             </a:r>
-          </a:p>
-        </p:txBody>
-      </p:sp>
-      <p:sp>
-        <p:nvSpPr>
-          <p:cNvPr id="5" name="日期占位符 4">
-            <a:extLst>
-              <a:ext uri="{FF2B5EF4-FFF2-40B4-BE49-F238E27FC236}">
-                <a16:creationId xmlns:a16="http://schemas.microsoft.com/office/drawing/2014/main" id="{4D6BD6D4-D4B6-4CB8-96CF-D686B7043510}"/>
-              </a:ext>
-            </a:extLst>
-          </p:cNvPr>
+            <a:endParaRPr lang="zh-CN" altLang="en-US"/>
+          </a:p>
+        </p:txBody>
+      </p:sp>
+      <p:sp>
+        <p:nvSpPr>
+          <p:cNvPr id="5" name="日期占位符 4"/>
           <p:cNvSpPr>
             <a:spLocks noGrp="1"/>
           </p:cNvSpPr>
@@ -2737,7 +2421,6 @@
           <a:p>
             <a:fld id="{B3DC1390-E0D3-4F54-80B6-EEDB5247BA75}" type="datetimeFigureOut">
               <a:rPr lang="zh-CN" altLang="en-US" smtClean="0"/>
-              <a:t>2022/1/13</a:t>
             </a:fld>
             <a:endParaRPr lang="zh-CN" altLang="en-US"/>
           </a:p>
@@ -2745,13 +2428,7 @@
       </p:sp>
       <p:sp>
         <p:nvSpPr>
-          <p:cNvPr id="6" name="页脚占位符 5">
-            <a:extLst>
-              <a:ext uri="{FF2B5EF4-FFF2-40B4-BE49-F238E27FC236}">
-                <a16:creationId xmlns:a16="http://schemas.microsoft.com/office/drawing/2014/main" id="{136E2543-0364-477E-ABD5-139E4CD62104}"/>
-              </a:ext>
-            </a:extLst>
-          </p:cNvPr>
+          <p:cNvPr id="6" name="页脚占位符 5"/>
           <p:cNvSpPr>
             <a:spLocks noGrp="1"/>
           </p:cNvSpPr>
@@ -2770,13 +2447,7 @@
       </p:sp>
       <p:sp>
         <p:nvSpPr>
-          <p:cNvPr id="7" name="灯片编号占位符 6">
-            <a:extLst>
-              <a:ext uri="{FF2B5EF4-FFF2-40B4-BE49-F238E27FC236}">
-                <a16:creationId xmlns:a16="http://schemas.microsoft.com/office/drawing/2014/main" id="{C0BE2D76-C7AA-4956-855F-FB24704ABDBD}"/>
-              </a:ext>
-            </a:extLst>
-          </p:cNvPr>
+          <p:cNvPr id="7" name="灯片编号占位符 6"/>
           <p:cNvSpPr>
             <a:spLocks noGrp="1"/>
           </p:cNvSpPr>
@@ -2791,18 +2462,12 @@
           <a:p>
             <a:fld id="{725655B8-490E-4BA2-947D-8C01334AC0DD}" type="slidenum">
               <a:rPr lang="zh-CN" altLang="en-US" smtClean="0"/>
-              <a:t>‹#›</a:t>
             </a:fld>
             <a:endParaRPr lang="zh-CN" altLang="en-US"/>
           </a:p>
         </p:txBody>
       </p:sp>
     </p:spTree>
-    <p:extLst>
-      <p:ext uri="{BB962C8B-B14F-4D97-AF65-F5344CB8AC3E}">
-        <p14:creationId xmlns:p14="http://schemas.microsoft.com/office/powerpoint/2010/main" val="1316583760"/>
-      </p:ext>
-    </p:extLst>
   </p:cSld>
   <p:clrMapOvr>
     <a:masterClrMapping/>
@@ -2829,13 +2494,7 @@
       </p:grpSpPr>
       <p:sp>
         <p:nvSpPr>
-          <p:cNvPr id="2" name="标题 1">
-            <a:extLst>
-              <a:ext uri="{FF2B5EF4-FFF2-40B4-BE49-F238E27FC236}">
-                <a16:creationId xmlns:a16="http://schemas.microsoft.com/office/drawing/2014/main" id="{3B5A7A8E-1356-4AC6-BEE8-203786C91C5E}"/>
-              </a:ext>
-            </a:extLst>
-          </p:cNvPr>
+          <p:cNvPr id="2" name="标题 1"/>
           <p:cNvSpPr>
             <a:spLocks noGrp="1"/>
           </p:cNvSpPr>
@@ -2861,18 +2520,13 @@
               <a:rPr lang="zh-CN" altLang="en-US"/>
               <a:t>单击此处编辑母版标题样式</a:t>
             </a:r>
-          </a:p>
-        </p:txBody>
-      </p:sp>
-      <p:sp>
-        <p:nvSpPr>
-          <p:cNvPr id="3" name="图片占位符 2">
-            <a:extLst>
-              <a:ext uri="{FF2B5EF4-FFF2-40B4-BE49-F238E27FC236}">
-                <a16:creationId xmlns:a16="http://schemas.microsoft.com/office/drawing/2014/main" id="{01090419-768A-48CA-AB8D-E055FE3EF8BD}"/>
-              </a:ext>
-            </a:extLst>
-          </p:cNvPr>
+            <a:endParaRPr lang="zh-CN" altLang="en-US"/>
+          </a:p>
+        </p:txBody>
+      </p:sp>
+      <p:sp>
+        <p:nvSpPr>
+          <p:cNvPr id="3" name="图片占位符 2"/>
           <p:cNvSpPr>
             <a:spLocks noGrp="1"/>
           </p:cNvSpPr>
@@ -2933,13 +2587,7 @@
       </p:sp>
       <p:sp>
         <p:nvSpPr>
-          <p:cNvPr id="4" name="文本占位符 3">
-            <a:extLst>
-              <a:ext uri="{FF2B5EF4-FFF2-40B4-BE49-F238E27FC236}">
-                <a16:creationId xmlns:a16="http://schemas.microsoft.com/office/drawing/2014/main" id="{CB66E3FB-006C-491B-92B9-8BFD67D9C3AD}"/>
-              </a:ext>
-            </a:extLst>
-          </p:cNvPr>
+          <p:cNvPr id="4" name="文本占位符 3"/>
           <p:cNvSpPr>
             <a:spLocks noGrp="1"/>
           </p:cNvSpPr>
@@ -2999,18 +2647,13 @@
               <a:rPr lang="zh-CN" altLang="en-US"/>
               <a:t>单击此处编辑母版文本样式</a:t>
             </a:r>
-          </a:p>
-        </p:txBody>
-      </p:sp>
-      <p:sp>
-        <p:nvSpPr>
-          <p:cNvPr id="5" name="日期占位符 4">
-            <a:extLst>
-              <a:ext uri="{FF2B5EF4-FFF2-40B4-BE49-F238E27FC236}">
-                <a16:creationId xmlns:a16="http://schemas.microsoft.com/office/drawing/2014/main" id="{7402C137-9A14-4A9B-8C07-278A10276451}"/>
-              </a:ext>
-            </a:extLst>
-          </p:cNvPr>
+            <a:endParaRPr lang="zh-CN" altLang="en-US"/>
+          </a:p>
+        </p:txBody>
+      </p:sp>
+      <p:sp>
+        <p:nvSpPr>
+          <p:cNvPr id="5" name="日期占位符 4"/>
           <p:cNvSpPr>
             <a:spLocks noGrp="1"/>
           </p:cNvSpPr>
@@ -3025,7 +2668,6 @@
           <a:p>
             <a:fld id="{B3DC1390-E0D3-4F54-80B6-EEDB5247BA75}" type="datetimeFigureOut">
               <a:rPr lang="zh-CN" altLang="en-US" smtClean="0"/>
-              <a:t>2022/1/13</a:t>
             </a:fld>
             <a:endParaRPr lang="zh-CN" altLang="en-US"/>
           </a:p>
@@ -3033,13 +2675,7 @@
       </p:sp>
       <p:sp>
         <p:nvSpPr>
-          <p:cNvPr id="6" name="页脚占位符 5">
-            <a:extLst>
-              <a:ext uri="{FF2B5EF4-FFF2-40B4-BE49-F238E27FC236}">
-                <a16:creationId xmlns:a16="http://schemas.microsoft.com/office/drawing/2014/main" id="{A95243F6-8933-474C-86AB-B97E53596752}"/>
-              </a:ext>
-            </a:extLst>
-          </p:cNvPr>
+          <p:cNvPr id="6" name="页脚占位符 5"/>
           <p:cNvSpPr>
             <a:spLocks noGrp="1"/>
           </p:cNvSpPr>
@@ -3058,13 +2694,7 @@
       </p:sp>
       <p:sp>
         <p:nvSpPr>
-          <p:cNvPr id="7" name="灯片编号占位符 6">
-            <a:extLst>
-              <a:ext uri="{FF2B5EF4-FFF2-40B4-BE49-F238E27FC236}">
-                <a16:creationId xmlns:a16="http://schemas.microsoft.com/office/drawing/2014/main" id="{C406B20E-6A6C-47AD-9BC6-3AB4A25604AF}"/>
-              </a:ext>
-            </a:extLst>
-          </p:cNvPr>
+          <p:cNvPr id="7" name="灯片编号占位符 6"/>
           <p:cNvSpPr>
             <a:spLocks noGrp="1"/>
           </p:cNvSpPr>
@@ -3079,18 +2709,12 @@
           <a:p>
             <a:fld id="{725655B8-490E-4BA2-947D-8C01334AC0DD}" type="slidenum">
               <a:rPr lang="zh-CN" altLang="en-US" smtClean="0"/>
-              <a:t>‹#›</a:t>
             </a:fld>
             <a:endParaRPr lang="zh-CN" altLang="en-US"/>
           </a:p>
         </p:txBody>
       </p:sp>
     </p:spTree>
-    <p:extLst>
-      <p:ext uri="{BB962C8B-B14F-4D97-AF65-F5344CB8AC3E}">
-        <p14:creationId xmlns:p14="http://schemas.microsoft.com/office/powerpoint/2010/main" val="1559453985"/>
-      </p:ext>
-    </p:extLst>
   </p:cSld>
   <p:clrMapOvr>
     <a:masterClrMapping/>
@@ -3122,13 +2746,7 @@
       </p:grpSpPr>
       <p:sp>
         <p:nvSpPr>
-          <p:cNvPr id="2" name="标题占位符 1">
-            <a:extLst>
-              <a:ext uri="{FF2B5EF4-FFF2-40B4-BE49-F238E27FC236}">
-                <a16:creationId xmlns:a16="http://schemas.microsoft.com/office/drawing/2014/main" id="{39FF1706-7E7A-4CBE-AA94-100BF656DB6F}"/>
-              </a:ext>
-            </a:extLst>
-          </p:cNvPr>
+          <p:cNvPr id="2" name="标题占位符 1"/>
           <p:cNvSpPr>
             <a:spLocks noGrp="1"/>
           </p:cNvSpPr>
@@ -3155,18 +2773,13 @@
               <a:rPr lang="zh-CN" altLang="en-US"/>
               <a:t>单击此处编辑母版标题样式</a:t>
             </a:r>
-          </a:p>
-        </p:txBody>
-      </p:sp>
-      <p:sp>
-        <p:nvSpPr>
-          <p:cNvPr id="3" name="文本占位符 2">
-            <a:extLst>
-              <a:ext uri="{FF2B5EF4-FFF2-40B4-BE49-F238E27FC236}">
-                <a16:creationId xmlns:a16="http://schemas.microsoft.com/office/drawing/2014/main" id="{9599BD8D-B72E-4357-A86B-8C1FE0823B11}"/>
-              </a:ext>
-            </a:extLst>
-          </p:cNvPr>
+            <a:endParaRPr lang="zh-CN" altLang="en-US"/>
+          </a:p>
+        </p:txBody>
+      </p:sp>
+      <p:sp>
+        <p:nvSpPr>
+          <p:cNvPr id="3" name="文本占位符 2"/>
           <p:cNvSpPr>
             <a:spLocks noGrp="1"/>
           </p:cNvSpPr>
@@ -3194,6 +2807,7 @@
               <a:rPr lang="zh-CN" altLang="en-US"/>
               <a:t>单击此处编辑母版文本样式</a:t>
             </a:r>
+            <a:endParaRPr lang="zh-CN" altLang="en-US"/>
           </a:p>
           <a:p>
             <a:pPr lvl="1"/>
@@ -3201,6 +2815,7 @@
               <a:rPr lang="zh-CN" altLang="en-US"/>
               <a:t>二级</a:t>
             </a:r>
+            <a:endParaRPr lang="zh-CN" altLang="en-US"/>
           </a:p>
           <a:p>
             <a:pPr lvl="2"/>
@@ -3208,6 +2823,7 @@
               <a:rPr lang="zh-CN" altLang="en-US"/>
               <a:t>三级</a:t>
             </a:r>
+            <a:endParaRPr lang="zh-CN" altLang="en-US"/>
           </a:p>
           <a:p>
             <a:pPr lvl="3"/>
@@ -3215,6 +2831,7 @@
               <a:rPr lang="zh-CN" altLang="en-US"/>
               <a:t>四级</a:t>
             </a:r>
+            <a:endParaRPr lang="zh-CN" altLang="en-US"/>
           </a:p>
           <a:p>
             <a:pPr lvl="4"/>
@@ -3222,18 +2839,13 @@
               <a:rPr lang="zh-CN" altLang="en-US"/>
               <a:t>五级</a:t>
             </a:r>
-          </a:p>
-        </p:txBody>
-      </p:sp>
-      <p:sp>
-        <p:nvSpPr>
-          <p:cNvPr id="4" name="日期占位符 3">
-            <a:extLst>
-              <a:ext uri="{FF2B5EF4-FFF2-40B4-BE49-F238E27FC236}">
-                <a16:creationId xmlns:a16="http://schemas.microsoft.com/office/drawing/2014/main" id="{B1F7EACB-8362-4499-814A-7405A974288B}"/>
-              </a:ext>
-            </a:extLst>
-          </p:cNvPr>
+            <a:endParaRPr lang="zh-CN" altLang="en-US"/>
+          </a:p>
+        </p:txBody>
+      </p:sp>
+      <p:sp>
+        <p:nvSpPr>
+          <p:cNvPr id="4" name="日期占位符 3"/>
           <p:cNvSpPr>
             <a:spLocks noGrp="1"/>
           </p:cNvSpPr>
@@ -3266,7 +2878,6 @@
           <a:p>
             <a:fld id="{B3DC1390-E0D3-4F54-80B6-EEDB5247BA75}" type="datetimeFigureOut">
               <a:rPr lang="zh-CN" altLang="en-US" smtClean="0"/>
-              <a:t>2022/1/13</a:t>
             </a:fld>
             <a:endParaRPr lang="zh-CN" altLang="en-US"/>
           </a:p>
@@ -3274,13 +2885,7 @@
       </p:sp>
       <p:sp>
         <p:nvSpPr>
-          <p:cNvPr id="5" name="页脚占位符 4">
-            <a:extLst>
-              <a:ext uri="{FF2B5EF4-FFF2-40B4-BE49-F238E27FC236}">
-                <a16:creationId xmlns:a16="http://schemas.microsoft.com/office/drawing/2014/main" id="{BCB004DA-B482-4779-BAFF-0F0B2180A752}"/>
-              </a:ext>
-            </a:extLst>
-          </p:cNvPr>
+          <p:cNvPr id="5" name="页脚占位符 4"/>
           <p:cNvSpPr>
             <a:spLocks noGrp="1"/>
           </p:cNvSpPr>
@@ -3317,13 +2922,7 @@
       </p:sp>
       <p:sp>
         <p:nvSpPr>
-          <p:cNvPr id="6" name="灯片编号占位符 5">
-            <a:extLst>
-              <a:ext uri="{FF2B5EF4-FFF2-40B4-BE49-F238E27FC236}">
-                <a16:creationId xmlns:a16="http://schemas.microsoft.com/office/drawing/2014/main" id="{705C952C-084F-4EF5-ACC8-48BDD6C02022}"/>
-              </a:ext>
-            </a:extLst>
-          </p:cNvPr>
+          <p:cNvPr id="6" name="灯片编号占位符 5"/>
           <p:cNvSpPr>
             <a:spLocks noGrp="1"/>
           </p:cNvSpPr>
@@ -3356,18 +2955,12 @@
           <a:p>
             <a:fld id="{725655B8-490E-4BA2-947D-8C01334AC0DD}" type="slidenum">
               <a:rPr lang="zh-CN" altLang="en-US" smtClean="0"/>
-              <a:t>‹#›</a:t>
             </a:fld>
             <a:endParaRPr lang="zh-CN" altLang="en-US"/>
           </a:p>
         </p:txBody>
       </p:sp>
     </p:spTree>
-    <p:extLst>
-      <p:ext uri="{BB962C8B-B14F-4D97-AF65-F5344CB8AC3E}">
-        <p14:creationId xmlns:p14="http://schemas.microsoft.com/office/powerpoint/2010/main" val="1048669881"/>
-      </p:ext>
-    </p:extLst>
   </p:cSld>
   <p:clrMap bg1="lt1" tx1="dk1" bg2="lt2" tx2="dk2" accent1="accent1" accent2="accent2" accent3="accent3" accent4="accent4" accent5="accent5" accent6="accent6" hlink="hlink" folHlink="folHlink"/>
   <p:sldLayoutIdLst>
@@ -3685,13 +3278,7 @@
       </p:grpSpPr>
       <p:sp>
         <p:nvSpPr>
-          <p:cNvPr id="4" name="文本框 3">
-            <a:extLst>
-              <a:ext uri="{FF2B5EF4-FFF2-40B4-BE49-F238E27FC236}">
-                <a16:creationId xmlns:a16="http://schemas.microsoft.com/office/drawing/2014/main" id="{3B70755B-9676-4E29-B28D-FAE9DF8BEEF9}"/>
-              </a:ext>
-            </a:extLst>
-          </p:cNvPr>
+          <p:cNvPr id="4" name="文本框 3"/>
           <p:cNvSpPr txBox="1"/>
           <p:nvPr/>
         </p:nvSpPr>
@@ -3715,18 +3302,13 @@
               <a:rPr lang="zh-CN" altLang="en-US" sz="1200" dirty="0"/>
               <a:t>数据库，数据组以外不可修改</a:t>
             </a:r>
-          </a:p>
-        </p:txBody>
-      </p:sp>
-      <p:sp>
-        <p:nvSpPr>
-          <p:cNvPr id="5" name="矩形 4">
-            <a:extLst>
-              <a:ext uri="{FF2B5EF4-FFF2-40B4-BE49-F238E27FC236}">
-                <a16:creationId xmlns:a16="http://schemas.microsoft.com/office/drawing/2014/main" id="{123C4397-C744-4B03-8A9B-289F3FA45F3F}"/>
-              </a:ext>
-            </a:extLst>
-          </p:cNvPr>
+            <a:endParaRPr lang="zh-CN" altLang="en-US" sz="1200" dirty="0"/>
+          </a:p>
+        </p:txBody>
+      </p:sp>
+      <p:sp>
+        <p:nvSpPr>
+          <p:cNvPr id="5" name="矩形 4"/>
           <p:cNvSpPr/>
           <p:nvPr/>
         </p:nvSpPr>
@@ -3767,13 +3349,7 @@
       </p:sp>
       <p:sp>
         <p:nvSpPr>
-          <p:cNvPr id="6" name="箭头: 右 5">
-            <a:extLst>
-              <a:ext uri="{FF2B5EF4-FFF2-40B4-BE49-F238E27FC236}">
-                <a16:creationId xmlns:a16="http://schemas.microsoft.com/office/drawing/2014/main" id="{916C858D-FB53-4C48-89BF-8C5C580D97FF}"/>
-              </a:ext>
-            </a:extLst>
-          </p:cNvPr>
+          <p:cNvPr id="6" name="箭头: 右 5"/>
           <p:cNvSpPr/>
           <p:nvPr/>
         </p:nvSpPr>
@@ -3813,13 +3389,7 @@
       </p:sp>
       <p:sp>
         <p:nvSpPr>
-          <p:cNvPr id="7" name="文本框 6">
-            <a:extLst>
-              <a:ext uri="{FF2B5EF4-FFF2-40B4-BE49-F238E27FC236}">
-                <a16:creationId xmlns:a16="http://schemas.microsoft.com/office/drawing/2014/main" id="{C1830555-96E8-4C80-801C-D695801EB408}"/>
-              </a:ext>
-            </a:extLst>
-          </p:cNvPr>
+          <p:cNvPr id="7" name="文本框 6"/>
           <p:cNvSpPr txBox="1"/>
           <p:nvPr/>
         </p:nvSpPr>
@@ -3843,18 +3413,13 @@
               <a:rPr lang="zh-CN" altLang="en-US" sz="1200" dirty="0"/>
               <a:t>写入</a:t>
             </a:r>
-          </a:p>
-        </p:txBody>
-      </p:sp>
-      <p:sp>
-        <p:nvSpPr>
-          <p:cNvPr id="8" name="箭头: 下 7">
-            <a:extLst>
-              <a:ext uri="{FF2B5EF4-FFF2-40B4-BE49-F238E27FC236}">
-                <a16:creationId xmlns:a16="http://schemas.microsoft.com/office/drawing/2014/main" id="{A868D901-F57F-44B9-BEF0-3D9E33AF953E}"/>
-              </a:ext>
-            </a:extLst>
-          </p:cNvPr>
+            <a:endParaRPr lang="zh-CN" altLang="en-US" sz="1200" dirty="0"/>
+          </a:p>
+        </p:txBody>
+      </p:sp>
+      <p:sp>
+        <p:nvSpPr>
+          <p:cNvPr id="8" name="箭头: 下 7"/>
           <p:cNvSpPr/>
           <p:nvPr/>
         </p:nvSpPr>
@@ -3894,13 +3459,7 @@
       </p:sp>
       <p:sp>
         <p:nvSpPr>
-          <p:cNvPr id="9" name="文本框 8">
-            <a:extLst>
-              <a:ext uri="{FF2B5EF4-FFF2-40B4-BE49-F238E27FC236}">
-                <a16:creationId xmlns:a16="http://schemas.microsoft.com/office/drawing/2014/main" id="{FEBE06B7-E1F0-420A-B9D0-8C1D8C04E3AD}"/>
-              </a:ext>
-            </a:extLst>
-          </p:cNvPr>
+          <p:cNvPr id="9" name="文本框 8"/>
           <p:cNvSpPr txBox="1"/>
           <p:nvPr/>
         </p:nvSpPr>
@@ -3924,18 +3483,13 @@
               <a:rPr lang="zh-CN" altLang="en-US" sz="1200" dirty="0"/>
               <a:t>读取</a:t>
             </a:r>
-          </a:p>
-        </p:txBody>
-      </p:sp>
-      <p:sp>
-        <p:nvSpPr>
-          <p:cNvPr id="10" name="文本框 9">
-            <a:extLst>
-              <a:ext uri="{FF2B5EF4-FFF2-40B4-BE49-F238E27FC236}">
-                <a16:creationId xmlns:a16="http://schemas.microsoft.com/office/drawing/2014/main" id="{735AC87C-8444-4EBF-992C-C58F1136C988}"/>
-              </a:ext>
-            </a:extLst>
-          </p:cNvPr>
+            <a:endParaRPr lang="zh-CN" altLang="en-US" sz="1200" dirty="0"/>
+          </a:p>
+        </p:txBody>
+      </p:sp>
+      <p:sp>
+        <p:nvSpPr>
+          <p:cNvPr id="10" name="文本框 9"/>
           <p:cNvSpPr txBox="1"/>
           <p:nvPr/>
         </p:nvSpPr>
@@ -3993,13 +3547,7 @@
       </p:sp>
       <p:sp>
         <p:nvSpPr>
-          <p:cNvPr id="14" name="文本框 13">
-            <a:extLst>
-              <a:ext uri="{FF2B5EF4-FFF2-40B4-BE49-F238E27FC236}">
-                <a16:creationId xmlns:a16="http://schemas.microsoft.com/office/drawing/2014/main" id="{BE76BF23-380F-4A49-B47F-021DAC2CF86C}"/>
-              </a:ext>
-            </a:extLst>
-          </p:cNvPr>
+          <p:cNvPr id="14" name="文本框 13"/>
           <p:cNvSpPr txBox="1"/>
           <p:nvPr/>
         </p:nvSpPr>
@@ -4023,18 +3571,13 @@
               <a:rPr lang="zh-CN" altLang="en-US" sz="1200" dirty="0"/>
               <a:t>导入数据集</a:t>
             </a:r>
-          </a:p>
-        </p:txBody>
-      </p:sp>
-      <p:sp>
-        <p:nvSpPr>
-          <p:cNvPr id="15" name="左大括号 14">
-            <a:extLst>
-              <a:ext uri="{FF2B5EF4-FFF2-40B4-BE49-F238E27FC236}">
-                <a16:creationId xmlns:a16="http://schemas.microsoft.com/office/drawing/2014/main" id="{781C6886-D879-41CB-A729-5FE640C977EC}"/>
-              </a:ext>
-            </a:extLst>
-          </p:cNvPr>
+            <a:endParaRPr lang="zh-CN" altLang="en-US" sz="1200" dirty="0"/>
+          </a:p>
+        </p:txBody>
+      </p:sp>
+      <p:sp>
+        <p:nvSpPr>
+          <p:cNvPr id="15" name="左大括号 14"/>
           <p:cNvSpPr/>
           <p:nvPr/>
         </p:nvSpPr>
@@ -4072,13 +3615,7 @@
       </p:sp>
       <p:sp>
         <p:nvSpPr>
-          <p:cNvPr id="16" name="文本框 15">
-            <a:extLst>
-              <a:ext uri="{FF2B5EF4-FFF2-40B4-BE49-F238E27FC236}">
-                <a16:creationId xmlns:a16="http://schemas.microsoft.com/office/drawing/2014/main" id="{572D2E5D-CABF-4561-8BEE-C5AFD0CE64FA}"/>
-              </a:ext>
-            </a:extLst>
-          </p:cNvPr>
+          <p:cNvPr id="16" name="文本框 15"/>
           <p:cNvSpPr txBox="1"/>
           <p:nvPr/>
         </p:nvSpPr>
@@ -4102,18 +3639,13 @@
               <a:rPr lang="zh-CN" altLang="en-US" sz="1200" dirty="0"/>
               <a:t>只有图片</a:t>
             </a:r>
-          </a:p>
-        </p:txBody>
-      </p:sp>
-      <p:sp>
-        <p:nvSpPr>
-          <p:cNvPr id="17" name="文本框 16">
-            <a:extLst>
-              <a:ext uri="{FF2B5EF4-FFF2-40B4-BE49-F238E27FC236}">
-                <a16:creationId xmlns:a16="http://schemas.microsoft.com/office/drawing/2014/main" id="{BC994BA1-4380-49E0-B2C5-3B2804EF0C0A}"/>
-              </a:ext>
-            </a:extLst>
-          </p:cNvPr>
+            <a:endParaRPr lang="zh-CN" altLang="en-US" sz="1200" dirty="0"/>
+          </a:p>
+        </p:txBody>
+      </p:sp>
+      <p:sp>
+        <p:nvSpPr>
+          <p:cNvPr id="17" name="文本框 16"/>
           <p:cNvSpPr txBox="1"/>
           <p:nvPr/>
         </p:nvSpPr>
@@ -4137,18 +3669,13 @@
               <a:rPr lang="zh-CN" altLang="en-US" sz="1200" dirty="0"/>
               <a:t>图片和标注</a:t>
             </a:r>
-          </a:p>
-        </p:txBody>
-      </p:sp>
-      <p:sp>
-        <p:nvSpPr>
-          <p:cNvPr id="18" name="文本框 17">
-            <a:extLst>
-              <a:ext uri="{FF2B5EF4-FFF2-40B4-BE49-F238E27FC236}">
-                <a16:creationId xmlns:a16="http://schemas.microsoft.com/office/drawing/2014/main" id="{DF0A5E79-292C-4327-B8D8-7CC9C8FA61B7}"/>
-              </a:ext>
-            </a:extLst>
-          </p:cNvPr>
+            <a:endParaRPr lang="zh-CN" altLang="en-US" sz="1200" dirty="0"/>
+          </a:p>
+        </p:txBody>
+      </p:sp>
+      <p:sp>
+        <p:nvSpPr>
+          <p:cNvPr id="18" name="文本框 17"/>
           <p:cNvSpPr txBox="1"/>
           <p:nvPr/>
         </p:nvSpPr>
@@ -4172,18 +3699,13 @@
               <a:rPr lang="zh-CN" altLang="en-US" sz="1200" dirty="0"/>
               <a:t>只有标注</a:t>
             </a:r>
-          </a:p>
-        </p:txBody>
-      </p:sp>
-      <p:sp>
-        <p:nvSpPr>
-          <p:cNvPr id="19" name="箭头: 右 18">
-            <a:extLst>
-              <a:ext uri="{FF2B5EF4-FFF2-40B4-BE49-F238E27FC236}">
-                <a16:creationId xmlns:a16="http://schemas.microsoft.com/office/drawing/2014/main" id="{8D22C8A8-7283-4FE8-8519-94689993B49B}"/>
-              </a:ext>
-            </a:extLst>
-          </p:cNvPr>
+            <a:endParaRPr lang="zh-CN" altLang="en-US" sz="1200" dirty="0"/>
+          </a:p>
+        </p:txBody>
+      </p:sp>
+      <p:sp>
+        <p:nvSpPr>
+          <p:cNvPr id="19" name="箭头: 右 18"/>
           <p:cNvSpPr/>
           <p:nvPr/>
         </p:nvSpPr>
@@ -4223,13 +3745,7 @@
       </p:sp>
       <p:sp>
         <p:nvSpPr>
-          <p:cNvPr id="20" name="文本框 19">
-            <a:extLst>
-              <a:ext uri="{FF2B5EF4-FFF2-40B4-BE49-F238E27FC236}">
-                <a16:creationId xmlns:a16="http://schemas.microsoft.com/office/drawing/2014/main" id="{ECED53CD-A615-4C48-B5C3-FD72C0752ED2}"/>
-              </a:ext>
-            </a:extLst>
-          </p:cNvPr>
+          <p:cNvPr id="20" name="文本框 19"/>
           <p:cNvSpPr txBox="1"/>
           <p:nvPr/>
         </p:nvSpPr>
@@ -4262,18 +3778,13 @@
               <a:rPr lang="zh-CN" altLang="en-US" sz="1050" dirty="0"/>
               <a:t>是否为编码格式</a:t>
             </a:r>
-          </a:p>
-        </p:txBody>
-      </p:sp>
-      <p:sp>
-        <p:nvSpPr>
-          <p:cNvPr id="21" name="箭头: 右 20">
-            <a:extLst>
-              <a:ext uri="{FF2B5EF4-FFF2-40B4-BE49-F238E27FC236}">
-                <a16:creationId xmlns:a16="http://schemas.microsoft.com/office/drawing/2014/main" id="{8701ADB5-F757-498A-8677-6D15EC9636E8}"/>
-              </a:ext>
-            </a:extLst>
-          </p:cNvPr>
+            <a:endParaRPr lang="zh-CN" altLang="en-US" sz="1050" dirty="0"/>
+          </a:p>
+        </p:txBody>
+      </p:sp>
+      <p:sp>
+        <p:nvSpPr>
+          <p:cNvPr id="21" name="箭头: 右 20"/>
           <p:cNvSpPr/>
           <p:nvPr/>
         </p:nvSpPr>
@@ -4313,13 +3824,7 @@
       </p:sp>
       <p:sp>
         <p:nvSpPr>
-          <p:cNvPr id="22" name="文本框 21">
-            <a:extLst>
-              <a:ext uri="{FF2B5EF4-FFF2-40B4-BE49-F238E27FC236}">
-                <a16:creationId xmlns:a16="http://schemas.microsoft.com/office/drawing/2014/main" id="{A29F1246-95F3-4EAF-8774-2F67FBBBDA88}"/>
-              </a:ext>
-            </a:extLst>
-          </p:cNvPr>
+          <p:cNvPr id="22" name="文本框 21"/>
           <p:cNvSpPr txBox="1"/>
           <p:nvPr/>
         </p:nvSpPr>
@@ -4343,18 +3848,13 @@
               <a:rPr lang="zh-CN" altLang="en-US" sz="1200" dirty="0"/>
               <a:t>是</a:t>
             </a:r>
-          </a:p>
-        </p:txBody>
-      </p:sp>
-      <p:sp>
-        <p:nvSpPr>
-          <p:cNvPr id="23" name="菱形 22">
-            <a:extLst>
-              <a:ext uri="{FF2B5EF4-FFF2-40B4-BE49-F238E27FC236}">
-                <a16:creationId xmlns:a16="http://schemas.microsoft.com/office/drawing/2014/main" id="{D51899EF-FBD7-49B5-9FC8-6299E77668AF}"/>
-              </a:ext>
-            </a:extLst>
-          </p:cNvPr>
+            <a:endParaRPr lang="zh-CN" altLang="en-US" sz="1200" dirty="0"/>
+          </a:p>
+        </p:txBody>
+      </p:sp>
+      <p:sp>
+        <p:nvSpPr>
+          <p:cNvPr id="23" name="菱形 22"/>
           <p:cNvSpPr/>
           <p:nvPr/>
         </p:nvSpPr>
@@ -4395,13 +3895,7 @@
       </p:sp>
       <p:sp>
         <p:nvSpPr>
-          <p:cNvPr id="24" name="文本框 23">
-            <a:extLst>
-              <a:ext uri="{FF2B5EF4-FFF2-40B4-BE49-F238E27FC236}">
-                <a16:creationId xmlns:a16="http://schemas.microsoft.com/office/drawing/2014/main" id="{03934902-8D47-41E3-A9DA-A9CE2B4981F8}"/>
-              </a:ext>
-            </a:extLst>
-          </p:cNvPr>
+          <p:cNvPr id="24" name="文本框 23"/>
           <p:cNvSpPr txBox="1"/>
           <p:nvPr/>
         </p:nvSpPr>
@@ -4431,13 +3925,7 @@
       </p:sp>
       <p:sp>
         <p:nvSpPr>
-          <p:cNvPr id="25" name="箭头: 右 24">
-            <a:extLst>
-              <a:ext uri="{FF2B5EF4-FFF2-40B4-BE49-F238E27FC236}">
-                <a16:creationId xmlns:a16="http://schemas.microsoft.com/office/drawing/2014/main" id="{A63AB530-C606-4093-AB79-F6DFDE54577A}"/>
-              </a:ext>
-            </a:extLst>
-          </p:cNvPr>
+          <p:cNvPr id="25" name="箭头: 右 24"/>
           <p:cNvSpPr/>
           <p:nvPr/>
         </p:nvSpPr>
@@ -4477,13 +3965,7 @@
       </p:sp>
       <p:sp>
         <p:nvSpPr>
-          <p:cNvPr id="26" name="文本框 25">
-            <a:extLst>
-              <a:ext uri="{FF2B5EF4-FFF2-40B4-BE49-F238E27FC236}">
-                <a16:creationId xmlns:a16="http://schemas.microsoft.com/office/drawing/2014/main" id="{2715B08C-8C21-4715-9497-1E78906ED050}"/>
-              </a:ext>
-            </a:extLst>
-          </p:cNvPr>
+          <p:cNvPr id="26" name="文本框 25"/>
           <p:cNvSpPr txBox="1"/>
           <p:nvPr/>
         </p:nvSpPr>
@@ -4507,18 +3989,13 @@
               <a:rPr lang="zh-CN" altLang="en-US" sz="1200" dirty="0"/>
               <a:t>否</a:t>
             </a:r>
-          </a:p>
-        </p:txBody>
-      </p:sp>
-      <p:sp>
-        <p:nvSpPr>
-          <p:cNvPr id="27" name="文本框 26">
-            <a:extLst>
-              <a:ext uri="{FF2B5EF4-FFF2-40B4-BE49-F238E27FC236}">
-                <a16:creationId xmlns:a16="http://schemas.microsoft.com/office/drawing/2014/main" id="{95C0F5DB-1DB8-403E-B0BA-6A0C9F260655}"/>
-              </a:ext>
-            </a:extLst>
-          </p:cNvPr>
+            <a:endParaRPr lang="zh-CN" altLang="en-US" sz="1200" dirty="0"/>
+          </a:p>
+        </p:txBody>
+      </p:sp>
+      <p:sp>
+        <p:nvSpPr>
+          <p:cNvPr id="27" name="文本框 26"/>
           <p:cNvSpPr txBox="1"/>
           <p:nvPr/>
         </p:nvSpPr>
@@ -4547,6 +4024,7 @@
               <a:rPr lang="en-US" altLang="zh-CN" sz="1050" dirty="0"/>
               <a:t>:</a:t>
             </a:r>
+            <a:endParaRPr lang="en-US" altLang="zh-CN" sz="1050" dirty="0"/>
           </a:p>
           <a:p>
             <a:pPr algn="ctr"/>
@@ -4560,13 +4038,7 @@
       </p:sp>
       <p:sp>
         <p:nvSpPr>
-          <p:cNvPr id="28" name="箭头: 右 27">
-            <a:extLst>
-              <a:ext uri="{FF2B5EF4-FFF2-40B4-BE49-F238E27FC236}">
-                <a16:creationId xmlns:a16="http://schemas.microsoft.com/office/drawing/2014/main" id="{CD844F49-0BA9-45E6-BAA8-400D804F762D}"/>
-              </a:ext>
-            </a:extLst>
-          </p:cNvPr>
+          <p:cNvPr id="28" name="箭头: 右 27"/>
           <p:cNvSpPr/>
           <p:nvPr/>
         </p:nvSpPr>
@@ -4606,13 +4078,7 @@
       </p:sp>
       <p:sp>
         <p:nvSpPr>
-          <p:cNvPr id="29" name="文本框 28">
-            <a:extLst>
-              <a:ext uri="{FF2B5EF4-FFF2-40B4-BE49-F238E27FC236}">
-                <a16:creationId xmlns:a16="http://schemas.microsoft.com/office/drawing/2014/main" id="{9BAF4ED6-B7A9-4B9A-B00A-EC43C2B99461}"/>
-              </a:ext>
-            </a:extLst>
-          </p:cNvPr>
+          <p:cNvPr id="29" name="文本框 28"/>
           <p:cNvSpPr txBox="1"/>
           <p:nvPr/>
         </p:nvSpPr>
@@ -4636,18 +4102,13 @@
               <a:rPr lang="zh-CN" altLang="en-US" sz="1200" dirty="0"/>
               <a:t>记录当日已使用的编码数量</a:t>
             </a:r>
-          </a:p>
-        </p:txBody>
-      </p:sp>
-      <p:sp>
-        <p:nvSpPr>
-          <p:cNvPr id="30" name="矩形 29">
-            <a:extLst>
-              <a:ext uri="{FF2B5EF4-FFF2-40B4-BE49-F238E27FC236}">
-                <a16:creationId xmlns:a16="http://schemas.microsoft.com/office/drawing/2014/main" id="{E0C26F1A-CB3E-418C-82D1-9BCB032F54B8}"/>
-              </a:ext>
-            </a:extLst>
-          </p:cNvPr>
+            <a:endParaRPr lang="zh-CN" altLang="en-US" sz="1200" dirty="0"/>
+          </a:p>
+        </p:txBody>
+      </p:sp>
+      <p:sp>
+        <p:nvSpPr>
+          <p:cNvPr id="30" name="矩形 29"/>
           <p:cNvSpPr/>
           <p:nvPr/>
         </p:nvSpPr>
@@ -4693,13 +4154,7 @@
       </p:sp>
       <p:sp>
         <p:nvSpPr>
-          <p:cNvPr id="32" name="箭头: 右 31">
-            <a:extLst>
-              <a:ext uri="{FF2B5EF4-FFF2-40B4-BE49-F238E27FC236}">
-                <a16:creationId xmlns:a16="http://schemas.microsoft.com/office/drawing/2014/main" id="{406AC6D4-7D58-4D46-AADA-8673005DBF7E}"/>
-              </a:ext>
-            </a:extLst>
-          </p:cNvPr>
+          <p:cNvPr id="32" name="箭头: 右 31"/>
           <p:cNvSpPr/>
           <p:nvPr/>
         </p:nvSpPr>
@@ -4739,13 +4194,7 @@
       </p:sp>
       <p:sp>
         <p:nvSpPr>
-          <p:cNvPr id="33" name="文本框 32">
-            <a:extLst>
-              <a:ext uri="{FF2B5EF4-FFF2-40B4-BE49-F238E27FC236}">
-                <a16:creationId xmlns:a16="http://schemas.microsoft.com/office/drawing/2014/main" id="{69DA4030-7494-40AE-8160-51AC41C9E26C}"/>
-              </a:ext>
-            </a:extLst>
-          </p:cNvPr>
+          <p:cNvPr id="33" name="文本框 32"/>
           <p:cNvSpPr txBox="1"/>
           <p:nvPr/>
         </p:nvSpPr>
@@ -4778,18 +4227,13 @@
               <a:rPr lang="zh-CN" altLang="en-US" sz="1050" dirty="0"/>
               <a:t>是否为编码格式</a:t>
             </a:r>
-          </a:p>
-        </p:txBody>
-      </p:sp>
-      <p:sp>
-        <p:nvSpPr>
-          <p:cNvPr id="34" name="菱形 33">
-            <a:extLst>
-              <a:ext uri="{FF2B5EF4-FFF2-40B4-BE49-F238E27FC236}">
-                <a16:creationId xmlns:a16="http://schemas.microsoft.com/office/drawing/2014/main" id="{0C078C7D-038A-4C74-B8C8-FD1E726FB13B}"/>
-              </a:ext>
-            </a:extLst>
-          </p:cNvPr>
+            <a:endParaRPr lang="zh-CN" altLang="en-US" sz="1050" dirty="0"/>
+          </a:p>
+        </p:txBody>
+      </p:sp>
+      <p:sp>
+        <p:nvSpPr>
+          <p:cNvPr id="34" name="菱形 33"/>
           <p:cNvSpPr/>
           <p:nvPr/>
         </p:nvSpPr>
@@ -4830,13 +4274,7 @@
       </p:sp>
       <p:sp>
         <p:nvSpPr>
-          <p:cNvPr id="35" name="箭头: 右 34">
-            <a:extLst>
-              <a:ext uri="{FF2B5EF4-FFF2-40B4-BE49-F238E27FC236}">
-                <a16:creationId xmlns:a16="http://schemas.microsoft.com/office/drawing/2014/main" id="{31583325-5552-4520-AE2B-9CD1BF8FD549}"/>
-              </a:ext>
-            </a:extLst>
-          </p:cNvPr>
+          <p:cNvPr id="35" name="箭头: 右 34"/>
           <p:cNvSpPr/>
           <p:nvPr/>
         </p:nvSpPr>
@@ -4876,13 +4314,7 @@
       </p:sp>
       <p:sp>
         <p:nvSpPr>
-          <p:cNvPr id="36" name="文本框 35">
-            <a:extLst>
-              <a:ext uri="{FF2B5EF4-FFF2-40B4-BE49-F238E27FC236}">
-                <a16:creationId xmlns:a16="http://schemas.microsoft.com/office/drawing/2014/main" id="{E6E653F3-57EC-4F50-9368-2528F8718026}"/>
-              </a:ext>
-            </a:extLst>
-          </p:cNvPr>
+          <p:cNvPr id="36" name="文本框 35"/>
           <p:cNvSpPr txBox="1"/>
           <p:nvPr/>
         </p:nvSpPr>
@@ -4906,18 +4338,13 @@
               <a:rPr lang="zh-CN" altLang="en-US" sz="1200" dirty="0"/>
               <a:t>否</a:t>
             </a:r>
-          </a:p>
-        </p:txBody>
-      </p:sp>
-      <p:sp>
-        <p:nvSpPr>
-          <p:cNvPr id="37" name="文本框 36">
-            <a:extLst>
-              <a:ext uri="{FF2B5EF4-FFF2-40B4-BE49-F238E27FC236}">
-                <a16:creationId xmlns:a16="http://schemas.microsoft.com/office/drawing/2014/main" id="{5C5953EC-445D-4568-B70B-A1CC0DCEFB83}"/>
-              </a:ext>
-            </a:extLst>
-          </p:cNvPr>
+            <a:endParaRPr lang="zh-CN" altLang="en-US" sz="1200" dirty="0"/>
+          </a:p>
+        </p:txBody>
+      </p:sp>
+      <p:sp>
+        <p:nvSpPr>
+          <p:cNvPr id="37" name="文本框 36"/>
           <p:cNvSpPr txBox="1"/>
           <p:nvPr/>
         </p:nvSpPr>
@@ -4947,13 +4374,7 @@
       </p:sp>
       <p:sp>
         <p:nvSpPr>
-          <p:cNvPr id="38" name="箭头: 右 37">
-            <a:extLst>
-              <a:ext uri="{FF2B5EF4-FFF2-40B4-BE49-F238E27FC236}">
-                <a16:creationId xmlns:a16="http://schemas.microsoft.com/office/drawing/2014/main" id="{FF325563-4281-4B32-9984-C149D8303B3B}"/>
-              </a:ext>
-            </a:extLst>
-          </p:cNvPr>
+          <p:cNvPr id="38" name="箭头: 右 37"/>
           <p:cNvSpPr/>
           <p:nvPr/>
         </p:nvSpPr>
@@ -4993,13 +4414,7 @@
       </p:sp>
       <p:sp>
         <p:nvSpPr>
-          <p:cNvPr id="39" name="文本框 38">
-            <a:extLst>
-              <a:ext uri="{FF2B5EF4-FFF2-40B4-BE49-F238E27FC236}">
-                <a16:creationId xmlns:a16="http://schemas.microsoft.com/office/drawing/2014/main" id="{35DF246E-8BF8-4152-B80B-1295E2D9FFEE}"/>
-              </a:ext>
-            </a:extLst>
-          </p:cNvPr>
+          <p:cNvPr id="39" name="文本框 38"/>
           <p:cNvSpPr txBox="1"/>
           <p:nvPr/>
         </p:nvSpPr>
@@ -5023,24 +4438,19 @@
               <a:rPr lang="zh-CN" altLang="en-US" sz="1200" dirty="0"/>
               <a:t>是</a:t>
             </a:r>
-          </a:p>
-        </p:txBody>
-      </p:sp>
-      <p:sp>
-        <p:nvSpPr>
-          <p:cNvPr id="40" name="文本框 39">
-            <a:extLst>
-              <a:ext uri="{FF2B5EF4-FFF2-40B4-BE49-F238E27FC236}">
-                <a16:creationId xmlns:a16="http://schemas.microsoft.com/office/drawing/2014/main" id="{9550CCDE-8947-4EC4-8994-84A8C18B4613}"/>
-              </a:ext>
-            </a:extLst>
-          </p:cNvPr>
+            <a:endParaRPr lang="zh-CN" altLang="en-US" sz="1200" dirty="0"/>
+          </a:p>
+        </p:txBody>
+      </p:sp>
+      <p:sp>
+        <p:nvSpPr>
+          <p:cNvPr id="40" name="文本框 39"/>
           <p:cNvSpPr txBox="1"/>
           <p:nvPr/>
         </p:nvSpPr>
         <p:spPr>
           <a:xfrm>
-            <a:off x="5330629" y="1897371"/>
+            <a:off x="5340154" y="1902451"/>
             <a:ext cx="1483663" cy="276999"/>
           </a:xfrm>
           <a:prstGeom prst="rect">
@@ -5058,18 +4468,13 @@
               <a:rPr lang="zh-CN" altLang="en-US" sz="1200" dirty="0"/>
               <a:t>按索引访问数据库</a:t>
             </a:r>
-          </a:p>
-        </p:txBody>
-      </p:sp>
-      <p:sp>
-        <p:nvSpPr>
-          <p:cNvPr id="42" name="箭头: 右 41">
-            <a:extLst>
-              <a:ext uri="{FF2B5EF4-FFF2-40B4-BE49-F238E27FC236}">
-                <a16:creationId xmlns:a16="http://schemas.microsoft.com/office/drawing/2014/main" id="{14FB358F-2864-4EF7-A5D8-05E30714C877}"/>
-              </a:ext>
-            </a:extLst>
-          </p:cNvPr>
+            <a:endParaRPr lang="zh-CN" altLang="en-US" sz="1200" dirty="0"/>
+          </a:p>
+        </p:txBody>
+      </p:sp>
+      <p:sp>
+        <p:nvSpPr>
+          <p:cNvPr id="42" name="箭头: 右 41"/>
           <p:cNvSpPr/>
           <p:nvPr/>
         </p:nvSpPr>
@@ -5109,13 +4514,7 @@
       </p:sp>
       <p:sp>
         <p:nvSpPr>
-          <p:cNvPr id="43" name="文本框 42">
-            <a:extLst>
-              <a:ext uri="{FF2B5EF4-FFF2-40B4-BE49-F238E27FC236}">
-                <a16:creationId xmlns:a16="http://schemas.microsoft.com/office/drawing/2014/main" id="{366F8342-8AC9-42B7-8172-04CADAF65852}"/>
-              </a:ext>
-            </a:extLst>
-          </p:cNvPr>
+          <p:cNvPr id="43" name="文本框 42"/>
           <p:cNvSpPr txBox="1"/>
           <p:nvPr/>
         </p:nvSpPr>
@@ -5148,18 +4547,13 @@
               <a:rPr lang="zh-CN" altLang="en-US" sz="1050" dirty="0"/>
               <a:t>重命名类别编码</a:t>
             </a:r>
-          </a:p>
-        </p:txBody>
-      </p:sp>
-      <p:sp>
-        <p:nvSpPr>
-          <p:cNvPr id="44" name="矩形 43">
-            <a:extLst>
-              <a:ext uri="{FF2B5EF4-FFF2-40B4-BE49-F238E27FC236}">
-                <a16:creationId xmlns:a16="http://schemas.microsoft.com/office/drawing/2014/main" id="{BD6B9D04-B966-4595-9CA1-7ED9A6FE077D}"/>
-              </a:ext>
-            </a:extLst>
-          </p:cNvPr>
+            <a:endParaRPr lang="zh-CN" altLang="en-US" sz="1050" dirty="0"/>
+          </a:p>
+        </p:txBody>
+      </p:sp>
+      <p:sp>
+        <p:nvSpPr>
+          <p:cNvPr id="44" name="矩形 43"/>
           <p:cNvSpPr/>
           <p:nvPr/>
         </p:nvSpPr>
@@ -5205,13 +4599,7 @@
       </p:sp>
       <p:sp>
         <p:nvSpPr>
-          <p:cNvPr id="45" name="箭头: 右 44">
-            <a:extLst>
-              <a:ext uri="{FF2B5EF4-FFF2-40B4-BE49-F238E27FC236}">
-                <a16:creationId xmlns:a16="http://schemas.microsoft.com/office/drawing/2014/main" id="{74C897C0-31CF-4E31-9BCD-6D74E344A437}"/>
-              </a:ext>
-            </a:extLst>
-          </p:cNvPr>
+          <p:cNvPr id="45" name="箭头: 右 44"/>
           <p:cNvSpPr/>
           <p:nvPr/>
         </p:nvSpPr>
@@ -5251,13 +4639,7 @@
       </p:sp>
       <p:sp>
         <p:nvSpPr>
-          <p:cNvPr id="46" name="文本框 45">
-            <a:extLst>
-              <a:ext uri="{FF2B5EF4-FFF2-40B4-BE49-F238E27FC236}">
-                <a16:creationId xmlns:a16="http://schemas.microsoft.com/office/drawing/2014/main" id="{63723847-37D8-464D-99E0-8A1169BE1067}"/>
-              </a:ext>
-            </a:extLst>
-          </p:cNvPr>
+          <p:cNvPr id="46" name="文本框 45"/>
           <p:cNvSpPr txBox="1"/>
           <p:nvPr/>
         </p:nvSpPr>
@@ -5290,18 +4672,13 @@
               <a:rPr lang="zh-CN" altLang="en-US" sz="1050" dirty="0"/>
               <a:t>是否为编码格式</a:t>
             </a:r>
-          </a:p>
-        </p:txBody>
-      </p:sp>
-      <p:sp>
-        <p:nvSpPr>
-          <p:cNvPr id="47" name="菱形 46">
-            <a:extLst>
-              <a:ext uri="{FF2B5EF4-FFF2-40B4-BE49-F238E27FC236}">
-                <a16:creationId xmlns:a16="http://schemas.microsoft.com/office/drawing/2014/main" id="{2288DF46-D3EE-405E-AC59-75D397C2C97D}"/>
-              </a:ext>
-            </a:extLst>
-          </p:cNvPr>
+            <a:endParaRPr lang="zh-CN" altLang="en-US" sz="1050" dirty="0"/>
+          </a:p>
+        </p:txBody>
+      </p:sp>
+      <p:sp>
+        <p:nvSpPr>
+          <p:cNvPr id="47" name="菱形 46"/>
           <p:cNvSpPr/>
           <p:nvPr/>
         </p:nvSpPr>
@@ -5342,13 +4719,7 @@
       </p:sp>
       <p:sp>
         <p:nvSpPr>
-          <p:cNvPr id="48" name="箭头: 右 47">
-            <a:extLst>
-              <a:ext uri="{FF2B5EF4-FFF2-40B4-BE49-F238E27FC236}">
-                <a16:creationId xmlns:a16="http://schemas.microsoft.com/office/drawing/2014/main" id="{20855BFE-C087-4C81-8998-75D892C8F0BB}"/>
-              </a:ext>
-            </a:extLst>
-          </p:cNvPr>
+          <p:cNvPr id="48" name="箭头: 右 47"/>
           <p:cNvSpPr/>
           <p:nvPr/>
         </p:nvSpPr>
@@ -5388,13 +4759,7 @@
       </p:sp>
       <p:sp>
         <p:nvSpPr>
-          <p:cNvPr id="49" name="文本框 48">
-            <a:extLst>
-              <a:ext uri="{FF2B5EF4-FFF2-40B4-BE49-F238E27FC236}">
-                <a16:creationId xmlns:a16="http://schemas.microsoft.com/office/drawing/2014/main" id="{50F9CE1E-3643-4380-A836-C5BF1B9DB613}"/>
-              </a:ext>
-            </a:extLst>
-          </p:cNvPr>
+          <p:cNvPr id="49" name="文本框 48"/>
           <p:cNvSpPr txBox="1"/>
           <p:nvPr/>
         </p:nvSpPr>
@@ -5418,18 +4783,13 @@
               <a:rPr lang="zh-CN" altLang="en-US" sz="1200" dirty="0"/>
               <a:t>否</a:t>
             </a:r>
-          </a:p>
-        </p:txBody>
-      </p:sp>
-      <p:sp>
-        <p:nvSpPr>
-          <p:cNvPr id="51" name="文本框 50">
-            <a:extLst>
-              <a:ext uri="{FF2B5EF4-FFF2-40B4-BE49-F238E27FC236}">
-                <a16:creationId xmlns:a16="http://schemas.microsoft.com/office/drawing/2014/main" id="{0E3E3432-49BA-4632-B106-430CF8F241B2}"/>
-              </a:ext>
-            </a:extLst>
-          </p:cNvPr>
+            <a:endParaRPr lang="zh-CN" altLang="en-US" sz="1200" dirty="0"/>
+          </a:p>
+        </p:txBody>
+      </p:sp>
+      <p:sp>
+        <p:nvSpPr>
+          <p:cNvPr id="51" name="文本框 50"/>
           <p:cNvSpPr txBox="1"/>
           <p:nvPr/>
         </p:nvSpPr>
@@ -5468,13 +4828,7 @@
       </p:sp>
       <p:sp>
         <p:nvSpPr>
-          <p:cNvPr id="52" name="矩形 51">
-            <a:extLst>
-              <a:ext uri="{FF2B5EF4-FFF2-40B4-BE49-F238E27FC236}">
-                <a16:creationId xmlns:a16="http://schemas.microsoft.com/office/drawing/2014/main" id="{7E47A0F9-103F-4366-8774-4807496FC62D}"/>
-              </a:ext>
-            </a:extLst>
-          </p:cNvPr>
+          <p:cNvPr id="52" name="矩形 51"/>
           <p:cNvSpPr/>
           <p:nvPr/>
         </p:nvSpPr>
@@ -5520,13 +4874,7 @@
       </p:sp>
       <p:sp>
         <p:nvSpPr>
-          <p:cNvPr id="53" name="箭头: 右 52">
-            <a:extLst>
-              <a:ext uri="{FF2B5EF4-FFF2-40B4-BE49-F238E27FC236}">
-                <a16:creationId xmlns:a16="http://schemas.microsoft.com/office/drawing/2014/main" id="{F6189AA9-F261-48E4-9FB4-2E425F375DB9}"/>
-              </a:ext>
-            </a:extLst>
-          </p:cNvPr>
+          <p:cNvPr id="53" name="箭头: 右 52"/>
           <p:cNvSpPr/>
           <p:nvPr/>
         </p:nvSpPr>
@@ -5566,13 +4914,7 @@
       </p:sp>
       <p:sp>
         <p:nvSpPr>
-          <p:cNvPr id="54" name="文本框 53">
-            <a:extLst>
-              <a:ext uri="{FF2B5EF4-FFF2-40B4-BE49-F238E27FC236}">
-                <a16:creationId xmlns:a16="http://schemas.microsoft.com/office/drawing/2014/main" id="{24E91B02-A619-404D-A1B3-E85990EA4053}"/>
-              </a:ext>
-            </a:extLst>
-          </p:cNvPr>
+          <p:cNvPr id="54" name="文本框 53"/>
           <p:cNvSpPr txBox="1"/>
           <p:nvPr/>
         </p:nvSpPr>
@@ -5596,18 +4938,13 @@
               <a:rPr lang="zh-CN" altLang="en-US" sz="1200" dirty="0"/>
               <a:t>写入</a:t>
             </a:r>
-          </a:p>
-        </p:txBody>
-      </p:sp>
-      <p:sp>
-        <p:nvSpPr>
-          <p:cNvPr id="55" name="箭头: 右 54">
-            <a:extLst>
-              <a:ext uri="{FF2B5EF4-FFF2-40B4-BE49-F238E27FC236}">
-                <a16:creationId xmlns:a16="http://schemas.microsoft.com/office/drawing/2014/main" id="{82BE857E-A764-4DE9-BB99-2E89C4D8C7CC}"/>
-              </a:ext>
-            </a:extLst>
-          </p:cNvPr>
+            <a:endParaRPr lang="zh-CN" altLang="en-US" sz="1200" dirty="0"/>
+          </a:p>
+        </p:txBody>
+      </p:sp>
+      <p:sp>
+        <p:nvSpPr>
+          <p:cNvPr id="55" name="箭头: 右 54"/>
           <p:cNvSpPr/>
           <p:nvPr/>
         </p:nvSpPr>
@@ -5647,13 +4984,7 @@
       </p:sp>
       <p:sp>
         <p:nvSpPr>
-          <p:cNvPr id="57" name="文本框 56">
-            <a:extLst>
-              <a:ext uri="{FF2B5EF4-FFF2-40B4-BE49-F238E27FC236}">
-                <a16:creationId xmlns:a16="http://schemas.microsoft.com/office/drawing/2014/main" id="{98C4295B-DE51-4007-86F2-666F1B038E6B}"/>
-              </a:ext>
-            </a:extLst>
-          </p:cNvPr>
+          <p:cNvPr id="57" name="文本框 56"/>
           <p:cNvSpPr txBox="1"/>
           <p:nvPr/>
         </p:nvSpPr>
@@ -5677,18 +5008,13 @@
               <a:rPr lang="zh-CN" altLang="en-US" sz="1200" dirty="0"/>
               <a:t>是</a:t>
             </a:r>
-          </a:p>
-        </p:txBody>
-      </p:sp>
-      <p:sp>
-        <p:nvSpPr>
-          <p:cNvPr id="58" name="箭头: 右 57">
-            <a:extLst>
-              <a:ext uri="{FF2B5EF4-FFF2-40B4-BE49-F238E27FC236}">
-                <a16:creationId xmlns:a16="http://schemas.microsoft.com/office/drawing/2014/main" id="{A2CE7298-8966-4243-A558-18DD8631074A}"/>
-              </a:ext>
-            </a:extLst>
-          </p:cNvPr>
+            <a:endParaRPr lang="zh-CN" altLang="en-US" sz="1200" dirty="0"/>
+          </a:p>
+        </p:txBody>
+      </p:sp>
+      <p:sp>
+        <p:nvSpPr>
+          <p:cNvPr id="58" name="箭头: 右 57"/>
           <p:cNvSpPr/>
           <p:nvPr/>
         </p:nvSpPr>
@@ -5728,13 +5054,7 @@
       </p:sp>
       <p:sp>
         <p:nvSpPr>
-          <p:cNvPr id="59" name="文本框 58">
-            <a:extLst>
-              <a:ext uri="{FF2B5EF4-FFF2-40B4-BE49-F238E27FC236}">
-                <a16:creationId xmlns:a16="http://schemas.microsoft.com/office/drawing/2014/main" id="{3F0FC979-C4A0-43A1-B83E-C9E20CCD06F3}"/>
-              </a:ext>
-            </a:extLst>
-          </p:cNvPr>
+          <p:cNvPr id="59" name="文本框 58"/>
           <p:cNvSpPr txBox="1"/>
           <p:nvPr/>
         </p:nvSpPr>
@@ -5758,18 +5078,13 @@
               <a:rPr lang="zh-CN" altLang="en-US" sz="1200" dirty="0"/>
               <a:t>写入</a:t>
             </a:r>
-          </a:p>
-        </p:txBody>
-      </p:sp>
-      <p:sp>
-        <p:nvSpPr>
-          <p:cNvPr id="60" name="箭头: 右 59">
-            <a:extLst>
-              <a:ext uri="{FF2B5EF4-FFF2-40B4-BE49-F238E27FC236}">
-                <a16:creationId xmlns:a16="http://schemas.microsoft.com/office/drawing/2014/main" id="{0FCA0230-9165-4DF9-8C7B-10FA3D41C2D5}"/>
-              </a:ext>
-            </a:extLst>
-          </p:cNvPr>
+            <a:endParaRPr lang="zh-CN" altLang="en-US" sz="1200" dirty="0"/>
+          </a:p>
+        </p:txBody>
+      </p:sp>
+      <p:sp>
+        <p:nvSpPr>
+          <p:cNvPr id="60" name="箭头: 右 59"/>
           <p:cNvSpPr/>
           <p:nvPr/>
         </p:nvSpPr>
@@ -5809,13 +5124,7 @@
       </p:sp>
       <p:sp>
         <p:nvSpPr>
-          <p:cNvPr id="61" name="文本框 60">
-            <a:extLst>
-              <a:ext uri="{FF2B5EF4-FFF2-40B4-BE49-F238E27FC236}">
-                <a16:creationId xmlns:a16="http://schemas.microsoft.com/office/drawing/2014/main" id="{1E6CB1B6-1AB3-4D51-8783-10FB69BD11EC}"/>
-              </a:ext>
-            </a:extLst>
-          </p:cNvPr>
+          <p:cNvPr id="61" name="文本框 60"/>
           <p:cNvSpPr txBox="1"/>
           <p:nvPr/>
         </p:nvSpPr>
@@ -5840,18 +5149,13 @@
               <a:rPr lang="zh-CN" altLang="en-US" sz="1050" dirty="0"/>
               <a:t>重构标注</a:t>
             </a:r>
-          </a:p>
-        </p:txBody>
-      </p:sp>
-      <p:sp>
-        <p:nvSpPr>
-          <p:cNvPr id="62" name="矩形 61">
-            <a:extLst>
-              <a:ext uri="{FF2B5EF4-FFF2-40B4-BE49-F238E27FC236}">
-                <a16:creationId xmlns:a16="http://schemas.microsoft.com/office/drawing/2014/main" id="{08FDC4BA-A078-46D8-8CBB-7353C65DE621}"/>
-              </a:ext>
-            </a:extLst>
-          </p:cNvPr>
+            <a:endParaRPr lang="zh-CN" altLang="en-US" sz="1050" dirty="0"/>
+          </a:p>
+        </p:txBody>
+      </p:sp>
+      <p:sp>
+        <p:nvSpPr>
+          <p:cNvPr id="62" name="矩形 61"/>
           <p:cNvSpPr/>
           <p:nvPr/>
         </p:nvSpPr>
@@ -5897,13 +5201,7 @@
       </p:sp>
       <p:sp>
         <p:nvSpPr>
-          <p:cNvPr id="63" name="文本框 62">
-            <a:extLst>
-              <a:ext uri="{FF2B5EF4-FFF2-40B4-BE49-F238E27FC236}">
-                <a16:creationId xmlns:a16="http://schemas.microsoft.com/office/drawing/2014/main" id="{76FBA0AB-8D27-460B-98BA-580B989545D8}"/>
-              </a:ext>
-            </a:extLst>
-          </p:cNvPr>
+          <p:cNvPr id="63" name="文本框 62"/>
           <p:cNvSpPr txBox="1"/>
           <p:nvPr/>
         </p:nvSpPr>
@@ -5927,18 +5225,13 @@
               <a:rPr lang="zh-CN" altLang="en-US" sz="1200" dirty="0"/>
               <a:t>缓冲区，可公开访问</a:t>
             </a:r>
-          </a:p>
-        </p:txBody>
-      </p:sp>
-      <p:sp>
-        <p:nvSpPr>
-          <p:cNvPr id="64" name="矩形 63">
-            <a:extLst>
-              <a:ext uri="{FF2B5EF4-FFF2-40B4-BE49-F238E27FC236}">
-                <a16:creationId xmlns:a16="http://schemas.microsoft.com/office/drawing/2014/main" id="{CF801B2C-610A-4088-91C3-2A06AE5EF7B2}"/>
-              </a:ext>
-            </a:extLst>
-          </p:cNvPr>
+            <a:endParaRPr lang="zh-CN" altLang="en-US" sz="1200" dirty="0"/>
+          </a:p>
+        </p:txBody>
+      </p:sp>
+      <p:sp>
+        <p:nvSpPr>
+          <p:cNvPr id="64" name="矩形 63"/>
           <p:cNvSpPr/>
           <p:nvPr/>
         </p:nvSpPr>
@@ -5979,13 +5272,7 @@
       </p:sp>
       <p:sp>
         <p:nvSpPr>
-          <p:cNvPr id="65" name="文本框 64">
-            <a:extLst>
-              <a:ext uri="{FF2B5EF4-FFF2-40B4-BE49-F238E27FC236}">
-                <a16:creationId xmlns:a16="http://schemas.microsoft.com/office/drawing/2014/main" id="{EB9CDFB9-8D9C-440D-92BE-9FE1A20EC4FD}"/>
-              </a:ext>
-            </a:extLst>
-          </p:cNvPr>
+          <p:cNvPr id="65" name="文本框 64"/>
           <p:cNvSpPr txBox="1"/>
           <p:nvPr/>
         </p:nvSpPr>
@@ -6013,18 +5300,17 @@
               </a:rPr>
               <a:t>数据审核</a:t>
             </a:r>
-          </a:p>
-        </p:txBody>
-      </p:sp>
-      <p:sp>
-        <p:nvSpPr>
-          <p:cNvPr id="66" name="箭头: 右 65">
-            <a:extLst>
-              <a:ext uri="{FF2B5EF4-FFF2-40B4-BE49-F238E27FC236}">
-                <a16:creationId xmlns:a16="http://schemas.microsoft.com/office/drawing/2014/main" id="{487F62C3-67BC-4B3F-96D3-44687BE9931C}"/>
-              </a:ext>
-            </a:extLst>
-          </p:cNvPr>
+            <a:endParaRPr lang="zh-CN" altLang="en-US" sz="1200" dirty="0">
+              <a:solidFill>
+                <a:srgbClr val="FF0000"/>
+              </a:solidFill>
+            </a:endParaRPr>
+          </a:p>
+        </p:txBody>
+      </p:sp>
+      <p:sp>
+        <p:nvSpPr>
+          <p:cNvPr id="66" name="箭头: 右 65"/>
           <p:cNvSpPr/>
           <p:nvPr/>
         </p:nvSpPr>
@@ -6064,13 +5350,7 @@
       </p:sp>
       <p:sp>
         <p:nvSpPr>
-          <p:cNvPr id="67" name="文本框 66">
-            <a:extLst>
-              <a:ext uri="{FF2B5EF4-FFF2-40B4-BE49-F238E27FC236}">
-                <a16:creationId xmlns:a16="http://schemas.microsoft.com/office/drawing/2014/main" id="{C474B878-AFEC-41FE-995E-E88AF59FA15C}"/>
-              </a:ext>
-            </a:extLst>
-          </p:cNvPr>
+          <p:cNvPr id="67" name="文本框 66"/>
           <p:cNvSpPr txBox="1"/>
           <p:nvPr/>
         </p:nvSpPr>
@@ -6094,18 +5374,13 @@
               <a:rPr lang="zh-CN" altLang="en-US" sz="1200" dirty="0"/>
               <a:t>写入</a:t>
             </a:r>
-          </a:p>
-        </p:txBody>
-      </p:sp>
-      <p:sp>
-        <p:nvSpPr>
-          <p:cNvPr id="69" name="箭头: 右 68">
-            <a:extLst>
-              <a:ext uri="{FF2B5EF4-FFF2-40B4-BE49-F238E27FC236}">
-                <a16:creationId xmlns:a16="http://schemas.microsoft.com/office/drawing/2014/main" id="{E4098953-7DF3-4904-B000-C767FCAC03DF}"/>
-              </a:ext>
-            </a:extLst>
-          </p:cNvPr>
+            <a:endParaRPr lang="zh-CN" altLang="en-US" sz="1200" dirty="0"/>
+          </a:p>
+        </p:txBody>
+      </p:sp>
+      <p:sp>
+        <p:nvSpPr>
+          <p:cNvPr id="69" name="箭头: 右 68"/>
           <p:cNvSpPr/>
           <p:nvPr/>
         </p:nvSpPr>
@@ -6145,13 +5420,7 @@
       </p:sp>
       <p:sp>
         <p:nvSpPr>
-          <p:cNvPr id="70" name="文本框 69">
-            <a:extLst>
-              <a:ext uri="{FF2B5EF4-FFF2-40B4-BE49-F238E27FC236}">
-                <a16:creationId xmlns:a16="http://schemas.microsoft.com/office/drawing/2014/main" id="{753EEDB3-B689-44CB-8DC0-295C9C003F42}"/>
-              </a:ext>
-            </a:extLst>
-          </p:cNvPr>
+          <p:cNvPr id="70" name="文本框 69"/>
           <p:cNvSpPr txBox="1"/>
           <p:nvPr/>
         </p:nvSpPr>
@@ -6175,18 +5444,13 @@
               <a:rPr lang="zh-CN" altLang="en-US" sz="1400" dirty="0"/>
               <a:t>训练</a:t>
             </a:r>
-          </a:p>
-        </p:txBody>
-      </p:sp>
-      <p:sp>
-        <p:nvSpPr>
-          <p:cNvPr id="71" name="箭头: 右 70">
-            <a:extLst>
-              <a:ext uri="{FF2B5EF4-FFF2-40B4-BE49-F238E27FC236}">
-                <a16:creationId xmlns:a16="http://schemas.microsoft.com/office/drawing/2014/main" id="{006BD4EF-8FBD-4EEA-B096-035F3231C4F0}"/>
-              </a:ext>
-            </a:extLst>
-          </p:cNvPr>
+            <a:endParaRPr lang="zh-CN" altLang="en-US" sz="1400" dirty="0"/>
+          </a:p>
+        </p:txBody>
+      </p:sp>
+      <p:sp>
+        <p:nvSpPr>
+          <p:cNvPr id="71" name="箭头: 右 70"/>
           <p:cNvSpPr/>
           <p:nvPr/>
         </p:nvSpPr>
@@ -6226,13 +5490,7 @@
       </p:sp>
       <p:sp>
         <p:nvSpPr>
-          <p:cNvPr id="72" name="文本框 71">
-            <a:extLst>
-              <a:ext uri="{FF2B5EF4-FFF2-40B4-BE49-F238E27FC236}">
-                <a16:creationId xmlns:a16="http://schemas.microsoft.com/office/drawing/2014/main" id="{770853DF-8711-45C5-A9B4-3F8296014F84}"/>
-              </a:ext>
-            </a:extLst>
-          </p:cNvPr>
+          <p:cNvPr id="72" name="文本框 71"/>
           <p:cNvSpPr txBox="1"/>
           <p:nvPr/>
         </p:nvSpPr>
@@ -6256,18 +5514,13 @@
               <a:rPr lang="zh-CN" altLang="en-US" sz="1200" dirty="0"/>
               <a:t>训练信息      写入</a:t>
             </a:r>
-          </a:p>
-        </p:txBody>
-      </p:sp>
-      <p:sp>
-        <p:nvSpPr>
-          <p:cNvPr id="73" name="文本框 72">
-            <a:extLst>
-              <a:ext uri="{FF2B5EF4-FFF2-40B4-BE49-F238E27FC236}">
-                <a16:creationId xmlns:a16="http://schemas.microsoft.com/office/drawing/2014/main" id="{EAE2C3F6-20E9-4FF5-851C-A2B09A103DFC}"/>
-              </a:ext>
-            </a:extLst>
-          </p:cNvPr>
+            <a:endParaRPr lang="zh-CN" altLang="en-US" sz="1200" dirty="0"/>
+          </a:p>
+        </p:txBody>
+      </p:sp>
+      <p:sp>
+        <p:nvSpPr>
+          <p:cNvPr id="73" name="文本框 72"/>
           <p:cNvSpPr txBox="1"/>
           <p:nvPr/>
         </p:nvSpPr>
@@ -6291,18 +5544,13 @@
               <a:rPr lang="zh-CN" altLang="en-US" sz="1200" dirty="0"/>
               <a:t>工程提测</a:t>
             </a:r>
-          </a:p>
-        </p:txBody>
-      </p:sp>
-      <p:sp>
-        <p:nvSpPr>
-          <p:cNvPr id="74" name="箭头: 右 73">
-            <a:extLst>
-              <a:ext uri="{FF2B5EF4-FFF2-40B4-BE49-F238E27FC236}">
-                <a16:creationId xmlns:a16="http://schemas.microsoft.com/office/drawing/2014/main" id="{10C9F1B7-DECB-4A5A-8C1F-3D765613A8F2}"/>
-              </a:ext>
-            </a:extLst>
-          </p:cNvPr>
+            <a:endParaRPr lang="zh-CN" altLang="en-US" sz="1200" dirty="0"/>
+          </a:p>
+        </p:txBody>
+      </p:sp>
+      <p:sp>
+        <p:nvSpPr>
+          <p:cNvPr id="74" name="箭头: 右 73"/>
           <p:cNvSpPr/>
           <p:nvPr/>
         </p:nvSpPr>
@@ -6342,13 +5590,7 @@
       </p:sp>
       <p:sp>
         <p:nvSpPr>
-          <p:cNvPr id="75" name="箭头: 下 74">
-            <a:extLst>
-              <a:ext uri="{FF2B5EF4-FFF2-40B4-BE49-F238E27FC236}">
-                <a16:creationId xmlns:a16="http://schemas.microsoft.com/office/drawing/2014/main" id="{990460A9-277B-4739-BF0C-A3A73385EC83}"/>
-              </a:ext>
-            </a:extLst>
-          </p:cNvPr>
+          <p:cNvPr id="75" name="箭头: 下 74"/>
           <p:cNvSpPr/>
           <p:nvPr/>
         </p:nvSpPr>
@@ -6388,13 +5630,7 @@
       </p:sp>
       <p:sp>
         <p:nvSpPr>
-          <p:cNvPr id="76" name="文本框 75">
-            <a:extLst>
-              <a:ext uri="{FF2B5EF4-FFF2-40B4-BE49-F238E27FC236}">
-                <a16:creationId xmlns:a16="http://schemas.microsoft.com/office/drawing/2014/main" id="{B1CDEBE7-DF6D-47DA-85F5-04A1FB76EC33}"/>
-              </a:ext>
-            </a:extLst>
-          </p:cNvPr>
+          <p:cNvPr id="76" name="文本框 75"/>
           <p:cNvSpPr txBox="1"/>
           <p:nvPr/>
         </p:nvSpPr>
@@ -6439,15 +5675,11 @@
               <a:rPr lang="zh-CN" altLang="en-US" sz="1200" dirty="0"/>
               <a:t>重复图片</a:t>
             </a:r>
+            <a:endParaRPr lang="zh-CN" altLang="en-US" sz="1200" dirty="0"/>
           </a:p>
         </p:txBody>
       </p:sp>
     </p:spTree>
-    <p:extLst>
-      <p:ext uri="{BB962C8B-B14F-4D97-AF65-F5344CB8AC3E}">
-        <p14:creationId xmlns:p14="http://schemas.microsoft.com/office/powerpoint/2010/main" val="1498070460"/>
-      </p:ext>
-    </p:extLst>
   </p:cSld>
   <p:clrMapOvr>
     <a:masterClrMapping/>
@@ -6474,13 +5706,7 @@
       </p:grpSpPr>
       <p:sp>
         <p:nvSpPr>
-          <p:cNvPr id="2" name="文本框 1">
-            <a:extLst>
-              <a:ext uri="{FF2B5EF4-FFF2-40B4-BE49-F238E27FC236}">
-                <a16:creationId xmlns:a16="http://schemas.microsoft.com/office/drawing/2014/main" id="{05EAFBE4-DA6E-4CCB-9645-B9450318C8BE}"/>
-              </a:ext>
-            </a:extLst>
-          </p:cNvPr>
+          <p:cNvPr id="2" name="文本框 1"/>
           <p:cNvSpPr txBox="1"/>
           <p:nvPr/>
         </p:nvSpPr>
@@ -6606,6 +5832,7 @@
               <a:rPr lang="en-US" altLang="zh-CN" sz="1200" dirty="0"/>
               <a:t>W</a:t>
             </a:r>
+            <a:endParaRPr lang="en-US" altLang="zh-CN" sz="1200" dirty="0"/>
           </a:p>
           <a:p>
             <a:r>
@@ -6737,13 +5964,7 @@
       </p:sp>
       <p:sp>
         <p:nvSpPr>
-          <p:cNvPr id="3" name="文本框 2">
-            <a:extLst>
-              <a:ext uri="{FF2B5EF4-FFF2-40B4-BE49-F238E27FC236}">
-                <a16:creationId xmlns:a16="http://schemas.microsoft.com/office/drawing/2014/main" id="{B6BC66EC-4F2C-4449-8E71-03AA822831FD}"/>
-              </a:ext>
-            </a:extLst>
-          </p:cNvPr>
+          <p:cNvPr id="3" name="文本框 2"/>
           <p:cNvSpPr txBox="1"/>
           <p:nvPr/>
         </p:nvSpPr>
@@ -6995,18 +6216,17 @@
               </a:rPr>
               <a:t>（颜色）长长的没干的。</a:t>
             </a:r>
-          </a:p>
-        </p:txBody>
-      </p:sp>
-      <p:sp>
-        <p:nvSpPr>
-          <p:cNvPr id="4" name="文本框 3">
-            <a:extLst>
-              <a:ext uri="{FF2B5EF4-FFF2-40B4-BE49-F238E27FC236}">
-                <a16:creationId xmlns:a16="http://schemas.microsoft.com/office/drawing/2014/main" id="{03F23694-C8C2-41A6-9A9A-AA821D7F90A2}"/>
-              </a:ext>
-            </a:extLst>
-          </p:cNvPr>
+            <a:endParaRPr lang="zh-CN" altLang="en-US" sz="1200" dirty="0">
+              <a:solidFill>
+                <a:srgbClr val="FF0000"/>
+              </a:solidFill>
+            </a:endParaRPr>
+          </a:p>
+        </p:txBody>
+      </p:sp>
+      <p:sp>
+        <p:nvSpPr>
+          <p:cNvPr id="4" name="文本框 3"/>
           <p:cNvSpPr txBox="1"/>
           <p:nvPr/>
         </p:nvSpPr>
@@ -7053,6 +6273,7 @@
               <a:rPr lang="en-US" altLang="zh-CN" sz="1200" dirty="0"/>
               <a:t>object</a:t>
             </a:r>
+            <a:endParaRPr lang="en-US" altLang="zh-CN" sz="1200" dirty="0"/>
           </a:p>
           <a:p>
             <a:r>
@@ -7098,6 +6319,7 @@
               <a:rPr lang="en-US" altLang="zh-CN" sz="1200" dirty="0"/>
               <a:t>line,  robndbox</a:t>
             </a:r>
+            <a:endParaRPr lang="en-US" altLang="zh-CN" sz="1200" dirty="0"/>
           </a:p>
           <a:p>
             <a:r>
@@ -7127,6 +6349,7 @@
               <a:rPr lang="en-US" altLang="zh-CN" sz="1200" dirty="0"/>
               <a:t>version</a:t>
             </a:r>
+            <a:endParaRPr lang="en-US" altLang="zh-CN" sz="1200" dirty="0"/>
           </a:p>
           <a:p>
             <a:r>
@@ -7172,6 +6395,7 @@
               <a:rPr lang="en-US" altLang="zh-CN" sz="1200" dirty="0"/>
               <a:t>0</a:t>
             </a:r>
+            <a:endParaRPr lang="en-US" altLang="zh-CN" sz="1200" dirty="0"/>
           </a:p>
           <a:p>
             <a:r>
@@ -7194,18 +6418,13 @@
               <a:rPr lang="en-US" altLang="zh-CN" sz="1200" dirty="0"/>
               <a:t>21-11-30</a:t>
             </a:r>
-          </a:p>
-        </p:txBody>
-      </p:sp>
-      <p:sp>
-        <p:nvSpPr>
-          <p:cNvPr id="5" name="文本框 4">
-            <a:extLst>
-              <a:ext uri="{FF2B5EF4-FFF2-40B4-BE49-F238E27FC236}">
-                <a16:creationId xmlns:a16="http://schemas.microsoft.com/office/drawing/2014/main" id="{8C2B676C-72EF-4FD8-A931-7F7363A2B670}"/>
-              </a:ext>
-            </a:extLst>
-          </p:cNvPr>
+            <a:endParaRPr lang="en-US" altLang="zh-CN" sz="1200" dirty="0"/>
+          </a:p>
+        </p:txBody>
+      </p:sp>
+      <p:sp>
+        <p:nvSpPr>
+          <p:cNvPr id="5" name="文本框 4"/>
           <p:cNvSpPr txBox="1"/>
           <p:nvPr/>
         </p:nvSpPr>
@@ -7252,6 +6471,7 @@
               <a:rPr lang="en-US" altLang="zh-CN" sz="1200" dirty="0"/>
               <a:t>points:</a:t>
             </a:r>
+            <a:endParaRPr lang="en-US" altLang="zh-CN" sz="1200" dirty="0"/>
           </a:p>
           <a:p>
             <a:r>
@@ -7306,6 +6526,7 @@
               <a:rPr lang="en-US" altLang="zh-CN" sz="1200" dirty="0"/>
               <a:t>ymin, ymax</a:t>
             </a:r>
+            <a:endParaRPr lang="en-US" altLang="zh-CN" sz="1200" dirty="0"/>
           </a:p>
           <a:p>
             <a:r>
@@ -7368,6 +6589,7 @@
               <a:rPr lang="en-US" altLang="zh-CN" sz="1200" dirty="0"/>
               <a:t>ymin, angle</a:t>
             </a:r>
+            <a:endParaRPr lang="en-US" altLang="zh-CN" sz="1200" dirty="0"/>
           </a:p>
           <a:p>
             <a:r>
@@ -7398,6 +6620,7 @@
               <a:rPr lang="en-US" altLang="zh-CN" sz="1200" dirty="0"/>
               <a:t>[ [ x1, y1], [x2, y2 ], [x3, y3 ], ……[xn, yn ] ]</a:t>
             </a:r>
+            <a:endParaRPr lang="en-US" altLang="zh-CN" sz="1200" dirty="0"/>
           </a:p>
           <a:p>
             <a:r>
@@ -7428,18 +6651,13 @@
               <a:rPr lang="en-US" altLang="zh-CN" sz="1200" dirty="0"/>
               <a:t>[  [ x1, y1], [x2, y2 ] ]</a:t>
             </a:r>
-          </a:p>
-        </p:txBody>
-      </p:sp>
-      <p:sp>
-        <p:nvSpPr>
-          <p:cNvPr id="6" name="Rectangle 1">
-            <a:extLst>
-              <a:ext uri="{FF2B5EF4-FFF2-40B4-BE49-F238E27FC236}">
-                <a16:creationId xmlns:a16="http://schemas.microsoft.com/office/drawing/2014/main" id="{BFA23A8D-8EEC-4070-A3C8-5BFDEE5D9AEB}"/>
-              </a:ext>
-            </a:extLst>
-          </p:cNvPr>
+            <a:endParaRPr lang="en-US" altLang="zh-CN" sz="1200" dirty="0"/>
+          </a:p>
+        </p:txBody>
+      </p:sp>
+      <p:sp>
+        <p:nvSpPr>
+          <p:cNvPr id="6" name="Rectangle 1"/>
           <p:cNvSpPr>
             <a:spLocks noChangeArrowheads="1"/>
           </p:cNvSpPr>
@@ -7489,9 +6707,6 @@
         </p:spPr>
         <p:txBody>
           <a:bodyPr vert="horz" wrap="square" lIns="0" tIns="0" rIns="0" bIns="0" numCol="1" anchor="ctr" anchorCtr="0" compatLnSpc="1">
-            <a:prstTxWarp prst="textNoShape">
-              <a:avLst/>
-            </a:prstTxWarp>
             <a:spAutoFit/>
           </a:bodyPr>
           <a:lstStyle/>
@@ -7510,7 +6725,6 @@
               <a:buSzTx/>
               <a:buFontTx/>
               <a:buNone/>
-              <a:tabLst/>
             </a:pPr>
             <a:r>
               <a:rPr lang="en-US" altLang="zh-CN" sz="1100" dirty="0">
@@ -7549,7 +6763,6 @@
               <a:buSzTx/>
               <a:buFontTx/>
               <a:buNone/>
-              <a:tabLst/>
             </a:pPr>
             <a:r>
               <a:rPr kumimoji="0" lang="zh-CN" altLang="zh-CN" sz="1100" b="0" i="0" u="none" strike="noStrike" cap="none" normalizeH="0" baseline="0" dirty="0">
@@ -7620,7 +6833,6 @@
               <a:buSzTx/>
               <a:buFontTx/>
               <a:buNone/>
-              <a:tabLst/>
             </a:pPr>
             <a:r>
               <a:rPr kumimoji="0" lang="zh-CN" altLang="zh-CN" sz="1100" b="0" i="0" u="none" strike="noStrike" cap="none" normalizeH="0" baseline="0" dirty="0">
@@ -7691,7 +6903,6 @@
               <a:buSzTx/>
               <a:buFontTx/>
               <a:buNone/>
-              <a:tabLst/>
             </a:pPr>
             <a:r>
               <a:rPr kumimoji="0" lang="zh-CN" altLang="zh-CN" sz="1100" b="0" i="0" u="none" strike="noStrike" cap="none" normalizeH="0" baseline="0" dirty="0">
@@ -7734,7 +6945,6 @@
               <a:buSzTx/>
               <a:buFontTx/>
               <a:buNone/>
-              <a:tabLst/>
             </a:pPr>
             <a:r>
               <a:rPr kumimoji="0" lang="zh-CN" altLang="zh-CN" sz="1100" b="0" i="0" u="none" strike="noStrike" cap="none" normalizeH="0" baseline="0" dirty="0">
@@ -7776,11 +6986,6 @@
         </p:txBody>
       </p:sp>
     </p:spTree>
-    <p:extLst>
-      <p:ext uri="{BB962C8B-B14F-4D97-AF65-F5344CB8AC3E}">
-        <p14:creationId xmlns:p14="http://schemas.microsoft.com/office/powerpoint/2010/main" val="1014001815"/>
-      </p:ext>
-    </p:extLst>
   </p:cSld>
   <p:clrMapOvr>
     <a:masterClrMapping/>
@@ -7807,13 +7012,7 @@
       </p:grpSpPr>
       <p:sp>
         <p:nvSpPr>
-          <p:cNvPr id="2" name="文本框 1">
-            <a:extLst>
-              <a:ext uri="{FF2B5EF4-FFF2-40B4-BE49-F238E27FC236}">
-                <a16:creationId xmlns:a16="http://schemas.microsoft.com/office/drawing/2014/main" id="{A31ADE05-72C8-4DCD-B1D7-DF8607E781BE}"/>
-              </a:ext>
-            </a:extLst>
-          </p:cNvPr>
+          <p:cNvPr id="2" name="文本框 1"/>
           <p:cNvSpPr txBox="1"/>
           <p:nvPr/>
         </p:nvSpPr>
@@ -7837,18 +7036,13 @@
               <a:rPr lang="zh-CN" altLang="en-US" dirty="0"/>
               <a:t>小图溯源管理：只支持方框导出</a:t>
             </a:r>
-          </a:p>
-        </p:txBody>
-      </p:sp>
-      <p:sp>
-        <p:nvSpPr>
-          <p:cNvPr id="3" name="文本框 2">
-            <a:extLst>
-              <a:ext uri="{FF2B5EF4-FFF2-40B4-BE49-F238E27FC236}">
-                <a16:creationId xmlns:a16="http://schemas.microsoft.com/office/drawing/2014/main" id="{1494D966-7F52-44B3-AA00-F653A93AC76D}"/>
-              </a:ext>
-            </a:extLst>
-          </p:cNvPr>
+            <a:endParaRPr lang="zh-CN" altLang="en-US" dirty="0"/>
+          </a:p>
+        </p:txBody>
+      </p:sp>
+      <p:sp>
+        <p:nvSpPr>
+          <p:cNvPr id="3" name="文本框 2"/>
           <p:cNvSpPr txBox="1"/>
           <p:nvPr/>
         </p:nvSpPr>
@@ -7895,18 +7089,13 @@
               <a:rPr lang="zh-CN" altLang="en-US" dirty="0"/>
               <a:t>开始</a:t>
             </a:r>
-          </a:p>
-        </p:txBody>
-      </p:sp>
-      <p:sp>
-        <p:nvSpPr>
-          <p:cNvPr id="4" name="文本框 3">
-            <a:extLst>
-              <a:ext uri="{FF2B5EF4-FFF2-40B4-BE49-F238E27FC236}">
-                <a16:creationId xmlns:a16="http://schemas.microsoft.com/office/drawing/2014/main" id="{C15FC77A-15F7-4C86-99B6-1EB8CB7A0295}"/>
-              </a:ext>
-            </a:extLst>
-          </p:cNvPr>
+            <a:endParaRPr lang="zh-CN" altLang="en-US" dirty="0"/>
+          </a:p>
+        </p:txBody>
+      </p:sp>
+      <p:sp>
+        <p:nvSpPr>
+          <p:cNvPr id="4" name="文本框 3"/>
           <p:cNvSpPr txBox="1"/>
           <p:nvPr/>
         </p:nvSpPr>
@@ -7930,18 +7119,13 @@
               <a:rPr lang="zh-CN" altLang="en-US" dirty="0"/>
               <a:t>小图导出命名格式：唯一索引，坐标，标签</a:t>
             </a:r>
-          </a:p>
-        </p:txBody>
-      </p:sp>
-      <p:sp>
-        <p:nvSpPr>
-          <p:cNvPr id="5" name="文本框 4">
-            <a:extLst>
-              <a:ext uri="{FF2B5EF4-FFF2-40B4-BE49-F238E27FC236}">
-                <a16:creationId xmlns:a16="http://schemas.microsoft.com/office/drawing/2014/main" id="{3D5F720C-C385-459A-9497-2BA906BD161D}"/>
-              </a:ext>
-            </a:extLst>
-          </p:cNvPr>
+            <a:endParaRPr lang="zh-CN" altLang="en-US" dirty="0"/>
+          </a:p>
+        </p:txBody>
+      </p:sp>
+      <p:sp>
+        <p:nvSpPr>
+          <p:cNvPr id="5" name="文本框 4"/>
           <p:cNvSpPr txBox="1"/>
           <p:nvPr/>
         </p:nvSpPr>
@@ -7997,25 +7181,20 @@
               <a:rPr lang="zh-CN" altLang="en-US" dirty="0"/>
               <a:t>内容为所有图片的索引列表。</a:t>
             </a:r>
+            <a:endParaRPr lang="zh-CN" altLang="en-US" dirty="0"/>
           </a:p>
         </p:txBody>
       </p:sp>
       <p:pic>
         <p:nvPicPr>
-          <p:cNvPr id="7" name="图片 6">
-            <a:extLst>
-              <a:ext uri="{FF2B5EF4-FFF2-40B4-BE49-F238E27FC236}">
-                <a16:creationId xmlns:a16="http://schemas.microsoft.com/office/drawing/2014/main" id="{6A3FB17A-D1D6-48A4-B880-154F31093659}"/>
-              </a:ext>
-            </a:extLst>
-          </p:cNvPr>
+          <p:cNvPr id="7" name="图片 6"/>
           <p:cNvPicPr>
             <a:picLocks noChangeAspect="1"/>
           </p:cNvPicPr>
           <p:nvPr/>
         </p:nvPicPr>
         <p:blipFill>
-          <a:blip r:embed="rId2">
+          <a:blip r:embed="rId1">
             <a:extLst>
               <a:ext uri="{28A0092B-C50C-407E-A947-70E740481C1C}">
                 <a14:useLocalDpi xmlns:a14="http://schemas.microsoft.com/office/drawing/2010/main" val="0"/>
@@ -8037,11 +7216,6 @@
         </p:spPr>
       </p:pic>
     </p:spTree>
-    <p:extLst>
-      <p:ext uri="{BB962C8B-B14F-4D97-AF65-F5344CB8AC3E}">
-        <p14:creationId xmlns:p14="http://schemas.microsoft.com/office/powerpoint/2010/main" val="3839211725"/>
-      </p:ext>
-    </p:extLst>
   </p:cSld>
   <p:clrMapOvr>
     <a:masterClrMapping/>
@@ -8068,13 +7242,7 @@
       </p:grpSpPr>
       <p:sp>
         <p:nvSpPr>
-          <p:cNvPr id="4" name="文本框 3">
-            <a:extLst>
-              <a:ext uri="{FF2B5EF4-FFF2-40B4-BE49-F238E27FC236}">
-                <a16:creationId xmlns:a16="http://schemas.microsoft.com/office/drawing/2014/main" id="{52891CB5-A667-4AC0-9820-A5BEAD9CDE96}"/>
-              </a:ext>
-            </a:extLst>
-          </p:cNvPr>
+          <p:cNvPr id="4" name="文本框 3"/>
           <p:cNvSpPr txBox="1"/>
           <p:nvPr/>
         </p:nvSpPr>
@@ -8102,28 +7270,21 @@
               </a:rPr>
               <a:t>表名：图片大类表</a:t>
             </a:r>
+            <a:endParaRPr lang="zh-CN" altLang="en-US" dirty="0">
+              <a:solidFill>
+                <a:srgbClr val="FF0000"/>
+              </a:solidFill>
+            </a:endParaRPr>
           </a:p>
         </p:txBody>
       </p:sp>
       <p:graphicFrame>
         <p:nvGraphicFramePr>
-          <p:cNvPr id="5" name="表格 5">
-            <a:extLst>
-              <a:ext uri="{FF2B5EF4-FFF2-40B4-BE49-F238E27FC236}">
-                <a16:creationId xmlns:a16="http://schemas.microsoft.com/office/drawing/2014/main" id="{ADC23736-16D6-437C-B75E-8D9A29521A9F}"/>
-              </a:ext>
-            </a:extLst>
-          </p:cNvPr>
+          <p:cNvPr id="5" name="表格 5"/>
           <p:cNvGraphicFramePr>
             <a:graphicFrameLocks noGrp="1"/>
           </p:cNvGraphicFramePr>
-          <p:nvPr>
-            <p:extLst>
-              <p:ext uri="{D42A27DB-BD31-4B8C-83A1-F6EECF244321}">
-                <p14:modId xmlns:p14="http://schemas.microsoft.com/office/powerpoint/2010/main" val="2509228591"/>
-              </p:ext>
-            </p:extLst>
-          </p:nvPr>
+          <p:nvPr/>
         </p:nvGraphicFramePr>
         <p:xfrm>
           <a:off x="1" y="648860"/>
@@ -8136,125 +7297,23 @@
                 <a:tableStyleId>{5C22544A-7EE6-4342-B048-85BDC9FD1C3A}</a:tableStyleId>
               </a:tblPr>
               <a:tblGrid>
-                <a:gridCol w="990600">
-                  <a:extLst>
-                    <a:ext uri="{9D8B030D-6E8A-4147-A177-3AD203B41FA5}">
-                      <a16:colId xmlns:a16="http://schemas.microsoft.com/office/drawing/2014/main" val="3697381474"/>
-                    </a:ext>
-                  </a:extLst>
-                </a:gridCol>
-                <a:gridCol w="609600">
-                  <a:extLst>
-                    <a:ext uri="{9D8B030D-6E8A-4147-A177-3AD203B41FA5}">
-                      <a16:colId xmlns:a16="http://schemas.microsoft.com/office/drawing/2014/main" val="718029833"/>
-                    </a:ext>
-                  </a:extLst>
-                </a:gridCol>
-                <a:gridCol w="742950">
-                  <a:extLst>
-                    <a:ext uri="{9D8B030D-6E8A-4147-A177-3AD203B41FA5}">
-                      <a16:colId xmlns:a16="http://schemas.microsoft.com/office/drawing/2014/main" val="3838006607"/>
-                    </a:ext>
-                  </a:extLst>
-                </a:gridCol>
-                <a:gridCol w="819150">
-                  <a:extLst>
-                    <a:ext uri="{9D8B030D-6E8A-4147-A177-3AD203B41FA5}">
-                      <a16:colId xmlns:a16="http://schemas.microsoft.com/office/drawing/2014/main" val="2072068444"/>
-                    </a:ext>
-                  </a:extLst>
-                </a:gridCol>
-                <a:gridCol w="774700">
-                  <a:extLst>
-                    <a:ext uri="{9D8B030D-6E8A-4147-A177-3AD203B41FA5}">
-                      <a16:colId xmlns:a16="http://schemas.microsoft.com/office/drawing/2014/main" val="2905865664"/>
-                    </a:ext>
-                  </a:extLst>
-                </a:gridCol>
-                <a:gridCol w="641350">
-                  <a:extLst>
-                    <a:ext uri="{9D8B030D-6E8A-4147-A177-3AD203B41FA5}">
-                      <a16:colId xmlns:a16="http://schemas.microsoft.com/office/drawing/2014/main" val="2899738750"/>
-                    </a:ext>
-                  </a:extLst>
-                </a:gridCol>
-                <a:gridCol w="800100">
-                  <a:extLst>
-                    <a:ext uri="{9D8B030D-6E8A-4147-A177-3AD203B41FA5}">
-                      <a16:colId xmlns:a16="http://schemas.microsoft.com/office/drawing/2014/main" val="2494933925"/>
-                    </a:ext>
-                  </a:extLst>
-                </a:gridCol>
-                <a:gridCol w="736600">
-                  <a:extLst>
-                    <a:ext uri="{9D8B030D-6E8A-4147-A177-3AD203B41FA5}">
-                      <a16:colId xmlns:a16="http://schemas.microsoft.com/office/drawing/2014/main" val="3976164324"/>
-                    </a:ext>
-                  </a:extLst>
-                </a:gridCol>
-                <a:gridCol w="546100">
-                  <a:extLst>
-                    <a:ext uri="{9D8B030D-6E8A-4147-A177-3AD203B41FA5}">
-                      <a16:colId xmlns:a16="http://schemas.microsoft.com/office/drawing/2014/main" val="3816513119"/>
-                    </a:ext>
-                  </a:extLst>
-                </a:gridCol>
-                <a:gridCol w="571500">
-                  <a:extLst>
-                    <a:ext uri="{9D8B030D-6E8A-4147-A177-3AD203B41FA5}">
-                      <a16:colId xmlns:a16="http://schemas.microsoft.com/office/drawing/2014/main" val="309896068"/>
-                    </a:ext>
-                  </a:extLst>
-                </a:gridCol>
-                <a:gridCol w="482600">
-                  <a:extLst>
-                    <a:ext uri="{9D8B030D-6E8A-4147-A177-3AD203B41FA5}">
-                      <a16:colId xmlns:a16="http://schemas.microsoft.com/office/drawing/2014/main" val="2741149762"/>
-                    </a:ext>
-                  </a:extLst>
-                </a:gridCol>
-                <a:gridCol w="647700">
-                  <a:extLst>
-                    <a:ext uri="{9D8B030D-6E8A-4147-A177-3AD203B41FA5}">
-                      <a16:colId xmlns:a16="http://schemas.microsoft.com/office/drawing/2014/main" val="1492974822"/>
-                    </a:ext>
-                  </a:extLst>
-                </a:gridCol>
-                <a:gridCol w="903091">
-                  <a:extLst>
-                    <a:ext uri="{9D8B030D-6E8A-4147-A177-3AD203B41FA5}">
-                      <a16:colId xmlns:a16="http://schemas.microsoft.com/office/drawing/2014/main" val="1466610460"/>
-                    </a:ext>
-                  </a:extLst>
-                </a:gridCol>
-                <a:gridCol w="718790">
-                  <a:extLst>
-                    <a:ext uri="{9D8B030D-6E8A-4147-A177-3AD203B41FA5}">
-                      <a16:colId xmlns:a16="http://schemas.microsoft.com/office/drawing/2014/main" val="3983938436"/>
-                    </a:ext>
-                  </a:extLst>
-                </a:gridCol>
-                <a:gridCol w="718790">
-                  <a:extLst>
-                    <a:ext uri="{9D8B030D-6E8A-4147-A177-3AD203B41FA5}">
-                      <a16:colId xmlns:a16="http://schemas.microsoft.com/office/drawing/2014/main" val="4269559187"/>
-                    </a:ext>
-                  </a:extLst>
-                </a:gridCol>
-                <a:gridCol w="718790">
-                  <a:extLst>
-                    <a:ext uri="{9D8B030D-6E8A-4147-A177-3AD203B41FA5}">
-                      <a16:colId xmlns:a16="http://schemas.microsoft.com/office/drawing/2014/main" val="4202683332"/>
-                    </a:ext>
-                  </a:extLst>
-                </a:gridCol>
-                <a:gridCol w="718790">
-                  <a:extLst>
-                    <a:ext uri="{9D8B030D-6E8A-4147-A177-3AD203B41FA5}">
-                      <a16:colId xmlns:a16="http://schemas.microsoft.com/office/drawing/2014/main" val="3753026579"/>
-                    </a:ext>
-                  </a:extLst>
-                </a:gridCol>
+                <a:gridCol w="990600"/>
+                <a:gridCol w="609600"/>
+                <a:gridCol w="742950"/>
+                <a:gridCol w="819150"/>
+                <a:gridCol w="774700"/>
+                <a:gridCol w="641350"/>
+                <a:gridCol w="800100"/>
+                <a:gridCol w="736600"/>
+                <a:gridCol w="546100"/>
+                <a:gridCol w="571500"/>
+                <a:gridCol w="482600"/>
+                <a:gridCol w="647700"/>
+                <a:gridCol w="903091"/>
+                <a:gridCol w="718790"/>
+                <a:gridCol w="718790"/>
+                <a:gridCol w="718790"/>
+                <a:gridCol w="718790"/>
               </a:tblGrid>
               <a:tr h="266111">
                 <a:tc>
@@ -8267,6 +7326,7 @@
                         <a:rPr lang="zh-CN" altLang="en-US" sz="1100" dirty="0"/>
                         <a:t>唯一编码</a:t>
                       </a:r>
+                      <a:endParaRPr lang="zh-CN" altLang="en-US" sz="1100" dirty="0"/>
                     </a:p>
                   </a:txBody>
                   <a:tcPr anchor="ctr"/>
@@ -8281,6 +7341,7 @@
                         <a:rPr lang="zh-CN" altLang="en-US" sz="1100" dirty="0"/>
                         <a:t>输配变</a:t>
                       </a:r>
+                      <a:endParaRPr lang="zh-CN" altLang="en-US" sz="1100" dirty="0"/>
                     </a:p>
                   </a:txBody>
                   <a:tcPr anchor="ctr"/>
@@ -8295,6 +7356,7 @@
                         <a:rPr lang="zh-CN" altLang="en-US" sz="1100" dirty="0"/>
                         <a:t>电压等级</a:t>
                       </a:r>
+                      <a:endParaRPr lang="zh-CN" altLang="en-US" sz="1100" dirty="0"/>
                     </a:p>
                   </a:txBody>
                   <a:tcPr anchor="ctr"/>
@@ -8309,6 +7371,7 @@
                         <a:rPr lang="zh-CN" altLang="en-US" sz="1100" dirty="0"/>
                         <a:t>含有缺陷</a:t>
                       </a:r>
+                      <a:endParaRPr lang="zh-CN" altLang="en-US" sz="1100" dirty="0"/>
                     </a:p>
                   </a:txBody>
                   <a:tcPr anchor="ctr"/>
@@ -8323,6 +7386,7 @@
                         <a:rPr lang="zh-CN" altLang="en-US" sz="1100" dirty="0"/>
                         <a:t>历史遗留</a:t>
                       </a:r>
+                      <a:endParaRPr lang="zh-CN" altLang="en-US" sz="1100" dirty="0"/>
                     </a:p>
                   </a:txBody>
                   <a:tcPr anchor="ctr"/>
@@ -8337,6 +7401,7 @@
                         <a:rPr lang="zh-CN" altLang="en-US" sz="1100" dirty="0"/>
                         <a:t>可见光</a:t>
                       </a:r>
+                      <a:endParaRPr lang="zh-CN" altLang="en-US" sz="1100" dirty="0"/>
                     </a:p>
                   </a:txBody>
                   <a:tcPr anchor="ctr"/>
@@ -8351,6 +7416,7 @@
                         <a:rPr lang="zh-CN" altLang="en-US" sz="1100" dirty="0"/>
                         <a:t>裸图</a:t>
                       </a:r>
+                      <a:endParaRPr lang="zh-CN" altLang="en-US" sz="1100" dirty="0"/>
                     </a:p>
                   </a:txBody>
                   <a:tcPr anchor="ctr"/>
@@ -8365,6 +7431,7 @@
                         <a:rPr lang="zh-CN" altLang="en-US" sz="1100" dirty="0"/>
                         <a:t>绝缘子</a:t>
                       </a:r>
+                      <a:endParaRPr lang="zh-CN" altLang="en-US" sz="1100" dirty="0"/>
                     </a:p>
                   </a:txBody>
                   <a:tcPr anchor="ctr"/>
@@ -8379,6 +7446,7 @@
                         <a:rPr lang="zh-CN" altLang="en-US" sz="1100" dirty="0"/>
                         <a:t>野外</a:t>
                       </a:r>
+                      <a:endParaRPr lang="zh-CN" altLang="en-US" sz="1100" dirty="0"/>
                     </a:p>
                   </a:txBody>
                   <a:tcPr anchor="ctr"/>
@@ -8393,6 +7461,7 @@
                         <a:rPr lang="zh-CN" altLang="en-US" sz="1100" dirty="0"/>
                         <a:t>金具</a:t>
                       </a:r>
+                      <a:endParaRPr lang="zh-CN" altLang="en-US" sz="1100" dirty="0"/>
                     </a:p>
                   </a:txBody>
                   <a:tcPr anchor="ctr"/>
@@ -8407,6 +7476,7 @@
                         <a:rPr lang="zh-CN" altLang="en-US" sz="1100" dirty="0"/>
                         <a:t>导线</a:t>
                       </a:r>
+                      <a:endParaRPr lang="zh-CN" altLang="en-US" sz="1100" dirty="0"/>
                     </a:p>
                   </a:txBody>
                   <a:tcPr anchor="ctr"/>
@@ -8421,6 +7491,7 @@
                         <a:rPr lang="zh-CN" altLang="en-US" sz="1100" dirty="0"/>
                         <a:t>安检</a:t>
                       </a:r>
+                      <a:endParaRPr lang="zh-CN" altLang="en-US" sz="1100" dirty="0"/>
                     </a:p>
                   </a:txBody>
                   <a:tcPr anchor="ctr"/>
@@ -8435,6 +7506,7 @@
                         <a:rPr lang="zh-CN" altLang="en-US" sz="1100" dirty="0"/>
                         <a:t>附属设施</a:t>
                       </a:r>
+                      <a:endParaRPr lang="zh-CN" altLang="en-US" sz="1100" dirty="0"/>
                     </a:p>
                   </a:txBody>
                   <a:tcPr anchor="ctr"/>
@@ -8449,6 +7521,7 @@
                         <a:rPr lang="zh-CN" altLang="en-US" sz="1100" dirty="0"/>
                         <a:t>人体</a:t>
                       </a:r>
+                      <a:endParaRPr lang="zh-CN" altLang="en-US" sz="1100" dirty="0"/>
                     </a:p>
                   </a:txBody>
                   <a:tcPr anchor="ctr"/>
@@ -8463,6 +7536,7 @@
                         <a:rPr lang="zh-CN" altLang="en-US" sz="1100" dirty="0"/>
                         <a:t>塔基</a:t>
                       </a:r>
+                      <a:endParaRPr lang="zh-CN" altLang="en-US" sz="1100" dirty="0"/>
                     </a:p>
                   </a:txBody>
                   <a:tcPr anchor="ctr"/>
@@ -8477,6 +7551,7 @@
                         <a:rPr lang="zh-CN" altLang="en-US" sz="1100" dirty="0"/>
                         <a:t>异物</a:t>
                       </a:r>
+                      <a:endParaRPr lang="zh-CN" altLang="en-US" sz="1100" dirty="0"/>
                     </a:p>
                   </a:txBody>
                   <a:tcPr anchor="ctr"/>
@@ -8491,15 +7566,11 @@
                         <a:rPr lang="zh-CN" altLang="en-US" sz="1100" dirty="0"/>
                         <a:t>其他</a:t>
                       </a:r>
-                    </a:p>
-                  </a:txBody>
-                  <a:tcPr anchor="ctr"/>
-                </a:tc>
-                <a:extLst>
-                  <a:ext uri="{0D108BD9-81ED-4DB2-BD59-A6C34878D82A}">
-                    <a16:rowId xmlns:a16="http://schemas.microsoft.com/office/drawing/2014/main" val="899981900"/>
-                  </a:ext>
-                </a:extLst>
+                      <a:endParaRPr lang="zh-CN" altLang="en-US" sz="1100" dirty="0"/>
+                    </a:p>
+                  </a:txBody>
+                  <a:tcPr anchor="ctr"/>
+                </a:tc>
               </a:tr>
               <a:tr h="0">
                 <a:tc>
@@ -8689,11 +7760,6 @@
                   </a:txBody>
                   <a:tcPr anchor="ctr"/>
                 </a:tc>
-                <a:extLst>
-                  <a:ext uri="{0D108BD9-81ED-4DB2-BD59-A6C34878D82A}">
-                    <a16:rowId xmlns:a16="http://schemas.microsoft.com/office/drawing/2014/main" val="2943364964"/>
-                  </a:ext>
-                </a:extLst>
               </a:tr>
             </a:tbl>
           </a:graphicData>
@@ -8701,13 +7767,7 @@
       </p:graphicFrame>
       <p:sp>
         <p:nvSpPr>
-          <p:cNvPr id="6" name="文本框 5">
-            <a:extLst>
-              <a:ext uri="{FF2B5EF4-FFF2-40B4-BE49-F238E27FC236}">
-                <a16:creationId xmlns:a16="http://schemas.microsoft.com/office/drawing/2014/main" id="{D88EDF4B-940B-4E1C-99CF-0C2216E746F7}"/>
-              </a:ext>
-            </a:extLst>
-          </p:cNvPr>
+          <p:cNvPr id="6" name="文本框 5"/>
           <p:cNvSpPr txBox="1"/>
           <p:nvPr/>
         </p:nvSpPr>
@@ -8735,28 +7795,21 @@
               </a:rPr>
               <a:t>表名：其他信息表</a:t>
             </a:r>
+            <a:endParaRPr lang="zh-CN" altLang="en-US" dirty="0">
+              <a:solidFill>
+                <a:srgbClr val="FF0000"/>
+              </a:solidFill>
+            </a:endParaRPr>
           </a:p>
         </p:txBody>
       </p:sp>
       <p:graphicFrame>
         <p:nvGraphicFramePr>
-          <p:cNvPr id="8" name="表格 5">
-            <a:extLst>
-              <a:ext uri="{FF2B5EF4-FFF2-40B4-BE49-F238E27FC236}">
-                <a16:creationId xmlns:a16="http://schemas.microsoft.com/office/drawing/2014/main" id="{9391A9A4-5FB5-4D00-AFEE-8A28D1888073}"/>
-              </a:ext>
-            </a:extLst>
-          </p:cNvPr>
+          <p:cNvPr id="8" name="表格 5"/>
           <p:cNvGraphicFramePr>
             <a:graphicFrameLocks noGrp="1"/>
           </p:cNvGraphicFramePr>
-          <p:nvPr>
-            <p:extLst>
-              <p:ext uri="{D42A27DB-BD31-4B8C-83A1-F6EECF244321}">
-                <p14:modId xmlns:p14="http://schemas.microsoft.com/office/powerpoint/2010/main" val="375712076"/>
-              </p:ext>
-            </p:extLst>
-          </p:nvPr>
+          <p:nvPr/>
         </p:nvGraphicFramePr>
         <p:xfrm>
           <a:off x="-2" y="1601662"/>
@@ -8769,69 +7822,15 @@
                 <a:tableStyleId>{5C22544A-7EE6-4342-B048-85BDC9FD1C3A}</a:tableStyleId>
               </a:tblPr>
               <a:tblGrid>
-                <a:gridCol w="1101364">
-                  <a:extLst>
-                    <a:ext uri="{9D8B030D-6E8A-4147-A177-3AD203B41FA5}">
-                      <a16:colId xmlns:a16="http://schemas.microsoft.com/office/drawing/2014/main" val="3697381474"/>
-                    </a:ext>
-                  </a:extLst>
-                </a:gridCol>
-                <a:gridCol w="910743">
-                  <a:extLst>
-                    <a:ext uri="{9D8B030D-6E8A-4147-A177-3AD203B41FA5}">
-                      <a16:colId xmlns:a16="http://schemas.microsoft.com/office/drawing/2014/main" val="718029833"/>
-                    </a:ext>
-                  </a:extLst>
-                </a:gridCol>
-                <a:gridCol w="593039">
-                  <a:extLst>
-                    <a:ext uri="{9D8B030D-6E8A-4147-A177-3AD203B41FA5}">
-                      <a16:colId xmlns:a16="http://schemas.microsoft.com/office/drawing/2014/main" val="3838006607"/>
-                    </a:ext>
-                  </a:extLst>
-                </a:gridCol>
-                <a:gridCol w="593039">
-                  <a:extLst>
-                    <a:ext uri="{9D8B030D-6E8A-4147-A177-3AD203B41FA5}">
-                      <a16:colId xmlns:a16="http://schemas.microsoft.com/office/drawing/2014/main" val="60338738"/>
-                    </a:ext>
-                  </a:extLst>
-                </a:gridCol>
-                <a:gridCol w="593039">
-                  <a:extLst>
-                    <a:ext uri="{9D8B030D-6E8A-4147-A177-3AD203B41FA5}">
-                      <a16:colId xmlns:a16="http://schemas.microsoft.com/office/drawing/2014/main" val="494373120"/>
-                    </a:ext>
-                  </a:extLst>
-                </a:gridCol>
-                <a:gridCol w="748362">
-                  <a:extLst>
-                    <a:ext uri="{9D8B030D-6E8A-4147-A177-3AD203B41FA5}">
-                      <a16:colId xmlns:a16="http://schemas.microsoft.com/office/drawing/2014/main" val="2072068444"/>
-                    </a:ext>
-                  </a:extLst>
-                </a:gridCol>
-                <a:gridCol w="762480">
-                  <a:extLst>
-                    <a:ext uri="{9D8B030D-6E8A-4147-A177-3AD203B41FA5}">
-                      <a16:colId xmlns:a16="http://schemas.microsoft.com/office/drawing/2014/main" val="2905865664"/>
-                    </a:ext>
-                  </a:extLst>
-                </a:gridCol>
-                <a:gridCol w="899683">
-                  <a:extLst>
-                    <a:ext uri="{9D8B030D-6E8A-4147-A177-3AD203B41FA5}">
-                      <a16:colId xmlns:a16="http://schemas.microsoft.com/office/drawing/2014/main" val="2899738750"/>
-                    </a:ext>
-                  </a:extLst>
-                </a:gridCol>
-                <a:gridCol w="964162">
-                  <a:extLst>
-                    <a:ext uri="{9D8B030D-6E8A-4147-A177-3AD203B41FA5}">
-                      <a16:colId xmlns:a16="http://schemas.microsoft.com/office/drawing/2014/main" val="2494933925"/>
-                    </a:ext>
-                  </a:extLst>
-                </a:gridCol>
+                <a:gridCol w="1101364"/>
+                <a:gridCol w="910743"/>
+                <a:gridCol w="593039"/>
+                <a:gridCol w="593039"/>
+                <a:gridCol w="593039"/>
+                <a:gridCol w="748362"/>
+                <a:gridCol w="762480"/>
+                <a:gridCol w="899683"/>
+                <a:gridCol w="964162"/>
               </a:tblGrid>
               <a:tr h="266111">
                 <a:tc>
@@ -8844,6 +7843,7 @@
                         <a:rPr lang="zh-CN" altLang="en-US" sz="1100" dirty="0"/>
                         <a:t>唯一编码</a:t>
                       </a:r>
+                      <a:endParaRPr lang="zh-CN" altLang="en-US" sz="1100" dirty="0"/>
                     </a:p>
                   </a:txBody>
                   <a:tcPr anchor="ctr"/>
@@ -8858,6 +7858,7 @@
                         <a:rPr lang="zh-CN" altLang="en-US" sz="1100" dirty="0"/>
                         <a:t>原名</a:t>
                       </a:r>
+                      <a:endParaRPr lang="zh-CN" altLang="en-US" sz="1100" dirty="0"/>
                     </a:p>
                   </a:txBody>
                   <a:tcPr anchor="ctr"/>
@@ -8872,6 +7873,7 @@
                         <a:rPr lang="zh-CN" altLang="en-US" sz="1100" dirty="0"/>
                         <a:t>宽</a:t>
                       </a:r>
+                      <a:endParaRPr lang="zh-CN" altLang="en-US" sz="1100" dirty="0"/>
                     </a:p>
                   </a:txBody>
                   <a:tcPr anchor="ctr"/>
@@ -8886,6 +7888,7 @@
                         <a:rPr lang="zh-CN" altLang="en-US" sz="1100" dirty="0"/>
                         <a:t>高</a:t>
                       </a:r>
+                      <a:endParaRPr lang="zh-CN" altLang="en-US" sz="1100" dirty="0"/>
                     </a:p>
                   </a:txBody>
                   <a:tcPr anchor="ctr"/>
@@ -8915,6 +7918,7 @@
                         <a:rPr lang="zh-CN" altLang="en-US" sz="1100" dirty="0"/>
                         <a:t>分割标注</a:t>
                       </a:r>
+                      <a:endParaRPr lang="zh-CN" altLang="en-US" sz="1100" dirty="0"/>
                     </a:p>
                   </a:txBody>
                   <a:tcPr anchor="ctr"/>
@@ -8929,6 +7933,7 @@
                         <a:rPr lang="zh-CN" altLang="en-US" sz="1100" dirty="0"/>
                         <a:t>斜框标注</a:t>
                       </a:r>
+                      <a:endParaRPr lang="zh-CN" altLang="en-US" sz="1100" dirty="0"/>
                     </a:p>
                   </a:txBody>
                   <a:tcPr anchor="ctr"/>
@@ -8943,6 +7948,7 @@
                         <a:rPr lang="zh-CN" altLang="en-US" sz="1100" dirty="0"/>
                         <a:t>点线标注</a:t>
                       </a:r>
+                      <a:endParaRPr lang="zh-CN" altLang="en-US" sz="1100" dirty="0"/>
                     </a:p>
                   </a:txBody>
                   <a:tcPr anchor="ctr"/>
@@ -8957,15 +7963,11 @@
                         <a:rPr lang="zh-CN" altLang="en-US" sz="1100" dirty="0"/>
                         <a:t>训练信息</a:t>
                       </a:r>
-                    </a:p>
-                  </a:txBody>
-                  <a:tcPr anchor="ctr"/>
-                </a:tc>
-                <a:extLst>
-                  <a:ext uri="{0D108BD9-81ED-4DB2-BD59-A6C34878D82A}">
-                    <a16:rowId xmlns:a16="http://schemas.microsoft.com/office/drawing/2014/main" val="899981900"/>
-                  </a:ext>
-                </a:extLst>
+                      <a:endParaRPr lang="zh-CN" altLang="en-US" sz="1100" dirty="0"/>
+                    </a:p>
+                  </a:txBody>
+                  <a:tcPr anchor="ctr"/>
+                </a:tc>
               </a:tr>
               <a:tr h="0">
                 <a:tc>
@@ -9103,11 +8105,6 @@
                   </a:txBody>
                   <a:tcPr anchor="ctr"/>
                 </a:tc>
-                <a:extLst>
-                  <a:ext uri="{0D108BD9-81ED-4DB2-BD59-A6C34878D82A}">
-                    <a16:rowId xmlns:a16="http://schemas.microsoft.com/office/drawing/2014/main" val="2943364964"/>
-                  </a:ext>
-                </a:extLst>
               </a:tr>
             </a:tbl>
           </a:graphicData>
@@ -9115,13 +8112,7 @@
       </p:graphicFrame>
       <p:sp>
         <p:nvSpPr>
-          <p:cNvPr id="13" name="文本框 12">
-            <a:extLst>
-              <a:ext uri="{FF2B5EF4-FFF2-40B4-BE49-F238E27FC236}">
-                <a16:creationId xmlns:a16="http://schemas.microsoft.com/office/drawing/2014/main" id="{7505A562-D698-4C2D-879B-8D23E20A753E}"/>
-              </a:ext>
-            </a:extLst>
-          </p:cNvPr>
+          <p:cNvPr id="13" name="文本框 12"/>
           <p:cNvSpPr txBox="1"/>
           <p:nvPr/>
         </p:nvSpPr>
@@ -9149,21 +8140,18 @@
               </a:rPr>
               <a:t>表名：绝缘子标注表</a:t>
             </a:r>
+            <a:endParaRPr lang="zh-CN" altLang="en-US" dirty="0">
+              <a:solidFill>
+                <a:srgbClr val="FF0000"/>
+              </a:solidFill>
+            </a:endParaRPr>
           </a:p>
         </p:txBody>
       </p:sp>
       <p:cxnSp>
         <p:nvCxnSpPr>
-          <p:cNvPr id="15" name="直接连接符 14">
-            <a:extLst>
-              <a:ext uri="{FF2B5EF4-FFF2-40B4-BE49-F238E27FC236}">
-                <a16:creationId xmlns:a16="http://schemas.microsoft.com/office/drawing/2014/main" id="{B0EDF087-D5D4-427B-A6E8-9D13FC5B8139}"/>
-              </a:ext>
-            </a:extLst>
-          </p:cNvPr>
-          <p:cNvCxnSpPr>
-            <a:cxnSpLocks/>
-          </p:cNvCxnSpPr>
+          <p:cNvPr id="15" name="直接连接符 14"/>
+          <p:cNvCxnSpPr/>
           <p:nvPr/>
         </p:nvCxnSpPr>
         <p:spPr>
@@ -9193,13 +8181,7 @@
       </p:cxnSp>
       <p:sp>
         <p:nvSpPr>
-          <p:cNvPr id="16" name="文本框 15">
-            <a:extLst>
-              <a:ext uri="{FF2B5EF4-FFF2-40B4-BE49-F238E27FC236}">
-                <a16:creationId xmlns:a16="http://schemas.microsoft.com/office/drawing/2014/main" id="{50D2A220-5AF1-4F00-A2F2-E3A9A48180A3}"/>
-              </a:ext>
-            </a:extLst>
-          </p:cNvPr>
+          <p:cNvPr id="16" name="文本框 15"/>
           <p:cNvSpPr txBox="1"/>
           <p:nvPr/>
         </p:nvSpPr>
@@ -9243,23 +8225,11 @@
       </p:sp>
       <p:graphicFrame>
         <p:nvGraphicFramePr>
-          <p:cNvPr id="18" name="表格 5">
-            <a:extLst>
-              <a:ext uri="{FF2B5EF4-FFF2-40B4-BE49-F238E27FC236}">
-                <a16:creationId xmlns:a16="http://schemas.microsoft.com/office/drawing/2014/main" id="{EF9A0019-EE66-47BB-AB9A-06EA30224244}"/>
-              </a:ext>
-            </a:extLst>
-          </p:cNvPr>
+          <p:cNvPr id="18" name="表格 5"/>
           <p:cNvGraphicFramePr>
             <a:graphicFrameLocks noGrp="1"/>
           </p:cNvGraphicFramePr>
-          <p:nvPr>
-            <p:extLst>
-              <p:ext uri="{D42A27DB-BD31-4B8C-83A1-F6EECF244321}">
-                <p14:modId xmlns:p14="http://schemas.microsoft.com/office/powerpoint/2010/main" val="3163556392"/>
-              </p:ext>
-            </p:extLst>
-          </p:nvPr>
+          <p:nvPr/>
         </p:nvGraphicFramePr>
         <p:xfrm>
           <a:off x="41271" y="4190176"/>
@@ -9272,139 +8242,25 @@
                 <a:tableStyleId>{5C22544A-7EE6-4342-B048-85BDC9FD1C3A}</a:tableStyleId>
               </a:tblPr>
               <a:tblGrid>
-                <a:gridCol w="564568">
-                  <a:extLst>
-                    <a:ext uri="{9D8B030D-6E8A-4147-A177-3AD203B41FA5}">
-                      <a16:colId xmlns:a16="http://schemas.microsoft.com/office/drawing/2014/main" val="3697381474"/>
-                    </a:ext>
-                  </a:extLst>
-                </a:gridCol>
-                <a:gridCol w="680377">
-                  <a:extLst>
-                    <a:ext uri="{9D8B030D-6E8A-4147-A177-3AD203B41FA5}">
-                      <a16:colId xmlns:a16="http://schemas.microsoft.com/office/drawing/2014/main" val="718029833"/>
-                    </a:ext>
-                  </a:extLst>
-                </a:gridCol>
-                <a:gridCol w="698715">
-                  <a:extLst>
-                    <a:ext uri="{9D8B030D-6E8A-4147-A177-3AD203B41FA5}">
-                      <a16:colId xmlns:a16="http://schemas.microsoft.com/office/drawing/2014/main" val="3838006607"/>
-                    </a:ext>
-                  </a:extLst>
-                </a:gridCol>
-                <a:gridCol w="715118">
-                  <a:extLst>
-                    <a:ext uri="{9D8B030D-6E8A-4147-A177-3AD203B41FA5}">
-                      <a16:colId xmlns:a16="http://schemas.microsoft.com/office/drawing/2014/main" val="2072068444"/>
-                    </a:ext>
-                  </a:extLst>
-                </a:gridCol>
-                <a:gridCol w="482536">
-                  <a:extLst>
-                    <a:ext uri="{9D8B030D-6E8A-4147-A177-3AD203B41FA5}">
-                      <a16:colId xmlns:a16="http://schemas.microsoft.com/office/drawing/2014/main" val="2905865664"/>
-                    </a:ext>
-                  </a:extLst>
-                </a:gridCol>
-                <a:gridCol w="709328">
-                  <a:extLst>
-                    <a:ext uri="{9D8B030D-6E8A-4147-A177-3AD203B41FA5}">
-                      <a16:colId xmlns:a16="http://schemas.microsoft.com/office/drawing/2014/main" val="2899738750"/>
-                    </a:ext>
-                  </a:extLst>
-                </a:gridCol>
-                <a:gridCol w="492187">
-                  <a:extLst>
-                    <a:ext uri="{9D8B030D-6E8A-4147-A177-3AD203B41FA5}">
-                      <a16:colId xmlns:a16="http://schemas.microsoft.com/office/drawing/2014/main" val="2494933925"/>
-                    </a:ext>
-                  </a:extLst>
-                </a:gridCol>
-                <a:gridCol w="574221">
-                  <a:extLst>
-                    <a:ext uri="{9D8B030D-6E8A-4147-A177-3AD203B41FA5}">
-                      <a16:colId xmlns:a16="http://schemas.microsoft.com/office/drawing/2014/main" val="3976164324"/>
-                    </a:ext>
-                  </a:extLst>
-                </a:gridCol>
-                <a:gridCol w="463235">
-                  <a:extLst>
-                    <a:ext uri="{9D8B030D-6E8A-4147-A177-3AD203B41FA5}">
-                      <a16:colId xmlns:a16="http://schemas.microsoft.com/office/drawing/2014/main" val="3816513119"/>
-                    </a:ext>
-                  </a:extLst>
-                </a:gridCol>
-                <a:gridCol w="468058">
-                  <a:extLst>
-                    <a:ext uri="{9D8B030D-6E8A-4147-A177-3AD203B41FA5}">
-                      <a16:colId xmlns:a16="http://schemas.microsoft.com/office/drawing/2014/main" val="309896068"/>
-                    </a:ext>
-                  </a:extLst>
-                </a:gridCol>
-                <a:gridCol w="680377">
-                  <a:extLst>
-                    <a:ext uri="{9D8B030D-6E8A-4147-A177-3AD203B41FA5}">
-                      <a16:colId xmlns:a16="http://schemas.microsoft.com/office/drawing/2014/main" val="2741149762"/>
-                    </a:ext>
-                  </a:extLst>
-                </a:gridCol>
-                <a:gridCol w="690027">
-                  <a:extLst>
-                    <a:ext uri="{9D8B030D-6E8A-4147-A177-3AD203B41FA5}">
-                      <a16:colId xmlns:a16="http://schemas.microsoft.com/office/drawing/2014/main" val="1492974822"/>
-                    </a:ext>
-                  </a:extLst>
-                </a:gridCol>
-                <a:gridCol w="386031">
-                  <a:extLst>
-                    <a:ext uri="{9D8B030D-6E8A-4147-A177-3AD203B41FA5}">
-                      <a16:colId xmlns:a16="http://schemas.microsoft.com/office/drawing/2014/main" val="4269559187"/>
-                    </a:ext>
-                  </a:extLst>
-                </a:gridCol>
-                <a:gridCol w="390855">
-                  <a:extLst>
-                    <a:ext uri="{9D8B030D-6E8A-4147-A177-3AD203B41FA5}">
-                      <a16:colId xmlns:a16="http://schemas.microsoft.com/office/drawing/2014/main" val="4202683332"/>
-                    </a:ext>
-                  </a:extLst>
-                </a:gridCol>
-                <a:gridCol w="410156">
-                  <a:extLst>
-                    <a:ext uri="{9D8B030D-6E8A-4147-A177-3AD203B41FA5}">
-                      <a16:colId xmlns:a16="http://schemas.microsoft.com/office/drawing/2014/main" val="3753026579"/>
-                    </a:ext>
-                  </a:extLst>
-                </a:gridCol>
-                <a:gridCol w="366408">
-                  <a:extLst>
-                    <a:ext uri="{9D8B030D-6E8A-4147-A177-3AD203B41FA5}">
-                      <a16:colId xmlns:a16="http://schemas.microsoft.com/office/drawing/2014/main" val="936777974"/>
-                    </a:ext>
-                  </a:extLst>
-                </a:gridCol>
-                <a:gridCol w="366408">
-                  <a:extLst>
-                    <a:ext uri="{9D8B030D-6E8A-4147-A177-3AD203B41FA5}">
-                      <a16:colId xmlns:a16="http://schemas.microsoft.com/office/drawing/2014/main" val="3980073512"/>
-                    </a:ext>
-                  </a:extLst>
-                </a:gridCol>
-                <a:gridCol w="366408">
-                  <a:extLst>
-                    <a:ext uri="{9D8B030D-6E8A-4147-A177-3AD203B41FA5}">
-                      <a16:colId xmlns:a16="http://schemas.microsoft.com/office/drawing/2014/main" val="1271898192"/>
-                    </a:ext>
-                  </a:extLst>
-                </a:gridCol>
-                <a:gridCol w="417789">
-                  <a:extLst>
-                    <a:ext uri="{9D8B030D-6E8A-4147-A177-3AD203B41FA5}">
-                      <a16:colId xmlns:a16="http://schemas.microsoft.com/office/drawing/2014/main" val="775093746"/>
-                    </a:ext>
-                  </a:extLst>
-                </a:gridCol>
+                <a:gridCol w="564568"/>
+                <a:gridCol w="680377"/>
+                <a:gridCol w="698715"/>
+                <a:gridCol w="715118"/>
+                <a:gridCol w="482536"/>
+                <a:gridCol w="709328"/>
+                <a:gridCol w="492187"/>
+                <a:gridCol w="574221"/>
+                <a:gridCol w="463235"/>
+                <a:gridCol w="468058"/>
+                <a:gridCol w="680377"/>
+                <a:gridCol w="690027"/>
+                <a:gridCol w="386031"/>
+                <a:gridCol w="390855"/>
+                <a:gridCol w="410156"/>
+                <a:gridCol w="366408"/>
+                <a:gridCol w="366408"/>
+                <a:gridCol w="366408"/>
+                <a:gridCol w="417789"/>
               </a:tblGrid>
               <a:tr h="0">
                 <a:tc>
@@ -9417,6 +8273,7 @@
                         <a:rPr lang="zh-CN" altLang="en-US" sz="700" dirty="0"/>
                         <a:t>唯一编码</a:t>
                       </a:r>
+                      <a:endParaRPr lang="zh-CN" altLang="en-US" sz="700" dirty="0"/>
                     </a:p>
                   </a:txBody>
                   <a:tcPr anchor="ctr"/>
@@ -9431,6 +8288,7 @@
                         <a:rPr lang="zh-CN" altLang="en-US" sz="700" dirty="0"/>
                         <a:t>陶瓷绝缘子</a:t>
                       </a:r>
+                      <a:endParaRPr lang="zh-CN" altLang="en-US" sz="700" dirty="0"/>
                     </a:p>
                   </a:txBody>
                   <a:tcPr anchor="ctr"/>
@@ -9445,6 +8303,7 @@
                         <a:rPr lang="zh-CN" altLang="en-US" sz="700" dirty="0"/>
                         <a:t>复合绝缘子</a:t>
                       </a:r>
+                      <a:endParaRPr lang="zh-CN" altLang="en-US" sz="700" dirty="0"/>
                     </a:p>
                   </a:txBody>
                   <a:tcPr anchor="ctr"/>
@@ -9459,6 +8318,7 @@
                         <a:rPr lang="zh-CN" altLang="en-US" sz="700" dirty="0"/>
                         <a:t>玻璃绝缘子</a:t>
                       </a:r>
+                      <a:endParaRPr lang="zh-CN" altLang="en-US" sz="700" dirty="0"/>
                     </a:p>
                   </a:txBody>
                   <a:tcPr anchor="ctr"/>
@@ -9473,6 +8333,7 @@
                         <a:rPr lang="zh-CN" altLang="en-US" sz="700" dirty="0"/>
                         <a:t>瓷瓶棒</a:t>
                       </a:r>
+                      <a:endParaRPr lang="zh-CN" altLang="en-US" sz="700" dirty="0"/>
                     </a:p>
                   </a:txBody>
                   <a:tcPr anchor="ctr"/>
@@ -9487,6 +8348,7 @@
                         <a:rPr lang="zh-CN" altLang="en-US" sz="700" dirty="0"/>
                         <a:t>地线绝缘子</a:t>
                       </a:r>
+                      <a:endParaRPr lang="zh-CN" altLang="en-US" sz="700" dirty="0"/>
                     </a:p>
                   </a:txBody>
                   <a:tcPr anchor="ctr"/>
@@ -9501,6 +8363,7 @@
                         <a:rPr lang="zh-CN" altLang="en-US" sz="700" dirty="0"/>
                         <a:t>均压环</a:t>
                       </a:r>
+                      <a:endParaRPr lang="zh-CN" altLang="en-US" sz="700" dirty="0"/>
                     </a:p>
                   </a:txBody>
                   <a:tcPr anchor="ctr"/>
@@ -9515,6 +8378,7 @@
                         <a:rPr lang="zh-CN" altLang="en-US" sz="700" dirty="0"/>
                         <a:t>钢脚钢帽</a:t>
                       </a:r>
+                      <a:endParaRPr lang="zh-CN" altLang="en-US" sz="700" dirty="0"/>
                     </a:p>
                   </a:txBody>
                   <a:tcPr anchor="ctr"/>
@@ -9529,6 +8393,7 @@
                         <a:rPr lang="zh-CN" altLang="en-US" sz="700" dirty="0"/>
                         <a:t>防污罩</a:t>
                       </a:r>
+                      <a:endParaRPr lang="zh-CN" altLang="en-US" sz="700" dirty="0"/>
                     </a:p>
                   </a:txBody>
                   <a:tcPr anchor="ctr"/>
@@ -9543,6 +8408,7 @@
                         <a:rPr lang="zh-CN" altLang="en-US" sz="700" dirty="0"/>
                         <a:t>避雷器</a:t>
                       </a:r>
+                      <a:endParaRPr lang="zh-CN" altLang="en-US" sz="700" dirty="0"/>
                     </a:p>
                   </a:txBody>
                   <a:tcPr anchor="ctr"/>
@@ -9557,6 +8423,7 @@
                         <a:rPr lang="zh-CN" altLang="en-US" sz="700" dirty="0"/>
                         <a:t>横担绝缘子</a:t>
                       </a:r>
+                      <a:endParaRPr lang="zh-CN" altLang="en-US" sz="700" dirty="0"/>
                     </a:p>
                   </a:txBody>
                   <a:tcPr anchor="ctr"/>
@@ -9571,6 +8438,7 @@
                         <a:rPr lang="zh-CN" altLang="en-US" sz="700" dirty="0"/>
                         <a:t>所有绝缘子</a:t>
                       </a:r>
+                      <a:endParaRPr lang="zh-CN" altLang="en-US" sz="700" dirty="0"/>
                     </a:p>
                   </a:txBody>
                   <a:tcPr anchor="ctr"/>
@@ -9585,6 +8453,7 @@
                         <a:rPr lang="zh-CN" altLang="en-US" sz="700" dirty="0"/>
                         <a:t>自爆</a:t>
                       </a:r>
+                      <a:endParaRPr lang="zh-CN" altLang="en-US" sz="700" dirty="0"/>
                     </a:p>
                   </a:txBody>
                   <a:tcPr anchor="ctr"/>
@@ -9599,6 +8468,7 @@
                         <a:rPr lang="zh-CN" altLang="en-US" sz="700" dirty="0"/>
                         <a:t>破损</a:t>
                       </a:r>
+                      <a:endParaRPr lang="zh-CN" altLang="en-US" sz="700" dirty="0"/>
                     </a:p>
                   </a:txBody>
                   <a:tcPr anchor="ctr"/>
@@ -9613,6 +8483,7 @@
                         <a:rPr lang="zh-CN" altLang="en-US" sz="700" dirty="0"/>
                         <a:t>脏污</a:t>
                       </a:r>
+                      <a:endParaRPr lang="zh-CN" altLang="en-US" sz="700" dirty="0"/>
                     </a:p>
                   </a:txBody>
                   <a:tcPr anchor="ctr"/>
@@ -9627,6 +8498,7 @@
                         <a:rPr lang="zh-CN" altLang="en-US" sz="700" dirty="0"/>
                         <a:t>雷击</a:t>
                       </a:r>
+                      <a:endParaRPr lang="zh-CN" altLang="en-US" sz="700" dirty="0"/>
                     </a:p>
                   </a:txBody>
                   <a:tcPr anchor="ctr"/>
@@ -9641,6 +8513,7 @@
                         <a:rPr lang="zh-CN" altLang="en-US" sz="700" dirty="0"/>
                         <a:t>锈蚀</a:t>
                       </a:r>
+                      <a:endParaRPr lang="zh-CN" altLang="en-US" sz="700" dirty="0"/>
                     </a:p>
                   </a:txBody>
                   <a:tcPr anchor="ctr"/>
@@ -9655,6 +8528,7 @@
                         <a:rPr lang="zh-CN" altLang="en-US" sz="700" dirty="0"/>
                         <a:t>倾斜</a:t>
                       </a:r>
+                      <a:endParaRPr lang="zh-CN" altLang="en-US" sz="700" dirty="0"/>
                     </a:p>
                   </a:txBody>
                   <a:tcPr anchor="ctr"/>
@@ -9669,15 +8543,11 @@
                         <a:rPr lang="zh-CN" altLang="en-US" sz="700" dirty="0"/>
                         <a:t>正常</a:t>
                       </a:r>
-                    </a:p>
-                  </a:txBody>
-                  <a:tcPr anchor="ctr"/>
-                </a:tc>
-                <a:extLst>
-                  <a:ext uri="{0D108BD9-81ED-4DB2-BD59-A6C34878D82A}">
-                    <a16:rowId xmlns:a16="http://schemas.microsoft.com/office/drawing/2014/main" val="899981900"/>
-                  </a:ext>
-                </a:extLst>
+                      <a:endParaRPr lang="zh-CN" altLang="en-US" sz="700" dirty="0"/>
+                    </a:p>
+                  </a:txBody>
+                  <a:tcPr anchor="ctr"/>
+                </a:tc>
               </a:tr>
               <a:tr h="0">
                 <a:tc>
@@ -9889,11 +8759,6 @@
                   </a:txBody>
                   <a:tcPr anchor="ctr"/>
                 </a:tc>
-                <a:extLst>
-                  <a:ext uri="{0D108BD9-81ED-4DB2-BD59-A6C34878D82A}">
-                    <a16:rowId xmlns:a16="http://schemas.microsoft.com/office/drawing/2014/main" val="2943364964"/>
-                  </a:ext>
-                </a:extLst>
               </a:tr>
             </a:tbl>
           </a:graphicData>
@@ -9901,13 +8766,7 @@
       </p:graphicFrame>
       <p:sp>
         <p:nvSpPr>
-          <p:cNvPr id="21" name="文本框 20">
-            <a:extLst>
-              <a:ext uri="{FF2B5EF4-FFF2-40B4-BE49-F238E27FC236}">
-                <a16:creationId xmlns:a16="http://schemas.microsoft.com/office/drawing/2014/main" id="{82D02A26-9CAD-4154-B0BF-4079D050F694}"/>
-              </a:ext>
-            </a:extLst>
-          </p:cNvPr>
+          <p:cNvPr id="21" name="文本框 20"/>
           <p:cNvSpPr txBox="1"/>
           <p:nvPr/>
         </p:nvSpPr>
@@ -9935,28 +8794,21 @@
               </a:rPr>
               <a:t>表名：金具标注表</a:t>
             </a:r>
+            <a:endParaRPr lang="zh-CN" altLang="en-US" dirty="0">
+              <a:solidFill>
+                <a:srgbClr val="FF0000"/>
+              </a:solidFill>
+            </a:endParaRPr>
           </a:p>
         </p:txBody>
       </p:sp>
       <p:graphicFrame>
         <p:nvGraphicFramePr>
-          <p:cNvPr id="22" name="表格 5">
-            <a:extLst>
-              <a:ext uri="{FF2B5EF4-FFF2-40B4-BE49-F238E27FC236}">
-                <a16:creationId xmlns:a16="http://schemas.microsoft.com/office/drawing/2014/main" id="{11C49BB8-E65F-4F2A-8062-0799ADA7213B}"/>
-              </a:ext>
-            </a:extLst>
-          </p:cNvPr>
+          <p:cNvPr id="22" name="表格 5"/>
           <p:cNvGraphicFramePr>
             <a:graphicFrameLocks noGrp="1"/>
           </p:cNvGraphicFramePr>
-          <p:nvPr>
-            <p:extLst>
-              <p:ext uri="{D42A27DB-BD31-4B8C-83A1-F6EECF244321}">
-                <p14:modId xmlns:p14="http://schemas.microsoft.com/office/powerpoint/2010/main" val="2804247499"/>
-              </p:ext>
-            </p:extLst>
-          </p:nvPr>
+          <p:nvPr/>
         </p:nvGraphicFramePr>
         <p:xfrm>
           <a:off x="41271" y="5056060"/>
@@ -9969,90 +8821,18 @@
                 <a:tableStyleId>{5C22544A-7EE6-4342-B048-85BDC9FD1C3A}</a:tableStyleId>
               </a:tblPr>
               <a:tblGrid>
-                <a:gridCol w="552450">
-                  <a:extLst>
-                    <a:ext uri="{9D8B030D-6E8A-4147-A177-3AD203B41FA5}">
-                      <a16:colId xmlns:a16="http://schemas.microsoft.com/office/drawing/2014/main" val="3697381474"/>
-                    </a:ext>
-                  </a:extLst>
-                </a:gridCol>
-                <a:gridCol w="562268">
-                  <a:extLst>
-                    <a:ext uri="{9D8B030D-6E8A-4147-A177-3AD203B41FA5}">
-                      <a16:colId xmlns:a16="http://schemas.microsoft.com/office/drawing/2014/main" val="718029833"/>
-                    </a:ext>
-                  </a:extLst>
-                </a:gridCol>
-                <a:gridCol w="625627">
-                  <a:extLst>
-                    <a:ext uri="{9D8B030D-6E8A-4147-A177-3AD203B41FA5}">
-                      <a16:colId xmlns:a16="http://schemas.microsoft.com/office/drawing/2014/main" val="3838006607"/>
-                    </a:ext>
-                  </a:extLst>
-                </a:gridCol>
-                <a:gridCol w="640313">
-                  <a:extLst>
-                    <a:ext uri="{9D8B030D-6E8A-4147-A177-3AD203B41FA5}">
-                      <a16:colId xmlns:a16="http://schemas.microsoft.com/office/drawing/2014/main" val="2072068444"/>
-                    </a:ext>
-                  </a:extLst>
-                </a:gridCol>
-                <a:gridCol w="432062">
-                  <a:extLst>
-                    <a:ext uri="{9D8B030D-6E8A-4147-A177-3AD203B41FA5}">
-                      <a16:colId xmlns:a16="http://schemas.microsoft.com/office/drawing/2014/main" val="2905865664"/>
-                    </a:ext>
-                  </a:extLst>
-                </a:gridCol>
-                <a:gridCol w="635128">
-                  <a:extLst>
-                    <a:ext uri="{9D8B030D-6E8A-4147-A177-3AD203B41FA5}">
-                      <a16:colId xmlns:a16="http://schemas.microsoft.com/office/drawing/2014/main" val="2899738750"/>
-                    </a:ext>
-                  </a:extLst>
-                </a:gridCol>
-                <a:gridCol w="440703">
-                  <a:extLst>
-                    <a:ext uri="{9D8B030D-6E8A-4147-A177-3AD203B41FA5}">
-                      <a16:colId xmlns:a16="http://schemas.microsoft.com/office/drawing/2014/main" val="2494933925"/>
-                    </a:ext>
-                  </a:extLst>
-                </a:gridCol>
-                <a:gridCol w="514155">
-                  <a:extLst>
-                    <a:ext uri="{9D8B030D-6E8A-4147-A177-3AD203B41FA5}">
-                      <a16:colId xmlns:a16="http://schemas.microsoft.com/office/drawing/2014/main" val="3976164324"/>
-                    </a:ext>
-                  </a:extLst>
-                </a:gridCol>
-                <a:gridCol w="414779">
-                  <a:extLst>
-                    <a:ext uri="{9D8B030D-6E8A-4147-A177-3AD203B41FA5}">
-                      <a16:colId xmlns:a16="http://schemas.microsoft.com/office/drawing/2014/main" val="3816513119"/>
-                    </a:ext>
-                  </a:extLst>
-                </a:gridCol>
-                <a:gridCol w="478415">
-                  <a:extLst>
-                    <a:ext uri="{9D8B030D-6E8A-4147-A177-3AD203B41FA5}">
-                      <a16:colId xmlns:a16="http://schemas.microsoft.com/office/drawing/2014/main" val="309896068"/>
-                    </a:ext>
-                  </a:extLst>
-                </a:gridCol>
-                <a:gridCol w="549889">
-                  <a:extLst>
-                    <a:ext uri="{9D8B030D-6E8A-4147-A177-3AD203B41FA5}">
-                      <a16:colId xmlns:a16="http://schemas.microsoft.com/office/drawing/2014/main" val="2741149762"/>
-                    </a:ext>
-                  </a:extLst>
-                </a:gridCol>
-                <a:gridCol w="609206">
-                  <a:extLst>
-                    <a:ext uri="{9D8B030D-6E8A-4147-A177-3AD203B41FA5}">
-                      <a16:colId xmlns:a16="http://schemas.microsoft.com/office/drawing/2014/main" val="1133088544"/>
-                    </a:ext>
-                  </a:extLst>
-                </a:gridCol>
+                <a:gridCol w="552450"/>
+                <a:gridCol w="562268"/>
+                <a:gridCol w="625627"/>
+                <a:gridCol w="640313"/>
+                <a:gridCol w="432062"/>
+                <a:gridCol w="635128"/>
+                <a:gridCol w="440703"/>
+                <a:gridCol w="514155"/>
+                <a:gridCol w="414779"/>
+                <a:gridCol w="478415"/>
+                <a:gridCol w="549889"/>
+                <a:gridCol w="609206"/>
               </a:tblGrid>
               <a:tr h="0">
                 <a:tc>
@@ -10065,6 +8845,7 @@
                         <a:rPr lang="zh-CN" altLang="en-US" sz="700" dirty="0"/>
                         <a:t>唯一编码</a:t>
                       </a:r>
+                      <a:endParaRPr lang="zh-CN" altLang="en-US" sz="700" dirty="0"/>
                     </a:p>
                   </a:txBody>
                   <a:tcPr anchor="ctr"/>
@@ -10079,6 +8860,7 @@
                         <a:rPr lang="zh-CN" altLang="en-US" sz="700" dirty="0"/>
                         <a:t>连接件</a:t>
                       </a:r>
+                      <a:endParaRPr lang="zh-CN" altLang="en-US" sz="700" dirty="0"/>
                     </a:p>
                   </a:txBody>
                   <a:tcPr anchor="ctr"/>
@@ -10093,6 +8875,7 @@
                         <a:rPr lang="zh-CN" altLang="en-US" sz="700" dirty="0"/>
                         <a:t>开口销</a:t>
                       </a:r>
+                      <a:endParaRPr lang="zh-CN" altLang="en-US" sz="700" dirty="0"/>
                     </a:p>
                   </a:txBody>
                   <a:tcPr anchor="ctr"/>
@@ -10107,6 +8890,7 @@
                         <a:rPr lang="zh-CN" altLang="en-US" sz="700" dirty="0"/>
                         <a:t>螺帽</a:t>
                       </a:r>
+                      <a:endParaRPr lang="zh-CN" altLang="en-US" sz="700" dirty="0"/>
                     </a:p>
                   </a:txBody>
                   <a:tcPr anchor="ctr"/>
@@ -10121,6 +8905,7 @@
                         <a:rPr lang="zh-CN" altLang="en-US" sz="700" dirty="0"/>
                         <a:t>螺母</a:t>
                       </a:r>
+                      <a:endParaRPr lang="zh-CN" altLang="en-US" sz="700" dirty="0"/>
                     </a:p>
                   </a:txBody>
                   <a:tcPr anchor="ctr"/>
@@ -10135,6 +8920,7 @@
                         <a:rPr lang="zh-CN" altLang="en-US" sz="700" dirty="0"/>
                         <a:t>螺栓</a:t>
                       </a:r>
+                      <a:endParaRPr lang="zh-CN" altLang="en-US" sz="700" dirty="0"/>
                     </a:p>
                   </a:txBody>
                   <a:tcPr anchor="ctr"/>
@@ -10149,6 +8935,7 @@
                         <a:rPr lang="zh-CN" altLang="en-US" sz="700" dirty="0"/>
                         <a:t>垫片</a:t>
                       </a:r>
+                      <a:endParaRPr lang="zh-CN" altLang="en-US" sz="700" dirty="0"/>
                     </a:p>
                   </a:txBody>
                   <a:tcPr anchor="ctr"/>
@@ -10163,6 +8950,7 @@
                         <a:rPr lang="zh-CN" altLang="en-US" sz="700" dirty="0"/>
                         <a:t>缺失</a:t>
                       </a:r>
+                      <a:endParaRPr lang="zh-CN" altLang="en-US" sz="700" dirty="0"/>
                     </a:p>
                   </a:txBody>
                   <a:tcPr anchor="ctr"/>
@@ -10177,6 +8965,7 @@
                         <a:rPr lang="zh-CN" altLang="en-US" sz="700" dirty="0"/>
                         <a:t>松动</a:t>
                       </a:r>
+                      <a:endParaRPr lang="zh-CN" altLang="en-US" sz="700" dirty="0"/>
                     </a:p>
                   </a:txBody>
                   <a:tcPr anchor="ctr"/>
@@ -10191,6 +8980,7 @@
                         <a:rPr lang="zh-CN" altLang="en-US" sz="700" dirty="0"/>
                         <a:t>不规范</a:t>
                       </a:r>
+                      <a:endParaRPr lang="zh-CN" altLang="en-US" sz="700" dirty="0"/>
                     </a:p>
                   </a:txBody>
                   <a:tcPr anchor="ctr"/>
@@ -10205,6 +8995,7 @@
                         <a:rPr lang="zh-CN" altLang="en-US" sz="700" dirty="0"/>
                         <a:t>锈蚀</a:t>
                       </a:r>
+                      <a:endParaRPr lang="zh-CN" altLang="en-US" sz="700" dirty="0"/>
                     </a:p>
                   </a:txBody>
                   <a:tcPr anchor="ctr"/>
@@ -10219,15 +9010,11 @@
                         <a:rPr lang="zh-CN" altLang="en-US" sz="700" dirty="0"/>
                         <a:t>正常</a:t>
                       </a:r>
-                    </a:p>
-                  </a:txBody>
-                  <a:tcPr anchor="ctr"/>
-                </a:tc>
-                <a:extLst>
-                  <a:ext uri="{0D108BD9-81ED-4DB2-BD59-A6C34878D82A}">
-                    <a16:rowId xmlns:a16="http://schemas.microsoft.com/office/drawing/2014/main" val="899981900"/>
-                  </a:ext>
-                </a:extLst>
+                      <a:endParaRPr lang="zh-CN" altLang="en-US" sz="700" dirty="0"/>
+                    </a:p>
+                  </a:txBody>
+                  <a:tcPr anchor="ctr"/>
+                </a:tc>
               </a:tr>
               <a:tr h="0">
                 <a:tc>
@@ -10362,11 +9149,6 @@
                   </a:txBody>
                   <a:tcPr anchor="ctr"/>
                 </a:tc>
-                <a:extLst>
-                  <a:ext uri="{0D108BD9-81ED-4DB2-BD59-A6C34878D82A}">
-                    <a16:rowId xmlns:a16="http://schemas.microsoft.com/office/drawing/2014/main" val="2943364964"/>
-                  </a:ext>
-                </a:extLst>
               </a:tr>
             </a:tbl>
           </a:graphicData>
@@ -10374,13 +9156,7 @@
       </p:graphicFrame>
       <p:sp>
         <p:nvSpPr>
-          <p:cNvPr id="25" name="文本框 24">
-            <a:extLst>
-              <a:ext uri="{FF2B5EF4-FFF2-40B4-BE49-F238E27FC236}">
-                <a16:creationId xmlns:a16="http://schemas.microsoft.com/office/drawing/2014/main" id="{95A17A8A-77B6-42BD-854E-AFEEACEC3865}"/>
-              </a:ext>
-            </a:extLst>
-          </p:cNvPr>
+          <p:cNvPr id="25" name="文本框 24"/>
           <p:cNvSpPr txBox="1"/>
           <p:nvPr/>
         </p:nvSpPr>
@@ -10408,28 +9184,21 @@
               </a:rPr>
               <a:t>表名：导线标注表</a:t>
             </a:r>
+            <a:endParaRPr lang="zh-CN" altLang="en-US" dirty="0">
+              <a:solidFill>
+                <a:srgbClr val="FF0000"/>
+              </a:solidFill>
+            </a:endParaRPr>
           </a:p>
         </p:txBody>
       </p:sp>
       <p:graphicFrame>
         <p:nvGraphicFramePr>
-          <p:cNvPr id="26" name="表格 5">
-            <a:extLst>
-              <a:ext uri="{FF2B5EF4-FFF2-40B4-BE49-F238E27FC236}">
-                <a16:creationId xmlns:a16="http://schemas.microsoft.com/office/drawing/2014/main" id="{AA0CFDE5-F086-4165-81C3-8C0F3EE0A6BE}"/>
-              </a:ext>
-            </a:extLst>
-          </p:cNvPr>
+          <p:cNvPr id="26" name="表格 5"/>
           <p:cNvGraphicFramePr>
             <a:graphicFrameLocks noGrp="1"/>
           </p:cNvGraphicFramePr>
-          <p:nvPr>
-            <p:extLst>
-              <p:ext uri="{D42A27DB-BD31-4B8C-83A1-F6EECF244321}">
-                <p14:modId xmlns:p14="http://schemas.microsoft.com/office/powerpoint/2010/main" val="3089378390"/>
-              </p:ext>
-            </p:extLst>
-          </p:nvPr>
+          <p:nvPr/>
         </p:nvGraphicFramePr>
         <p:xfrm>
           <a:off x="41271" y="5986192"/>
@@ -10442,62 +9211,14 @@
                 <a:tableStyleId>{5C22544A-7EE6-4342-B048-85BDC9FD1C3A}</a:tableStyleId>
               </a:tblPr>
               <a:tblGrid>
-                <a:gridCol w="552450">
-                  <a:extLst>
-                    <a:ext uri="{9D8B030D-6E8A-4147-A177-3AD203B41FA5}">
-                      <a16:colId xmlns:a16="http://schemas.microsoft.com/office/drawing/2014/main" val="3697381474"/>
-                    </a:ext>
-                  </a:extLst>
-                </a:gridCol>
-                <a:gridCol w="562268">
-                  <a:extLst>
-                    <a:ext uri="{9D8B030D-6E8A-4147-A177-3AD203B41FA5}">
-                      <a16:colId xmlns:a16="http://schemas.microsoft.com/office/drawing/2014/main" val="718029833"/>
-                    </a:ext>
-                  </a:extLst>
-                </a:gridCol>
-                <a:gridCol w="625627">
-                  <a:extLst>
-                    <a:ext uri="{9D8B030D-6E8A-4147-A177-3AD203B41FA5}">
-                      <a16:colId xmlns:a16="http://schemas.microsoft.com/office/drawing/2014/main" val="3838006607"/>
-                    </a:ext>
-                  </a:extLst>
-                </a:gridCol>
-                <a:gridCol w="640313">
-                  <a:extLst>
-                    <a:ext uri="{9D8B030D-6E8A-4147-A177-3AD203B41FA5}">
-                      <a16:colId xmlns:a16="http://schemas.microsoft.com/office/drawing/2014/main" val="2072068444"/>
-                    </a:ext>
-                  </a:extLst>
-                </a:gridCol>
-                <a:gridCol w="432062">
-                  <a:extLst>
-                    <a:ext uri="{9D8B030D-6E8A-4147-A177-3AD203B41FA5}">
-                      <a16:colId xmlns:a16="http://schemas.microsoft.com/office/drawing/2014/main" val="2905865664"/>
-                    </a:ext>
-                  </a:extLst>
-                </a:gridCol>
-                <a:gridCol w="635128">
-                  <a:extLst>
-                    <a:ext uri="{9D8B030D-6E8A-4147-A177-3AD203B41FA5}">
-                      <a16:colId xmlns:a16="http://schemas.microsoft.com/office/drawing/2014/main" val="2899738750"/>
-                    </a:ext>
-                  </a:extLst>
-                </a:gridCol>
-                <a:gridCol w="440703">
-                  <a:extLst>
-                    <a:ext uri="{9D8B030D-6E8A-4147-A177-3AD203B41FA5}">
-                      <a16:colId xmlns:a16="http://schemas.microsoft.com/office/drawing/2014/main" val="2494933925"/>
-                    </a:ext>
-                  </a:extLst>
-                </a:gridCol>
-                <a:gridCol w="514155">
-                  <a:extLst>
-                    <a:ext uri="{9D8B030D-6E8A-4147-A177-3AD203B41FA5}">
-                      <a16:colId xmlns:a16="http://schemas.microsoft.com/office/drawing/2014/main" val="3976164324"/>
-                    </a:ext>
-                  </a:extLst>
-                </a:gridCol>
+                <a:gridCol w="552450"/>
+                <a:gridCol w="562268"/>
+                <a:gridCol w="625627"/>
+                <a:gridCol w="640313"/>
+                <a:gridCol w="432062"/>
+                <a:gridCol w="635128"/>
+                <a:gridCol w="440703"/>
+                <a:gridCol w="514155"/>
               </a:tblGrid>
               <a:tr h="0">
                 <a:tc>
@@ -10510,6 +9231,7 @@
                         <a:rPr lang="zh-CN" altLang="en-US" sz="700" dirty="0"/>
                         <a:t>唯一编码</a:t>
                       </a:r>
+                      <a:endParaRPr lang="zh-CN" altLang="en-US" sz="700" dirty="0"/>
                     </a:p>
                   </a:txBody>
                   <a:tcPr anchor="ctr"/>
@@ -10524,6 +9246,7 @@
                         <a:rPr lang="zh-CN" altLang="en-US" sz="700" dirty="0"/>
                         <a:t>防振锤</a:t>
                       </a:r>
+                      <a:endParaRPr lang="zh-CN" altLang="en-US" sz="700" dirty="0"/>
                     </a:p>
                   </a:txBody>
                   <a:tcPr anchor="ctr"/>
@@ -10538,6 +9261,7 @@
                         <a:rPr lang="zh-CN" altLang="en-US" sz="700" dirty="0"/>
                         <a:t>导线</a:t>
                       </a:r>
+                      <a:endParaRPr lang="zh-CN" altLang="en-US" sz="700" dirty="0"/>
                     </a:p>
                   </a:txBody>
                   <a:tcPr anchor="ctr"/>
@@ -10552,6 +9276,7 @@
                         <a:rPr lang="zh-CN" altLang="en-US" sz="700" dirty="0"/>
                         <a:t>锈蚀</a:t>
                       </a:r>
+                      <a:endParaRPr lang="zh-CN" altLang="en-US" sz="700" dirty="0"/>
                     </a:p>
                   </a:txBody>
                   <a:tcPr anchor="ctr"/>
@@ -10566,6 +9291,7 @@
                         <a:rPr lang="zh-CN" altLang="en-US" sz="700" dirty="0"/>
                         <a:t>破损</a:t>
                       </a:r>
+                      <a:endParaRPr lang="zh-CN" altLang="en-US" sz="700" dirty="0"/>
                     </a:p>
                   </a:txBody>
                   <a:tcPr anchor="ctr"/>
@@ -10580,6 +9306,7 @@
                         <a:rPr lang="zh-CN" altLang="en-US" sz="700" dirty="0"/>
                         <a:t>倾斜</a:t>
                       </a:r>
+                      <a:endParaRPr lang="zh-CN" altLang="en-US" sz="700" dirty="0"/>
                     </a:p>
                   </a:txBody>
                   <a:tcPr anchor="ctr"/>
@@ -10594,6 +9321,7 @@
                         <a:rPr lang="zh-CN" altLang="en-US" sz="700" dirty="0"/>
                         <a:t>裸露</a:t>
                       </a:r>
+                      <a:endParaRPr lang="zh-CN" altLang="en-US" sz="700" dirty="0"/>
                     </a:p>
                   </a:txBody>
                   <a:tcPr anchor="ctr"/>
@@ -10608,15 +9336,11 @@
                         <a:rPr lang="zh-CN" altLang="en-US" sz="700" dirty="0"/>
                         <a:t>正常</a:t>
                       </a:r>
-                    </a:p>
-                  </a:txBody>
-                  <a:tcPr anchor="ctr"/>
-                </a:tc>
-                <a:extLst>
-                  <a:ext uri="{0D108BD9-81ED-4DB2-BD59-A6C34878D82A}">
-                    <a16:rowId xmlns:a16="http://schemas.microsoft.com/office/drawing/2014/main" val="899981900"/>
-                  </a:ext>
-                </a:extLst>
+                      <a:endParaRPr lang="zh-CN" altLang="en-US" sz="700" dirty="0"/>
+                    </a:p>
+                  </a:txBody>
+                  <a:tcPr anchor="ctr"/>
+                </a:tc>
               </a:tr>
               <a:tr h="0">
                 <a:tc>
@@ -10707,11 +9431,6 @@
                   </a:txBody>
                   <a:tcPr anchor="ctr"/>
                 </a:tc>
-                <a:extLst>
-                  <a:ext uri="{0D108BD9-81ED-4DB2-BD59-A6C34878D82A}">
-                    <a16:rowId xmlns:a16="http://schemas.microsoft.com/office/drawing/2014/main" val="2943364964"/>
-                  </a:ext>
-                </a:extLst>
               </a:tr>
             </a:tbl>
           </a:graphicData>
@@ -10719,13 +9438,7 @@
       </p:graphicFrame>
       <p:sp>
         <p:nvSpPr>
-          <p:cNvPr id="30" name="文本框 29">
-            <a:extLst>
-              <a:ext uri="{FF2B5EF4-FFF2-40B4-BE49-F238E27FC236}">
-                <a16:creationId xmlns:a16="http://schemas.microsoft.com/office/drawing/2014/main" id="{7BA3E028-785B-4E7E-9AF7-FFD799629200}"/>
-              </a:ext>
-            </a:extLst>
-          </p:cNvPr>
+          <p:cNvPr id="30" name="文本框 29"/>
           <p:cNvSpPr txBox="1"/>
           <p:nvPr/>
         </p:nvSpPr>
@@ -10753,28 +9466,21 @@
               </a:rPr>
               <a:t>表名：连接件标注表</a:t>
             </a:r>
+            <a:endParaRPr lang="zh-CN" altLang="en-US" dirty="0">
+              <a:solidFill>
+                <a:srgbClr val="FF0000"/>
+              </a:solidFill>
+            </a:endParaRPr>
           </a:p>
         </p:txBody>
       </p:sp>
       <p:graphicFrame>
         <p:nvGraphicFramePr>
-          <p:cNvPr id="31" name="表格 5">
-            <a:extLst>
-              <a:ext uri="{FF2B5EF4-FFF2-40B4-BE49-F238E27FC236}">
-                <a16:creationId xmlns:a16="http://schemas.microsoft.com/office/drawing/2014/main" id="{3E66C899-3B88-4F5B-A34E-1D9B3A9B1CCA}"/>
-              </a:ext>
-            </a:extLst>
-          </p:cNvPr>
+          <p:cNvPr id="31" name="表格 5"/>
           <p:cNvGraphicFramePr>
             <a:graphicFrameLocks noGrp="1"/>
           </p:cNvGraphicFramePr>
-          <p:nvPr>
-            <p:extLst>
-              <p:ext uri="{D42A27DB-BD31-4B8C-83A1-F6EECF244321}">
-                <p14:modId xmlns:p14="http://schemas.microsoft.com/office/powerpoint/2010/main" val="4177320301"/>
-              </p:ext>
-            </p:extLst>
-          </p:nvPr>
+          <p:nvPr/>
         </p:nvGraphicFramePr>
         <p:xfrm>
           <a:off x="6797550" y="5058035"/>
@@ -10787,27 +9493,9 @@
                 <a:tableStyleId>{5C22544A-7EE6-4342-B048-85BDC9FD1C3A}</a:tableStyleId>
               </a:tblPr>
               <a:tblGrid>
-                <a:gridCol w="609600">
-                  <a:extLst>
-                    <a:ext uri="{9D8B030D-6E8A-4147-A177-3AD203B41FA5}">
-                      <a16:colId xmlns:a16="http://schemas.microsoft.com/office/drawing/2014/main" val="3697381474"/>
-                    </a:ext>
-                  </a:extLst>
-                </a:gridCol>
-                <a:gridCol w="609600">
-                  <a:extLst>
-                    <a:ext uri="{9D8B030D-6E8A-4147-A177-3AD203B41FA5}">
-                      <a16:colId xmlns:a16="http://schemas.microsoft.com/office/drawing/2014/main" val="3552201541"/>
-                    </a:ext>
-                  </a:extLst>
-                </a:gridCol>
-                <a:gridCol w="609600">
-                  <a:extLst>
-                    <a:ext uri="{9D8B030D-6E8A-4147-A177-3AD203B41FA5}">
-                      <a16:colId xmlns:a16="http://schemas.microsoft.com/office/drawing/2014/main" val="3247922243"/>
-                    </a:ext>
-                  </a:extLst>
-                </a:gridCol>
+                <a:gridCol w="609600"/>
+                <a:gridCol w="609600"/>
+                <a:gridCol w="609600"/>
               </a:tblGrid>
               <a:tr h="0">
                 <a:tc>
@@ -10820,6 +9508,7 @@
                         <a:rPr lang="zh-CN" altLang="en-US" sz="700" dirty="0"/>
                         <a:t>唯一编码</a:t>
                       </a:r>
+                      <a:endParaRPr lang="zh-CN" altLang="en-US" sz="700" dirty="0"/>
                     </a:p>
                   </a:txBody>
                   <a:tcPr anchor="ctr"/>
@@ -10862,11 +9551,6 @@
                   </a:txBody>
                   <a:tcPr anchor="ctr"/>
                 </a:tc>
-                <a:extLst>
-                  <a:ext uri="{0D108BD9-81ED-4DB2-BD59-A6C34878D82A}">
-                    <a16:rowId xmlns:a16="http://schemas.microsoft.com/office/drawing/2014/main" val="899981900"/>
-                  </a:ext>
-                </a:extLst>
               </a:tr>
               <a:tr h="0">
                 <a:tc>
@@ -10902,11 +9586,6 @@
                   </a:txBody>
                   <a:tcPr anchor="ctr"/>
                 </a:tc>
-                <a:extLst>
-                  <a:ext uri="{0D108BD9-81ED-4DB2-BD59-A6C34878D82A}">
-                    <a16:rowId xmlns:a16="http://schemas.microsoft.com/office/drawing/2014/main" val="2943364964"/>
-                  </a:ext>
-                </a:extLst>
               </a:tr>
             </a:tbl>
           </a:graphicData>
@@ -10914,13 +9593,7 @@
       </p:graphicFrame>
       <p:sp>
         <p:nvSpPr>
-          <p:cNvPr id="29" name="文本框 28">
-            <a:extLst>
-              <a:ext uri="{FF2B5EF4-FFF2-40B4-BE49-F238E27FC236}">
-                <a16:creationId xmlns:a16="http://schemas.microsoft.com/office/drawing/2014/main" id="{02CAF787-305A-4D43-B660-8B19137CE406}"/>
-              </a:ext>
-            </a:extLst>
-          </p:cNvPr>
+          <p:cNvPr id="29" name="文本框 28"/>
           <p:cNvSpPr txBox="1"/>
           <p:nvPr/>
         </p:nvSpPr>
@@ -10948,28 +9621,21 @@
               </a:rPr>
               <a:t>表名：标签信息表</a:t>
             </a:r>
+            <a:endParaRPr lang="zh-CN" altLang="en-US" dirty="0">
+              <a:solidFill>
+                <a:srgbClr val="FF0000"/>
+              </a:solidFill>
+            </a:endParaRPr>
           </a:p>
         </p:txBody>
       </p:sp>
       <p:graphicFrame>
         <p:nvGraphicFramePr>
-          <p:cNvPr id="32" name="表格 5">
-            <a:extLst>
-              <a:ext uri="{FF2B5EF4-FFF2-40B4-BE49-F238E27FC236}">
-                <a16:creationId xmlns:a16="http://schemas.microsoft.com/office/drawing/2014/main" id="{73695D5A-BED3-48A7-B9A0-75988287421B}"/>
-              </a:ext>
-            </a:extLst>
-          </p:cNvPr>
+          <p:cNvPr id="32" name="表格 5"/>
           <p:cNvGraphicFramePr>
             <a:graphicFrameLocks noGrp="1"/>
           </p:cNvGraphicFramePr>
-          <p:nvPr>
-            <p:extLst>
-              <p:ext uri="{D42A27DB-BD31-4B8C-83A1-F6EECF244321}">
-                <p14:modId xmlns:p14="http://schemas.microsoft.com/office/powerpoint/2010/main" val="2877127101"/>
-              </p:ext>
-            </p:extLst>
-          </p:nvPr>
+          <p:nvPr/>
         </p:nvGraphicFramePr>
         <p:xfrm>
           <a:off x="-3" y="2492340"/>
@@ -10982,48 +9648,12 @@
                 <a:tableStyleId>{5C22544A-7EE6-4342-B048-85BDC9FD1C3A}</a:tableStyleId>
               </a:tblPr>
               <a:tblGrid>
-                <a:gridCol w="929907">
-                  <a:extLst>
-                    <a:ext uri="{9D8B030D-6E8A-4147-A177-3AD203B41FA5}">
-                      <a16:colId xmlns:a16="http://schemas.microsoft.com/office/drawing/2014/main" val="3697381474"/>
-                    </a:ext>
-                  </a:extLst>
-                </a:gridCol>
-                <a:gridCol w="686064">
-                  <a:extLst>
-                    <a:ext uri="{9D8B030D-6E8A-4147-A177-3AD203B41FA5}">
-                      <a16:colId xmlns:a16="http://schemas.microsoft.com/office/drawing/2014/main" val="2072068444"/>
-                    </a:ext>
-                  </a:extLst>
-                </a:gridCol>
-                <a:gridCol w="686064">
-                  <a:extLst>
-                    <a:ext uri="{9D8B030D-6E8A-4147-A177-3AD203B41FA5}">
-                      <a16:colId xmlns:a16="http://schemas.microsoft.com/office/drawing/2014/main" val="2319319325"/>
-                    </a:ext>
-                  </a:extLst>
-                </a:gridCol>
-                <a:gridCol w="789314">
-                  <a:extLst>
-                    <a:ext uri="{9D8B030D-6E8A-4147-A177-3AD203B41FA5}">
-                      <a16:colId xmlns:a16="http://schemas.microsoft.com/office/drawing/2014/main" val="2905865664"/>
-                    </a:ext>
-                  </a:extLst>
-                </a:gridCol>
-                <a:gridCol w="762746">
-                  <a:extLst>
-                    <a:ext uri="{9D8B030D-6E8A-4147-A177-3AD203B41FA5}">
-                      <a16:colId xmlns:a16="http://schemas.microsoft.com/office/drawing/2014/main" val="1187965722"/>
-                    </a:ext>
-                  </a:extLst>
-                </a:gridCol>
-                <a:gridCol w="948064">
-                  <a:extLst>
-                    <a:ext uri="{9D8B030D-6E8A-4147-A177-3AD203B41FA5}">
-                      <a16:colId xmlns:a16="http://schemas.microsoft.com/office/drawing/2014/main" val="2286529478"/>
-                    </a:ext>
-                  </a:extLst>
-                </a:gridCol>
+                <a:gridCol w="929907"/>
+                <a:gridCol w="686064"/>
+                <a:gridCol w="686064"/>
+                <a:gridCol w="789314"/>
+                <a:gridCol w="762746"/>
+                <a:gridCol w="948064"/>
               </a:tblGrid>
               <a:tr h="272576">
                 <a:tc>
@@ -11036,6 +9666,7 @@
                         <a:rPr lang="zh-CN" altLang="en-US" sz="1100" dirty="0"/>
                         <a:t>标签</a:t>
                       </a:r>
+                      <a:endParaRPr lang="zh-CN" altLang="en-US" sz="1100" dirty="0"/>
                     </a:p>
                   </a:txBody>
                   <a:tcPr anchor="ctr"/>
@@ -11050,6 +9681,7 @@
                         <a:rPr lang="zh-CN" altLang="en-US" sz="1100" dirty="0"/>
                         <a:t>大类</a:t>
                       </a:r>
+                      <a:endParaRPr lang="zh-CN" altLang="en-US" sz="1100" dirty="0"/>
                     </a:p>
                   </a:txBody>
                   <a:tcPr anchor="ctr"/>
@@ -11064,6 +9696,7 @@
                         <a:rPr lang="zh-CN" altLang="en-US" sz="1100" dirty="0"/>
                         <a:t>部件</a:t>
                       </a:r>
+                      <a:endParaRPr lang="zh-CN" altLang="en-US" sz="1100" dirty="0"/>
                     </a:p>
                   </a:txBody>
                   <a:tcPr anchor="ctr"/>
@@ -11078,6 +9711,7 @@
                         <a:rPr lang="zh-CN" altLang="en-US" sz="1100" dirty="0"/>
                         <a:t>描述</a:t>
                       </a:r>
+                      <a:endParaRPr lang="zh-CN" altLang="en-US" sz="1100" dirty="0"/>
                     </a:p>
                   </a:txBody>
                   <a:tcPr anchor="ctr"/>
@@ -11092,6 +9726,7 @@
                         <a:rPr lang="zh-CN" altLang="en-US" sz="1100" dirty="0"/>
                         <a:t>特殊</a:t>
                       </a:r>
+                      <a:endParaRPr lang="zh-CN" altLang="en-US" sz="1100" dirty="0"/>
                     </a:p>
                   </a:txBody>
                   <a:tcPr anchor="ctr"/>
@@ -11106,15 +9741,11 @@
                         <a:rPr lang="zh-CN" altLang="en-US" sz="1100" dirty="0"/>
                         <a:t>更新日期</a:t>
                       </a:r>
-                    </a:p>
-                  </a:txBody>
-                  <a:tcPr anchor="ctr"/>
-                </a:tc>
-                <a:extLst>
-                  <a:ext uri="{0D108BD9-81ED-4DB2-BD59-A6C34878D82A}">
-                    <a16:rowId xmlns:a16="http://schemas.microsoft.com/office/drawing/2014/main" val="899981900"/>
-                  </a:ext>
-                </a:extLst>
+                      <a:endParaRPr lang="zh-CN" altLang="en-US" sz="1100" dirty="0"/>
+                    </a:p>
+                  </a:txBody>
+                  <a:tcPr anchor="ctr"/>
+                </a:tc>
               </a:tr>
               <a:tr h="0">
                 <a:tc>
@@ -11142,6 +9773,7 @@
                         <a:rPr lang="zh-CN" altLang="en-US" sz="1100" dirty="0"/>
                         <a:t>绝缘子</a:t>
                       </a:r>
+                      <a:endParaRPr lang="zh-CN" altLang="en-US" sz="1100" dirty="0"/>
                     </a:p>
                   </a:txBody>
                   <a:tcPr anchor="ctr"/>
@@ -11156,6 +9788,7 @@
                         <a:rPr lang="zh-CN" altLang="en-US" sz="1100" dirty="0"/>
                         <a:t>瓷瓶棒</a:t>
                       </a:r>
+                      <a:endParaRPr lang="zh-CN" altLang="en-US" sz="1100" dirty="0"/>
                     </a:p>
                   </a:txBody>
                   <a:tcPr anchor="ctr"/>
@@ -11170,6 +9803,7 @@
                         <a:rPr lang="zh-CN" altLang="en-US" sz="1100" dirty="0"/>
                         <a:t>破损</a:t>
                       </a:r>
+                      <a:endParaRPr lang="zh-CN" altLang="en-US" sz="1100" dirty="0"/>
                     </a:p>
                   </a:txBody>
                   <a:tcPr anchor="ctr"/>
@@ -11204,11 +9838,6 @@
                   </a:txBody>
                   <a:tcPr anchor="ctr"/>
                 </a:tc>
-                <a:extLst>
-                  <a:ext uri="{0D108BD9-81ED-4DB2-BD59-A6C34878D82A}">
-                    <a16:rowId xmlns:a16="http://schemas.microsoft.com/office/drawing/2014/main" val="2943364964"/>
-                  </a:ext>
-                </a:extLst>
               </a:tr>
             </a:tbl>
           </a:graphicData>
@@ -11216,13 +9845,7 @@
       </p:graphicFrame>
       <p:sp>
         <p:nvSpPr>
-          <p:cNvPr id="33" name="文本框 32">
-            <a:extLst>
-              <a:ext uri="{FF2B5EF4-FFF2-40B4-BE49-F238E27FC236}">
-                <a16:creationId xmlns:a16="http://schemas.microsoft.com/office/drawing/2014/main" id="{31D79C3B-0DFA-480B-8AF5-E067861E3F32}"/>
-              </a:ext>
-            </a:extLst>
-          </p:cNvPr>
+          <p:cNvPr id="33" name="文本框 32"/>
           <p:cNvSpPr txBox="1"/>
           <p:nvPr/>
         </p:nvSpPr>
@@ -11250,28 +9873,21 @@
               </a:rPr>
               <a:t>表名：特殊标注表</a:t>
             </a:r>
+            <a:endParaRPr lang="zh-CN" altLang="en-US" dirty="0">
+              <a:solidFill>
+                <a:srgbClr val="FF0000"/>
+              </a:solidFill>
+            </a:endParaRPr>
           </a:p>
         </p:txBody>
       </p:sp>
       <p:graphicFrame>
         <p:nvGraphicFramePr>
-          <p:cNvPr id="34" name="表格 5">
-            <a:extLst>
-              <a:ext uri="{FF2B5EF4-FFF2-40B4-BE49-F238E27FC236}">
-                <a16:creationId xmlns:a16="http://schemas.microsoft.com/office/drawing/2014/main" id="{12163565-3FFE-486F-A81A-74EAF28686F7}"/>
-              </a:ext>
-            </a:extLst>
-          </p:cNvPr>
+          <p:cNvPr id="34" name="表格 5"/>
           <p:cNvGraphicFramePr>
             <a:graphicFrameLocks noGrp="1"/>
           </p:cNvGraphicFramePr>
-          <p:nvPr>
-            <p:extLst>
-              <p:ext uri="{D42A27DB-BD31-4B8C-83A1-F6EECF244321}">
-                <p14:modId xmlns:p14="http://schemas.microsoft.com/office/powerpoint/2010/main" val="4270904684"/>
-              </p:ext>
-            </p:extLst>
-          </p:nvPr>
+          <p:nvPr/>
         </p:nvGraphicFramePr>
         <p:xfrm>
           <a:off x="6045551" y="2501722"/>
@@ -11284,27 +9900,9 @@
                 <a:tableStyleId>{5C22544A-7EE6-4342-B048-85BDC9FD1C3A}</a:tableStyleId>
               </a:tblPr>
               <a:tblGrid>
-                <a:gridCol w="832627">
-                  <a:extLst>
-                    <a:ext uri="{9D8B030D-6E8A-4147-A177-3AD203B41FA5}">
-                      <a16:colId xmlns:a16="http://schemas.microsoft.com/office/drawing/2014/main" val="3697381474"/>
-                    </a:ext>
-                  </a:extLst>
-                </a:gridCol>
-                <a:gridCol w="846773">
-                  <a:extLst>
-                    <a:ext uri="{9D8B030D-6E8A-4147-A177-3AD203B41FA5}">
-                      <a16:colId xmlns:a16="http://schemas.microsoft.com/office/drawing/2014/main" val="718029833"/>
-                    </a:ext>
-                  </a:extLst>
-                </a:gridCol>
-                <a:gridCol w="846773">
-                  <a:extLst>
-                    <a:ext uri="{9D8B030D-6E8A-4147-A177-3AD203B41FA5}">
-                      <a16:colId xmlns:a16="http://schemas.microsoft.com/office/drawing/2014/main" val="851649452"/>
-                    </a:ext>
-                  </a:extLst>
-                </a:gridCol>
+                <a:gridCol w="832627"/>
+                <a:gridCol w="846773"/>
+                <a:gridCol w="846773"/>
               </a:tblGrid>
               <a:tr h="272576">
                 <a:tc>
@@ -11317,6 +9915,7 @@
                         <a:rPr lang="zh-CN" altLang="en-US" sz="1100" dirty="0"/>
                         <a:t>唯一编码</a:t>
                       </a:r>
+                      <a:endParaRPr lang="zh-CN" altLang="en-US" sz="1100" dirty="0"/>
                     </a:p>
                   </a:txBody>
                   <a:tcPr anchor="ctr"/>
@@ -11331,6 +9930,7 @@
                         <a:rPr lang="zh-CN" altLang="en-US" sz="1100" dirty="0"/>
                         <a:t>特殊标签</a:t>
                       </a:r>
+                      <a:endParaRPr lang="zh-CN" altLang="en-US" sz="1100" dirty="0"/>
                     </a:p>
                   </a:txBody>
                   <a:tcPr anchor="ctr"/>
@@ -11345,15 +9945,11 @@
                         <a:rPr lang="zh-CN" altLang="en-US" sz="1100" dirty="0"/>
                         <a:t>标注逻辑</a:t>
                       </a:r>
-                    </a:p>
-                  </a:txBody>
-                  <a:tcPr anchor="ctr"/>
-                </a:tc>
-                <a:extLst>
-                  <a:ext uri="{0D108BD9-81ED-4DB2-BD59-A6C34878D82A}">
-                    <a16:rowId xmlns:a16="http://schemas.microsoft.com/office/drawing/2014/main" val="899981900"/>
-                  </a:ext>
-                </a:extLst>
+                      <a:endParaRPr lang="zh-CN" altLang="en-US" sz="1100" dirty="0"/>
+                    </a:p>
+                  </a:txBody>
+                  <a:tcPr anchor="ctr"/>
+                </a:tc>
               </a:tr>
               <a:tr h="0">
                 <a:tc>
@@ -11389,22 +9985,12 @@
                   </a:txBody>
                   <a:tcPr anchor="ctr"/>
                 </a:tc>
-                <a:extLst>
-                  <a:ext uri="{0D108BD9-81ED-4DB2-BD59-A6C34878D82A}">
-                    <a16:rowId xmlns:a16="http://schemas.microsoft.com/office/drawing/2014/main" val="2943364964"/>
-                  </a:ext>
-                </a:extLst>
               </a:tr>
             </a:tbl>
           </a:graphicData>
         </a:graphic>
       </p:graphicFrame>
     </p:spTree>
-    <p:extLst>
-      <p:ext uri="{BB962C8B-B14F-4D97-AF65-F5344CB8AC3E}">
-        <p14:creationId xmlns:p14="http://schemas.microsoft.com/office/powerpoint/2010/main" val="774838930"/>
-      </p:ext>
-    </p:extLst>
   </p:cSld>
   <p:clrMapOvr>
     <a:masterClrMapping/>
@@ -11431,13 +10017,7 @@
       </p:grpSpPr>
       <p:sp>
         <p:nvSpPr>
-          <p:cNvPr id="4" name="文本框 3">
-            <a:extLst>
-              <a:ext uri="{FF2B5EF4-FFF2-40B4-BE49-F238E27FC236}">
-                <a16:creationId xmlns:a16="http://schemas.microsoft.com/office/drawing/2014/main" id="{1013CF44-46A4-495C-8073-F2A4114061C7}"/>
-              </a:ext>
-            </a:extLst>
-          </p:cNvPr>
+          <p:cNvPr id="4" name="文本框 3"/>
           <p:cNvSpPr txBox="1"/>
           <p:nvPr/>
         </p:nvSpPr>
@@ -11486,18 +10066,13 @@
               <a:rPr lang="zh-CN" altLang="en-US" dirty="0"/>
               <a:t>数据库更新后，要把大类和小类的更新日期记录下来。每次查询从最后一次更新开始查询。</a:t>
             </a:r>
-          </a:p>
-        </p:txBody>
-      </p:sp>
-      <p:sp>
-        <p:nvSpPr>
-          <p:cNvPr id="2" name="文本框 1">
-            <a:extLst>
-              <a:ext uri="{FF2B5EF4-FFF2-40B4-BE49-F238E27FC236}">
-                <a16:creationId xmlns:a16="http://schemas.microsoft.com/office/drawing/2014/main" id="{13191CB5-4682-45E9-B4E6-A0C2947D155D}"/>
-              </a:ext>
-            </a:extLst>
-          </p:cNvPr>
+            <a:endParaRPr lang="zh-CN" altLang="en-US" dirty="0"/>
+          </a:p>
+        </p:txBody>
+      </p:sp>
+      <p:sp>
+        <p:nvSpPr>
+          <p:cNvPr id="2" name="文本框 1"/>
           <p:cNvSpPr txBox="1"/>
           <p:nvPr/>
         </p:nvSpPr>
@@ -11528,15 +10103,11 @@
               <a:rPr lang="zh-CN" altLang="en-US" dirty="0"/>
               <a:t>如果是正常标签，则按照下划线将字符串拆分，去标注表里面找。</a:t>
             </a:r>
+            <a:endParaRPr lang="zh-CN" altLang="en-US" dirty="0"/>
           </a:p>
         </p:txBody>
       </p:sp>
     </p:spTree>
-    <p:extLst>
-      <p:ext uri="{BB962C8B-B14F-4D97-AF65-F5344CB8AC3E}">
-        <p14:creationId xmlns:p14="http://schemas.microsoft.com/office/powerpoint/2010/main" val="3373443228"/>
-      </p:ext>
-    </p:extLst>
   </p:cSld>
   <p:clrMapOvr>
     <a:masterClrMapping/>
@@ -11563,13 +10134,7 @@
       </p:grpSpPr>
       <p:sp>
         <p:nvSpPr>
-          <p:cNvPr id="2" name="文本框 1">
-            <a:extLst>
-              <a:ext uri="{FF2B5EF4-FFF2-40B4-BE49-F238E27FC236}">
-                <a16:creationId xmlns:a16="http://schemas.microsoft.com/office/drawing/2014/main" id="{19FF8DEB-A7B1-4042-B3E5-81B93915C43A}"/>
-              </a:ext>
-            </a:extLst>
-          </p:cNvPr>
+          <p:cNvPr id="2" name="文本框 1"/>
           <p:cNvSpPr txBox="1"/>
           <p:nvPr/>
         </p:nvSpPr>
@@ -11593,18 +10158,13 @@
               <a:rPr lang="zh-CN" altLang="en-US" dirty="0"/>
               <a:t>数据库接口</a:t>
             </a:r>
-          </a:p>
-        </p:txBody>
-      </p:sp>
-      <p:sp>
-        <p:nvSpPr>
-          <p:cNvPr id="3" name="文本框 2">
-            <a:extLst>
-              <a:ext uri="{FF2B5EF4-FFF2-40B4-BE49-F238E27FC236}">
-                <a16:creationId xmlns:a16="http://schemas.microsoft.com/office/drawing/2014/main" id="{E51D14E2-4738-463B-B8E6-C75DE8C97CC4}"/>
-              </a:ext>
-            </a:extLst>
-          </p:cNvPr>
+            <a:endParaRPr lang="zh-CN" altLang="en-US" dirty="0"/>
+          </a:p>
+        </p:txBody>
+      </p:sp>
+      <p:sp>
+        <p:nvSpPr>
+          <p:cNvPr id="3" name="文本框 2"/>
           <p:cNvSpPr txBox="1"/>
           <p:nvPr/>
         </p:nvSpPr>
@@ -11639,18 +10199,13 @@
               <a:rPr lang="zh-CN" altLang="en-US" dirty="0"/>
               <a:t>调用函数直接启动，返回一个游标类型数据库接口</a:t>
             </a:r>
-          </a:p>
-        </p:txBody>
-      </p:sp>
-      <p:sp>
-        <p:nvSpPr>
-          <p:cNvPr id="4" name="文本框 3">
-            <a:extLst>
-              <a:ext uri="{FF2B5EF4-FFF2-40B4-BE49-F238E27FC236}">
-                <a16:creationId xmlns:a16="http://schemas.microsoft.com/office/drawing/2014/main" id="{3FDADB7B-54CA-4B09-9FD2-DBB3766BF9AD}"/>
-              </a:ext>
-            </a:extLst>
-          </p:cNvPr>
+            <a:endParaRPr lang="zh-CN" altLang="en-US" dirty="0"/>
+          </a:p>
+        </p:txBody>
+      </p:sp>
+      <p:sp>
+        <p:nvSpPr>
+          <p:cNvPr id="4" name="文本框 3"/>
           <p:cNvSpPr txBox="1"/>
           <p:nvPr/>
         </p:nvSpPr>
@@ -11678,15 +10233,11 @@
               <a:rPr lang="zh-CN" altLang="en-US" dirty="0"/>
               <a:t>、启动数据库</a:t>
             </a:r>
+            <a:endParaRPr lang="zh-CN" altLang="en-US" dirty="0"/>
           </a:p>
         </p:txBody>
       </p:sp>
     </p:spTree>
-    <p:extLst>
-      <p:ext uri="{BB962C8B-B14F-4D97-AF65-F5344CB8AC3E}">
-        <p14:creationId xmlns:p14="http://schemas.microsoft.com/office/powerpoint/2010/main" val="4152397775"/>
-      </p:ext>
-    </p:extLst>
   </p:cSld>
   <p:clrMapOvr>
     <a:masterClrMapping/>
@@ -11737,7 +10288,7 @@
     </a:clrScheme>
     <a:fontScheme name="Office">
       <a:majorFont>
-        <a:latin typeface="等线 Light" panose="020F0302020204030204"/>
+        <a:latin typeface="等线 Light"/>
         <a:ea typeface=""/>
         <a:cs typeface=""/>
         <a:font script="Jpan" typeface="游ゴシック Light"/>
@@ -11770,26 +10321,9 @@
         <a:font script="Viet" typeface="Times New Roman"/>
         <a:font script="Uigh" typeface="Microsoft Uighur"/>
         <a:font script="Geor" typeface="Sylfaen"/>
-        <a:font script="Armn" typeface="Arial"/>
-        <a:font script="Bugi" typeface="Leelawadee UI"/>
-        <a:font script="Bopo" typeface="Microsoft JhengHei"/>
-        <a:font script="Java" typeface="Javanese Text"/>
-        <a:font script="Lisu" typeface="Segoe UI"/>
-        <a:font script="Mymr" typeface="Myanmar Text"/>
-        <a:font script="Nkoo" typeface="Ebrima"/>
-        <a:font script="Olck" typeface="Nirmala UI"/>
-        <a:font script="Osma" typeface="Ebrima"/>
-        <a:font script="Phag" typeface="Phagspa"/>
-        <a:font script="Syrn" typeface="Estrangelo Edessa"/>
-        <a:font script="Syrj" typeface="Estrangelo Edessa"/>
-        <a:font script="Syre" typeface="Estrangelo Edessa"/>
-        <a:font script="Sora" typeface="Nirmala UI"/>
-        <a:font script="Tale" typeface="Microsoft Tai Le"/>
-        <a:font script="Talu" typeface="Microsoft New Tai Lue"/>
-        <a:font script="Tfng" typeface="Ebrima"/>
       </a:majorFont>
       <a:minorFont>
-        <a:latin typeface="等线" panose="020F0502020204030204"/>
+        <a:latin typeface="等线"/>
         <a:ea typeface=""/>
         <a:cs typeface=""/>
         <a:font script="Jpan" typeface="游ゴシック"/>
@@ -11822,23 +10356,6 @@
         <a:font script="Viet" typeface="Arial"/>
         <a:font script="Uigh" typeface="Microsoft Uighur"/>
         <a:font script="Geor" typeface="Sylfaen"/>
-        <a:font script="Armn" typeface="Arial"/>
-        <a:font script="Bugi" typeface="Leelawadee UI"/>
-        <a:font script="Bopo" typeface="Microsoft JhengHei"/>
-        <a:font script="Java" typeface="Javanese Text"/>
-        <a:font script="Lisu" typeface="Segoe UI"/>
-        <a:font script="Mymr" typeface="Myanmar Text"/>
-        <a:font script="Nkoo" typeface="Ebrima"/>
-        <a:font script="Olck" typeface="Nirmala UI"/>
-        <a:font script="Osma" typeface="Ebrima"/>
-        <a:font script="Phag" typeface="Phagspa"/>
-        <a:font script="Syrn" typeface="Estrangelo Edessa"/>
-        <a:font script="Syrj" typeface="Estrangelo Edessa"/>
-        <a:font script="Syre" typeface="Estrangelo Edessa"/>
-        <a:font script="Sora" typeface="Nirmala UI"/>
-        <a:font script="Tale" typeface="Microsoft Tai Le"/>
-        <a:font script="Talu" typeface="Microsoft New Tai Lue"/>
-        <a:font script="Tfng" typeface="Ebrima"/>
       </a:minorFont>
     </a:fontScheme>
     <a:fmtScheme name="Office">
@@ -11979,8 +10496,6 @@
       </a:bgFillStyleLst>
     </a:fmtScheme>
   </a:themeElements>
-  <a:objectDefaults/>
-  <a:extraClrSchemeLst/>
   <a:extLst>
     <a:ext uri="{05A4C25C-085E-4340-85A3-A5531E510DB2}">
       <thm15:themeFamily xmlns:thm15="http://schemas.microsoft.com/office/thememl/2012/main" name="Office Theme" id="{62F939B6-93AF-4DB8-9C6B-D6C7DFDC589F}" vid="{4A3C46E8-61CC-4603-A589-7422A47A8E4A}"/>
@@ -12032,7 +10547,7 @@
     </a:clrScheme>
     <a:fontScheme name="Office">
       <a:majorFont>
-        <a:latin typeface="等线 Light" panose="020F0302020204030204"/>
+        <a:latin typeface="等线 Light"/>
         <a:ea typeface=""/>
         <a:cs typeface=""/>
         <a:font script="Jpan" typeface="游ゴシック Light"/>
@@ -12065,26 +10580,9 @@
         <a:font script="Viet" typeface="Times New Roman"/>
         <a:font script="Uigh" typeface="Microsoft Uighur"/>
         <a:font script="Geor" typeface="Sylfaen"/>
-        <a:font script="Armn" typeface="Arial"/>
-        <a:font script="Bugi" typeface="Leelawadee UI"/>
-        <a:font script="Bopo" typeface="Microsoft JhengHei"/>
-        <a:font script="Java" typeface="Javanese Text"/>
-        <a:font script="Lisu" typeface="Segoe UI"/>
-        <a:font script="Mymr" typeface="Myanmar Text"/>
-        <a:font script="Nkoo" typeface="Ebrima"/>
-        <a:font script="Olck" typeface="Nirmala UI"/>
-        <a:font script="Osma" typeface="Ebrima"/>
-        <a:font script="Phag" typeface="Phagspa"/>
-        <a:font script="Syrn" typeface="Estrangelo Edessa"/>
-        <a:font script="Syrj" typeface="Estrangelo Edessa"/>
-        <a:font script="Syre" typeface="Estrangelo Edessa"/>
-        <a:font script="Sora" typeface="Nirmala UI"/>
-        <a:font script="Tale" typeface="Microsoft Tai Le"/>
-        <a:font script="Talu" typeface="Microsoft New Tai Lue"/>
-        <a:font script="Tfng" typeface="Ebrima"/>
       </a:majorFont>
       <a:minorFont>
-        <a:latin typeface="等线" panose="020F0502020204030204"/>
+        <a:latin typeface="等线"/>
         <a:ea typeface=""/>
         <a:cs typeface=""/>
         <a:font script="Jpan" typeface="游ゴシック"/>
@@ -12117,23 +10615,6 @@
         <a:font script="Viet" typeface="Arial"/>
         <a:font script="Uigh" typeface="Microsoft Uighur"/>
         <a:font script="Geor" typeface="Sylfaen"/>
-        <a:font script="Armn" typeface="Arial"/>
-        <a:font script="Bugi" typeface="Leelawadee UI"/>
-        <a:font script="Bopo" typeface="Microsoft JhengHei"/>
-        <a:font script="Java" typeface="Javanese Text"/>
-        <a:font script="Lisu" typeface="Segoe UI"/>
-        <a:font script="Mymr" typeface="Myanmar Text"/>
-        <a:font script="Nkoo" typeface="Ebrima"/>
-        <a:font script="Olck" typeface="Nirmala UI"/>
-        <a:font script="Osma" typeface="Ebrima"/>
-        <a:font script="Phag" typeface="Phagspa"/>
-        <a:font script="Syrn" typeface="Estrangelo Edessa"/>
-        <a:font script="Syrj" typeface="Estrangelo Edessa"/>
-        <a:font script="Syre" typeface="Estrangelo Edessa"/>
-        <a:font script="Sora" typeface="Nirmala UI"/>
-        <a:font script="Tale" typeface="Microsoft Tai Le"/>
-        <a:font script="Talu" typeface="Microsoft New Tai Lue"/>
-        <a:font script="Tfng" typeface="Ebrima"/>
       </a:minorFont>
     </a:fontScheme>
     <a:fmtScheme name="Office">
@@ -12274,8 +10755,6 @@
       </a:bgFillStyleLst>
     </a:fmtScheme>
   </a:themeElements>
-  <a:objectDefaults/>
-  <a:extraClrSchemeLst/>
   <a:extLst>
     <a:ext uri="{05A4C25C-085E-4340-85A3-A5531E510DB2}">
       <thm15:themeFamily xmlns:thm15="http://schemas.microsoft.com/office/thememl/2012/main" name="Office Theme" id="{62F939B6-93AF-4DB8-9C6B-D6C7DFDC589F}" vid="{4A3C46E8-61CC-4603-A589-7422A47A8E4A}"/>

--- a/数据库管理基础架构.pptx
+++ b/数据库管理基础架构.pptx
@@ -5,15 +5,13 @@
     <p:sldMasterId id="2147483648" r:id="rId1"/>
   </p:sldMasterIdLst>
   <p:notesMasterIdLst>
-    <p:notesMasterId r:id="rId9"/>
+    <p:notesMasterId r:id="rId6"/>
   </p:notesMasterIdLst>
   <p:sldIdLst>
-    <p:sldId id="256" r:id="rId3"/>
-    <p:sldId id="258" r:id="rId4"/>
-    <p:sldId id="257" r:id="rId5"/>
-    <p:sldId id="265" r:id="rId6"/>
-    <p:sldId id="264" r:id="rId7"/>
-    <p:sldId id="262" r:id="rId8"/>
+    <p:sldId id="256" r:id="rId2"/>
+    <p:sldId id="258" r:id="rId3"/>
+    <p:sldId id="265" r:id="rId4"/>
+    <p:sldId id="264" r:id="rId5"/>
   </p:sldIdLst>
   <p:sldSz cx="12192000" cy="6858000"/>
   <p:notesSz cx="6858000" cy="9144000"/>
@@ -112,6 +110,11 @@
       </a:defRPr>
     </a:lvl9pPr>
   </p:defaultTextStyle>
+  <p:extLst>
+    <p:ext uri="{EFAFB233-063F-42B5-8137-9DF3F51BA10A}">
+      <p15:sldGuideLst xmlns:p15="http://schemas.microsoft.com/office/powerpoint/2012/main"/>
+    </p:ext>
+  </p:extLst>
 </p:presentation>
 </file>
 
@@ -197,6 +200,7 @@
           <a:p>
             <a:fld id="{7CF37AC1-B06B-4FC0-B7BF-4939F7AED2D9}" type="datetimeFigureOut">
               <a:rPr lang="zh-CN" altLang="en-US" smtClean="0"/>
+              <a:t>2022/1/17</a:t>
             </a:fld>
             <a:endParaRPr lang="zh-CN" altLang="en-US"/>
           </a:p>
@@ -263,7 +267,6 @@
               <a:rPr lang="zh-CN" altLang="en-US"/>
               <a:t>单击此处编辑母版文本样式</a:t>
             </a:r>
-            <a:endParaRPr lang="zh-CN" altLang="en-US"/>
           </a:p>
           <a:p>
             <a:pPr lvl="1"/>
@@ -271,7 +274,6 @@
               <a:rPr lang="zh-CN" altLang="en-US"/>
               <a:t>二级</a:t>
             </a:r>
-            <a:endParaRPr lang="zh-CN" altLang="en-US"/>
           </a:p>
           <a:p>
             <a:pPr lvl="2"/>
@@ -279,7 +281,6 @@
               <a:rPr lang="zh-CN" altLang="en-US"/>
               <a:t>三级</a:t>
             </a:r>
-            <a:endParaRPr lang="zh-CN" altLang="en-US"/>
           </a:p>
           <a:p>
             <a:pPr lvl="3"/>
@@ -287,7 +288,6 @@
               <a:rPr lang="zh-CN" altLang="en-US"/>
               <a:t>四级</a:t>
             </a:r>
-            <a:endParaRPr lang="zh-CN" altLang="en-US"/>
           </a:p>
           <a:p>
             <a:pPr lvl="4"/>
@@ -295,7 +295,6 @@
               <a:rPr lang="zh-CN" altLang="en-US"/>
               <a:t>五级</a:t>
             </a:r>
-            <a:endParaRPr lang="zh-CN" altLang="en-US"/>
           </a:p>
         </p:txBody>
       </p:sp>
@@ -359,6 +358,7 @@
           <a:p>
             <a:fld id="{7193BBAB-73B5-42D0-88E7-B2C7A2E5C4B7}" type="slidenum">
               <a:rPr lang="zh-CN" altLang="en-US" smtClean="0"/>
+              <a:t>‹#›</a:t>
             </a:fld>
             <a:endParaRPr lang="zh-CN" altLang="en-US"/>
           </a:p>
@@ -507,7 +507,6 @@
               <a:rPr lang="zh-CN" altLang="en-US"/>
               <a:t>单击此处编辑母版标题样式</a:t>
             </a:r>
-            <a:endParaRPr lang="zh-CN" altLang="en-US"/>
           </a:p>
         </p:txBody>
       </p:sp>
@@ -572,7 +571,6 @@
               <a:rPr lang="zh-CN" altLang="en-US"/>
               <a:t>单击此处编辑母版副标题样式</a:t>
             </a:r>
-            <a:endParaRPr lang="zh-CN" altLang="en-US"/>
           </a:p>
         </p:txBody>
       </p:sp>
@@ -593,6 +591,7 @@
           <a:p>
             <a:fld id="{B3DC1390-E0D3-4F54-80B6-EEDB5247BA75}" type="datetimeFigureOut">
               <a:rPr lang="zh-CN" altLang="en-US" smtClean="0"/>
+              <a:t>2022/1/17</a:t>
             </a:fld>
             <a:endParaRPr lang="zh-CN" altLang="en-US"/>
           </a:p>
@@ -634,6 +633,7 @@
           <a:p>
             <a:fld id="{725655B8-490E-4BA2-947D-8C01334AC0DD}" type="slidenum">
               <a:rPr lang="zh-CN" altLang="en-US" smtClean="0"/>
+              <a:t>‹#›</a:t>
             </a:fld>
             <a:endParaRPr lang="zh-CN" altLang="en-US"/>
           </a:p>
@@ -683,7 +683,6 @@
               <a:rPr lang="zh-CN" altLang="en-US"/>
               <a:t>单击此处编辑母版标题样式</a:t>
             </a:r>
-            <a:endParaRPr lang="zh-CN" altLang="en-US"/>
           </a:p>
         </p:txBody>
       </p:sp>
@@ -707,7 +706,6 @@
               <a:rPr lang="zh-CN" altLang="en-US"/>
               <a:t>单击此处编辑母版文本样式</a:t>
             </a:r>
-            <a:endParaRPr lang="zh-CN" altLang="en-US"/>
           </a:p>
           <a:p>
             <a:pPr lvl="1"/>
@@ -715,7 +713,6 @@
               <a:rPr lang="zh-CN" altLang="en-US"/>
               <a:t>二级</a:t>
             </a:r>
-            <a:endParaRPr lang="zh-CN" altLang="en-US"/>
           </a:p>
           <a:p>
             <a:pPr lvl="2"/>
@@ -723,7 +720,6 @@
               <a:rPr lang="zh-CN" altLang="en-US"/>
               <a:t>三级</a:t>
             </a:r>
-            <a:endParaRPr lang="zh-CN" altLang="en-US"/>
           </a:p>
           <a:p>
             <a:pPr lvl="3"/>
@@ -731,7 +727,6 @@
               <a:rPr lang="zh-CN" altLang="en-US"/>
               <a:t>四级</a:t>
             </a:r>
-            <a:endParaRPr lang="zh-CN" altLang="en-US"/>
           </a:p>
           <a:p>
             <a:pPr lvl="4"/>
@@ -739,7 +734,6 @@
               <a:rPr lang="zh-CN" altLang="en-US"/>
               <a:t>五级</a:t>
             </a:r>
-            <a:endParaRPr lang="zh-CN" altLang="en-US"/>
           </a:p>
         </p:txBody>
       </p:sp>
@@ -760,6 +754,7 @@
           <a:p>
             <a:fld id="{B3DC1390-E0D3-4F54-80B6-EEDB5247BA75}" type="datetimeFigureOut">
               <a:rPr lang="zh-CN" altLang="en-US" smtClean="0"/>
+              <a:t>2022/1/17</a:t>
             </a:fld>
             <a:endParaRPr lang="zh-CN" altLang="en-US"/>
           </a:p>
@@ -801,6 +796,7 @@
           <a:p>
             <a:fld id="{725655B8-490E-4BA2-947D-8C01334AC0DD}" type="slidenum">
               <a:rPr lang="zh-CN" altLang="en-US" smtClean="0"/>
+              <a:t>‹#›</a:t>
             </a:fld>
             <a:endParaRPr lang="zh-CN" altLang="en-US"/>
           </a:p>
@@ -855,7 +851,6 @@
               <a:rPr lang="zh-CN" altLang="en-US"/>
               <a:t>单击此处编辑母版标题样式</a:t>
             </a:r>
-            <a:endParaRPr lang="zh-CN" altLang="en-US"/>
           </a:p>
         </p:txBody>
       </p:sp>
@@ -884,7 +879,6 @@
               <a:rPr lang="zh-CN" altLang="en-US"/>
               <a:t>单击此处编辑母版文本样式</a:t>
             </a:r>
-            <a:endParaRPr lang="zh-CN" altLang="en-US"/>
           </a:p>
           <a:p>
             <a:pPr lvl="1"/>
@@ -892,7 +886,6 @@
               <a:rPr lang="zh-CN" altLang="en-US"/>
               <a:t>二级</a:t>
             </a:r>
-            <a:endParaRPr lang="zh-CN" altLang="en-US"/>
           </a:p>
           <a:p>
             <a:pPr lvl="2"/>
@@ -900,7 +893,6 @@
               <a:rPr lang="zh-CN" altLang="en-US"/>
               <a:t>三级</a:t>
             </a:r>
-            <a:endParaRPr lang="zh-CN" altLang="en-US"/>
           </a:p>
           <a:p>
             <a:pPr lvl="3"/>
@@ -908,7 +900,6 @@
               <a:rPr lang="zh-CN" altLang="en-US"/>
               <a:t>四级</a:t>
             </a:r>
-            <a:endParaRPr lang="zh-CN" altLang="en-US"/>
           </a:p>
           <a:p>
             <a:pPr lvl="4"/>
@@ -916,7 +907,6 @@
               <a:rPr lang="zh-CN" altLang="en-US"/>
               <a:t>五级</a:t>
             </a:r>
-            <a:endParaRPr lang="zh-CN" altLang="en-US"/>
           </a:p>
         </p:txBody>
       </p:sp>
@@ -937,6 +927,7 @@
           <a:p>
             <a:fld id="{B3DC1390-E0D3-4F54-80B6-EEDB5247BA75}" type="datetimeFigureOut">
               <a:rPr lang="zh-CN" altLang="en-US" smtClean="0"/>
+              <a:t>2022/1/17</a:t>
             </a:fld>
             <a:endParaRPr lang="zh-CN" altLang="en-US"/>
           </a:p>
@@ -978,6 +969,7 @@
           <a:p>
             <a:fld id="{725655B8-490E-4BA2-947D-8C01334AC0DD}" type="slidenum">
               <a:rPr lang="zh-CN" altLang="en-US" smtClean="0"/>
+              <a:t>‹#›</a:t>
             </a:fld>
             <a:endParaRPr lang="zh-CN" altLang="en-US"/>
           </a:p>
@@ -1027,7 +1019,6 @@
               <a:rPr lang="zh-CN" altLang="en-US"/>
               <a:t>单击此处编辑母版标题样式</a:t>
             </a:r>
-            <a:endParaRPr lang="zh-CN" altLang="en-US"/>
           </a:p>
         </p:txBody>
       </p:sp>
@@ -1051,7 +1042,6 @@
               <a:rPr lang="zh-CN" altLang="en-US"/>
               <a:t>单击此处编辑母版文本样式</a:t>
             </a:r>
-            <a:endParaRPr lang="zh-CN" altLang="en-US"/>
           </a:p>
           <a:p>
             <a:pPr lvl="1"/>
@@ -1059,7 +1049,6 @@
               <a:rPr lang="zh-CN" altLang="en-US"/>
               <a:t>二级</a:t>
             </a:r>
-            <a:endParaRPr lang="zh-CN" altLang="en-US"/>
           </a:p>
           <a:p>
             <a:pPr lvl="2"/>
@@ -1067,7 +1056,6 @@
               <a:rPr lang="zh-CN" altLang="en-US"/>
               <a:t>三级</a:t>
             </a:r>
-            <a:endParaRPr lang="zh-CN" altLang="en-US"/>
           </a:p>
           <a:p>
             <a:pPr lvl="3"/>
@@ -1075,7 +1063,6 @@
               <a:rPr lang="zh-CN" altLang="en-US"/>
               <a:t>四级</a:t>
             </a:r>
-            <a:endParaRPr lang="zh-CN" altLang="en-US"/>
           </a:p>
           <a:p>
             <a:pPr lvl="4"/>
@@ -1083,7 +1070,6 @@
               <a:rPr lang="zh-CN" altLang="en-US"/>
               <a:t>五级</a:t>
             </a:r>
-            <a:endParaRPr lang="zh-CN" altLang="en-US"/>
           </a:p>
         </p:txBody>
       </p:sp>
@@ -1104,6 +1090,7 @@
           <a:p>
             <a:fld id="{B3DC1390-E0D3-4F54-80B6-EEDB5247BA75}" type="datetimeFigureOut">
               <a:rPr lang="zh-CN" altLang="en-US" smtClean="0"/>
+              <a:t>2022/1/17</a:t>
             </a:fld>
             <a:endParaRPr lang="zh-CN" altLang="en-US"/>
           </a:p>
@@ -1145,6 +1132,7 @@
           <a:p>
             <a:fld id="{725655B8-490E-4BA2-947D-8C01334AC0DD}" type="slidenum">
               <a:rPr lang="zh-CN" altLang="en-US" smtClean="0"/>
+              <a:t>‹#›</a:t>
             </a:fld>
             <a:endParaRPr lang="zh-CN" altLang="en-US"/>
           </a:p>
@@ -1203,7 +1191,6 @@
               <a:rPr lang="zh-CN" altLang="en-US"/>
               <a:t>单击此处编辑母版标题样式</a:t>
             </a:r>
-            <a:endParaRPr lang="zh-CN" altLang="en-US"/>
           </a:p>
         </p:txBody>
       </p:sp>
@@ -1323,7 +1310,6 @@
               <a:rPr lang="zh-CN" altLang="en-US"/>
               <a:t>单击此处编辑母版文本样式</a:t>
             </a:r>
-            <a:endParaRPr lang="zh-CN" altLang="en-US"/>
           </a:p>
         </p:txBody>
       </p:sp>
@@ -1344,6 +1330,7 @@
           <a:p>
             <a:fld id="{B3DC1390-E0D3-4F54-80B6-EEDB5247BA75}" type="datetimeFigureOut">
               <a:rPr lang="zh-CN" altLang="en-US" smtClean="0"/>
+              <a:t>2022/1/17</a:t>
             </a:fld>
             <a:endParaRPr lang="zh-CN" altLang="en-US"/>
           </a:p>
@@ -1385,6 +1372,7 @@
           <a:p>
             <a:fld id="{725655B8-490E-4BA2-947D-8C01334AC0DD}" type="slidenum">
               <a:rPr lang="zh-CN" altLang="en-US" smtClean="0"/>
+              <a:t>‹#›</a:t>
             </a:fld>
             <a:endParaRPr lang="zh-CN" altLang="en-US"/>
           </a:p>
@@ -1434,7 +1422,6 @@
               <a:rPr lang="zh-CN" altLang="en-US"/>
               <a:t>单击此处编辑母版标题样式</a:t>
             </a:r>
-            <a:endParaRPr lang="zh-CN" altLang="en-US"/>
           </a:p>
         </p:txBody>
       </p:sp>
@@ -1463,7 +1450,6 @@
               <a:rPr lang="zh-CN" altLang="en-US"/>
               <a:t>单击此处编辑母版文本样式</a:t>
             </a:r>
-            <a:endParaRPr lang="zh-CN" altLang="en-US"/>
           </a:p>
           <a:p>
             <a:pPr lvl="1"/>
@@ -1471,7 +1457,6 @@
               <a:rPr lang="zh-CN" altLang="en-US"/>
               <a:t>二级</a:t>
             </a:r>
-            <a:endParaRPr lang="zh-CN" altLang="en-US"/>
           </a:p>
           <a:p>
             <a:pPr lvl="2"/>
@@ -1479,7 +1464,6 @@
               <a:rPr lang="zh-CN" altLang="en-US"/>
               <a:t>三级</a:t>
             </a:r>
-            <a:endParaRPr lang="zh-CN" altLang="en-US"/>
           </a:p>
           <a:p>
             <a:pPr lvl="3"/>
@@ -1487,7 +1471,6 @@
               <a:rPr lang="zh-CN" altLang="en-US"/>
               <a:t>四级</a:t>
             </a:r>
-            <a:endParaRPr lang="zh-CN" altLang="en-US"/>
           </a:p>
           <a:p>
             <a:pPr lvl="4"/>
@@ -1495,7 +1478,6 @@
               <a:rPr lang="zh-CN" altLang="en-US"/>
               <a:t>五级</a:t>
             </a:r>
-            <a:endParaRPr lang="zh-CN" altLang="en-US"/>
           </a:p>
         </p:txBody>
       </p:sp>
@@ -1524,7 +1506,6 @@
               <a:rPr lang="zh-CN" altLang="en-US"/>
               <a:t>单击此处编辑母版文本样式</a:t>
             </a:r>
-            <a:endParaRPr lang="zh-CN" altLang="en-US"/>
           </a:p>
           <a:p>
             <a:pPr lvl="1"/>
@@ -1532,7 +1513,6 @@
               <a:rPr lang="zh-CN" altLang="en-US"/>
               <a:t>二级</a:t>
             </a:r>
-            <a:endParaRPr lang="zh-CN" altLang="en-US"/>
           </a:p>
           <a:p>
             <a:pPr lvl="2"/>
@@ -1540,7 +1520,6 @@
               <a:rPr lang="zh-CN" altLang="en-US"/>
               <a:t>三级</a:t>
             </a:r>
-            <a:endParaRPr lang="zh-CN" altLang="en-US"/>
           </a:p>
           <a:p>
             <a:pPr lvl="3"/>
@@ -1548,7 +1527,6 @@
               <a:rPr lang="zh-CN" altLang="en-US"/>
               <a:t>四级</a:t>
             </a:r>
-            <a:endParaRPr lang="zh-CN" altLang="en-US"/>
           </a:p>
           <a:p>
             <a:pPr lvl="4"/>
@@ -1556,7 +1534,6 @@
               <a:rPr lang="zh-CN" altLang="en-US"/>
               <a:t>五级</a:t>
             </a:r>
-            <a:endParaRPr lang="zh-CN" altLang="en-US"/>
           </a:p>
         </p:txBody>
       </p:sp>
@@ -1577,6 +1554,7 @@
           <a:p>
             <a:fld id="{B3DC1390-E0D3-4F54-80B6-EEDB5247BA75}" type="datetimeFigureOut">
               <a:rPr lang="zh-CN" altLang="en-US" smtClean="0"/>
+              <a:t>2022/1/17</a:t>
             </a:fld>
             <a:endParaRPr lang="zh-CN" altLang="en-US"/>
           </a:p>
@@ -1618,6 +1596,7 @@
           <a:p>
             <a:fld id="{725655B8-490E-4BA2-947D-8C01334AC0DD}" type="slidenum">
               <a:rPr lang="zh-CN" altLang="en-US" smtClean="0"/>
+              <a:t>‹#›</a:t>
             </a:fld>
             <a:endParaRPr lang="zh-CN" altLang="en-US"/>
           </a:p>
@@ -1672,7 +1651,6 @@
               <a:rPr lang="zh-CN" altLang="en-US"/>
               <a:t>单击此处编辑母版标题样式</a:t>
             </a:r>
-            <a:endParaRPr lang="zh-CN" altLang="en-US"/>
           </a:p>
         </p:txBody>
       </p:sp>
@@ -1738,7 +1716,6 @@
               <a:rPr lang="zh-CN" altLang="en-US"/>
               <a:t>单击此处编辑母版文本样式</a:t>
             </a:r>
-            <a:endParaRPr lang="zh-CN" altLang="en-US"/>
           </a:p>
         </p:txBody>
       </p:sp>
@@ -1767,7 +1744,6 @@
               <a:rPr lang="zh-CN" altLang="en-US"/>
               <a:t>单击此处编辑母版文本样式</a:t>
             </a:r>
-            <a:endParaRPr lang="zh-CN" altLang="en-US"/>
           </a:p>
           <a:p>
             <a:pPr lvl="1"/>
@@ -1775,7 +1751,6 @@
               <a:rPr lang="zh-CN" altLang="en-US"/>
               <a:t>二级</a:t>
             </a:r>
-            <a:endParaRPr lang="zh-CN" altLang="en-US"/>
           </a:p>
           <a:p>
             <a:pPr lvl="2"/>
@@ -1783,7 +1758,6 @@
               <a:rPr lang="zh-CN" altLang="en-US"/>
               <a:t>三级</a:t>
             </a:r>
-            <a:endParaRPr lang="zh-CN" altLang="en-US"/>
           </a:p>
           <a:p>
             <a:pPr lvl="3"/>
@@ -1791,7 +1765,6 @@
               <a:rPr lang="zh-CN" altLang="en-US"/>
               <a:t>四级</a:t>
             </a:r>
-            <a:endParaRPr lang="zh-CN" altLang="en-US"/>
           </a:p>
           <a:p>
             <a:pPr lvl="4"/>
@@ -1799,7 +1772,6 @@
               <a:rPr lang="zh-CN" altLang="en-US"/>
               <a:t>五级</a:t>
             </a:r>
-            <a:endParaRPr lang="zh-CN" altLang="en-US"/>
           </a:p>
         </p:txBody>
       </p:sp>
@@ -1865,7 +1837,6 @@
               <a:rPr lang="zh-CN" altLang="en-US"/>
               <a:t>单击此处编辑母版文本样式</a:t>
             </a:r>
-            <a:endParaRPr lang="zh-CN" altLang="en-US"/>
           </a:p>
         </p:txBody>
       </p:sp>
@@ -1894,7 +1865,6 @@
               <a:rPr lang="zh-CN" altLang="en-US"/>
               <a:t>单击此处编辑母版文本样式</a:t>
             </a:r>
-            <a:endParaRPr lang="zh-CN" altLang="en-US"/>
           </a:p>
           <a:p>
             <a:pPr lvl="1"/>
@@ -1902,7 +1872,6 @@
               <a:rPr lang="zh-CN" altLang="en-US"/>
               <a:t>二级</a:t>
             </a:r>
-            <a:endParaRPr lang="zh-CN" altLang="en-US"/>
           </a:p>
           <a:p>
             <a:pPr lvl="2"/>
@@ -1910,7 +1879,6 @@
               <a:rPr lang="zh-CN" altLang="en-US"/>
               <a:t>三级</a:t>
             </a:r>
-            <a:endParaRPr lang="zh-CN" altLang="en-US"/>
           </a:p>
           <a:p>
             <a:pPr lvl="3"/>
@@ -1918,7 +1886,6 @@
               <a:rPr lang="zh-CN" altLang="en-US"/>
               <a:t>四级</a:t>
             </a:r>
-            <a:endParaRPr lang="zh-CN" altLang="en-US"/>
           </a:p>
           <a:p>
             <a:pPr lvl="4"/>
@@ -1926,7 +1893,6 @@
               <a:rPr lang="zh-CN" altLang="en-US"/>
               <a:t>五级</a:t>
             </a:r>
-            <a:endParaRPr lang="zh-CN" altLang="en-US"/>
           </a:p>
         </p:txBody>
       </p:sp>
@@ -1947,6 +1913,7 @@
           <a:p>
             <a:fld id="{B3DC1390-E0D3-4F54-80B6-EEDB5247BA75}" type="datetimeFigureOut">
               <a:rPr lang="zh-CN" altLang="en-US" smtClean="0"/>
+              <a:t>2022/1/17</a:t>
             </a:fld>
             <a:endParaRPr lang="zh-CN" altLang="en-US"/>
           </a:p>
@@ -1988,6 +1955,7 @@
           <a:p>
             <a:fld id="{725655B8-490E-4BA2-947D-8C01334AC0DD}" type="slidenum">
               <a:rPr lang="zh-CN" altLang="en-US" smtClean="0"/>
+              <a:t>‹#›</a:t>
             </a:fld>
             <a:endParaRPr lang="zh-CN" altLang="en-US"/>
           </a:p>
@@ -2037,7 +2005,6 @@
               <a:rPr lang="zh-CN" altLang="en-US"/>
               <a:t>单击此处编辑母版标题样式</a:t>
             </a:r>
-            <a:endParaRPr lang="zh-CN" altLang="en-US"/>
           </a:p>
         </p:txBody>
       </p:sp>
@@ -2058,6 +2025,7 @@
           <a:p>
             <a:fld id="{B3DC1390-E0D3-4F54-80B6-EEDB5247BA75}" type="datetimeFigureOut">
               <a:rPr lang="zh-CN" altLang="en-US" smtClean="0"/>
+              <a:t>2022/1/17</a:t>
             </a:fld>
             <a:endParaRPr lang="zh-CN" altLang="en-US"/>
           </a:p>
@@ -2099,6 +2067,7 @@
           <a:p>
             <a:fld id="{725655B8-490E-4BA2-947D-8C01334AC0DD}" type="slidenum">
               <a:rPr lang="zh-CN" altLang="en-US" smtClean="0"/>
+              <a:t>‹#›</a:t>
             </a:fld>
             <a:endParaRPr lang="zh-CN" altLang="en-US"/>
           </a:p>
@@ -2146,6 +2115,7 @@
           <a:p>
             <a:fld id="{B3DC1390-E0D3-4F54-80B6-EEDB5247BA75}" type="datetimeFigureOut">
               <a:rPr lang="zh-CN" altLang="en-US" smtClean="0"/>
+              <a:t>2022/1/17</a:t>
             </a:fld>
             <a:endParaRPr lang="zh-CN" altLang="en-US"/>
           </a:p>
@@ -2187,6 +2157,7 @@
           <a:p>
             <a:fld id="{725655B8-490E-4BA2-947D-8C01334AC0DD}" type="slidenum">
               <a:rPr lang="zh-CN" altLang="en-US" smtClean="0"/>
+              <a:t>‹#›</a:t>
             </a:fld>
             <a:endParaRPr lang="zh-CN" altLang="en-US"/>
           </a:p>
@@ -2245,7 +2216,6 @@
               <a:rPr lang="zh-CN" altLang="en-US"/>
               <a:t>单击此处编辑母版标题样式</a:t>
             </a:r>
-            <a:endParaRPr lang="zh-CN" altLang="en-US"/>
           </a:p>
         </p:txBody>
       </p:sp>
@@ -2302,7 +2272,6 @@
               <a:rPr lang="zh-CN" altLang="en-US"/>
               <a:t>单击此处编辑母版文本样式</a:t>
             </a:r>
-            <a:endParaRPr lang="zh-CN" altLang="en-US"/>
           </a:p>
           <a:p>
             <a:pPr lvl="1"/>
@@ -2310,7 +2279,6 @@
               <a:rPr lang="zh-CN" altLang="en-US"/>
               <a:t>二级</a:t>
             </a:r>
-            <a:endParaRPr lang="zh-CN" altLang="en-US"/>
           </a:p>
           <a:p>
             <a:pPr lvl="2"/>
@@ -2318,7 +2286,6 @@
               <a:rPr lang="zh-CN" altLang="en-US"/>
               <a:t>三级</a:t>
             </a:r>
-            <a:endParaRPr lang="zh-CN" altLang="en-US"/>
           </a:p>
           <a:p>
             <a:pPr lvl="3"/>
@@ -2326,7 +2293,6 @@
               <a:rPr lang="zh-CN" altLang="en-US"/>
               <a:t>四级</a:t>
             </a:r>
-            <a:endParaRPr lang="zh-CN" altLang="en-US"/>
           </a:p>
           <a:p>
             <a:pPr lvl="4"/>
@@ -2334,7 +2300,6 @@
               <a:rPr lang="zh-CN" altLang="en-US"/>
               <a:t>五级</a:t>
             </a:r>
-            <a:endParaRPr lang="zh-CN" altLang="en-US"/>
           </a:p>
         </p:txBody>
       </p:sp>
@@ -2400,7 +2365,6 @@
               <a:rPr lang="zh-CN" altLang="en-US"/>
               <a:t>单击此处编辑母版文本样式</a:t>
             </a:r>
-            <a:endParaRPr lang="zh-CN" altLang="en-US"/>
           </a:p>
         </p:txBody>
       </p:sp>
@@ -2421,6 +2385,7 @@
           <a:p>
             <a:fld id="{B3DC1390-E0D3-4F54-80B6-EEDB5247BA75}" type="datetimeFigureOut">
               <a:rPr lang="zh-CN" altLang="en-US" smtClean="0"/>
+              <a:t>2022/1/17</a:t>
             </a:fld>
             <a:endParaRPr lang="zh-CN" altLang="en-US"/>
           </a:p>
@@ -2462,6 +2427,7 @@
           <a:p>
             <a:fld id="{725655B8-490E-4BA2-947D-8C01334AC0DD}" type="slidenum">
               <a:rPr lang="zh-CN" altLang="en-US" smtClean="0"/>
+              <a:t>‹#›</a:t>
             </a:fld>
             <a:endParaRPr lang="zh-CN" altLang="en-US"/>
           </a:p>
@@ -2520,7 +2486,6 @@
               <a:rPr lang="zh-CN" altLang="en-US"/>
               <a:t>单击此处编辑母版标题样式</a:t>
             </a:r>
-            <a:endParaRPr lang="zh-CN" altLang="en-US"/>
           </a:p>
         </p:txBody>
       </p:sp>
@@ -2647,7 +2612,6 @@
               <a:rPr lang="zh-CN" altLang="en-US"/>
               <a:t>单击此处编辑母版文本样式</a:t>
             </a:r>
-            <a:endParaRPr lang="zh-CN" altLang="en-US"/>
           </a:p>
         </p:txBody>
       </p:sp>
@@ -2668,6 +2632,7 @@
           <a:p>
             <a:fld id="{B3DC1390-E0D3-4F54-80B6-EEDB5247BA75}" type="datetimeFigureOut">
               <a:rPr lang="zh-CN" altLang="en-US" smtClean="0"/>
+              <a:t>2022/1/17</a:t>
             </a:fld>
             <a:endParaRPr lang="zh-CN" altLang="en-US"/>
           </a:p>
@@ -2709,6 +2674,7 @@
           <a:p>
             <a:fld id="{725655B8-490E-4BA2-947D-8C01334AC0DD}" type="slidenum">
               <a:rPr lang="zh-CN" altLang="en-US" smtClean="0"/>
+              <a:t>‹#›</a:t>
             </a:fld>
             <a:endParaRPr lang="zh-CN" altLang="en-US"/>
           </a:p>
@@ -2773,7 +2739,6 @@
               <a:rPr lang="zh-CN" altLang="en-US"/>
               <a:t>单击此处编辑母版标题样式</a:t>
             </a:r>
-            <a:endParaRPr lang="zh-CN" altLang="en-US"/>
           </a:p>
         </p:txBody>
       </p:sp>
@@ -2807,7 +2772,6 @@
               <a:rPr lang="zh-CN" altLang="en-US"/>
               <a:t>单击此处编辑母版文本样式</a:t>
             </a:r>
-            <a:endParaRPr lang="zh-CN" altLang="en-US"/>
           </a:p>
           <a:p>
             <a:pPr lvl="1"/>
@@ -2815,7 +2779,6 @@
               <a:rPr lang="zh-CN" altLang="en-US"/>
               <a:t>二级</a:t>
             </a:r>
-            <a:endParaRPr lang="zh-CN" altLang="en-US"/>
           </a:p>
           <a:p>
             <a:pPr lvl="2"/>
@@ -2823,7 +2786,6 @@
               <a:rPr lang="zh-CN" altLang="en-US"/>
               <a:t>三级</a:t>
             </a:r>
-            <a:endParaRPr lang="zh-CN" altLang="en-US"/>
           </a:p>
           <a:p>
             <a:pPr lvl="3"/>
@@ -2831,7 +2793,6 @@
               <a:rPr lang="zh-CN" altLang="en-US"/>
               <a:t>四级</a:t>
             </a:r>
-            <a:endParaRPr lang="zh-CN" altLang="en-US"/>
           </a:p>
           <a:p>
             <a:pPr lvl="4"/>
@@ -2839,7 +2800,6 @@
               <a:rPr lang="zh-CN" altLang="en-US"/>
               <a:t>五级</a:t>
             </a:r>
-            <a:endParaRPr lang="zh-CN" altLang="en-US"/>
           </a:p>
         </p:txBody>
       </p:sp>
@@ -2878,6 +2838,7 @@
           <a:p>
             <a:fld id="{B3DC1390-E0D3-4F54-80B6-EEDB5247BA75}" type="datetimeFigureOut">
               <a:rPr lang="zh-CN" altLang="en-US" smtClean="0"/>
+              <a:t>2022/1/17</a:t>
             </a:fld>
             <a:endParaRPr lang="zh-CN" altLang="en-US"/>
           </a:p>
@@ -2955,6 +2916,7 @@
           <a:p>
             <a:fld id="{725655B8-490E-4BA2-947D-8C01334AC0DD}" type="slidenum">
               <a:rPr lang="zh-CN" altLang="en-US" smtClean="0"/>
+              <a:t>‹#›</a:t>
             </a:fld>
             <a:endParaRPr lang="zh-CN" altLang="en-US"/>
           </a:p>
@@ -3302,7 +3264,6 @@
               <a:rPr lang="zh-CN" altLang="en-US" sz="1200" dirty="0"/>
               <a:t>数据库，数据组以外不可修改</a:t>
             </a:r>
-            <a:endParaRPr lang="zh-CN" altLang="en-US" sz="1200" dirty="0"/>
           </a:p>
         </p:txBody>
       </p:sp>
@@ -3413,7 +3374,6 @@
               <a:rPr lang="zh-CN" altLang="en-US" sz="1200" dirty="0"/>
               <a:t>写入</a:t>
             </a:r>
-            <a:endParaRPr lang="zh-CN" altLang="en-US" sz="1200" dirty="0"/>
           </a:p>
         </p:txBody>
       </p:sp>
@@ -3483,7 +3443,6 @@
               <a:rPr lang="zh-CN" altLang="en-US" sz="1200" dirty="0"/>
               <a:t>读取</a:t>
             </a:r>
-            <a:endParaRPr lang="zh-CN" altLang="en-US" sz="1200" dirty="0"/>
           </a:p>
         </p:txBody>
       </p:sp>
@@ -3571,7 +3530,6 @@
               <a:rPr lang="zh-CN" altLang="en-US" sz="1200" dirty="0"/>
               <a:t>导入数据集</a:t>
             </a:r>
-            <a:endParaRPr lang="zh-CN" altLang="en-US" sz="1200" dirty="0"/>
           </a:p>
         </p:txBody>
       </p:sp>
@@ -3639,7 +3597,6 @@
               <a:rPr lang="zh-CN" altLang="en-US" sz="1200" dirty="0"/>
               <a:t>只有图片</a:t>
             </a:r>
-            <a:endParaRPr lang="zh-CN" altLang="en-US" sz="1200" dirty="0"/>
           </a:p>
         </p:txBody>
       </p:sp>
@@ -3669,7 +3626,6 @@
               <a:rPr lang="zh-CN" altLang="en-US" sz="1200" dirty="0"/>
               <a:t>图片和标注</a:t>
             </a:r>
-            <a:endParaRPr lang="zh-CN" altLang="en-US" sz="1200" dirty="0"/>
           </a:p>
         </p:txBody>
       </p:sp>
@@ -3699,7 +3655,6 @@
               <a:rPr lang="zh-CN" altLang="en-US" sz="1200" dirty="0"/>
               <a:t>只有标注</a:t>
             </a:r>
-            <a:endParaRPr lang="zh-CN" altLang="en-US" sz="1200" dirty="0"/>
           </a:p>
         </p:txBody>
       </p:sp>
@@ -3778,7 +3733,6 @@
               <a:rPr lang="zh-CN" altLang="en-US" sz="1050" dirty="0"/>
               <a:t>是否为编码格式</a:t>
             </a:r>
-            <a:endParaRPr lang="zh-CN" altLang="en-US" sz="1050" dirty="0"/>
           </a:p>
         </p:txBody>
       </p:sp>
@@ -3848,7 +3802,6 @@
               <a:rPr lang="zh-CN" altLang="en-US" sz="1200" dirty="0"/>
               <a:t>是</a:t>
             </a:r>
-            <a:endParaRPr lang="zh-CN" altLang="en-US" sz="1200" dirty="0"/>
           </a:p>
         </p:txBody>
       </p:sp>
@@ -3989,7 +3942,6 @@
               <a:rPr lang="zh-CN" altLang="en-US" sz="1200" dirty="0"/>
               <a:t>否</a:t>
             </a:r>
-            <a:endParaRPr lang="zh-CN" altLang="en-US" sz="1200" dirty="0"/>
           </a:p>
         </p:txBody>
       </p:sp>
@@ -4024,7 +3976,6 @@
               <a:rPr lang="en-US" altLang="zh-CN" sz="1050" dirty="0"/>
               <a:t>:</a:t>
             </a:r>
-            <a:endParaRPr lang="en-US" altLang="zh-CN" sz="1050" dirty="0"/>
           </a:p>
           <a:p>
             <a:pPr algn="ctr"/>
@@ -4102,7 +4053,6 @@
               <a:rPr lang="zh-CN" altLang="en-US" sz="1200" dirty="0"/>
               <a:t>记录当日已使用的编码数量</a:t>
             </a:r>
-            <a:endParaRPr lang="zh-CN" altLang="en-US" sz="1200" dirty="0"/>
           </a:p>
         </p:txBody>
       </p:sp>
@@ -4227,7 +4177,6 @@
               <a:rPr lang="zh-CN" altLang="en-US" sz="1050" dirty="0"/>
               <a:t>是否为编码格式</a:t>
             </a:r>
-            <a:endParaRPr lang="zh-CN" altLang="en-US" sz="1050" dirty="0"/>
           </a:p>
         </p:txBody>
       </p:sp>
@@ -4338,7 +4287,6 @@
               <a:rPr lang="zh-CN" altLang="en-US" sz="1200" dirty="0"/>
               <a:t>否</a:t>
             </a:r>
-            <a:endParaRPr lang="zh-CN" altLang="en-US" sz="1200" dirty="0"/>
           </a:p>
         </p:txBody>
       </p:sp>
@@ -4438,7 +4386,6 @@
               <a:rPr lang="zh-CN" altLang="en-US" sz="1200" dirty="0"/>
               <a:t>是</a:t>
             </a:r>
-            <a:endParaRPr lang="zh-CN" altLang="en-US" sz="1200" dirty="0"/>
           </a:p>
         </p:txBody>
       </p:sp>
@@ -4468,7 +4415,6 @@
               <a:rPr lang="zh-CN" altLang="en-US" sz="1200" dirty="0"/>
               <a:t>按索引访问数据库</a:t>
             </a:r>
-            <a:endParaRPr lang="zh-CN" altLang="en-US" sz="1200" dirty="0"/>
           </a:p>
         </p:txBody>
       </p:sp>
@@ -4547,7 +4493,6 @@
               <a:rPr lang="zh-CN" altLang="en-US" sz="1050" dirty="0"/>
               <a:t>重命名类别编码</a:t>
             </a:r>
-            <a:endParaRPr lang="zh-CN" altLang="en-US" sz="1050" dirty="0"/>
           </a:p>
         </p:txBody>
       </p:sp>
@@ -4672,7 +4617,6 @@
               <a:rPr lang="zh-CN" altLang="en-US" sz="1050" dirty="0"/>
               <a:t>是否为编码格式</a:t>
             </a:r>
-            <a:endParaRPr lang="zh-CN" altLang="en-US" sz="1050" dirty="0"/>
           </a:p>
         </p:txBody>
       </p:sp>
@@ -4783,7 +4727,6 @@
               <a:rPr lang="zh-CN" altLang="en-US" sz="1200" dirty="0"/>
               <a:t>否</a:t>
             </a:r>
-            <a:endParaRPr lang="zh-CN" altLang="en-US" sz="1200" dirty="0"/>
           </a:p>
         </p:txBody>
       </p:sp>
@@ -4938,7 +4881,6 @@
               <a:rPr lang="zh-CN" altLang="en-US" sz="1200" dirty="0"/>
               <a:t>写入</a:t>
             </a:r>
-            <a:endParaRPr lang="zh-CN" altLang="en-US" sz="1200" dirty="0"/>
           </a:p>
         </p:txBody>
       </p:sp>
@@ -5008,7 +4950,6 @@
               <a:rPr lang="zh-CN" altLang="en-US" sz="1200" dirty="0"/>
               <a:t>是</a:t>
             </a:r>
-            <a:endParaRPr lang="zh-CN" altLang="en-US" sz="1200" dirty="0"/>
           </a:p>
         </p:txBody>
       </p:sp>
@@ -5078,7 +5019,6 @@
               <a:rPr lang="zh-CN" altLang="en-US" sz="1200" dirty="0"/>
               <a:t>写入</a:t>
             </a:r>
-            <a:endParaRPr lang="zh-CN" altLang="en-US" sz="1200" dirty="0"/>
           </a:p>
         </p:txBody>
       </p:sp>
@@ -5149,7 +5089,6 @@
               <a:rPr lang="zh-CN" altLang="en-US" sz="1050" dirty="0"/>
               <a:t>重构标注</a:t>
             </a:r>
-            <a:endParaRPr lang="zh-CN" altLang="en-US" sz="1050" dirty="0"/>
           </a:p>
         </p:txBody>
       </p:sp>
@@ -5225,7 +5164,6 @@
               <a:rPr lang="zh-CN" altLang="en-US" sz="1200" dirty="0"/>
               <a:t>缓冲区，可公开访问</a:t>
             </a:r>
-            <a:endParaRPr lang="zh-CN" altLang="en-US" sz="1200" dirty="0"/>
           </a:p>
         </p:txBody>
       </p:sp>
@@ -5300,11 +5238,6 @@
               </a:rPr>
               <a:t>数据审核</a:t>
             </a:r>
-            <a:endParaRPr lang="zh-CN" altLang="en-US" sz="1200" dirty="0">
-              <a:solidFill>
-                <a:srgbClr val="FF0000"/>
-              </a:solidFill>
-            </a:endParaRPr>
           </a:p>
         </p:txBody>
       </p:sp>
@@ -5374,7 +5307,6 @@
               <a:rPr lang="zh-CN" altLang="en-US" sz="1200" dirty="0"/>
               <a:t>写入</a:t>
             </a:r>
-            <a:endParaRPr lang="zh-CN" altLang="en-US" sz="1200" dirty="0"/>
           </a:p>
         </p:txBody>
       </p:sp>
@@ -5444,7 +5376,6 @@
               <a:rPr lang="zh-CN" altLang="en-US" sz="1400" dirty="0"/>
               <a:t>训练</a:t>
             </a:r>
-            <a:endParaRPr lang="zh-CN" altLang="en-US" sz="1400" dirty="0"/>
           </a:p>
         </p:txBody>
       </p:sp>
@@ -5514,7 +5445,6 @@
               <a:rPr lang="zh-CN" altLang="en-US" sz="1200" dirty="0"/>
               <a:t>训练信息      写入</a:t>
             </a:r>
-            <a:endParaRPr lang="zh-CN" altLang="en-US" sz="1200" dirty="0"/>
           </a:p>
         </p:txBody>
       </p:sp>
@@ -5544,7 +5474,6 @@
               <a:rPr lang="zh-CN" altLang="en-US" sz="1200" dirty="0"/>
               <a:t>工程提测</a:t>
             </a:r>
-            <a:endParaRPr lang="zh-CN" altLang="en-US" sz="1200" dirty="0"/>
           </a:p>
         </p:txBody>
       </p:sp>
@@ -5675,7 +5604,6 @@
               <a:rPr lang="zh-CN" altLang="en-US" sz="1200" dirty="0"/>
               <a:t>重复图片</a:t>
             </a:r>
-            <a:endParaRPr lang="zh-CN" altLang="en-US" sz="1200" dirty="0"/>
           </a:p>
         </p:txBody>
       </p:sp>
@@ -5832,7 +5760,6 @@
               <a:rPr lang="en-US" altLang="zh-CN" sz="1200" dirty="0"/>
               <a:t>W</a:t>
             </a:r>
-            <a:endParaRPr lang="en-US" altLang="zh-CN" sz="1200" dirty="0"/>
           </a:p>
           <a:p>
             <a:r>
@@ -6216,11 +6143,6 @@
               </a:rPr>
               <a:t>（颜色）长长的没干的。</a:t>
             </a:r>
-            <a:endParaRPr lang="zh-CN" altLang="en-US" sz="1200" dirty="0">
-              <a:solidFill>
-                <a:srgbClr val="FF0000"/>
-              </a:solidFill>
-            </a:endParaRPr>
           </a:p>
         </p:txBody>
       </p:sp>
@@ -6273,7 +6195,6 @@
               <a:rPr lang="en-US" altLang="zh-CN" sz="1200" dirty="0"/>
               <a:t>object</a:t>
             </a:r>
-            <a:endParaRPr lang="en-US" altLang="zh-CN" sz="1200" dirty="0"/>
           </a:p>
           <a:p>
             <a:r>
@@ -6319,7 +6240,6 @@
               <a:rPr lang="en-US" altLang="zh-CN" sz="1200" dirty="0"/>
               <a:t>line,  robndbox</a:t>
             </a:r>
-            <a:endParaRPr lang="en-US" altLang="zh-CN" sz="1200" dirty="0"/>
           </a:p>
           <a:p>
             <a:r>
@@ -6349,7 +6269,6 @@
               <a:rPr lang="en-US" altLang="zh-CN" sz="1200" dirty="0"/>
               <a:t>version</a:t>
             </a:r>
-            <a:endParaRPr lang="en-US" altLang="zh-CN" sz="1200" dirty="0"/>
           </a:p>
           <a:p>
             <a:r>
@@ -6395,7 +6314,6 @@
               <a:rPr lang="en-US" altLang="zh-CN" sz="1200" dirty="0"/>
               <a:t>0</a:t>
             </a:r>
-            <a:endParaRPr lang="en-US" altLang="zh-CN" sz="1200" dirty="0"/>
           </a:p>
           <a:p>
             <a:r>
@@ -6418,7 +6336,6 @@
               <a:rPr lang="en-US" altLang="zh-CN" sz="1200" dirty="0"/>
               <a:t>21-11-30</a:t>
             </a:r>
-            <a:endParaRPr lang="en-US" altLang="zh-CN" sz="1200" dirty="0"/>
           </a:p>
         </p:txBody>
       </p:sp>
@@ -6471,7 +6388,6 @@
               <a:rPr lang="en-US" altLang="zh-CN" sz="1200" dirty="0"/>
               <a:t>points:</a:t>
             </a:r>
-            <a:endParaRPr lang="en-US" altLang="zh-CN" sz="1200" dirty="0"/>
           </a:p>
           <a:p>
             <a:r>
@@ -6526,7 +6442,6 @@
               <a:rPr lang="en-US" altLang="zh-CN" sz="1200" dirty="0"/>
               <a:t>ymin, ymax</a:t>
             </a:r>
-            <a:endParaRPr lang="en-US" altLang="zh-CN" sz="1200" dirty="0"/>
           </a:p>
           <a:p>
             <a:r>
@@ -6589,7 +6504,6 @@
               <a:rPr lang="en-US" altLang="zh-CN" sz="1200" dirty="0"/>
               <a:t>ymin, angle</a:t>
             </a:r>
-            <a:endParaRPr lang="en-US" altLang="zh-CN" sz="1200" dirty="0"/>
           </a:p>
           <a:p>
             <a:r>
@@ -6620,7 +6534,6 @@
               <a:rPr lang="en-US" altLang="zh-CN" sz="1200" dirty="0"/>
               <a:t>[ [ x1, y1], [x2, y2 ], [x3, y3 ], ……[xn, yn ] ]</a:t>
             </a:r>
-            <a:endParaRPr lang="en-US" altLang="zh-CN" sz="1200" dirty="0"/>
           </a:p>
           <a:p>
             <a:r>
@@ -6651,7 +6564,6 @@
               <a:rPr lang="en-US" altLang="zh-CN" sz="1200" dirty="0"/>
               <a:t>[  [ x1, y1], [x2, y2 ] ]</a:t>
             </a:r>
-            <a:endParaRPr lang="en-US" altLang="zh-CN" sz="1200" dirty="0"/>
           </a:p>
         </p:txBody>
       </p:sp>
@@ -7012,14 +6924,14 @@
       </p:grpSpPr>
       <p:sp>
         <p:nvSpPr>
-          <p:cNvPr id="2" name="文本框 1"/>
+          <p:cNvPr id="4" name="文本框 3"/>
           <p:cNvSpPr txBox="1"/>
           <p:nvPr/>
         </p:nvSpPr>
         <p:spPr>
           <a:xfrm>
-            <a:off x="248129" y="234344"/>
-            <a:ext cx="4093716" cy="369332"/>
+            <a:off x="1" y="279528"/>
+            <a:ext cx="2362200" cy="369332"/>
           </a:xfrm>
           <a:prstGeom prst="rect">
             <a:avLst/>
@@ -7033,23 +6945,608 @@
           <a:lstStyle/>
           <a:p>
             <a:r>
-              <a:rPr lang="zh-CN" altLang="en-US" dirty="0"/>
-              <a:t>小图溯源管理：只支持方框导出</a:t>
-            </a:r>
-            <a:endParaRPr lang="zh-CN" altLang="en-US" dirty="0"/>
-          </a:p>
-        </p:txBody>
-      </p:sp>
-      <p:sp>
-        <p:nvSpPr>
-          <p:cNvPr id="3" name="文本框 2"/>
+              <a:rPr lang="zh-CN" altLang="en-US" dirty="0">
+                <a:solidFill>
+                  <a:srgbClr val="FF0000"/>
+                </a:solidFill>
+              </a:rPr>
+              <a:t>表名：图片大类表</a:t>
+            </a:r>
+          </a:p>
+        </p:txBody>
+      </p:sp>
+      <p:graphicFrame>
+        <p:nvGraphicFramePr>
+          <p:cNvPr id="5" name="表格 5"/>
+          <p:cNvGraphicFramePr>
+            <a:graphicFrameLocks noGrp="1"/>
+          </p:cNvGraphicFramePr>
+          <p:nvPr/>
+        </p:nvGraphicFramePr>
+        <p:xfrm>
+          <a:off x="1" y="648860"/>
+          <a:ext cx="12141201" cy="525191"/>
+        </p:xfrm>
+        <a:graphic>
+          <a:graphicData uri="http://schemas.openxmlformats.org/drawingml/2006/table">
+            <a:tbl>
+              <a:tblPr firstRow="1" bandRow="1">
+                <a:tableStyleId>{5C22544A-7EE6-4342-B048-85BDC9FD1C3A}</a:tableStyleId>
+              </a:tblPr>
+              <a:tblGrid>
+                <a:gridCol w="990600">
+                  <a:extLst>
+                    <a:ext uri="{9D8B030D-6E8A-4147-A177-3AD203B41FA5}">
+                      <a16:colId xmlns:a16="http://schemas.microsoft.com/office/drawing/2014/main" val="20000"/>
+                    </a:ext>
+                  </a:extLst>
+                </a:gridCol>
+                <a:gridCol w="609600">
+                  <a:extLst>
+                    <a:ext uri="{9D8B030D-6E8A-4147-A177-3AD203B41FA5}">
+                      <a16:colId xmlns:a16="http://schemas.microsoft.com/office/drawing/2014/main" val="20001"/>
+                    </a:ext>
+                  </a:extLst>
+                </a:gridCol>
+                <a:gridCol w="742950">
+                  <a:extLst>
+                    <a:ext uri="{9D8B030D-6E8A-4147-A177-3AD203B41FA5}">
+                      <a16:colId xmlns:a16="http://schemas.microsoft.com/office/drawing/2014/main" val="20002"/>
+                    </a:ext>
+                  </a:extLst>
+                </a:gridCol>
+                <a:gridCol w="819150">
+                  <a:extLst>
+                    <a:ext uri="{9D8B030D-6E8A-4147-A177-3AD203B41FA5}">
+                      <a16:colId xmlns:a16="http://schemas.microsoft.com/office/drawing/2014/main" val="20003"/>
+                    </a:ext>
+                  </a:extLst>
+                </a:gridCol>
+                <a:gridCol w="774700">
+                  <a:extLst>
+                    <a:ext uri="{9D8B030D-6E8A-4147-A177-3AD203B41FA5}">
+                      <a16:colId xmlns:a16="http://schemas.microsoft.com/office/drawing/2014/main" val="20004"/>
+                    </a:ext>
+                  </a:extLst>
+                </a:gridCol>
+                <a:gridCol w="641350">
+                  <a:extLst>
+                    <a:ext uri="{9D8B030D-6E8A-4147-A177-3AD203B41FA5}">
+                      <a16:colId xmlns:a16="http://schemas.microsoft.com/office/drawing/2014/main" val="20005"/>
+                    </a:ext>
+                  </a:extLst>
+                </a:gridCol>
+                <a:gridCol w="800100">
+                  <a:extLst>
+                    <a:ext uri="{9D8B030D-6E8A-4147-A177-3AD203B41FA5}">
+                      <a16:colId xmlns:a16="http://schemas.microsoft.com/office/drawing/2014/main" val="20006"/>
+                    </a:ext>
+                  </a:extLst>
+                </a:gridCol>
+                <a:gridCol w="736600">
+                  <a:extLst>
+                    <a:ext uri="{9D8B030D-6E8A-4147-A177-3AD203B41FA5}">
+                      <a16:colId xmlns:a16="http://schemas.microsoft.com/office/drawing/2014/main" val="20007"/>
+                    </a:ext>
+                  </a:extLst>
+                </a:gridCol>
+                <a:gridCol w="546100">
+                  <a:extLst>
+                    <a:ext uri="{9D8B030D-6E8A-4147-A177-3AD203B41FA5}">
+                      <a16:colId xmlns:a16="http://schemas.microsoft.com/office/drawing/2014/main" val="20008"/>
+                    </a:ext>
+                  </a:extLst>
+                </a:gridCol>
+                <a:gridCol w="571500">
+                  <a:extLst>
+                    <a:ext uri="{9D8B030D-6E8A-4147-A177-3AD203B41FA5}">
+                      <a16:colId xmlns:a16="http://schemas.microsoft.com/office/drawing/2014/main" val="20009"/>
+                    </a:ext>
+                  </a:extLst>
+                </a:gridCol>
+                <a:gridCol w="482600">
+                  <a:extLst>
+                    <a:ext uri="{9D8B030D-6E8A-4147-A177-3AD203B41FA5}">
+                      <a16:colId xmlns:a16="http://schemas.microsoft.com/office/drawing/2014/main" val="20010"/>
+                    </a:ext>
+                  </a:extLst>
+                </a:gridCol>
+                <a:gridCol w="647700">
+                  <a:extLst>
+                    <a:ext uri="{9D8B030D-6E8A-4147-A177-3AD203B41FA5}">
+                      <a16:colId xmlns:a16="http://schemas.microsoft.com/office/drawing/2014/main" val="20011"/>
+                    </a:ext>
+                  </a:extLst>
+                </a:gridCol>
+                <a:gridCol w="903091">
+                  <a:extLst>
+                    <a:ext uri="{9D8B030D-6E8A-4147-A177-3AD203B41FA5}">
+                      <a16:colId xmlns:a16="http://schemas.microsoft.com/office/drawing/2014/main" val="20012"/>
+                    </a:ext>
+                  </a:extLst>
+                </a:gridCol>
+                <a:gridCol w="718790">
+                  <a:extLst>
+                    <a:ext uri="{9D8B030D-6E8A-4147-A177-3AD203B41FA5}">
+                      <a16:colId xmlns:a16="http://schemas.microsoft.com/office/drawing/2014/main" val="20013"/>
+                    </a:ext>
+                  </a:extLst>
+                </a:gridCol>
+                <a:gridCol w="718790">
+                  <a:extLst>
+                    <a:ext uri="{9D8B030D-6E8A-4147-A177-3AD203B41FA5}">
+                      <a16:colId xmlns:a16="http://schemas.microsoft.com/office/drawing/2014/main" val="20014"/>
+                    </a:ext>
+                  </a:extLst>
+                </a:gridCol>
+                <a:gridCol w="718790">
+                  <a:extLst>
+                    <a:ext uri="{9D8B030D-6E8A-4147-A177-3AD203B41FA5}">
+                      <a16:colId xmlns:a16="http://schemas.microsoft.com/office/drawing/2014/main" val="20015"/>
+                    </a:ext>
+                  </a:extLst>
+                </a:gridCol>
+                <a:gridCol w="718790">
+                  <a:extLst>
+                    <a:ext uri="{9D8B030D-6E8A-4147-A177-3AD203B41FA5}">
+                      <a16:colId xmlns:a16="http://schemas.microsoft.com/office/drawing/2014/main" val="20016"/>
+                    </a:ext>
+                  </a:extLst>
+                </a:gridCol>
+              </a:tblGrid>
+              <a:tr h="266111">
+                <a:tc>
+                  <a:txBody>
+                    <a:bodyPr/>
+                    <a:lstStyle/>
+                    <a:p>
+                      <a:pPr algn="ctr"/>
+                      <a:r>
+                        <a:rPr lang="zh-CN" altLang="en-US" sz="1100" dirty="0"/>
+                        <a:t>唯一编码</a:t>
+                      </a:r>
+                    </a:p>
+                  </a:txBody>
+                  <a:tcPr anchor="ctr"/>
+                </a:tc>
+                <a:tc>
+                  <a:txBody>
+                    <a:bodyPr/>
+                    <a:lstStyle/>
+                    <a:p>
+                      <a:pPr algn="ctr"/>
+                      <a:r>
+                        <a:rPr lang="zh-CN" altLang="en-US" sz="1100" dirty="0"/>
+                        <a:t>输配变</a:t>
+                      </a:r>
+                    </a:p>
+                  </a:txBody>
+                  <a:tcPr anchor="ctr"/>
+                </a:tc>
+                <a:tc>
+                  <a:txBody>
+                    <a:bodyPr/>
+                    <a:lstStyle/>
+                    <a:p>
+                      <a:pPr algn="ctr"/>
+                      <a:r>
+                        <a:rPr lang="zh-CN" altLang="en-US" sz="1100" dirty="0"/>
+                        <a:t>电压等级</a:t>
+                      </a:r>
+                    </a:p>
+                  </a:txBody>
+                  <a:tcPr anchor="ctr"/>
+                </a:tc>
+                <a:tc>
+                  <a:txBody>
+                    <a:bodyPr/>
+                    <a:lstStyle/>
+                    <a:p>
+                      <a:pPr algn="ctr"/>
+                      <a:r>
+                        <a:rPr lang="zh-CN" altLang="en-US" sz="1100" dirty="0"/>
+                        <a:t>含有缺陷</a:t>
+                      </a:r>
+                    </a:p>
+                  </a:txBody>
+                  <a:tcPr anchor="ctr"/>
+                </a:tc>
+                <a:tc>
+                  <a:txBody>
+                    <a:bodyPr/>
+                    <a:lstStyle/>
+                    <a:p>
+                      <a:pPr algn="ctr"/>
+                      <a:r>
+                        <a:rPr lang="zh-CN" altLang="en-US" sz="1100" dirty="0"/>
+                        <a:t>历史遗留</a:t>
+                      </a:r>
+                    </a:p>
+                  </a:txBody>
+                  <a:tcPr anchor="ctr"/>
+                </a:tc>
+                <a:tc>
+                  <a:txBody>
+                    <a:bodyPr/>
+                    <a:lstStyle/>
+                    <a:p>
+                      <a:pPr algn="ctr"/>
+                      <a:r>
+                        <a:rPr lang="zh-CN" altLang="en-US" sz="1100" dirty="0"/>
+                        <a:t>可见光</a:t>
+                      </a:r>
+                    </a:p>
+                  </a:txBody>
+                  <a:tcPr anchor="ctr"/>
+                </a:tc>
+                <a:tc>
+                  <a:txBody>
+                    <a:bodyPr/>
+                    <a:lstStyle/>
+                    <a:p>
+                      <a:pPr algn="ctr"/>
+                      <a:r>
+                        <a:rPr lang="zh-CN" altLang="en-US" sz="1100" dirty="0"/>
+                        <a:t>裸图</a:t>
+                      </a:r>
+                    </a:p>
+                  </a:txBody>
+                  <a:tcPr anchor="ctr"/>
+                </a:tc>
+                <a:tc>
+                  <a:txBody>
+                    <a:bodyPr/>
+                    <a:lstStyle/>
+                    <a:p>
+                      <a:pPr algn="ctr"/>
+                      <a:r>
+                        <a:rPr lang="zh-CN" altLang="en-US" sz="1100" dirty="0"/>
+                        <a:t>绝缘子</a:t>
+                      </a:r>
+                    </a:p>
+                  </a:txBody>
+                  <a:tcPr anchor="ctr"/>
+                </a:tc>
+                <a:tc>
+                  <a:txBody>
+                    <a:bodyPr/>
+                    <a:lstStyle/>
+                    <a:p>
+                      <a:pPr algn="ctr"/>
+                      <a:r>
+                        <a:rPr lang="zh-CN" altLang="en-US" sz="1100" dirty="0"/>
+                        <a:t>野外</a:t>
+                      </a:r>
+                    </a:p>
+                  </a:txBody>
+                  <a:tcPr anchor="ctr"/>
+                </a:tc>
+                <a:tc>
+                  <a:txBody>
+                    <a:bodyPr/>
+                    <a:lstStyle/>
+                    <a:p>
+                      <a:pPr algn="ctr"/>
+                      <a:r>
+                        <a:rPr lang="zh-CN" altLang="en-US" sz="1100" dirty="0"/>
+                        <a:t>金具</a:t>
+                      </a:r>
+                    </a:p>
+                  </a:txBody>
+                  <a:tcPr anchor="ctr"/>
+                </a:tc>
+                <a:tc>
+                  <a:txBody>
+                    <a:bodyPr/>
+                    <a:lstStyle/>
+                    <a:p>
+                      <a:pPr algn="ctr"/>
+                      <a:r>
+                        <a:rPr lang="zh-CN" altLang="en-US" sz="1100" dirty="0"/>
+                        <a:t>导线</a:t>
+                      </a:r>
+                    </a:p>
+                  </a:txBody>
+                  <a:tcPr anchor="ctr"/>
+                </a:tc>
+                <a:tc>
+                  <a:txBody>
+                    <a:bodyPr/>
+                    <a:lstStyle/>
+                    <a:p>
+                      <a:pPr algn="ctr"/>
+                      <a:r>
+                        <a:rPr lang="zh-CN" altLang="en-US" sz="1100" dirty="0"/>
+                        <a:t>安检</a:t>
+                      </a:r>
+                    </a:p>
+                  </a:txBody>
+                  <a:tcPr anchor="ctr"/>
+                </a:tc>
+                <a:tc>
+                  <a:txBody>
+                    <a:bodyPr/>
+                    <a:lstStyle/>
+                    <a:p>
+                      <a:pPr algn="ctr"/>
+                      <a:r>
+                        <a:rPr lang="zh-CN" altLang="en-US" sz="1100" dirty="0"/>
+                        <a:t>附属设施</a:t>
+                      </a:r>
+                    </a:p>
+                  </a:txBody>
+                  <a:tcPr anchor="ctr"/>
+                </a:tc>
+                <a:tc>
+                  <a:txBody>
+                    <a:bodyPr/>
+                    <a:lstStyle/>
+                    <a:p>
+                      <a:pPr algn="ctr"/>
+                      <a:r>
+                        <a:rPr lang="zh-CN" altLang="en-US" sz="1100" dirty="0"/>
+                        <a:t>人体</a:t>
+                      </a:r>
+                    </a:p>
+                  </a:txBody>
+                  <a:tcPr anchor="ctr"/>
+                </a:tc>
+                <a:tc>
+                  <a:txBody>
+                    <a:bodyPr/>
+                    <a:lstStyle/>
+                    <a:p>
+                      <a:pPr algn="ctr"/>
+                      <a:r>
+                        <a:rPr lang="zh-CN" altLang="en-US" sz="1100" dirty="0"/>
+                        <a:t>塔基</a:t>
+                      </a:r>
+                    </a:p>
+                  </a:txBody>
+                  <a:tcPr anchor="ctr"/>
+                </a:tc>
+                <a:tc>
+                  <a:txBody>
+                    <a:bodyPr/>
+                    <a:lstStyle/>
+                    <a:p>
+                      <a:pPr algn="ctr"/>
+                      <a:r>
+                        <a:rPr lang="zh-CN" altLang="en-US" sz="1100" dirty="0"/>
+                        <a:t>异物</a:t>
+                      </a:r>
+                    </a:p>
+                  </a:txBody>
+                  <a:tcPr anchor="ctr"/>
+                </a:tc>
+                <a:tc>
+                  <a:txBody>
+                    <a:bodyPr/>
+                    <a:lstStyle/>
+                    <a:p>
+                      <a:pPr algn="ctr"/>
+                      <a:r>
+                        <a:rPr lang="zh-CN" altLang="en-US" sz="1100" dirty="0"/>
+                        <a:t>其他</a:t>
+                      </a:r>
+                    </a:p>
+                  </a:txBody>
+                  <a:tcPr anchor="ctr"/>
+                </a:tc>
+                <a:extLst>
+                  <a:ext uri="{0D108BD9-81ED-4DB2-BD59-A6C34878D82A}">
+                    <a16:rowId xmlns:a16="http://schemas.microsoft.com/office/drawing/2014/main" val="10000"/>
+                  </a:ext>
+                </a:extLst>
+              </a:tr>
+              <a:tr h="0">
+                <a:tc>
+                  <a:txBody>
+                    <a:bodyPr/>
+                    <a:lstStyle/>
+                    <a:p>
+                      <a:pPr algn="ctr"/>
+                      <a:endParaRPr lang="zh-CN" altLang="en-US" sz="1100" dirty="0"/>
+                    </a:p>
+                  </a:txBody>
+                  <a:tcPr anchor="ctr"/>
+                </a:tc>
+                <a:tc>
+                  <a:txBody>
+                    <a:bodyPr/>
+                    <a:lstStyle/>
+                    <a:p>
+                      <a:pPr algn="ctr"/>
+                      <a:endParaRPr lang="zh-CN" altLang="en-US" sz="1100" dirty="0"/>
+                    </a:p>
+                  </a:txBody>
+                  <a:tcPr anchor="ctr"/>
+                </a:tc>
+                <a:tc>
+                  <a:txBody>
+                    <a:bodyPr/>
+                    <a:lstStyle/>
+                    <a:p>
+                      <a:pPr algn="ctr"/>
+                      <a:endParaRPr lang="zh-CN" altLang="en-US" sz="1100" dirty="0"/>
+                    </a:p>
+                  </a:txBody>
+                  <a:tcPr anchor="ctr"/>
+                </a:tc>
+                <a:tc>
+                  <a:txBody>
+                    <a:bodyPr/>
+                    <a:lstStyle/>
+                    <a:p>
+                      <a:pPr algn="ctr"/>
+                      <a:endParaRPr lang="zh-CN" altLang="en-US" sz="1100" dirty="0"/>
+                    </a:p>
+                  </a:txBody>
+                  <a:tcPr anchor="ctr"/>
+                </a:tc>
+                <a:tc>
+                  <a:txBody>
+                    <a:bodyPr/>
+                    <a:lstStyle/>
+                    <a:p>
+                      <a:pPr algn="ctr"/>
+                      <a:endParaRPr lang="zh-CN" altLang="en-US" sz="1100" dirty="0"/>
+                    </a:p>
+                  </a:txBody>
+                  <a:tcPr anchor="ctr"/>
+                </a:tc>
+                <a:tc>
+                  <a:txBody>
+                    <a:bodyPr/>
+                    <a:lstStyle/>
+                    <a:p>
+                      <a:pPr algn="ctr"/>
+                      <a:endParaRPr lang="zh-CN" altLang="en-US" sz="1100" dirty="0"/>
+                    </a:p>
+                  </a:txBody>
+                  <a:tcPr anchor="ctr"/>
+                </a:tc>
+                <a:tc>
+                  <a:txBody>
+                    <a:bodyPr/>
+                    <a:lstStyle/>
+                    <a:p>
+                      <a:pPr algn="ctr"/>
+                      <a:endParaRPr lang="zh-CN" altLang="en-US" sz="1100" dirty="0"/>
+                    </a:p>
+                  </a:txBody>
+                  <a:tcPr anchor="ctr"/>
+                </a:tc>
+                <a:tc>
+                  <a:txBody>
+                    <a:bodyPr/>
+                    <a:lstStyle/>
+                    <a:p>
+                      <a:pPr algn="ctr"/>
+                      <a:endParaRPr lang="zh-CN" altLang="en-US" sz="1100" dirty="0"/>
+                    </a:p>
+                  </a:txBody>
+                  <a:tcPr anchor="ctr"/>
+                </a:tc>
+                <a:tc>
+                  <a:txBody>
+                    <a:bodyPr/>
+                    <a:lstStyle/>
+                    <a:p>
+                      <a:pPr algn="ctr"/>
+                      <a:endParaRPr lang="zh-CN" altLang="en-US" sz="1100" dirty="0"/>
+                    </a:p>
+                  </a:txBody>
+                  <a:tcPr anchor="ctr"/>
+                </a:tc>
+                <a:tc>
+                  <a:txBody>
+                    <a:bodyPr/>
+                    <a:lstStyle/>
+                    <a:p>
+                      <a:pPr algn="ctr"/>
+                      <a:endParaRPr lang="zh-CN" altLang="en-US" sz="1100" dirty="0"/>
+                    </a:p>
+                  </a:txBody>
+                  <a:tcPr anchor="ctr"/>
+                </a:tc>
+                <a:tc>
+                  <a:txBody>
+                    <a:bodyPr/>
+                    <a:lstStyle/>
+                    <a:p>
+                      <a:pPr algn="ctr"/>
+                      <a:endParaRPr lang="zh-CN" altLang="en-US" sz="1100" dirty="0"/>
+                    </a:p>
+                  </a:txBody>
+                  <a:tcPr anchor="ctr"/>
+                </a:tc>
+                <a:tc>
+                  <a:txBody>
+                    <a:bodyPr/>
+                    <a:lstStyle/>
+                    <a:p>
+                      <a:pPr algn="ctr"/>
+                      <a:endParaRPr lang="zh-CN" altLang="en-US" sz="1100" dirty="0"/>
+                    </a:p>
+                  </a:txBody>
+                  <a:tcPr anchor="ctr"/>
+                </a:tc>
+                <a:tc>
+                  <a:txBody>
+                    <a:bodyPr/>
+                    <a:lstStyle/>
+                    <a:p>
+                      <a:pPr algn="ctr"/>
+                      <a:endParaRPr lang="zh-CN" altLang="en-US" sz="1100" dirty="0"/>
+                    </a:p>
+                  </a:txBody>
+                  <a:tcPr anchor="ctr"/>
+                </a:tc>
+                <a:tc>
+                  <a:txBody>
+                    <a:bodyPr/>
+                    <a:lstStyle/>
+                    <a:p>
+                      <a:pPr algn="ctr"/>
+                      <a:endParaRPr lang="zh-CN" altLang="en-US" sz="1100" dirty="0"/>
+                    </a:p>
+                  </a:txBody>
+                  <a:tcPr anchor="ctr"/>
+                </a:tc>
+                <a:tc>
+                  <a:txBody>
+                    <a:bodyPr/>
+                    <a:lstStyle/>
+                    <a:p>
+                      <a:pPr algn="ctr"/>
+                      <a:endParaRPr lang="zh-CN" altLang="en-US" sz="1100" dirty="0"/>
+                    </a:p>
+                  </a:txBody>
+                  <a:tcPr anchor="ctr"/>
+                </a:tc>
+                <a:tc>
+                  <a:txBody>
+                    <a:bodyPr/>
+                    <a:lstStyle/>
+                    <a:p>
+                      <a:pPr algn="ctr"/>
+                      <a:endParaRPr lang="zh-CN" altLang="en-US" sz="1100" dirty="0"/>
+                    </a:p>
+                  </a:txBody>
+                  <a:tcPr anchor="ctr"/>
+                </a:tc>
+                <a:tc>
+                  <a:txBody>
+                    <a:bodyPr/>
+                    <a:lstStyle/>
+                    <a:p>
+                      <a:pPr algn="ctr"/>
+                      <a:endParaRPr lang="en-US" altLang="zh-CN" sz="1100" dirty="0"/>
+                    </a:p>
+                  </a:txBody>
+                  <a:tcPr anchor="ctr"/>
+                </a:tc>
+                <a:extLst>
+                  <a:ext uri="{0D108BD9-81ED-4DB2-BD59-A6C34878D82A}">
+                    <a16:rowId xmlns:a16="http://schemas.microsoft.com/office/drawing/2014/main" val="10001"/>
+                  </a:ext>
+                </a:extLst>
+              </a:tr>
+            </a:tbl>
+          </a:graphicData>
+        </a:graphic>
+      </p:graphicFrame>
+      <p:sp>
+        <p:nvSpPr>
+          <p:cNvPr id="6" name="文本框 5"/>
           <p:cNvSpPr txBox="1"/>
           <p:nvPr/>
         </p:nvSpPr>
         <p:spPr>
           <a:xfrm>
-            <a:off x="248129" y="732506"/>
-            <a:ext cx="5400354" cy="646331"/>
+            <a:off x="1" y="1251980"/>
+            <a:ext cx="2094655" cy="369332"/>
           </a:xfrm>
           <a:prstGeom prst="rect">
             <a:avLst/>
@@ -7063,46 +7560,389 @@
           <a:lstStyle/>
           <a:p>
             <a:r>
-              <a:rPr lang="en-US" altLang="zh-CN" dirty="0"/>
-              <a:t>json</a:t>
-            </a:r>
-            <a:r>
-              <a:rPr lang="zh-CN" altLang="en-US" dirty="0"/>
-              <a:t>记录方式：</a:t>
-            </a:r>
-            <a:endParaRPr lang="en-US" altLang="zh-CN" dirty="0"/>
-          </a:p>
-          <a:p>
-            <a:r>
-              <a:rPr lang="en-US" altLang="zh-CN" dirty="0"/>
-              <a:t>Object  number</a:t>
-            </a:r>
-            <a:r>
-              <a:rPr lang="zh-CN" altLang="en-US" dirty="0"/>
-              <a:t>键值对：记录小图的编号，从</a:t>
-            </a:r>
-            <a:r>
-              <a:rPr lang="en-US" altLang="zh-CN" dirty="0"/>
-              <a:t>1</a:t>
-            </a:r>
-            <a:r>
-              <a:rPr lang="zh-CN" altLang="en-US" dirty="0"/>
-              <a:t>开始</a:t>
-            </a:r>
-            <a:endParaRPr lang="zh-CN" altLang="en-US" dirty="0"/>
-          </a:p>
-        </p:txBody>
-      </p:sp>
-      <p:sp>
-        <p:nvSpPr>
-          <p:cNvPr id="4" name="文本框 3"/>
+              <a:rPr lang="zh-CN" altLang="en-US" dirty="0">
+                <a:solidFill>
+                  <a:srgbClr val="FF0000"/>
+                </a:solidFill>
+              </a:rPr>
+              <a:t>表名：其他信息表</a:t>
+            </a:r>
+          </a:p>
+        </p:txBody>
+      </p:sp>
+      <p:graphicFrame>
+        <p:nvGraphicFramePr>
+          <p:cNvPr id="8" name="表格 5"/>
+          <p:cNvGraphicFramePr>
+            <a:graphicFrameLocks noGrp="1"/>
+          </p:cNvGraphicFramePr>
+          <p:nvPr/>
+        </p:nvGraphicFramePr>
+        <p:xfrm>
+          <a:off x="-2" y="1601662"/>
+          <a:ext cx="7165911" cy="525191"/>
+        </p:xfrm>
+        <a:graphic>
+          <a:graphicData uri="http://schemas.openxmlformats.org/drawingml/2006/table">
+            <a:tbl>
+              <a:tblPr firstRow="1" bandRow="1">
+                <a:tableStyleId>{5C22544A-7EE6-4342-B048-85BDC9FD1C3A}</a:tableStyleId>
+              </a:tblPr>
+              <a:tblGrid>
+                <a:gridCol w="1101364">
+                  <a:extLst>
+                    <a:ext uri="{9D8B030D-6E8A-4147-A177-3AD203B41FA5}">
+                      <a16:colId xmlns:a16="http://schemas.microsoft.com/office/drawing/2014/main" val="20000"/>
+                    </a:ext>
+                  </a:extLst>
+                </a:gridCol>
+                <a:gridCol w="910743">
+                  <a:extLst>
+                    <a:ext uri="{9D8B030D-6E8A-4147-A177-3AD203B41FA5}">
+                      <a16:colId xmlns:a16="http://schemas.microsoft.com/office/drawing/2014/main" val="20001"/>
+                    </a:ext>
+                  </a:extLst>
+                </a:gridCol>
+                <a:gridCol w="593039">
+                  <a:extLst>
+                    <a:ext uri="{9D8B030D-6E8A-4147-A177-3AD203B41FA5}">
+                      <a16:colId xmlns:a16="http://schemas.microsoft.com/office/drawing/2014/main" val="20002"/>
+                    </a:ext>
+                  </a:extLst>
+                </a:gridCol>
+                <a:gridCol w="593039">
+                  <a:extLst>
+                    <a:ext uri="{9D8B030D-6E8A-4147-A177-3AD203B41FA5}">
+                      <a16:colId xmlns:a16="http://schemas.microsoft.com/office/drawing/2014/main" val="20003"/>
+                    </a:ext>
+                  </a:extLst>
+                </a:gridCol>
+                <a:gridCol w="593039">
+                  <a:extLst>
+                    <a:ext uri="{9D8B030D-6E8A-4147-A177-3AD203B41FA5}">
+                      <a16:colId xmlns:a16="http://schemas.microsoft.com/office/drawing/2014/main" val="20004"/>
+                    </a:ext>
+                  </a:extLst>
+                </a:gridCol>
+                <a:gridCol w="748362">
+                  <a:extLst>
+                    <a:ext uri="{9D8B030D-6E8A-4147-A177-3AD203B41FA5}">
+                      <a16:colId xmlns:a16="http://schemas.microsoft.com/office/drawing/2014/main" val="20005"/>
+                    </a:ext>
+                  </a:extLst>
+                </a:gridCol>
+                <a:gridCol w="762480">
+                  <a:extLst>
+                    <a:ext uri="{9D8B030D-6E8A-4147-A177-3AD203B41FA5}">
+                      <a16:colId xmlns:a16="http://schemas.microsoft.com/office/drawing/2014/main" val="20006"/>
+                    </a:ext>
+                  </a:extLst>
+                </a:gridCol>
+                <a:gridCol w="899683">
+                  <a:extLst>
+                    <a:ext uri="{9D8B030D-6E8A-4147-A177-3AD203B41FA5}">
+                      <a16:colId xmlns:a16="http://schemas.microsoft.com/office/drawing/2014/main" val="20007"/>
+                    </a:ext>
+                  </a:extLst>
+                </a:gridCol>
+                <a:gridCol w="964162">
+                  <a:extLst>
+                    <a:ext uri="{9D8B030D-6E8A-4147-A177-3AD203B41FA5}">
+                      <a16:colId xmlns:a16="http://schemas.microsoft.com/office/drawing/2014/main" val="20008"/>
+                    </a:ext>
+                  </a:extLst>
+                </a:gridCol>
+              </a:tblGrid>
+              <a:tr h="266111">
+                <a:tc>
+                  <a:txBody>
+                    <a:bodyPr/>
+                    <a:lstStyle/>
+                    <a:p>
+                      <a:pPr algn="ctr"/>
+                      <a:r>
+                        <a:rPr lang="zh-CN" altLang="en-US" sz="1100" dirty="0"/>
+                        <a:t>唯一编码</a:t>
+                      </a:r>
+                    </a:p>
+                  </a:txBody>
+                  <a:tcPr anchor="ctr"/>
+                </a:tc>
+                <a:tc>
+                  <a:txBody>
+                    <a:bodyPr/>
+                    <a:lstStyle/>
+                    <a:p>
+                      <a:pPr algn="ctr"/>
+                      <a:r>
+                        <a:rPr lang="zh-CN" altLang="en-US" sz="1100" dirty="0"/>
+                        <a:t>原名</a:t>
+                      </a:r>
+                    </a:p>
+                  </a:txBody>
+                  <a:tcPr anchor="ctr"/>
+                </a:tc>
+                <a:tc>
+                  <a:txBody>
+                    <a:bodyPr/>
+                    <a:lstStyle/>
+                    <a:p>
+                      <a:pPr algn="ctr"/>
+                      <a:r>
+                        <a:rPr lang="zh-CN" altLang="en-US" sz="1100" dirty="0"/>
+                        <a:t>宽</a:t>
+                      </a:r>
+                    </a:p>
+                  </a:txBody>
+                  <a:tcPr anchor="ctr"/>
+                </a:tc>
+                <a:tc>
+                  <a:txBody>
+                    <a:bodyPr/>
+                    <a:lstStyle/>
+                    <a:p>
+                      <a:pPr algn="ctr"/>
+                      <a:r>
+                        <a:rPr lang="zh-CN" altLang="en-US" sz="1100" dirty="0"/>
+                        <a:t>高</a:t>
+                      </a:r>
+                    </a:p>
+                  </a:txBody>
+                  <a:tcPr anchor="ctr"/>
+                </a:tc>
+                <a:tc>
+                  <a:txBody>
+                    <a:bodyPr/>
+                    <a:lstStyle/>
+                    <a:p>
+                      <a:pPr algn="ctr"/>
+                      <a:r>
+                        <a:rPr lang="en-US" altLang="zh-CN" sz="1100" dirty="0"/>
+                        <a:t>md5</a:t>
+                      </a:r>
+                      <a:endParaRPr lang="zh-CN" altLang="en-US" sz="1100" dirty="0"/>
+                    </a:p>
+                  </a:txBody>
+                  <a:tcPr anchor="ctr"/>
+                </a:tc>
+                <a:tc>
+                  <a:txBody>
+                    <a:bodyPr/>
+                    <a:lstStyle/>
+                    <a:p>
+                      <a:pPr algn="ctr"/>
+                      <a:r>
+                        <a:rPr lang="zh-CN" altLang="en-US" sz="1100" dirty="0"/>
+                        <a:t>分割标注</a:t>
+                      </a:r>
+                    </a:p>
+                  </a:txBody>
+                  <a:tcPr anchor="ctr"/>
+                </a:tc>
+                <a:tc>
+                  <a:txBody>
+                    <a:bodyPr/>
+                    <a:lstStyle/>
+                    <a:p>
+                      <a:pPr algn="ctr"/>
+                      <a:r>
+                        <a:rPr lang="zh-CN" altLang="en-US" sz="1100" dirty="0"/>
+                        <a:t>斜框标注</a:t>
+                      </a:r>
+                    </a:p>
+                  </a:txBody>
+                  <a:tcPr anchor="ctr"/>
+                </a:tc>
+                <a:tc>
+                  <a:txBody>
+                    <a:bodyPr/>
+                    <a:lstStyle/>
+                    <a:p>
+                      <a:pPr algn="ctr"/>
+                      <a:r>
+                        <a:rPr lang="zh-CN" altLang="en-US" sz="1100" dirty="0"/>
+                        <a:t>点线标注</a:t>
+                      </a:r>
+                    </a:p>
+                  </a:txBody>
+                  <a:tcPr anchor="ctr"/>
+                </a:tc>
+                <a:tc>
+                  <a:txBody>
+                    <a:bodyPr/>
+                    <a:lstStyle/>
+                    <a:p>
+                      <a:pPr algn="ctr"/>
+                      <a:r>
+                        <a:rPr lang="zh-CN" altLang="en-US" sz="1100" dirty="0"/>
+                        <a:t>训练信息</a:t>
+                      </a:r>
+                    </a:p>
+                  </a:txBody>
+                  <a:tcPr anchor="ctr"/>
+                </a:tc>
+                <a:extLst>
+                  <a:ext uri="{0D108BD9-81ED-4DB2-BD59-A6C34878D82A}">
+                    <a16:rowId xmlns:a16="http://schemas.microsoft.com/office/drawing/2014/main" val="10000"/>
+                  </a:ext>
+                </a:extLst>
+              </a:tr>
+              <a:tr h="0">
+                <a:tc>
+                  <a:txBody>
+                    <a:bodyPr/>
+                    <a:lstStyle/>
+                    <a:p>
+                      <a:pPr algn="ctr"/>
+                      <a:r>
+                        <a:rPr lang="en-US" altLang="zh-CN" sz="1100" dirty="0" err="1"/>
+                        <a:t>asdfghj</a:t>
+                      </a:r>
+                      <a:endParaRPr lang="zh-CN" altLang="en-US" sz="1100" dirty="0"/>
+                    </a:p>
+                  </a:txBody>
+                  <a:tcPr anchor="ctr"/>
+                </a:tc>
+                <a:tc>
+                  <a:txBody>
+                    <a:bodyPr/>
+                    <a:lstStyle/>
+                    <a:p>
+                      <a:pPr algn="ctr"/>
+                      <a:r>
+                        <a:rPr lang="en-US" altLang="zh-CN" sz="1100" dirty="0"/>
+                        <a:t>DJ_123456</a:t>
+                      </a:r>
+                      <a:endParaRPr lang="zh-CN" altLang="en-US" sz="1100" dirty="0"/>
+                    </a:p>
+                  </a:txBody>
+                  <a:tcPr anchor="ctr"/>
+                </a:tc>
+                <a:tc>
+                  <a:txBody>
+                    <a:bodyPr/>
+                    <a:lstStyle/>
+                    <a:p>
+                      <a:pPr algn="ctr"/>
+                      <a:r>
+                        <a:rPr lang="en-US" altLang="zh-CN" sz="1100" dirty="0"/>
+                        <a:t>100</a:t>
+                      </a:r>
+                      <a:endParaRPr lang="zh-CN" altLang="en-US" sz="1100" dirty="0"/>
+                    </a:p>
+                  </a:txBody>
+                  <a:tcPr anchor="ctr"/>
+                </a:tc>
+                <a:tc>
+                  <a:txBody>
+                    <a:bodyPr/>
+                    <a:lstStyle/>
+                    <a:p>
+                      <a:pPr algn="ctr"/>
+                      <a:r>
+                        <a:rPr lang="en-US" altLang="zh-CN" sz="1100" dirty="0"/>
+                        <a:t>100</a:t>
+                      </a:r>
+                      <a:endParaRPr lang="zh-CN" altLang="en-US" sz="1100" dirty="0"/>
+                    </a:p>
+                  </a:txBody>
+                  <a:tcPr anchor="ctr"/>
+                </a:tc>
+                <a:tc>
+                  <a:txBody>
+                    <a:bodyPr/>
+                    <a:lstStyle/>
+                    <a:p>
+                      <a:pPr algn="ctr"/>
+                      <a:r>
+                        <a:rPr lang="en-US" altLang="zh-CN" sz="1100" dirty="0" err="1"/>
+                        <a:t>sdgsj</a:t>
+                      </a:r>
+                      <a:endParaRPr lang="zh-CN" altLang="en-US" sz="1100" dirty="0"/>
+                    </a:p>
+                  </a:txBody>
+                  <a:tcPr anchor="ctr"/>
+                </a:tc>
+                <a:tc>
+                  <a:txBody>
+                    <a:bodyPr/>
+                    <a:lstStyle/>
+                    <a:p>
+                      <a:pPr algn="ctr"/>
+                      <a:r>
+                        <a:rPr lang="en-US" altLang="zh-CN" sz="1100" dirty="0"/>
+                        <a:t>0</a:t>
+                      </a:r>
+                      <a:endParaRPr lang="zh-CN" altLang="en-US" sz="1100" dirty="0"/>
+                    </a:p>
+                  </a:txBody>
+                  <a:tcPr anchor="ctr"/>
+                </a:tc>
+                <a:tc>
+                  <a:txBody>
+                    <a:bodyPr/>
+                    <a:lstStyle/>
+                    <a:p>
+                      <a:pPr algn="ctr"/>
+                      <a:r>
+                        <a:rPr lang="en-US" altLang="zh-CN" sz="1100" dirty="0"/>
+                        <a:t>0</a:t>
+                      </a:r>
+                      <a:endParaRPr lang="zh-CN" altLang="en-US" sz="1100" dirty="0"/>
+                    </a:p>
+                  </a:txBody>
+                  <a:tcPr anchor="ctr"/>
+                </a:tc>
+                <a:tc>
+                  <a:txBody>
+                    <a:bodyPr/>
+                    <a:lstStyle/>
+                    <a:p>
+                      <a:pPr algn="ctr"/>
+                      <a:r>
+                        <a:rPr lang="en-US" altLang="zh-CN" sz="1100" dirty="0"/>
+                        <a:t>0</a:t>
+                      </a:r>
+                      <a:endParaRPr lang="zh-CN" altLang="en-US" sz="1100" dirty="0"/>
+                    </a:p>
+                  </a:txBody>
+                  <a:tcPr anchor="ctr"/>
+                </a:tc>
+                <a:tc>
+                  <a:txBody>
+                    <a:bodyPr/>
+                    <a:lstStyle/>
+                    <a:p>
+                      <a:pPr algn="ctr"/>
+                      <a:r>
+                        <a:rPr lang="en-US" altLang="zh-CN" sz="1100" dirty="0"/>
+                        <a:t>V1.1.1</a:t>
+                      </a:r>
+                      <a:endParaRPr lang="zh-CN" altLang="en-US" sz="1100" dirty="0"/>
+                    </a:p>
+                  </a:txBody>
+                  <a:tcPr anchor="ctr"/>
+                </a:tc>
+                <a:extLst>
+                  <a:ext uri="{0D108BD9-81ED-4DB2-BD59-A6C34878D82A}">
+                    <a16:rowId xmlns:a16="http://schemas.microsoft.com/office/drawing/2014/main" val="10001"/>
+                  </a:ext>
+                </a:extLst>
+              </a:tr>
+            </a:tbl>
+          </a:graphicData>
+        </a:graphic>
+      </p:graphicFrame>
+      <p:sp>
+        <p:nvSpPr>
+          <p:cNvPr id="13" name="文本框 12"/>
           <p:cNvSpPr txBox="1"/>
           <p:nvPr/>
         </p:nvSpPr>
         <p:spPr>
           <a:xfrm>
-            <a:off x="248129" y="1378837"/>
-            <a:ext cx="5400354" cy="369332"/>
+            <a:off x="34922" y="3854117"/>
+            <a:ext cx="2362200" cy="369332"/>
           </a:xfrm>
           <a:prstGeom prst="rect">
             <a:avLst/>
@@ -7116,23 +7956,57 @@
           <a:lstStyle/>
           <a:p>
             <a:r>
-              <a:rPr lang="zh-CN" altLang="en-US" dirty="0"/>
-              <a:t>小图导出命名格式：唯一索引，坐标，标签</a:t>
-            </a:r>
-            <a:endParaRPr lang="zh-CN" altLang="en-US" dirty="0"/>
-          </a:p>
-        </p:txBody>
-      </p:sp>
-      <p:sp>
-        <p:nvSpPr>
-          <p:cNvPr id="5" name="文本框 4"/>
+              <a:rPr lang="zh-CN" altLang="en-US" dirty="0">
+                <a:solidFill>
+                  <a:srgbClr val="FF0000"/>
+                </a:solidFill>
+              </a:rPr>
+              <a:t>表名：绝缘子标注表</a:t>
+            </a:r>
+          </a:p>
+        </p:txBody>
+      </p:sp>
+      <p:cxnSp>
+        <p:nvCxnSpPr>
+          <p:cNvPr id="15" name="直接连接符 14"/>
+          <p:cNvCxnSpPr/>
+          <p:nvPr/>
+        </p:nvCxnSpPr>
+        <p:spPr>
+          <a:xfrm flipV="1">
+            <a:off x="34922" y="3834299"/>
+            <a:ext cx="12122156" cy="19818"/>
+          </a:xfrm>
+          <a:prstGeom prst="line">
+            <a:avLst/>
+          </a:prstGeom>
+          <a:ln w="38100"/>
+        </p:spPr>
+        <p:style>
+          <a:lnRef idx="1">
+            <a:schemeClr val="accent1"/>
+          </a:lnRef>
+          <a:fillRef idx="0">
+            <a:schemeClr val="accent1"/>
+          </a:fillRef>
+          <a:effectRef idx="0">
+            <a:schemeClr val="accent1"/>
+          </a:effectRef>
+          <a:fontRef idx="minor">
+            <a:schemeClr val="tx1"/>
+          </a:fontRef>
+        </p:style>
+      </p:cxnSp>
+      <p:sp>
+        <p:nvSpPr>
+          <p:cNvPr id="16" name="文本框 15"/>
           <p:cNvSpPr txBox="1"/>
           <p:nvPr/>
         </p:nvSpPr>
         <p:spPr>
           <a:xfrm>
-            <a:off x="248129" y="3004457"/>
-            <a:ext cx="5400354" cy="1477328"/>
+            <a:off x="15875" y="3484784"/>
+            <a:ext cx="1346200" cy="923330"/>
           </a:xfrm>
           <a:prstGeom prst="rect">
             <a:avLst/>
@@ -7147,74 +8021,2082 @@
           <a:p>
             <a:r>
               <a:rPr lang="zh-CN" altLang="en-US" dirty="0"/>
-              <a:t>已导出数据集管理：</a:t>
-            </a:r>
-            <a:endParaRPr lang="en-US" altLang="zh-CN" dirty="0"/>
-          </a:p>
-          <a:p>
-            <a:endParaRPr lang="en-US" altLang="zh-CN" dirty="0"/>
-          </a:p>
-          <a:p>
-            <a:r>
-              <a:rPr lang="zh-CN" altLang="en-US" dirty="0"/>
-              <a:t>已导出数据集生成一个</a:t>
-            </a:r>
-            <a:r>
-              <a:rPr lang="en-US" altLang="zh-CN" dirty="0"/>
-              <a:t>txt</a:t>
-            </a:r>
-            <a:r>
-              <a:rPr lang="zh-CN" altLang="en-US" dirty="0"/>
-              <a:t>文件，记录在数据库中。</a:t>
-            </a:r>
-            <a:endParaRPr lang="en-US" altLang="zh-CN" dirty="0"/>
-          </a:p>
-          <a:p>
-            <a:r>
-              <a:rPr lang="zh-CN" altLang="en-US" dirty="0"/>
-              <a:t>命名为：工程版本号（若有）或用途</a:t>
-            </a:r>
-            <a:endParaRPr lang="en-US" altLang="zh-CN" dirty="0"/>
-          </a:p>
-          <a:p>
-            <a:r>
-              <a:rPr lang="zh-CN" altLang="en-US" dirty="0"/>
-              <a:t>内容为所有图片的索引列表。</a:t>
-            </a:r>
+              <a:t>图片小类表</a:t>
+            </a:r>
+            <a:r>
+              <a:rPr lang="zh-CN" altLang="zh-CN" b="1" dirty="0">
+                <a:solidFill>
+                  <a:srgbClr val="FFFFFF"/>
+                </a:solidFill>
+                <a:latin typeface="等线" panose="02010600030101010101" pitchFamily="2" charset="-122"/>
+              </a:rPr>
+              <a:t>部件</a:t>
+            </a:r>
+            <a:endParaRPr lang="zh-CN" altLang="zh-CN" dirty="0">
+              <a:latin typeface="Arial" panose="020B0604020202020204" pitchFamily="34" charset="0"/>
+            </a:endParaRPr>
+          </a:p>
+          <a:p>
             <a:endParaRPr lang="zh-CN" altLang="en-US" dirty="0"/>
           </a:p>
         </p:txBody>
       </p:sp>
-      <p:pic>
-        <p:nvPicPr>
-          <p:cNvPr id="7" name="图片 6"/>
-          <p:cNvPicPr>
-            <a:picLocks noChangeAspect="1"/>
-          </p:cNvPicPr>
+      <p:graphicFrame>
+        <p:nvGraphicFramePr>
+          <p:cNvPr id="18" name="表格 5"/>
+          <p:cNvGraphicFramePr>
+            <a:graphicFrameLocks noGrp="1"/>
+          </p:cNvGraphicFramePr>
           <p:nvPr/>
-        </p:nvPicPr>
-        <p:blipFill>
-          <a:blip r:embed="rId1">
-            <a:extLst>
-              <a:ext uri="{28A0092B-C50C-407E-A947-70E740481C1C}">
-                <a14:useLocalDpi xmlns:a14="http://schemas.microsoft.com/office/drawing/2010/main" val="0"/>
-              </a:ext>
-            </a:extLst>
-          </a:blip>
-          <a:stretch>
-            <a:fillRect/>
-          </a:stretch>
-        </p:blipFill>
+        </p:nvGraphicFramePr>
+        <p:xfrm>
+          <a:off x="41271" y="4190176"/>
+          <a:ext cx="9922802" cy="396240"/>
+        </p:xfrm>
+        <a:graphic>
+          <a:graphicData uri="http://schemas.openxmlformats.org/drawingml/2006/table">
+            <a:tbl>
+              <a:tblPr firstRow="1" bandRow="1">
+                <a:tableStyleId>{5C22544A-7EE6-4342-B048-85BDC9FD1C3A}</a:tableStyleId>
+              </a:tblPr>
+              <a:tblGrid>
+                <a:gridCol w="564568">
+                  <a:extLst>
+                    <a:ext uri="{9D8B030D-6E8A-4147-A177-3AD203B41FA5}">
+                      <a16:colId xmlns:a16="http://schemas.microsoft.com/office/drawing/2014/main" val="20000"/>
+                    </a:ext>
+                  </a:extLst>
+                </a:gridCol>
+                <a:gridCol w="680377">
+                  <a:extLst>
+                    <a:ext uri="{9D8B030D-6E8A-4147-A177-3AD203B41FA5}">
+                      <a16:colId xmlns:a16="http://schemas.microsoft.com/office/drawing/2014/main" val="20001"/>
+                    </a:ext>
+                  </a:extLst>
+                </a:gridCol>
+                <a:gridCol w="698715">
+                  <a:extLst>
+                    <a:ext uri="{9D8B030D-6E8A-4147-A177-3AD203B41FA5}">
+                      <a16:colId xmlns:a16="http://schemas.microsoft.com/office/drawing/2014/main" val="20002"/>
+                    </a:ext>
+                  </a:extLst>
+                </a:gridCol>
+                <a:gridCol w="715118">
+                  <a:extLst>
+                    <a:ext uri="{9D8B030D-6E8A-4147-A177-3AD203B41FA5}">
+                      <a16:colId xmlns:a16="http://schemas.microsoft.com/office/drawing/2014/main" val="20003"/>
+                    </a:ext>
+                  </a:extLst>
+                </a:gridCol>
+                <a:gridCol w="482536">
+                  <a:extLst>
+                    <a:ext uri="{9D8B030D-6E8A-4147-A177-3AD203B41FA5}">
+                      <a16:colId xmlns:a16="http://schemas.microsoft.com/office/drawing/2014/main" val="20004"/>
+                    </a:ext>
+                  </a:extLst>
+                </a:gridCol>
+                <a:gridCol w="709328">
+                  <a:extLst>
+                    <a:ext uri="{9D8B030D-6E8A-4147-A177-3AD203B41FA5}">
+                      <a16:colId xmlns:a16="http://schemas.microsoft.com/office/drawing/2014/main" val="20005"/>
+                    </a:ext>
+                  </a:extLst>
+                </a:gridCol>
+                <a:gridCol w="492187">
+                  <a:extLst>
+                    <a:ext uri="{9D8B030D-6E8A-4147-A177-3AD203B41FA5}">
+                      <a16:colId xmlns:a16="http://schemas.microsoft.com/office/drawing/2014/main" val="20006"/>
+                    </a:ext>
+                  </a:extLst>
+                </a:gridCol>
+                <a:gridCol w="574221">
+                  <a:extLst>
+                    <a:ext uri="{9D8B030D-6E8A-4147-A177-3AD203B41FA5}">
+                      <a16:colId xmlns:a16="http://schemas.microsoft.com/office/drawing/2014/main" val="20007"/>
+                    </a:ext>
+                  </a:extLst>
+                </a:gridCol>
+                <a:gridCol w="463235">
+                  <a:extLst>
+                    <a:ext uri="{9D8B030D-6E8A-4147-A177-3AD203B41FA5}">
+                      <a16:colId xmlns:a16="http://schemas.microsoft.com/office/drawing/2014/main" val="20008"/>
+                    </a:ext>
+                  </a:extLst>
+                </a:gridCol>
+                <a:gridCol w="468058">
+                  <a:extLst>
+                    <a:ext uri="{9D8B030D-6E8A-4147-A177-3AD203B41FA5}">
+                      <a16:colId xmlns:a16="http://schemas.microsoft.com/office/drawing/2014/main" val="20009"/>
+                    </a:ext>
+                  </a:extLst>
+                </a:gridCol>
+                <a:gridCol w="680377">
+                  <a:extLst>
+                    <a:ext uri="{9D8B030D-6E8A-4147-A177-3AD203B41FA5}">
+                      <a16:colId xmlns:a16="http://schemas.microsoft.com/office/drawing/2014/main" val="20010"/>
+                    </a:ext>
+                  </a:extLst>
+                </a:gridCol>
+                <a:gridCol w="690027">
+                  <a:extLst>
+                    <a:ext uri="{9D8B030D-6E8A-4147-A177-3AD203B41FA5}">
+                      <a16:colId xmlns:a16="http://schemas.microsoft.com/office/drawing/2014/main" val="20011"/>
+                    </a:ext>
+                  </a:extLst>
+                </a:gridCol>
+                <a:gridCol w="386031">
+                  <a:extLst>
+                    <a:ext uri="{9D8B030D-6E8A-4147-A177-3AD203B41FA5}">
+                      <a16:colId xmlns:a16="http://schemas.microsoft.com/office/drawing/2014/main" val="20012"/>
+                    </a:ext>
+                  </a:extLst>
+                </a:gridCol>
+                <a:gridCol w="390855">
+                  <a:extLst>
+                    <a:ext uri="{9D8B030D-6E8A-4147-A177-3AD203B41FA5}">
+                      <a16:colId xmlns:a16="http://schemas.microsoft.com/office/drawing/2014/main" val="20013"/>
+                    </a:ext>
+                  </a:extLst>
+                </a:gridCol>
+                <a:gridCol w="410156">
+                  <a:extLst>
+                    <a:ext uri="{9D8B030D-6E8A-4147-A177-3AD203B41FA5}">
+                      <a16:colId xmlns:a16="http://schemas.microsoft.com/office/drawing/2014/main" val="20014"/>
+                    </a:ext>
+                  </a:extLst>
+                </a:gridCol>
+                <a:gridCol w="366408">
+                  <a:extLst>
+                    <a:ext uri="{9D8B030D-6E8A-4147-A177-3AD203B41FA5}">
+                      <a16:colId xmlns:a16="http://schemas.microsoft.com/office/drawing/2014/main" val="20015"/>
+                    </a:ext>
+                  </a:extLst>
+                </a:gridCol>
+                <a:gridCol w="366408">
+                  <a:extLst>
+                    <a:ext uri="{9D8B030D-6E8A-4147-A177-3AD203B41FA5}">
+                      <a16:colId xmlns:a16="http://schemas.microsoft.com/office/drawing/2014/main" val="20016"/>
+                    </a:ext>
+                  </a:extLst>
+                </a:gridCol>
+                <a:gridCol w="366408">
+                  <a:extLst>
+                    <a:ext uri="{9D8B030D-6E8A-4147-A177-3AD203B41FA5}">
+                      <a16:colId xmlns:a16="http://schemas.microsoft.com/office/drawing/2014/main" val="20017"/>
+                    </a:ext>
+                  </a:extLst>
+                </a:gridCol>
+                <a:gridCol w="417789">
+                  <a:extLst>
+                    <a:ext uri="{9D8B030D-6E8A-4147-A177-3AD203B41FA5}">
+                      <a16:colId xmlns:a16="http://schemas.microsoft.com/office/drawing/2014/main" val="20018"/>
+                    </a:ext>
+                  </a:extLst>
+                </a:gridCol>
+              </a:tblGrid>
+              <a:tr h="0">
+                <a:tc>
+                  <a:txBody>
+                    <a:bodyPr/>
+                    <a:lstStyle/>
+                    <a:p>
+                      <a:pPr algn="ctr"/>
+                      <a:r>
+                        <a:rPr lang="zh-CN" altLang="en-US" sz="700" dirty="0"/>
+                        <a:t>唯一编码</a:t>
+                      </a:r>
+                    </a:p>
+                  </a:txBody>
+                  <a:tcPr anchor="ctr"/>
+                </a:tc>
+                <a:tc>
+                  <a:txBody>
+                    <a:bodyPr/>
+                    <a:lstStyle/>
+                    <a:p>
+                      <a:pPr algn="ctr"/>
+                      <a:r>
+                        <a:rPr lang="zh-CN" altLang="en-US" sz="700" dirty="0"/>
+                        <a:t>陶瓷绝缘子</a:t>
+                      </a:r>
+                    </a:p>
+                  </a:txBody>
+                  <a:tcPr anchor="ctr"/>
+                </a:tc>
+                <a:tc>
+                  <a:txBody>
+                    <a:bodyPr/>
+                    <a:lstStyle/>
+                    <a:p>
+                      <a:pPr algn="ctr"/>
+                      <a:r>
+                        <a:rPr lang="zh-CN" altLang="en-US" sz="700" dirty="0"/>
+                        <a:t>复合绝缘子</a:t>
+                      </a:r>
+                    </a:p>
+                  </a:txBody>
+                  <a:tcPr anchor="ctr"/>
+                </a:tc>
+                <a:tc>
+                  <a:txBody>
+                    <a:bodyPr/>
+                    <a:lstStyle/>
+                    <a:p>
+                      <a:pPr algn="ctr"/>
+                      <a:r>
+                        <a:rPr lang="zh-CN" altLang="en-US" sz="700" dirty="0"/>
+                        <a:t>玻璃绝缘子</a:t>
+                      </a:r>
+                    </a:p>
+                  </a:txBody>
+                  <a:tcPr anchor="ctr"/>
+                </a:tc>
+                <a:tc>
+                  <a:txBody>
+                    <a:bodyPr/>
+                    <a:lstStyle/>
+                    <a:p>
+                      <a:pPr algn="ctr"/>
+                      <a:r>
+                        <a:rPr lang="zh-CN" altLang="en-US" sz="700" dirty="0"/>
+                        <a:t>瓷瓶棒</a:t>
+                      </a:r>
+                    </a:p>
+                  </a:txBody>
+                  <a:tcPr anchor="ctr"/>
+                </a:tc>
+                <a:tc>
+                  <a:txBody>
+                    <a:bodyPr/>
+                    <a:lstStyle/>
+                    <a:p>
+                      <a:pPr algn="ctr"/>
+                      <a:r>
+                        <a:rPr lang="zh-CN" altLang="en-US" sz="700" dirty="0"/>
+                        <a:t>地线绝缘子</a:t>
+                      </a:r>
+                    </a:p>
+                  </a:txBody>
+                  <a:tcPr anchor="ctr"/>
+                </a:tc>
+                <a:tc>
+                  <a:txBody>
+                    <a:bodyPr/>
+                    <a:lstStyle/>
+                    <a:p>
+                      <a:pPr algn="ctr"/>
+                      <a:r>
+                        <a:rPr lang="zh-CN" altLang="en-US" sz="700" dirty="0"/>
+                        <a:t>均压环</a:t>
+                      </a:r>
+                    </a:p>
+                  </a:txBody>
+                  <a:tcPr anchor="ctr"/>
+                </a:tc>
+                <a:tc>
+                  <a:txBody>
+                    <a:bodyPr/>
+                    <a:lstStyle/>
+                    <a:p>
+                      <a:pPr algn="ctr"/>
+                      <a:r>
+                        <a:rPr lang="zh-CN" altLang="en-US" sz="700" dirty="0"/>
+                        <a:t>钢脚钢帽</a:t>
+                      </a:r>
+                    </a:p>
+                  </a:txBody>
+                  <a:tcPr anchor="ctr"/>
+                </a:tc>
+                <a:tc>
+                  <a:txBody>
+                    <a:bodyPr/>
+                    <a:lstStyle/>
+                    <a:p>
+                      <a:pPr algn="ctr"/>
+                      <a:r>
+                        <a:rPr lang="zh-CN" altLang="en-US" sz="700" dirty="0"/>
+                        <a:t>防污罩</a:t>
+                      </a:r>
+                    </a:p>
+                  </a:txBody>
+                  <a:tcPr anchor="ctr"/>
+                </a:tc>
+                <a:tc>
+                  <a:txBody>
+                    <a:bodyPr/>
+                    <a:lstStyle/>
+                    <a:p>
+                      <a:pPr algn="ctr"/>
+                      <a:r>
+                        <a:rPr lang="zh-CN" altLang="en-US" sz="700" dirty="0"/>
+                        <a:t>避雷器</a:t>
+                      </a:r>
+                    </a:p>
+                  </a:txBody>
+                  <a:tcPr anchor="ctr"/>
+                </a:tc>
+                <a:tc>
+                  <a:txBody>
+                    <a:bodyPr/>
+                    <a:lstStyle/>
+                    <a:p>
+                      <a:pPr algn="ctr"/>
+                      <a:r>
+                        <a:rPr lang="zh-CN" altLang="en-US" sz="700" dirty="0"/>
+                        <a:t>横担绝缘子</a:t>
+                      </a:r>
+                    </a:p>
+                  </a:txBody>
+                  <a:tcPr anchor="ctr"/>
+                </a:tc>
+                <a:tc>
+                  <a:txBody>
+                    <a:bodyPr/>
+                    <a:lstStyle/>
+                    <a:p>
+                      <a:pPr algn="ctr"/>
+                      <a:r>
+                        <a:rPr lang="zh-CN" altLang="en-US" sz="700" dirty="0"/>
+                        <a:t>所有绝缘子</a:t>
+                      </a:r>
+                    </a:p>
+                  </a:txBody>
+                  <a:tcPr anchor="ctr"/>
+                </a:tc>
+                <a:tc>
+                  <a:txBody>
+                    <a:bodyPr/>
+                    <a:lstStyle/>
+                    <a:p>
+                      <a:pPr algn="ctr"/>
+                      <a:r>
+                        <a:rPr lang="zh-CN" altLang="en-US" sz="700" dirty="0"/>
+                        <a:t>自爆</a:t>
+                      </a:r>
+                    </a:p>
+                  </a:txBody>
+                  <a:tcPr anchor="ctr"/>
+                </a:tc>
+                <a:tc>
+                  <a:txBody>
+                    <a:bodyPr/>
+                    <a:lstStyle/>
+                    <a:p>
+                      <a:pPr algn="ctr"/>
+                      <a:r>
+                        <a:rPr lang="zh-CN" altLang="en-US" sz="700" dirty="0"/>
+                        <a:t>破损</a:t>
+                      </a:r>
+                    </a:p>
+                  </a:txBody>
+                  <a:tcPr anchor="ctr"/>
+                </a:tc>
+                <a:tc>
+                  <a:txBody>
+                    <a:bodyPr/>
+                    <a:lstStyle/>
+                    <a:p>
+                      <a:pPr algn="ctr"/>
+                      <a:r>
+                        <a:rPr lang="zh-CN" altLang="en-US" sz="700" dirty="0"/>
+                        <a:t>脏污</a:t>
+                      </a:r>
+                    </a:p>
+                  </a:txBody>
+                  <a:tcPr anchor="ctr"/>
+                </a:tc>
+                <a:tc>
+                  <a:txBody>
+                    <a:bodyPr/>
+                    <a:lstStyle/>
+                    <a:p>
+                      <a:pPr algn="ctr"/>
+                      <a:r>
+                        <a:rPr lang="zh-CN" altLang="en-US" sz="700" dirty="0"/>
+                        <a:t>雷击</a:t>
+                      </a:r>
+                    </a:p>
+                  </a:txBody>
+                  <a:tcPr anchor="ctr"/>
+                </a:tc>
+                <a:tc>
+                  <a:txBody>
+                    <a:bodyPr/>
+                    <a:lstStyle/>
+                    <a:p>
+                      <a:pPr algn="ctr"/>
+                      <a:r>
+                        <a:rPr lang="zh-CN" altLang="en-US" sz="700" dirty="0"/>
+                        <a:t>锈蚀</a:t>
+                      </a:r>
+                    </a:p>
+                  </a:txBody>
+                  <a:tcPr anchor="ctr"/>
+                </a:tc>
+                <a:tc>
+                  <a:txBody>
+                    <a:bodyPr/>
+                    <a:lstStyle/>
+                    <a:p>
+                      <a:pPr algn="ctr"/>
+                      <a:r>
+                        <a:rPr lang="zh-CN" altLang="en-US" sz="700" dirty="0"/>
+                        <a:t>倾斜</a:t>
+                      </a:r>
+                    </a:p>
+                  </a:txBody>
+                  <a:tcPr anchor="ctr"/>
+                </a:tc>
+                <a:tc>
+                  <a:txBody>
+                    <a:bodyPr/>
+                    <a:lstStyle/>
+                    <a:p>
+                      <a:pPr algn="ctr"/>
+                      <a:r>
+                        <a:rPr lang="zh-CN" altLang="en-US" sz="700" dirty="0"/>
+                        <a:t>正常</a:t>
+                      </a:r>
+                    </a:p>
+                  </a:txBody>
+                  <a:tcPr anchor="ctr"/>
+                </a:tc>
+                <a:extLst>
+                  <a:ext uri="{0D108BD9-81ED-4DB2-BD59-A6C34878D82A}">
+                    <a16:rowId xmlns:a16="http://schemas.microsoft.com/office/drawing/2014/main" val="10000"/>
+                  </a:ext>
+                </a:extLst>
+              </a:tr>
+              <a:tr h="0">
+                <a:tc>
+                  <a:txBody>
+                    <a:bodyPr/>
+                    <a:lstStyle/>
+                    <a:p>
+                      <a:pPr algn="ctr"/>
+                      <a:endParaRPr lang="zh-CN" altLang="en-US" sz="700" dirty="0"/>
+                    </a:p>
+                  </a:txBody>
+                  <a:tcPr anchor="ctr"/>
+                </a:tc>
+                <a:tc>
+                  <a:txBody>
+                    <a:bodyPr/>
+                    <a:lstStyle/>
+                    <a:p>
+                      <a:pPr algn="ctr"/>
+                      <a:endParaRPr lang="zh-CN" altLang="en-US" sz="700" dirty="0"/>
+                    </a:p>
+                  </a:txBody>
+                  <a:tcPr anchor="ctr"/>
+                </a:tc>
+                <a:tc>
+                  <a:txBody>
+                    <a:bodyPr/>
+                    <a:lstStyle/>
+                    <a:p>
+                      <a:pPr algn="ctr"/>
+                      <a:endParaRPr lang="zh-CN" altLang="en-US" sz="700" dirty="0"/>
+                    </a:p>
+                  </a:txBody>
+                  <a:tcPr anchor="ctr"/>
+                </a:tc>
+                <a:tc>
+                  <a:txBody>
+                    <a:bodyPr/>
+                    <a:lstStyle/>
+                    <a:p>
+                      <a:pPr algn="ctr"/>
+                      <a:endParaRPr lang="zh-CN" altLang="en-US" sz="700" dirty="0"/>
+                    </a:p>
+                  </a:txBody>
+                  <a:tcPr anchor="ctr"/>
+                </a:tc>
+                <a:tc>
+                  <a:txBody>
+                    <a:bodyPr/>
+                    <a:lstStyle/>
+                    <a:p>
+                      <a:pPr algn="ctr"/>
+                      <a:endParaRPr lang="zh-CN" altLang="en-US" sz="700" dirty="0"/>
+                    </a:p>
+                  </a:txBody>
+                  <a:tcPr anchor="ctr"/>
+                </a:tc>
+                <a:tc>
+                  <a:txBody>
+                    <a:bodyPr/>
+                    <a:lstStyle/>
+                    <a:p>
+                      <a:pPr algn="ctr"/>
+                      <a:endParaRPr lang="zh-CN" altLang="en-US" sz="700" dirty="0"/>
+                    </a:p>
+                  </a:txBody>
+                  <a:tcPr anchor="ctr"/>
+                </a:tc>
+                <a:tc>
+                  <a:txBody>
+                    <a:bodyPr/>
+                    <a:lstStyle/>
+                    <a:p>
+                      <a:pPr algn="ctr"/>
+                      <a:endParaRPr lang="zh-CN" altLang="en-US" sz="700" dirty="0"/>
+                    </a:p>
+                  </a:txBody>
+                  <a:tcPr anchor="ctr"/>
+                </a:tc>
+                <a:tc>
+                  <a:txBody>
+                    <a:bodyPr/>
+                    <a:lstStyle/>
+                    <a:p>
+                      <a:pPr algn="ctr"/>
+                      <a:endParaRPr lang="zh-CN" altLang="en-US" sz="700" dirty="0"/>
+                    </a:p>
+                  </a:txBody>
+                  <a:tcPr anchor="ctr"/>
+                </a:tc>
+                <a:tc>
+                  <a:txBody>
+                    <a:bodyPr/>
+                    <a:lstStyle/>
+                    <a:p>
+                      <a:pPr algn="ctr"/>
+                      <a:endParaRPr lang="zh-CN" altLang="en-US" sz="700" dirty="0"/>
+                    </a:p>
+                  </a:txBody>
+                  <a:tcPr anchor="ctr"/>
+                </a:tc>
+                <a:tc>
+                  <a:txBody>
+                    <a:bodyPr/>
+                    <a:lstStyle/>
+                    <a:p>
+                      <a:pPr algn="ctr"/>
+                      <a:endParaRPr lang="zh-CN" altLang="en-US" sz="700" dirty="0"/>
+                    </a:p>
+                  </a:txBody>
+                  <a:tcPr anchor="ctr"/>
+                </a:tc>
+                <a:tc>
+                  <a:txBody>
+                    <a:bodyPr/>
+                    <a:lstStyle/>
+                    <a:p>
+                      <a:pPr algn="ctr"/>
+                      <a:endParaRPr lang="zh-CN" altLang="en-US" sz="700" dirty="0"/>
+                    </a:p>
+                  </a:txBody>
+                  <a:tcPr anchor="ctr"/>
+                </a:tc>
+                <a:tc>
+                  <a:txBody>
+                    <a:bodyPr/>
+                    <a:lstStyle/>
+                    <a:p>
+                      <a:pPr algn="ctr"/>
+                      <a:endParaRPr lang="zh-CN" altLang="en-US" sz="700" dirty="0"/>
+                    </a:p>
+                  </a:txBody>
+                  <a:tcPr anchor="ctr"/>
+                </a:tc>
+                <a:tc>
+                  <a:txBody>
+                    <a:bodyPr/>
+                    <a:lstStyle/>
+                    <a:p>
+                      <a:pPr algn="ctr"/>
+                      <a:endParaRPr lang="zh-CN" altLang="en-US" sz="700" dirty="0"/>
+                    </a:p>
+                  </a:txBody>
+                  <a:tcPr anchor="ctr"/>
+                </a:tc>
+                <a:tc>
+                  <a:txBody>
+                    <a:bodyPr/>
+                    <a:lstStyle/>
+                    <a:p>
+                      <a:pPr algn="ctr"/>
+                      <a:endParaRPr lang="zh-CN" altLang="en-US" sz="700" dirty="0"/>
+                    </a:p>
+                  </a:txBody>
+                  <a:tcPr anchor="ctr"/>
+                </a:tc>
+                <a:tc>
+                  <a:txBody>
+                    <a:bodyPr/>
+                    <a:lstStyle/>
+                    <a:p>
+                      <a:pPr algn="ctr"/>
+                      <a:endParaRPr lang="en-US" altLang="zh-CN" sz="700" dirty="0"/>
+                    </a:p>
+                  </a:txBody>
+                  <a:tcPr anchor="ctr"/>
+                </a:tc>
+                <a:tc>
+                  <a:txBody>
+                    <a:bodyPr/>
+                    <a:lstStyle/>
+                    <a:p>
+                      <a:pPr algn="ctr"/>
+                      <a:endParaRPr lang="en-US" altLang="zh-CN" sz="700" dirty="0"/>
+                    </a:p>
+                  </a:txBody>
+                  <a:tcPr anchor="ctr"/>
+                </a:tc>
+                <a:tc>
+                  <a:txBody>
+                    <a:bodyPr/>
+                    <a:lstStyle/>
+                    <a:p>
+                      <a:pPr algn="ctr"/>
+                      <a:endParaRPr lang="en-US" altLang="zh-CN" sz="700" dirty="0"/>
+                    </a:p>
+                  </a:txBody>
+                  <a:tcPr anchor="ctr"/>
+                </a:tc>
+                <a:tc>
+                  <a:txBody>
+                    <a:bodyPr/>
+                    <a:lstStyle/>
+                    <a:p>
+                      <a:pPr algn="ctr"/>
+                      <a:endParaRPr lang="en-US" altLang="zh-CN" sz="700" dirty="0"/>
+                    </a:p>
+                  </a:txBody>
+                  <a:tcPr anchor="ctr"/>
+                </a:tc>
+                <a:tc>
+                  <a:txBody>
+                    <a:bodyPr/>
+                    <a:lstStyle/>
+                    <a:p>
+                      <a:pPr algn="ctr"/>
+                      <a:endParaRPr lang="en-US" altLang="zh-CN" sz="700" dirty="0"/>
+                    </a:p>
+                  </a:txBody>
+                  <a:tcPr anchor="ctr"/>
+                </a:tc>
+                <a:extLst>
+                  <a:ext uri="{0D108BD9-81ED-4DB2-BD59-A6C34878D82A}">
+                    <a16:rowId xmlns:a16="http://schemas.microsoft.com/office/drawing/2014/main" val="10001"/>
+                  </a:ext>
+                </a:extLst>
+              </a:tr>
+            </a:tbl>
+          </a:graphicData>
+        </a:graphic>
+      </p:graphicFrame>
+      <p:sp>
+        <p:nvSpPr>
+          <p:cNvPr id="21" name="文本框 20"/>
+          <p:cNvSpPr txBox="1"/>
+          <p:nvPr/>
+        </p:nvSpPr>
         <p:spPr>
           <a:xfrm>
-            <a:off x="6345168" y="419010"/>
-            <a:ext cx="4817114" cy="5450580"/>
+            <a:off x="28573" y="4641903"/>
+            <a:ext cx="2066080" cy="369332"/>
           </a:xfrm>
           <a:prstGeom prst="rect">
             <a:avLst/>
           </a:prstGeom>
-        </p:spPr>
-      </p:pic>
+          <a:noFill/>
+        </p:spPr>
+        <p:txBody>
+          <a:bodyPr wrap="square" rtlCol="0">
+            <a:spAutoFit/>
+          </a:bodyPr>
+          <a:lstStyle/>
+          <a:p>
+            <a:r>
+              <a:rPr lang="zh-CN" altLang="en-US" dirty="0">
+                <a:solidFill>
+                  <a:srgbClr val="FF0000"/>
+                </a:solidFill>
+              </a:rPr>
+              <a:t>表名：金具标注表</a:t>
+            </a:r>
+          </a:p>
+        </p:txBody>
+      </p:sp>
+      <p:graphicFrame>
+        <p:nvGraphicFramePr>
+          <p:cNvPr id="22" name="表格 5"/>
+          <p:cNvGraphicFramePr>
+            <a:graphicFrameLocks noGrp="1"/>
+          </p:cNvGraphicFramePr>
+          <p:nvPr/>
+        </p:nvGraphicFramePr>
+        <p:xfrm>
+          <a:off x="41271" y="5056060"/>
+          <a:ext cx="6454995" cy="396240"/>
+        </p:xfrm>
+        <a:graphic>
+          <a:graphicData uri="http://schemas.openxmlformats.org/drawingml/2006/table">
+            <a:tbl>
+              <a:tblPr firstRow="1" bandRow="1">
+                <a:tableStyleId>{5C22544A-7EE6-4342-B048-85BDC9FD1C3A}</a:tableStyleId>
+              </a:tblPr>
+              <a:tblGrid>
+                <a:gridCol w="552450">
+                  <a:extLst>
+                    <a:ext uri="{9D8B030D-6E8A-4147-A177-3AD203B41FA5}">
+                      <a16:colId xmlns:a16="http://schemas.microsoft.com/office/drawing/2014/main" val="20000"/>
+                    </a:ext>
+                  </a:extLst>
+                </a:gridCol>
+                <a:gridCol w="562268">
+                  <a:extLst>
+                    <a:ext uri="{9D8B030D-6E8A-4147-A177-3AD203B41FA5}">
+                      <a16:colId xmlns:a16="http://schemas.microsoft.com/office/drawing/2014/main" val="20001"/>
+                    </a:ext>
+                  </a:extLst>
+                </a:gridCol>
+                <a:gridCol w="625627">
+                  <a:extLst>
+                    <a:ext uri="{9D8B030D-6E8A-4147-A177-3AD203B41FA5}">
+                      <a16:colId xmlns:a16="http://schemas.microsoft.com/office/drawing/2014/main" val="20002"/>
+                    </a:ext>
+                  </a:extLst>
+                </a:gridCol>
+                <a:gridCol w="640313">
+                  <a:extLst>
+                    <a:ext uri="{9D8B030D-6E8A-4147-A177-3AD203B41FA5}">
+                      <a16:colId xmlns:a16="http://schemas.microsoft.com/office/drawing/2014/main" val="20003"/>
+                    </a:ext>
+                  </a:extLst>
+                </a:gridCol>
+                <a:gridCol w="432062">
+                  <a:extLst>
+                    <a:ext uri="{9D8B030D-6E8A-4147-A177-3AD203B41FA5}">
+                      <a16:colId xmlns:a16="http://schemas.microsoft.com/office/drawing/2014/main" val="20004"/>
+                    </a:ext>
+                  </a:extLst>
+                </a:gridCol>
+                <a:gridCol w="635128">
+                  <a:extLst>
+                    <a:ext uri="{9D8B030D-6E8A-4147-A177-3AD203B41FA5}">
+                      <a16:colId xmlns:a16="http://schemas.microsoft.com/office/drawing/2014/main" val="20005"/>
+                    </a:ext>
+                  </a:extLst>
+                </a:gridCol>
+                <a:gridCol w="440703">
+                  <a:extLst>
+                    <a:ext uri="{9D8B030D-6E8A-4147-A177-3AD203B41FA5}">
+                      <a16:colId xmlns:a16="http://schemas.microsoft.com/office/drawing/2014/main" val="20006"/>
+                    </a:ext>
+                  </a:extLst>
+                </a:gridCol>
+                <a:gridCol w="514155">
+                  <a:extLst>
+                    <a:ext uri="{9D8B030D-6E8A-4147-A177-3AD203B41FA5}">
+                      <a16:colId xmlns:a16="http://schemas.microsoft.com/office/drawing/2014/main" val="20007"/>
+                    </a:ext>
+                  </a:extLst>
+                </a:gridCol>
+                <a:gridCol w="414779">
+                  <a:extLst>
+                    <a:ext uri="{9D8B030D-6E8A-4147-A177-3AD203B41FA5}">
+                      <a16:colId xmlns:a16="http://schemas.microsoft.com/office/drawing/2014/main" val="20008"/>
+                    </a:ext>
+                  </a:extLst>
+                </a:gridCol>
+                <a:gridCol w="478415">
+                  <a:extLst>
+                    <a:ext uri="{9D8B030D-6E8A-4147-A177-3AD203B41FA5}">
+                      <a16:colId xmlns:a16="http://schemas.microsoft.com/office/drawing/2014/main" val="20009"/>
+                    </a:ext>
+                  </a:extLst>
+                </a:gridCol>
+                <a:gridCol w="549889">
+                  <a:extLst>
+                    <a:ext uri="{9D8B030D-6E8A-4147-A177-3AD203B41FA5}">
+                      <a16:colId xmlns:a16="http://schemas.microsoft.com/office/drawing/2014/main" val="20010"/>
+                    </a:ext>
+                  </a:extLst>
+                </a:gridCol>
+                <a:gridCol w="609206">
+                  <a:extLst>
+                    <a:ext uri="{9D8B030D-6E8A-4147-A177-3AD203B41FA5}">
+                      <a16:colId xmlns:a16="http://schemas.microsoft.com/office/drawing/2014/main" val="20011"/>
+                    </a:ext>
+                  </a:extLst>
+                </a:gridCol>
+              </a:tblGrid>
+              <a:tr h="0">
+                <a:tc>
+                  <a:txBody>
+                    <a:bodyPr/>
+                    <a:lstStyle/>
+                    <a:p>
+                      <a:pPr algn="ctr"/>
+                      <a:r>
+                        <a:rPr lang="zh-CN" altLang="en-US" sz="700" dirty="0"/>
+                        <a:t>唯一编码</a:t>
+                      </a:r>
+                    </a:p>
+                  </a:txBody>
+                  <a:tcPr anchor="ctr"/>
+                </a:tc>
+                <a:tc>
+                  <a:txBody>
+                    <a:bodyPr/>
+                    <a:lstStyle/>
+                    <a:p>
+                      <a:pPr algn="ctr"/>
+                      <a:r>
+                        <a:rPr lang="zh-CN" altLang="en-US" sz="700" dirty="0"/>
+                        <a:t>连接件</a:t>
+                      </a:r>
+                    </a:p>
+                  </a:txBody>
+                  <a:tcPr anchor="ctr"/>
+                </a:tc>
+                <a:tc>
+                  <a:txBody>
+                    <a:bodyPr/>
+                    <a:lstStyle/>
+                    <a:p>
+                      <a:pPr algn="ctr"/>
+                      <a:r>
+                        <a:rPr lang="zh-CN" altLang="en-US" sz="700" dirty="0"/>
+                        <a:t>开口销</a:t>
+                      </a:r>
+                    </a:p>
+                  </a:txBody>
+                  <a:tcPr anchor="ctr"/>
+                </a:tc>
+                <a:tc>
+                  <a:txBody>
+                    <a:bodyPr/>
+                    <a:lstStyle/>
+                    <a:p>
+                      <a:pPr algn="ctr"/>
+                      <a:r>
+                        <a:rPr lang="zh-CN" altLang="en-US" sz="700" dirty="0"/>
+                        <a:t>螺帽</a:t>
+                      </a:r>
+                    </a:p>
+                  </a:txBody>
+                  <a:tcPr anchor="ctr"/>
+                </a:tc>
+                <a:tc>
+                  <a:txBody>
+                    <a:bodyPr/>
+                    <a:lstStyle/>
+                    <a:p>
+                      <a:pPr algn="ctr"/>
+                      <a:r>
+                        <a:rPr lang="zh-CN" altLang="en-US" sz="700" dirty="0"/>
+                        <a:t>螺母</a:t>
+                      </a:r>
+                    </a:p>
+                  </a:txBody>
+                  <a:tcPr anchor="ctr"/>
+                </a:tc>
+                <a:tc>
+                  <a:txBody>
+                    <a:bodyPr/>
+                    <a:lstStyle/>
+                    <a:p>
+                      <a:pPr algn="ctr"/>
+                      <a:r>
+                        <a:rPr lang="zh-CN" altLang="en-US" sz="700" dirty="0"/>
+                        <a:t>螺栓</a:t>
+                      </a:r>
+                    </a:p>
+                  </a:txBody>
+                  <a:tcPr anchor="ctr"/>
+                </a:tc>
+                <a:tc>
+                  <a:txBody>
+                    <a:bodyPr/>
+                    <a:lstStyle/>
+                    <a:p>
+                      <a:pPr algn="ctr"/>
+                      <a:r>
+                        <a:rPr lang="zh-CN" altLang="en-US" sz="700" dirty="0"/>
+                        <a:t>垫片</a:t>
+                      </a:r>
+                    </a:p>
+                  </a:txBody>
+                  <a:tcPr anchor="ctr"/>
+                </a:tc>
+                <a:tc>
+                  <a:txBody>
+                    <a:bodyPr/>
+                    <a:lstStyle/>
+                    <a:p>
+                      <a:pPr algn="ctr"/>
+                      <a:r>
+                        <a:rPr lang="zh-CN" altLang="en-US" sz="700" dirty="0"/>
+                        <a:t>缺失</a:t>
+                      </a:r>
+                    </a:p>
+                  </a:txBody>
+                  <a:tcPr anchor="ctr"/>
+                </a:tc>
+                <a:tc>
+                  <a:txBody>
+                    <a:bodyPr/>
+                    <a:lstStyle/>
+                    <a:p>
+                      <a:pPr algn="ctr"/>
+                      <a:r>
+                        <a:rPr lang="zh-CN" altLang="en-US" sz="700" dirty="0"/>
+                        <a:t>松动</a:t>
+                      </a:r>
+                    </a:p>
+                  </a:txBody>
+                  <a:tcPr anchor="ctr"/>
+                </a:tc>
+                <a:tc>
+                  <a:txBody>
+                    <a:bodyPr/>
+                    <a:lstStyle/>
+                    <a:p>
+                      <a:pPr algn="ctr"/>
+                      <a:r>
+                        <a:rPr lang="zh-CN" altLang="en-US" sz="700" dirty="0"/>
+                        <a:t>不规范</a:t>
+                      </a:r>
+                    </a:p>
+                  </a:txBody>
+                  <a:tcPr anchor="ctr"/>
+                </a:tc>
+                <a:tc>
+                  <a:txBody>
+                    <a:bodyPr/>
+                    <a:lstStyle/>
+                    <a:p>
+                      <a:pPr algn="ctr"/>
+                      <a:r>
+                        <a:rPr lang="zh-CN" altLang="en-US" sz="700" dirty="0"/>
+                        <a:t>锈蚀</a:t>
+                      </a:r>
+                    </a:p>
+                  </a:txBody>
+                  <a:tcPr anchor="ctr"/>
+                </a:tc>
+                <a:tc>
+                  <a:txBody>
+                    <a:bodyPr/>
+                    <a:lstStyle/>
+                    <a:p>
+                      <a:pPr algn="ctr"/>
+                      <a:r>
+                        <a:rPr lang="zh-CN" altLang="en-US" sz="700" dirty="0"/>
+                        <a:t>正常</a:t>
+                      </a:r>
+                    </a:p>
+                  </a:txBody>
+                  <a:tcPr anchor="ctr"/>
+                </a:tc>
+                <a:extLst>
+                  <a:ext uri="{0D108BD9-81ED-4DB2-BD59-A6C34878D82A}">
+                    <a16:rowId xmlns:a16="http://schemas.microsoft.com/office/drawing/2014/main" val="10000"/>
+                  </a:ext>
+                </a:extLst>
+              </a:tr>
+              <a:tr h="0">
+                <a:tc>
+                  <a:txBody>
+                    <a:bodyPr/>
+                    <a:lstStyle/>
+                    <a:p>
+                      <a:pPr algn="ctr"/>
+                      <a:endParaRPr lang="zh-CN" altLang="en-US" sz="700" dirty="0"/>
+                    </a:p>
+                  </a:txBody>
+                  <a:tcPr anchor="ctr"/>
+                </a:tc>
+                <a:tc>
+                  <a:txBody>
+                    <a:bodyPr/>
+                    <a:lstStyle/>
+                    <a:p>
+                      <a:pPr algn="ctr"/>
+                      <a:endParaRPr lang="zh-CN" altLang="en-US" sz="700" dirty="0"/>
+                    </a:p>
+                  </a:txBody>
+                  <a:tcPr anchor="ctr"/>
+                </a:tc>
+                <a:tc>
+                  <a:txBody>
+                    <a:bodyPr/>
+                    <a:lstStyle/>
+                    <a:p>
+                      <a:pPr algn="ctr"/>
+                      <a:endParaRPr lang="zh-CN" altLang="en-US" sz="700" dirty="0"/>
+                    </a:p>
+                  </a:txBody>
+                  <a:tcPr anchor="ctr"/>
+                </a:tc>
+                <a:tc>
+                  <a:txBody>
+                    <a:bodyPr/>
+                    <a:lstStyle/>
+                    <a:p>
+                      <a:pPr algn="ctr"/>
+                      <a:endParaRPr lang="zh-CN" altLang="en-US" sz="700" dirty="0"/>
+                    </a:p>
+                  </a:txBody>
+                  <a:tcPr anchor="ctr"/>
+                </a:tc>
+                <a:tc>
+                  <a:txBody>
+                    <a:bodyPr/>
+                    <a:lstStyle/>
+                    <a:p>
+                      <a:pPr algn="ctr"/>
+                      <a:endParaRPr lang="zh-CN" altLang="en-US" sz="700" dirty="0"/>
+                    </a:p>
+                  </a:txBody>
+                  <a:tcPr anchor="ctr"/>
+                </a:tc>
+                <a:tc>
+                  <a:txBody>
+                    <a:bodyPr/>
+                    <a:lstStyle/>
+                    <a:p>
+                      <a:pPr algn="ctr"/>
+                      <a:endParaRPr lang="zh-CN" altLang="en-US" sz="700" dirty="0"/>
+                    </a:p>
+                  </a:txBody>
+                  <a:tcPr anchor="ctr"/>
+                </a:tc>
+                <a:tc>
+                  <a:txBody>
+                    <a:bodyPr/>
+                    <a:lstStyle/>
+                    <a:p>
+                      <a:pPr algn="ctr"/>
+                      <a:endParaRPr lang="zh-CN" altLang="en-US" sz="700" dirty="0"/>
+                    </a:p>
+                  </a:txBody>
+                  <a:tcPr anchor="ctr"/>
+                </a:tc>
+                <a:tc>
+                  <a:txBody>
+                    <a:bodyPr/>
+                    <a:lstStyle/>
+                    <a:p>
+                      <a:pPr algn="ctr"/>
+                      <a:endParaRPr lang="zh-CN" altLang="en-US" sz="700" dirty="0"/>
+                    </a:p>
+                  </a:txBody>
+                  <a:tcPr anchor="ctr"/>
+                </a:tc>
+                <a:tc>
+                  <a:txBody>
+                    <a:bodyPr/>
+                    <a:lstStyle/>
+                    <a:p>
+                      <a:pPr algn="ctr"/>
+                      <a:endParaRPr lang="zh-CN" altLang="en-US" sz="700" dirty="0"/>
+                    </a:p>
+                  </a:txBody>
+                  <a:tcPr anchor="ctr"/>
+                </a:tc>
+                <a:tc>
+                  <a:txBody>
+                    <a:bodyPr/>
+                    <a:lstStyle/>
+                    <a:p>
+                      <a:pPr algn="ctr"/>
+                      <a:endParaRPr lang="zh-CN" altLang="en-US" sz="700" dirty="0"/>
+                    </a:p>
+                  </a:txBody>
+                  <a:tcPr anchor="ctr"/>
+                </a:tc>
+                <a:tc>
+                  <a:txBody>
+                    <a:bodyPr/>
+                    <a:lstStyle/>
+                    <a:p>
+                      <a:pPr algn="ctr"/>
+                      <a:endParaRPr lang="zh-CN" altLang="en-US" sz="700" dirty="0"/>
+                    </a:p>
+                  </a:txBody>
+                  <a:tcPr anchor="ctr"/>
+                </a:tc>
+                <a:tc>
+                  <a:txBody>
+                    <a:bodyPr/>
+                    <a:lstStyle/>
+                    <a:p>
+                      <a:pPr algn="ctr"/>
+                      <a:endParaRPr lang="zh-CN" altLang="en-US" sz="700" dirty="0"/>
+                    </a:p>
+                  </a:txBody>
+                  <a:tcPr anchor="ctr"/>
+                </a:tc>
+                <a:extLst>
+                  <a:ext uri="{0D108BD9-81ED-4DB2-BD59-A6C34878D82A}">
+                    <a16:rowId xmlns:a16="http://schemas.microsoft.com/office/drawing/2014/main" val="10001"/>
+                  </a:ext>
+                </a:extLst>
+              </a:tr>
+            </a:tbl>
+          </a:graphicData>
+        </a:graphic>
+      </p:graphicFrame>
+      <p:sp>
+        <p:nvSpPr>
+          <p:cNvPr id="25" name="文本框 24"/>
+          <p:cNvSpPr txBox="1"/>
+          <p:nvPr/>
+        </p:nvSpPr>
+        <p:spPr>
+          <a:xfrm>
+            <a:off x="15875" y="5569462"/>
+            <a:ext cx="2793996" cy="369332"/>
+          </a:xfrm>
+          <a:prstGeom prst="rect">
+            <a:avLst/>
+          </a:prstGeom>
+          <a:noFill/>
+        </p:spPr>
+        <p:txBody>
+          <a:bodyPr wrap="square" rtlCol="0">
+            <a:spAutoFit/>
+          </a:bodyPr>
+          <a:lstStyle/>
+          <a:p>
+            <a:r>
+              <a:rPr lang="zh-CN" altLang="en-US" dirty="0">
+                <a:solidFill>
+                  <a:srgbClr val="FF0000"/>
+                </a:solidFill>
+              </a:rPr>
+              <a:t>表名：导线标注表</a:t>
+            </a:r>
+          </a:p>
+        </p:txBody>
+      </p:sp>
+      <p:graphicFrame>
+        <p:nvGraphicFramePr>
+          <p:cNvPr id="26" name="表格 5"/>
+          <p:cNvGraphicFramePr>
+            <a:graphicFrameLocks noGrp="1"/>
+          </p:cNvGraphicFramePr>
+          <p:nvPr/>
+        </p:nvGraphicFramePr>
+        <p:xfrm>
+          <a:off x="41271" y="5986192"/>
+          <a:ext cx="4402706" cy="396240"/>
+        </p:xfrm>
+        <a:graphic>
+          <a:graphicData uri="http://schemas.openxmlformats.org/drawingml/2006/table">
+            <a:tbl>
+              <a:tblPr firstRow="1" bandRow="1">
+                <a:tableStyleId>{5C22544A-7EE6-4342-B048-85BDC9FD1C3A}</a:tableStyleId>
+              </a:tblPr>
+              <a:tblGrid>
+                <a:gridCol w="552450">
+                  <a:extLst>
+                    <a:ext uri="{9D8B030D-6E8A-4147-A177-3AD203B41FA5}">
+                      <a16:colId xmlns:a16="http://schemas.microsoft.com/office/drawing/2014/main" val="20000"/>
+                    </a:ext>
+                  </a:extLst>
+                </a:gridCol>
+                <a:gridCol w="562268">
+                  <a:extLst>
+                    <a:ext uri="{9D8B030D-6E8A-4147-A177-3AD203B41FA5}">
+                      <a16:colId xmlns:a16="http://schemas.microsoft.com/office/drawing/2014/main" val="20001"/>
+                    </a:ext>
+                  </a:extLst>
+                </a:gridCol>
+                <a:gridCol w="625627">
+                  <a:extLst>
+                    <a:ext uri="{9D8B030D-6E8A-4147-A177-3AD203B41FA5}">
+                      <a16:colId xmlns:a16="http://schemas.microsoft.com/office/drawing/2014/main" val="20002"/>
+                    </a:ext>
+                  </a:extLst>
+                </a:gridCol>
+                <a:gridCol w="640313">
+                  <a:extLst>
+                    <a:ext uri="{9D8B030D-6E8A-4147-A177-3AD203B41FA5}">
+                      <a16:colId xmlns:a16="http://schemas.microsoft.com/office/drawing/2014/main" val="20003"/>
+                    </a:ext>
+                  </a:extLst>
+                </a:gridCol>
+                <a:gridCol w="432062">
+                  <a:extLst>
+                    <a:ext uri="{9D8B030D-6E8A-4147-A177-3AD203B41FA5}">
+                      <a16:colId xmlns:a16="http://schemas.microsoft.com/office/drawing/2014/main" val="20004"/>
+                    </a:ext>
+                  </a:extLst>
+                </a:gridCol>
+                <a:gridCol w="635128">
+                  <a:extLst>
+                    <a:ext uri="{9D8B030D-6E8A-4147-A177-3AD203B41FA5}">
+                      <a16:colId xmlns:a16="http://schemas.microsoft.com/office/drawing/2014/main" val="20005"/>
+                    </a:ext>
+                  </a:extLst>
+                </a:gridCol>
+                <a:gridCol w="440703">
+                  <a:extLst>
+                    <a:ext uri="{9D8B030D-6E8A-4147-A177-3AD203B41FA5}">
+                      <a16:colId xmlns:a16="http://schemas.microsoft.com/office/drawing/2014/main" val="20006"/>
+                    </a:ext>
+                  </a:extLst>
+                </a:gridCol>
+                <a:gridCol w="514155">
+                  <a:extLst>
+                    <a:ext uri="{9D8B030D-6E8A-4147-A177-3AD203B41FA5}">
+                      <a16:colId xmlns:a16="http://schemas.microsoft.com/office/drawing/2014/main" val="20007"/>
+                    </a:ext>
+                  </a:extLst>
+                </a:gridCol>
+              </a:tblGrid>
+              <a:tr h="0">
+                <a:tc>
+                  <a:txBody>
+                    <a:bodyPr/>
+                    <a:lstStyle/>
+                    <a:p>
+                      <a:pPr algn="ctr"/>
+                      <a:r>
+                        <a:rPr lang="zh-CN" altLang="en-US" sz="700" dirty="0"/>
+                        <a:t>唯一编码</a:t>
+                      </a:r>
+                    </a:p>
+                  </a:txBody>
+                  <a:tcPr anchor="ctr"/>
+                </a:tc>
+                <a:tc>
+                  <a:txBody>
+                    <a:bodyPr/>
+                    <a:lstStyle/>
+                    <a:p>
+                      <a:pPr algn="ctr"/>
+                      <a:r>
+                        <a:rPr lang="zh-CN" altLang="en-US" sz="700" dirty="0"/>
+                        <a:t>防振锤</a:t>
+                      </a:r>
+                    </a:p>
+                  </a:txBody>
+                  <a:tcPr anchor="ctr"/>
+                </a:tc>
+                <a:tc>
+                  <a:txBody>
+                    <a:bodyPr/>
+                    <a:lstStyle/>
+                    <a:p>
+                      <a:pPr algn="ctr"/>
+                      <a:r>
+                        <a:rPr lang="zh-CN" altLang="en-US" sz="700" dirty="0"/>
+                        <a:t>导线</a:t>
+                      </a:r>
+                    </a:p>
+                  </a:txBody>
+                  <a:tcPr anchor="ctr"/>
+                </a:tc>
+                <a:tc>
+                  <a:txBody>
+                    <a:bodyPr/>
+                    <a:lstStyle/>
+                    <a:p>
+                      <a:pPr algn="ctr"/>
+                      <a:r>
+                        <a:rPr lang="zh-CN" altLang="en-US" sz="700" dirty="0"/>
+                        <a:t>锈蚀</a:t>
+                      </a:r>
+                    </a:p>
+                  </a:txBody>
+                  <a:tcPr anchor="ctr"/>
+                </a:tc>
+                <a:tc>
+                  <a:txBody>
+                    <a:bodyPr/>
+                    <a:lstStyle/>
+                    <a:p>
+                      <a:pPr algn="ctr"/>
+                      <a:r>
+                        <a:rPr lang="zh-CN" altLang="en-US" sz="700" dirty="0"/>
+                        <a:t>破损</a:t>
+                      </a:r>
+                    </a:p>
+                  </a:txBody>
+                  <a:tcPr anchor="ctr"/>
+                </a:tc>
+                <a:tc>
+                  <a:txBody>
+                    <a:bodyPr/>
+                    <a:lstStyle/>
+                    <a:p>
+                      <a:pPr algn="ctr"/>
+                      <a:r>
+                        <a:rPr lang="zh-CN" altLang="en-US" sz="700" dirty="0"/>
+                        <a:t>倾斜</a:t>
+                      </a:r>
+                    </a:p>
+                  </a:txBody>
+                  <a:tcPr anchor="ctr"/>
+                </a:tc>
+                <a:tc>
+                  <a:txBody>
+                    <a:bodyPr/>
+                    <a:lstStyle/>
+                    <a:p>
+                      <a:pPr algn="ctr"/>
+                      <a:r>
+                        <a:rPr lang="zh-CN" altLang="en-US" sz="700" dirty="0"/>
+                        <a:t>裸露</a:t>
+                      </a:r>
+                    </a:p>
+                  </a:txBody>
+                  <a:tcPr anchor="ctr"/>
+                </a:tc>
+                <a:tc>
+                  <a:txBody>
+                    <a:bodyPr/>
+                    <a:lstStyle/>
+                    <a:p>
+                      <a:pPr algn="ctr"/>
+                      <a:r>
+                        <a:rPr lang="zh-CN" altLang="en-US" sz="700" dirty="0"/>
+                        <a:t>正常</a:t>
+                      </a:r>
+                    </a:p>
+                  </a:txBody>
+                  <a:tcPr anchor="ctr"/>
+                </a:tc>
+                <a:extLst>
+                  <a:ext uri="{0D108BD9-81ED-4DB2-BD59-A6C34878D82A}">
+                    <a16:rowId xmlns:a16="http://schemas.microsoft.com/office/drawing/2014/main" val="10000"/>
+                  </a:ext>
+                </a:extLst>
+              </a:tr>
+              <a:tr h="0">
+                <a:tc>
+                  <a:txBody>
+                    <a:bodyPr/>
+                    <a:lstStyle/>
+                    <a:p>
+                      <a:pPr algn="ctr"/>
+                      <a:endParaRPr lang="zh-CN" altLang="en-US" sz="700" dirty="0"/>
+                    </a:p>
+                  </a:txBody>
+                  <a:tcPr anchor="ctr"/>
+                </a:tc>
+                <a:tc>
+                  <a:txBody>
+                    <a:bodyPr/>
+                    <a:lstStyle/>
+                    <a:p>
+                      <a:pPr algn="ctr"/>
+                      <a:endParaRPr lang="zh-CN" altLang="en-US" sz="700" dirty="0"/>
+                    </a:p>
+                  </a:txBody>
+                  <a:tcPr anchor="ctr"/>
+                </a:tc>
+                <a:tc>
+                  <a:txBody>
+                    <a:bodyPr/>
+                    <a:lstStyle/>
+                    <a:p>
+                      <a:pPr algn="ctr"/>
+                      <a:endParaRPr lang="zh-CN" altLang="en-US" sz="700" dirty="0"/>
+                    </a:p>
+                  </a:txBody>
+                  <a:tcPr anchor="ctr"/>
+                </a:tc>
+                <a:tc>
+                  <a:txBody>
+                    <a:bodyPr/>
+                    <a:lstStyle/>
+                    <a:p>
+                      <a:pPr algn="ctr"/>
+                      <a:endParaRPr lang="zh-CN" altLang="en-US" sz="700" dirty="0"/>
+                    </a:p>
+                  </a:txBody>
+                  <a:tcPr anchor="ctr"/>
+                </a:tc>
+                <a:tc>
+                  <a:txBody>
+                    <a:bodyPr/>
+                    <a:lstStyle/>
+                    <a:p>
+                      <a:pPr algn="ctr"/>
+                      <a:endParaRPr lang="zh-CN" altLang="en-US" sz="700" dirty="0"/>
+                    </a:p>
+                  </a:txBody>
+                  <a:tcPr anchor="ctr"/>
+                </a:tc>
+                <a:tc>
+                  <a:txBody>
+                    <a:bodyPr/>
+                    <a:lstStyle/>
+                    <a:p>
+                      <a:pPr algn="ctr"/>
+                      <a:endParaRPr lang="zh-CN" altLang="en-US" sz="700" dirty="0"/>
+                    </a:p>
+                  </a:txBody>
+                  <a:tcPr anchor="ctr"/>
+                </a:tc>
+                <a:tc>
+                  <a:txBody>
+                    <a:bodyPr/>
+                    <a:lstStyle/>
+                    <a:p>
+                      <a:pPr algn="ctr"/>
+                      <a:endParaRPr lang="zh-CN" altLang="en-US" sz="700" dirty="0"/>
+                    </a:p>
+                  </a:txBody>
+                  <a:tcPr anchor="ctr"/>
+                </a:tc>
+                <a:tc>
+                  <a:txBody>
+                    <a:bodyPr/>
+                    <a:lstStyle/>
+                    <a:p>
+                      <a:pPr algn="ctr"/>
+                      <a:endParaRPr lang="zh-CN" altLang="en-US" sz="700" dirty="0"/>
+                    </a:p>
+                  </a:txBody>
+                  <a:tcPr anchor="ctr"/>
+                </a:tc>
+                <a:extLst>
+                  <a:ext uri="{0D108BD9-81ED-4DB2-BD59-A6C34878D82A}">
+                    <a16:rowId xmlns:a16="http://schemas.microsoft.com/office/drawing/2014/main" val="10001"/>
+                  </a:ext>
+                </a:extLst>
+              </a:tr>
+            </a:tbl>
+          </a:graphicData>
+        </a:graphic>
+      </p:graphicFrame>
+      <p:sp>
+        <p:nvSpPr>
+          <p:cNvPr id="30" name="文本框 29"/>
+          <p:cNvSpPr txBox="1"/>
+          <p:nvPr/>
+        </p:nvSpPr>
+        <p:spPr>
+          <a:xfrm>
+            <a:off x="6676697" y="4640334"/>
+            <a:ext cx="2311794" cy="369332"/>
+          </a:xfrm>
+          <a:prstGeom prst="rect">
+            <a:avLst/>
+          </a:prstGeom>
+          <a:noFill/>
+        </p:spPr>
+        <p:txBody>
+          <a:bodyPr wrap="square" rtlCol="0">
+            <a:spAutoFit/>
+          </a:bodyPr>
+          <a:lstStyle/>
+          <a:p>
+            <a:r>
+              <a:rPr lang="zh-CN" altLang="en-US" dirty="0">
+                <a:solidFill>
+                  <a:srgbClr val="FF0000"/>
+                </a:solidFill>
+              </a:rPr>
+              <a:t>表名：连接件标注表</a:t>
+            </a:r>
+          </a:p>
+        </p:txBody>
+      </p:sp>
+      <p:graphicFrame>
+        <p:nvGraphicFramePr>
+          <p:cNvPr id="31" name="表格 5"/>
+          <p:cNvGraphicFramePr>
+            <a:graphicFrameLocks noGrp="1"/>
+          </p:cNvGraphicFramePr>
+          <p:nvPr/>
+        </p:nvGraphicFramePr>
+        <p:xfrm>
+          <a:off x="6797550" y="5058035"/>
+          <a:ext cx="1828800" cy="396240"/>
+        </p:xfrm>
+        <a:graphic>
+          <a:graphicData uri="http://schemas.openxmlformats.org/drawingml/2006/table">
+            <a:tbl>
+              <a:tblPr firstRow="1" bandRow="1">
+                <a:tableStyleId>{5C22544A-7EE6-4342-B048-85BDC9FD1C3A}</a:tableStyleId>
+              </a:tblPr>
+              <a:tblGrid>
+                <a:gridCol w="609600">
+                  <a:extLst>
+                    <a:ext uri="{9D8B030D-6E8A-4147-A177-3AD203B41FA5}">
+                      <a16:colId xmlns:a16="http://schemas.microsoft.com/office/drawing/2014/main" val="20000"/>
+                    </a:ext>
+                  </a:extLst>
+                </a:gridCol>
+                <a:gridCol w="609600">
+                  <a:extLst>
+                    <a:ext uri="{9D8B030D-6E8A-4147-A177-3AD203B41FA5}">
+                      <a16:colId xmlns:a16="http://schemas.microsoft.com/office/drawing/2014/main" val="20001"/>
+                    </a:ext>
+                  </a:extLst>
+                </a:gridCol>
+                <a:gridCol w="609600">
+                  <a:extLst>
+                    <a:ext uri="{9D8B030D-6E8A-4147-A177-3AD203B41FA5}">
+                      <a16:colId xmlns:a16="http://schemas.microsoft.com/office/drawing/2014/main" val="20002"/>
+                    </a:ext>
+                  </a:extLst>
+                </a:gridCol>
+              </a:tblGrid>
+              <a:tr h="0">
+                <a:tc>
+                  <a:txBody>
+                    <a:bodyPr/>
+                    <a:lstStyle/>
+                    <a:p>
+                      <a:pPr algn="ctr"/>
+                      <a:r>
+                        <a:rPr lang="zh-CN" altLang="en-US" sz="700" dirty="0"/>
+                        <a:t>唯一编码</a:t>
+                      </a:r>
+                    </a:p>
+                  </a:txBody>
+                  <a:tcPr anchor="ctr"/>
+                </a:tc>
+                <a:tc>
+                  <a:txBody>
+                    <a:bodyPr/>
+                    <a:lstStyle/>
+                    <a:p>
+                      <a:pPr algn="ctr"/>
+                      <a:r>
+                        <a:rPr lang="zh-CN" altLang="en-US" sz="700" dirty="0"/>
+                        <a:t>挂板型号</a:t>
+                      </a:r>
+                      <a:r>
+                        <a:rPr lang="en-US" altLang="zh-CN" sz="700" dirty="0"/>
+                        <a:t>1</a:t>
+                      </a:r>
+                      <a:endParaRPr lang="zh-CN" altLang="en-US" sz="700" dirty="0"/>
+                    </a:p>
+                  </a:txBody>
+                  <a:tcPr anchor="ctr"/>
+                </a:tc>
+                <a:tc>
+                  <a:txBody>
+                    <a:bodyPr/>
+                    <a:lstStyle/>
+                    <a:p>
+                      <a:pPr algn="ctr"/>
+                      <a:r>
+                        <a:rPr lang="zh-CN" altLang="en-US" sz="700" dirty="0"/>
+                        <a:t>挂板型号</a:t>
+                      </a:r>
+                      <a:r>
+                        <a:rPr lang="en-US" altLang="zh-CN" sz="700" dirty="0"/>
+                        <a:t>2</a:t>
+                      </a:r>
+                      <a:endParaRPr lang="zh-CN" altLang="en-US" sz="700" dirty="0"/>
+                    </a:p>
+                  </a:txBody>
+                  <a:tcPr anchor="ctr"/>
+                </a:tc>
+                <a:extLst>
+                  <a:ext uri="{0D108BD9-81ED-4DB2-BD59-A6C34878D82A}">
+                    <a16:rowId xmlns:a16="http://schemas.microsoft.com/office/drawing/2014/main" val="10000"/>
+                  </a:ext>
+                </a:extLst>
+              </a:tr>
+              <a:tr h="0">
+                <a:tc>
+                  <a:txBody>
+                    <a:bodyPr/>
+                    <a:lstStyle/>
+                    <a:p>
+                      <a:pPr algn="ctr"/>
+                      <a:endParaRPr lang="zh-CN" altLang="en-US" sz="700" dirty="0"/>
+                    </a:p>
+                  </a:txBody>
+                  <a:tcPr anchor="ctr"/>
+                </a:tc>
+                <a:tc>
+                  <a:txBody>
+                    <a:bodyPr/>
+                    <a:lstStyle/>
+                    <a:p>
+                      <a:pPr algn="ctr"/>
+                      <a:endParaRPr lang="zh-CN" altLang="en-US" sz="700" dirty="0"/>
+                    </a:p>
+                  </a:txBody>
+                  <a:tcPr anchor="ctr"/>
+                </a:tc>
+                <a:tc>
+                  <a:txBody>
+                    <a:bodyPr/>
+                    <a:lstStyle/>
+                    <a:p>
+                      <a:pPr algn="ctr"/>
+                      <a:endParaRPr lang="zh-CN" altLang="en-US" sz="700" dirty="0"/>
+                    </a:p>
+                  </a:txBody>
+                  <a:tcPr anchor="ctr"/>
+                </a:tc>
+                <a:extLst>
+                  <a:ext uri="{0D108BD9-81ED-4DB2-BD59-A6C34878D82A}">
+                    <a16:rowId xmlns:a16="http://schemas.microsoft.com/office/drawing/2014/main" val="10001"/>
+                  </a:ext>
+                </a:extLst>
+              </a:tr>
+            </a:tbl>
+          </a:graphicData>
+        </a:graphic>
+      </p:graphicFrame>
+      <p:sp>
+        <p:nvSpPr>
+          <p:cNvPr id="29" name="文本框 28"/>
+          <p:cNvSpPr txBox="1"/>
+          <p:nvPr/>
+        </p:nvSpPr>
+        <p:spPr>
+          <a:xfrm>
+            <a:off x="-2" y="2153080"/>
+            <a:ext cx="2094655" cy="369332"/>
+          </a:xfrm>
+          <a:prstGeom prst="rect">
+            <a:avLst/>
+          </a:prstGeom>
+          <a:noFill/>
+        </p:spPr>
+        <p:txBody>
+          <a:bodyPr wrap="square" rtlCol="0">
+            <a:spAutoFit/>
+          </a:bodyPr>
+          <a:lstStyle/>
+          <a:p>
+            <a:r>
+              <a:rPr lang="zh-CN" altLang="en-US" dirty="0">
+                <a:solidFill>
+                  <a:srgbClr val="FF0000"/>
+                </a:solidFill>
+              </a:rPr>
+              <a:t>表名：标签信息表</a:t>
+            </a:r>
+          </a:p>
+        </p:txBody>
+      </p:sp>
+      <p:graphicFrame>
+        <p:nvGraphicFramePr>
+          <p:cNvPr id="32" name="表格 5"/>
+          <p:cNvGraphicFramePr>
+            <a:graphicFrameLocks noGrp="1"/>
+          </p:cNvGraphicFramePr>
+          <p:nvPr/>
+        </p:nvGraphicFramePr>
+        <p:xfrm>
+          <a:off x="-3" y="2492340"/>
+          <a:ext cx="4802159" cy="531656"/>
+        </p:xfrm>
+        <a:graphic>
+          <a:graphicData uri="http://schemas.openxmlformats.org/drawingml/2006/table">
+            <a:tbl>
+              <a:tblPr firstRow="1" bandRow="1">
+                <a:tableStyleId>{5C22544A-7EE6-4342-B048-85BDC9FD1C3A}</a:tableStyleId>
+              </a:tblPr>
+              <a:tblGrid>
+                <a:gridCol w="929907">
+                  <a:extLst>
+                    <a:ext uri="{9D8B030D-6E8A-4147-A177-3AD203B41FA5}">
+                      <a16:colId xmlns:a16="http://schemas.microsoft.com/office/drawing/2014/main" val="20000"/>
+                    </a:ext>
+                  </a:extLst>
+                </a:gridCol>
+                <a:gridCol w="686064">
+                  <a:extLst>
+                    <a:ext uri="{9D8B030D-6E8A-4147-A177-3AD203B41FA5}">
+                      <a16:colId xmlns:a16="http://schemas.microsoft.com/office/drawing/2014/main" val="20001"/>
+                    </a:ext>
+                  </a:extLst>
+                </a:gridCol>
+                <a:gridCol w="686064">
+                  <a:extLst>
+                    <a:ext uri="{9D8B030D-6E8A-4147-A177-3AD203B41FA5}">
+                      <a16:colId xmlns:a16="http://schemas.microsoft.com/office/drawing/2014/main" val="20002"/>
+                    </a:ext>
+                  </a:extLst>
+                </a:gridCol>
+                <a:gridCol w="789314">
+                  <a:extLst>
+                    <a:ext uri="{9D8B030D-6E8A-4147-A177-3AD203B41FA5}">
+                      <a16:colId xmlns:a16="http://schemas.microsoft.com/office/drawing/2014/main" val="20003"/>
+                    </a:ext>
+                  </a:extLst>
+                </a:gridCol>
+                <a:gridCol w="762746">
+                  <a:extLst>
+                    <a:ext uri="{9D8B030D-6E8A-4147-A177-3AD203B41FA5}">
+                      <a16:colId xmlns:a16="http://schemas.microsoft.com/office/drawing/2014/main" val="20004"/>
+                    </a:ext>
+                  </a:extLst>
+                </a:gridCol>
+                <a:gridCol w="948064">
+                  <a:extLst>
+                    <a:ext uri="{9D8B030D-6E8A-4147-A177-3AD203B41FA5}">
+                      <a16:colId xmlns:a16="http://schemas.microsoft.com/office/drawing/2014/main" val="20005"/>
+                    </a:ext>
+                  </a:extLst>
+                </a:gridCol>
+              </a:tblGrid>
+              <a:tr h="272576">
+                <a:tc>
+                  <a:txBody>
+                    <a:bodyPr/>
+                    <a:lstStyle/>
+                    <a:p>
+                      <a:pPr algn="ctr"/>
+                      <a:r>
+                        <a:rPr lang="zh-CN" altLang="en-US" sz="1100" dirty="0"/>
+                        <a:t>标签</a:t>
+                      </a:r>
+                    </a:p>
+                  </a:txBody>
+                  <a:tcPr anchor="ctr"/>
+                </a:tc>
+                <a:tc>
+                  <a:txBody>
+                    <a:bodyPr/>
+                    <a:lstStyle/>
+                    <a:p>
+                      <a:pPr algn="ctr"/>
+                      <a:r>
+                        <a:rPr lang="zh-CN" altLang="en-US" sz="1100" dirty="0"/>
+                        <a:t>大类</a:t>
+                      </a:r>
+                    </a:p>
+                  </a:txBody>
+                  <a:tcPr anchor="ctr"/>
+                </a:tc>
+                <a:tc>
+                  <a:txBody>
+                    <a:bodyPr/>
+                    <a:lstStyle/>
+                    <a:p>
+                      <a:pPr algn="ctr"/>
+                      <a:r>
+                        <a:rPr lang="zh-CN" altLang="en-US" sz="1100" dirty="0"/>
+                        <a:t>部件</a:t>
+                      </a:r>
+                    </a:p>
+                  </a:txBody>
+                  <a:tcPr anchor="ctr"/>
+                </a:tc>
+                <a:tc>
+                  <a:txBody>
+                    <a:bodyPr/>
+                    <a:lstStyle/>
+                    <a:p>
+                      <a:pPr algn="ctr"/>
+                      <a:r>
+                        <a:rPr lang="zh-CN" altLang="en-US" sz="1100" dirty="0"/>
+                        <a:t>描述</a:t>
+                      </a:r>
+                    </a:p>
+                  </a:txBody>
+                  <a:tcPr anchor="ctr"/>
+                </a:tc>
+                <a:tc>
+                  <a:txBody>
+                    <a:bodyPr/>
+                    <a:lstStyle/>
+                    <a:p>
+                      <a:pPr algn="ctr"/>
+                      <a:r>
+                        <a:rPr lang="zh-CN" altLang="en-US" sz="1100" dirty="0"/>
+                        <a:t>特殊</a:t>
+                      </a:r>
+                    </a:p>
+                  </a:txBody>
+                  <a:tcPr anchor="ctr"/>
+                </a:tc>
+                <a:tc>
+                  <a:txBody>
+                    <a:bodyPr/>
+                    <a:lstStyle/>
+                    <a:p>
+                      <a:pPr algn="ctr"/>
+                      <a:r>
+                        <a:rPr lang="zh-CN" altLang="en-US" sz="1100" dirty="0"/>
+                        <a:t>更新日期</a:t>
+                      </a:r>
+                    </a:p>
+                  </a:txBody>
+                  <a:tcPr anchor="ctr"/>
+                </a:tc>
+                <a:extLst>
+                  <a:ext uri="{0D108BD9-81ED-4DB2-BD59-A6C34878D82A}">
+                    <a16:rowId xmlns:a16="http://schemas.microsoft.com/office/drawing/2014/main" val="10000"/>
+                  </a:ext>
+                </a:extLst>
+              </a:tr>
+              <a:tr h="0">
+                <a:tc>
+                  <a:txBody>
+                    <a:bodyPr/>
+                    <a:lstStyle/>
+                    <a:p>
+                      <a:pPr algn="ctr"/>
+                      <a:r>
+                        <a:rPr lang="en-US" altLang="zh-CN" sz="1100" dirty="0" err="1"/>
+                        <a:t>cpb_ps</a:t>
+                      </a:r>
+                      <a:endParaRPr lang="zh-CN" altLang="en-US" sz="1100" dirty="0"/>
+                    </a:p>
+                  </a:txBody>
+                  <a:tcPr anchor="ctr"/>
+                </a:tc>
+                <a:tc>
+                  <a:txBody>
+                    <a:bodyPr/>
+                    <a:lstStyle/>
+                    <a:p>
+                      <a:pPr algn="ctr"/>
+                      <a:r>
+                        <a:rPr lang="zh-CN" altLang="en-US" sz="1100" dirty="0"/>
+                        <a:t>绝缘子</a:t>
+                      </a:r>
+                    </a:p>
+                  </a:txBody>
+                  <a:tcPr anchor="ctr"/>
+                </a:tc>
+                <a:tc>
+                  <a:txBody>
+                    <a:bodyPr/>
+                    <a:lstStyle/>
+                    <a:p>
+                      <a:pPr algn="ctr"/>
+                      <a:r>
+                        <a:rPr lang="zh-CN" altLang="en-US" sz="1100" dirty="0"/>
+                        <a:t>瓷瓶棒</a:t>
+                      </a:r>
+                    </a:p>
+                  </a:txBody>
+                  <a:tcPr anchor="ctr"/>
+                </a:tc>
+                <a:tc>
+                  <a:txBody>
+                    <a:bodyPr/>
+                    <a:lstStyle/>
+                    <a:p>
+                      <a:pPr algn="ctr"/>
+                      <a:r>
+                        <a:rPr lang="zh-CN" altLang="en-US" sz="1100" dirty="0"/>
+                        <a:t>破损</a:t>
+                      </a:r>
+                    </a:p>
+                  </a:txBody>
+                  <a:tcPr anchor="ctr"/>
+                </a:tc>
+                <a:tc>
+                  <a:txBody>
+                    <a:bodyPr/>
+                    <a:lstStyle/>
+                    <a:p>
+                      <a:pPr algn="ctr"/>
+                      <a:r>
+                        <a:rPr lang="en-US" altLang="zh-CN" sz="1100" dirty="0"/>
+                        <a:t>False</a:t>
+                      </a:r>
+                      <a:endParaRPr lang="zh-CN" altLang="en-US" sz="1100" dirty="0"/>
+                    </a:p>
+                  </a:txBody>
+                  <a:tcPr anchor="ctr"/>
+                </a:tc>
+                <a:tc>
+                  <a:txBody>
+                    <a:bodyPr/>
+                    <a:lstStyle/>
+                    <a:p>
+                      <a:pPr algn="ctr"/>
+                      <a:r>
+                        <a:rPr lang="en-US" altLang="zh-CN" sz="1100" dirty="0"/>
+                        <a:t>All</a:t>
+                      </a:r>
+                      <a:endParaRPr lang="zh-CN" altLang="en-US" sz="1100" dirty="0"/>
+                    </a:p>
+                  </a:txBody>
+                  <a:tcPr anchor="ctr"/>
+                </a:tc>
+                <a:extLst>
+                  <a:ext uri="{0D108BD9-81ED-4DB2-BD59-A6C34878D82A}">
+                    <a16:rowId xmlns:a16="http://schemas.microsoft.com/office/drawing/2014/main" val="10001"/>
+                  </a:ext>
+                </a:extLst>
+              </a:tr>
+            </a:tbl>
+          </a:graphicData>
+        </a:graphic>
+      </p:graphicFrame>
+      <p:sp>
+        <p:nvSpPr>
+          <p:cNvPr id="33" name="文本框 32"/>
+          <p:cNvSpPr txBox="1"/>
+          <p:nvPr/>
+        </p:nvSpPr>
+        <p:spPr>
+          <a:xfrm>
+            <a:off x="5924696" y="2147442"/>
+            <a:ext cx="2094655" cy="369332"/>
+          </a:xfrm>
+          <a:prstGeom prst="rect">
+            <a:avLst/>
+          </a:prstGeom>
+          <a:noFill/>
+        </p:spPr>
+        <p:txBody>
+          <a:bodyPr wrap="square" rtlCol="0">
+            <a:spAutoFit/>
+          </a:bodyPr>
+          <a:lstStyle/>
+          <a:p>
+            <a:r>
+              <a:rPr lang="zh-CN" altLang="en-US" dirty="0">
+                <a:solidFill>
+                  <a:srgbClr val="FF0000"/>
+                </a:solidFill>
+              </a:rPr>
+              <a:t>表名：特殊标注表</a:t>
+            </a:r>
+          </a:p>
+        </p:txBody>
+      </p:sp>
+      <p:graphicFrame>
+        <p:nvGraphicFramePr>
+          <p:cNvPr id="34" name="表格 5"/>
+          <p:cNvGraphicFramePr>
+            <a:graphicFrameLocks noGrp="1"/>
+          </p:cNvGraphicFramePr>
+          <p:nvPr/>
+        </p:nvGraphicFramePr>
+        <p:xfrm>
+          <a:off x="6045551" y="2501722"/>
+          <a:ext cx="2526173" cy="531656"/>
+        </p:xfrm>
+        <a:graphic>
+          <a:graphicData uri="http://schemas.openxmlformats.org/drawingml/2006/table">
+            <a:tbl>
+              <a:tblPr firstRow="1" bandRow="1">
+                <a:tableStyleId>{5C22544A-7EE6-4342-B048-85BDC9FD1C3A}</a:tableStyleId>
+              </a:tblPr>
+              <a:tblGrid>
+                <a:gridCol w="832627">
+                  <a:extLst>
+                    <a:ext uri="{9D8B030D-6E8A-4147-A177-3AD203B41FA5}">
+                      <a16:colId xmlns:a16="http://schemas.microsoft.com/office/drawing/2014/main" val="20000"/>
+                    </a:ext>
+                  </a:extLst>
+                </a:gridCol>
+                <a:gridCol w="846773">
+                  <a:extLst>
+                    <a:ext uri="{9D8B030D-6E8A-4147-A177-3AD203B41FA5}">
+                      <a16:colId xmlns:a16="http://schemas.microsoft.com/office/drawing/2014/main" val="20001"/>
+                    </a:ext>
+                  </a:extLst>
+                </a:gridCol>
+                <a:gridCol w="846773">
+                  <a:extLst>
+                    <a:ext uri="{9D8B030D-6E8A-4147-A177-3AD203B41FA5}">
+                      <a16:colId xmlns:a16="http://schemas.microsoft.com/office/drawing/2014/main" val="20002"/>
+                    </a:ext>
+                  </a:extLst>
+                </a:gridCol>
+              </a:tblGrid>
+              <a:tr h="272576">
+                <a:tc>
+                  <a:txBody>
+                    <a:bodyPr/>
+                    <a:lstStyle/>
+                    <a:p>
+                      <a:pPr algn="ctr"/>
+                      <a:r>
+                        <a:rPr lang="zh-CN" altLang="en-US" sz="1100" dirty="0"/>
+                        <a:t>唯一编码</a:t>
+                      </a:r>
+                    </a:p>
+                  </a:txBody>
+                  <a:tcPr anchor="ctr"/>
+                </a:tc>
+                <a:tc>
+                  <a:txBody>
+                    <a:bodyPr/>
+                    <a:lstStyle/>
+                    <a:p>
+                      <a:pPr algn="ctr"/>
+                      <a:r>
+                        <a:rPr lang="zh-CN" altLang="en-US" sz="1100" dirty="0"/>
+                        <a:t>特殊标签</a:t>
+                      </a:r>
+                    </a:p>
+                  </a:txBody>
+                  <a:tcPr anchor="ctr"/>
+                </a:tc>
+                <a:tc>
+                  <a:txBody>
+                    <a:bodyPr/>
+                    <a:lstStyle/>
+                    <a:p>
+                      <a:pPr algn="ctr"/>
+                      <a:r>
+                        <a:rPr lang="zh-CN" altLang="en-US" sz="1100" dirty="0"/>
+                        <a:t>标注逻辑</a:t>
+                      </a:r>
+                    </a:p>
+                  </a:txBody>
+                  <a:tcPr anchor="ctr"/>
+                </a:tc>
+                <a:extLst>
+                  <a:ext uri="{0D108BD9-81ED-4DB2-BD59-A6C34878D82A}">
+                    <a16:rowId xmlns:a16="http://schemas.microsoft.com/office/drawing/2014/main" val="10000"/>
+                  </a:ext>
+                </a:extLst>
+              </a:tr>
+              <a:tr h="0">
+                <a:tc>
+                  <a:txBody>
+                    <a:bodyPr/>
+                    <a:lstStyle/>
+                    <a:p>
+                      <a:pPr algn="ctr"/>
+                      <a:endParaRPr lang="zh-CN" altLang="en-US" sz="1100" dirty="0"/>
+                    </a:p>
+                  </a:txBody>
+                  <a:tcPr anchor="ctr"/>
+                </a:tc>
+                <a:tc>
+                  <a:txBody>
+                    <a:bodyPr/>
+                    <a:lstStyle/>
+                    <a:p>
+                      <a:pPr algn="ctr"/>
+                      <a:endParaRPr lang="zh-CN" altLang="en-US" sz="1100" dirty="0"/>
+                    </a:p>
+                  </a:txBody>
+                  <a:tcPr anchor="ctr"/>
+                </a:tc>
+                <a:tc>
+                  <a:txBody>
+                    <a:bodyPr/>
+                    <a:lstStyle/>
+                    <a:p>
+                      <a:pPr algn="ctr"/>
+                      <a:endParaRPr lang="zh-CN" altLang="en-US" sz="1100" dirty="0"/>
+                    </a:p>
+                  </a:txBody>
+                  <a:tcPr anchor="ctr"/>
+                </a:tc>
+                <a:extLst>
+                  <a:ext uri="{0D108BD9-81ED-4DB2-BD59-A6C34878D82A}">
+                    <a16:rowId xmlns:a16="http://schemas.microsoft.com/office/drawing/2014/main" val="10001"/>
+                  </a:ext>
+                </a:extLst>
+              </a:tr>
+            </a:tbl>
+          </a:graphicData>
+        </a:graphic>
+      </p:graphicFrame>
     </p:spTree>
   </p:cSld>
   <p:clrMapOvr>
@@ -7248,8 +10130,8 @@
         </p:nvSpPr>
         <p:spPr>
           <a:xfrm>
-            <a:off x="1" y="279528"/>
-            <a:ext cx="2362200" cy="369332"/>
+            <a:off x="323462" y="391886"/>
+            <a:ext cx="10717762" cy="1477328"/>
           </a:xfrm>
           <a:prstGeom prst="rect">
             <a:avLst/>
@@ -7263,518 +10145,47 @@
           <a:lstStyle/>
           <a:p>
             <a:r>
-              <a:rPr lang="zh-CN" altLang="en-US" dirty="0">
-                <a:solidFill>
-                  <a:srgbClr val="FF0000"/>
-                </a:solidFill>
-              </a:rPr>
-              <a:t>表名：图片大类表</a:t>
-            </a:r>
-            <a:endParaRPr lang="zh-CN" altLang="en-US" dirty="0">
-              <a:solidFill>
-                <a:srgbClr val="FF0000"/>
-              </a:solidFill>
-            </a:endParaRPr>
-          </a:p>
-        </p:txBody>
-      </p:sp>
-      <p:graphicFrame>
-        <p:nvGraphicFramePr>
-          <p:cNvPr id="5" name="表格 5"/>
-          <p:cNvGraphicFramePr>
-            <a:graphicFrameLocks noGrp="1"/>
-          </p:cNvGraphicFramePr>
-          <p:nvPr/>
-        </p:nvGraphicFramePr>
-        <p:xfrm>
-          <a:off x="1" y="648860"/>
-          <a:ext cx="12141201" cy="525191"/>
-        </p:xfrm>
-        <a:graphic>
-          <a:graphicData uri="http://schemas.openxmlformats.org/drawingml/2006/table">
-            <a:tbl>
-              <a:tblPr firstRow="1" bandRow="1">
-                <a:tableStyleId>{5C22544A-7EE6-4342-B048-85BDC9FD1C3A}</a:tableStyleId>
-              </a:tblPr>
-              <a:tblGrid>
-                <a:gridCol w="990600"/>
-                <a:gridCol w="609600"/>
-                <a:gridCol w="742950"/>
-                <a:gridCol w="819150"/>
-                <a:gridCol w="774700"/>
-                <a:gridCol w="641350"/>
-                <a:gridCol w="800100"/>
-                <a:gridCol w="736600"/>
-                <a:gridCol w="546100"/>
-                <a:gridCol w="571500"/>
-                <a:gridCol w="482600"/>
-                <a:gridCol w="647700"/>
-                <a:gridCol w="903091"/>
-                <a:gridCol w="718790"/>
-                <a:gridCol w="718790"/>
-                <a:gridCol w="718790"/>
-                <a:gridCol w="718790"/>
-              </a:tblGrid>
-              <a:tr h="266111">
-                <a:tc>
-                  <a:txBody>
-                    <a:bodyPr/>
-                    <a:lstStyle/>
-                    <a:p>
-                      <a:pPr algn="ctr"/>
-                      <a:r>
-                        <a:rPr lang="zh-CN" altLang="en-US" sz="1100" dirty="0"/>
-                        <a:t>唯一编码</a:t>
-                      </a:r>
-                      <a:endParaRPr lang="zh-CN" altLang="en-US" sz="1100" dirty="0"/>
-                    </a:p>
-                  </a:txBody>
-                  <a:tcPr anchor="ctr"/>
-                </a:tc>
-                <a:tc>
-                  <a:txBody>
-                    <a:bodyPr/>
-                    <a:lstStyle/>
-                    <a:p>
-                      <a:pPr algn="ctr"/>
-                      <a:r>
-                        <a:rPr lang="zh-CN" altLang="en-US" sz="1100" dirty="0"/>
-                        <a:t>输配变</a:t>
-                      </a:r>
-                      <a:endParaRPr lang="zh-CN" altLang="en-US" sz="1100" dirty="0"/>
-                    </a:p>
-                  </a:txBody>
-                  <a:tcPr anchor="ctr"/>
-                </a:tc>
-                <a:tc>
-                  <a:txBody>
-                    <a:bodyPr/>
-                    <a:lstStyle/>
-                    <a:p>
-                      <a:pPr algn="ctr"/>
-                      <a:r>
-                        <a:rPr lang="zh-CN" altLang="en-US" sz="1100" dirty="0"/>
-                        <a:t>电压等级</a:t>
-                      </a:r>
-                      <a:endParaRPr lang="zh-CN" altLang="en-US" sz="1100" dirty="0"/>
-                    </a:p>
-                  </a:txBody>
-                  <a:tcPr anchor="ctr"/>
-                </a:tc>
-                <a:tc>
-                  <a:txBody>
-                    <a:bodyPr/>
-                    <a:lstStyle/>
-                    <a:p>
-                      <a:pPr algn="ctr"/>
-                      <a:r>
-                        <a:rPr lang="zh-CN" altLang="en-US" sz="1100" dirty="0"/>
-                        <a:t>含有缺陷</a:t>
-                      </a:r>
-                      <a:endParaRPr lang="zh-CN" altLang="en-US" sz="1100" dirty="0"/>
-                    </a:p>
-                  </a:txBody>
-                  <a:tcPr anchor="ctr"/>
-                </a:tc>
-                <a:tc>
-                  <a:txBody>
-                    <a:bodyPr/>
-                    <a:lstStyle/>
-                    <a:p>
-                      <a:pPr algn="ctr"/>
-                      <a:r>
-                        <a:rPr lang="zh-CN" altLang="en-US" sz="1100" dirty="0"/>
-                        <a:t>历史遗留</a:t>
-                      </a:r>
-                      <a:endParaRPr lang="zh-CN" altLang="en-US" sz="1100" dirty="0"/>
-                    </a:p>
-                  </a:txBody>
-                  <a:tcPr anchor="ctr"/>
-                </a:tc>
-                <a:tc>
-                  <a:txBody>
-                    <a:bodyPr/>
-                    <a:lstStyle/>
-                    <a:p>
-                      <a:pPr algn="ctr"/>
-                      <a:r>
-                        <a:rPr lang="zh-CN" altLang="en-US" sz="1100" dirty="0"/>
-                        <a:t>可见光</a:t>
-                      </a:r>
-                      <a:endParaRPr lang="zh-CN" altLang="en-US" sz="1100" dirty="0"/>
-                    </a:p>
-                  </a:txBody>
-                  <a:tcPr anchor="ctr"/>
-                </a:tc>
-                <a:tc>
-                  <a:txBody>
-                    <a:bodyPr/>
-                    <a:lstStyle/>
-                    <a:p>
-                      <a:pPr algn="ctr"/>
-                      <a:r>
-                        <a:rPr lang="zh-CN" altLang="en-US" sz="1100" dirty="0"/>
-                        <a:t>裸图</a:t>
-                      </a:r>
-                      <a:endParaRPr lang="zh-CN" altLang="en-US" sz="1100" dirty="0"/>
-                    </a:p>
-                  </a:txBody>
-                  <a:tcPr anchor="ctr"/>
-                </a:tc>
-                <a:tc>
-                  <a:txBody>
-                    <a:bodyPr/>
-                    <a:lstStyle/>
-                    <a:p>
-                      <a:pPr algn="ctr"/>
-                      <a:r>
-                        <a:rPr lang="zh-CN" altLang="en-US" sz="1100" dirty="0"/>
-                        <a:t>绝缘子</a:t>
-                      </a:r>
-                      <a:endParaRPr lang="zh-CN" altLang="en-US" sz="1100" dirty="0"/>
-                    </a:p>
-                  </a:txBody>
-                  <a:tcPr anchor="ctr"/>
-                </a:tc>
-                <a:tc>
-                  <a:txBody>
-                    <a:bodyPr/>
-                    <a:lstStyle/>
-                    <a:p>
-                      <a:pPr algn="ctr"/>
-                      <a:r>
-                        <a:rPr lang="zh-CN" altLang="en-US" sz="1100" dirty="0"/>
-                        <a:t>野外</a:t>
-                      </a:r>
-                      <a:endParaRPr lang="zh-CN" altLang="en-US" sz="1100" dirty="0"/>
-                    </a:p>
-                  </a:txBody>
-                  <a:tcPr anchor="ctr"/>
-                </a:tc>
-                <a:tc>
-                  <a:txBody>
-                    <a:bodyPr/>
-                    <a:lstStyle/>
-                    <a:p>
-                      <a:pPr algn="ctr"/>
-                      <a:r>
-                        <a:rPr lang="zh-CN" altLang="en-US" sz="1100" dirty="0"/>
-                        <a:t>金具</a:t>
-                      </a:r>
-                      <a:endParaRPr lang="zh-CN" altLang="en-US" sz="1100" dirty="0"/>
-                    </a:p>
-                  </a:txBody>
-                  <a:tcPr anchor="ctr"/>
-                </a:tc>
-                <a:tc>
-                  <a:txBody>
-                    <a:bodyPr/>
-                    <a:lstStyle/>
-                    <a:p>
-                      <a:pPr algn="ctr"/>
-                      <a:r>
-                        <a:rPr lang="zh-CN" altLang="en-US" sz="1100" dirty="0"/>
-                        <a:t>导线</a:t>
-                      </a:r>
-                      <a:endParaRPr lang="zh-CN" altLang="en-US" sz="1100" dirty="0"/>
-                    </a:p>
-                  </a:txBody>
-                  <a:tcPr anchor="ctr"/>
-                </a:tc>
-                <a:tc>
-                  <a:txBody>
-                    <a:bodyPr/>
-                    <a:lstStyle/>
-                    <a:p>
-                      <a:pPr algn="ctr"/>
-                      <a:r>
-                        <a:rPr lang="zh-CN" altLang="en-US" sz="1100" dirty="0"/>
-                        <a:t>安检</a:t>
-                      </a:r>
-                      <a:endParaRPr lang="zh-CN" altLang="en-US" sz="1100" dirty="0"/>
-                    </a:p>
-                  </a:txBody>
-                  <a:tcPr anchor="ctr"/>
-                </a:tc>
-                <a:tc>
-                  <a:txBody>
-                    <a:bodyPr/>
-                    <a:lstStyle/>
-                    <a:p>
-                      <a:pPr algn="ctr"/>
-                      <a:r>
-                        <a:rPr lang="zh-CN" altLang="en-US" sz="1100" dirty="0"/>
-                        <a:t>附属设施</a:t>
-                      </a:r>
-                      <a:endParaRPr lang="zh-CN" altLang="en-US" sz="1100" dirty="0"/>
-                    </a:p>
-                  </a:txBody>
-                  <a:tcPr anchor="ctr"/>
-                </a:tc>
-                <a:tc>
-                  <a:txBody>
-                    <a:bodyPr/>
-                    <a:lstStyle/>
-                    <a:p>
-                      <a:pPr algn="ctr"/>
-                      <a:r>
-                        <a:rPr lang="zh-CN" altLang="en-US" sz="1100" dirty="0"/>
-                        <a:t>人体</a:t>
-                      </a:r>
-                      <a:endParaRPr lang="zh-CN" altLang="en-US" sz="1100" dirty="0"/>
-                    </a:p>
-                  </a:txBody>
-                  <a:tcPr anchor="ctr"/>
-                </a:tc>
-                <a:tc>
-                  <a:txBody>
-                    <a:bodyPr/>
-                    <a:lstStyle/>
-                    <a:p>
-                      <a:pPr algn="ctr"/>
-                      <a:r>
-                        <a:rPr lang="zh-CN" altLang="en-US" sz="1100" dirty="0"/>
-                        <a:t>塔基</a:t>
-                      </a:r>
-                      <a:endParaRPr lang="zh-CN" altLang="en-US" sz="1100" dirty="0"/>
-                    </a:p>
-                  </a:txBody>
-                  <a:tcPr anchor="ctr"/>
-                </a:tc>
-                <a:tc>
-                  <a:txBody>
-                    <a:bodyPr/>
-                    <a:lstStyle/>
-                    <a:p>
-                      <a:pPr algn="ctr"/>
-                      <a:r>
-                        <a:rPr lang="zh-CN" altLang="en-US" sz="1100" dirty="0"/>
-                        <a:t>异物</a:t>
-                      </a:r>
-                      <a:endParaRPr lang="zh-CN" altLang="en-US" sz="1100" dirty="0"/>
-                    </a:p>
-                  </a:txBody>
-                  <a:tcPr anchor="ctr"/>
-                </a:tc>
-                <a:tc>
-                  <a:txBody>
-                    <a:bodyPr/>
-                    <a:lstStyle/>
-                    <a:p>
-                      <a:pPr algn="ctr"/>
-                      <a:r>
-                        <a:rPr lang="zh-CN" altLang="en-US" sz="1100" dirty="0"/>
-                        <a:t>其他</a:t>
-                      </a:r>
-                      <a:endParaRPr lang="zh-CN" altLang="en-US" sz="1100" dirty="0"/>
-                    </a:p>
-                  </a:txBody>
-                  <a:tcPr anchor="ctr"/>
-                </a:tc>
-              </a:tr>
-              <a:tr h="0">
-                <a:tc>
-                  <a:txBody>
-                    <a:bodyPr/>
-                    <a:lstStyle/>
-                    <a:p>
-                      <a:pPr algn="ctr"/>
-                      <a:endParaRPr lang="zh-CN" altLang="en-US" sz="1100" dirty="0"/>
-                    </a:p>
-                  </a:txBody>
-                  <a:tcPr anchor="ctr"/>
-                </a:tc>
-                <a:tc>
-                  <a:txBody>
-                    <a:bodyPr/>
-                    <a:lstStyle/>
-                    <a:p>
-                      <a:pPr algn="ctr"/>
-                      <a:endParaRPr lang="zh-CN" altLang="en-US" sz="1100" dirty="0"/>
-                    </a:p>
-                  </a:txBody>
-                  <a:tcPr anchor="ctr"/>
-                </a:tc>
-                <a:tc>
-                  <a:txBody>
-                    <a:bodyPr/>
-                    <a:lstStyle/>
-                    <a:p>
-                      <a:pPr algn="ctr"/>
-                      <a:endParaRPr lang="zh-CN" altLang="en-US" sz="1100" dirty="0"/>
-                    </a:p>
-                  </a:txBody>
-                  <a:tcPr anchor="ctr"/>
-                </a:tc>
-                <a:tc>
-                  <a:txBody>
-                    <a:bodyPr/>
-                    <a:lstStyle/>
-                    <a:p>
-                      <a:pPr algn="ctr"/>
-                      <a:endParaRPr lang="zh-CN" altLang="en-US" sz="1100" dirty="0"/>
-                    </a:p>
-                  </a:txBody>
-                  <a:tcPr anchor="ctr"/>
-                </a:tc>
-                <a:tc>
-                  <a:txBody>
-                    <a:bodyPr/>
-                    <a:lstStyle/>
-                    <a:p>
-                      <a:pPr algn="ctr"/>
-                      <a:endParaRPr lang="zh-CN" altLang="en-US" sz="1100" dirty="0"/>
-                    </a:p>
-                  </a:txBody>
-                  <a:tcPr anchor="ctr"/>
-                </a:tc>
-                <a:tc>
-                  <a:txBody>
-                    <a:bodyPr/>
-                    <a:lstStyle/>
-                    <a:p>
-                      <a:pPr algn="ctr"/>
-                      <a:endParaRPr lang="zh-CN" altLang="en-US" sz="1100" dirty="0"/>
-                    </a:p>
-                  </a:txBody>
-                  <a:tcPr anchor="ctr"/>
-                </a:tc>
-                <a:tc>
-                  <a:txBody>
-                    <a:bodyPr/>
-                    <a:lstStyle/>
-                    <a:p>
-                      <a:pPr algn="ctr"/>
-                      <a:endParaRPr lang="zh-CN" altLang="en-US" sz="1100" dirty="0"/>
-                    </a:p>
-                  </a:txBody>
-                  <a:tcPr anchor="ctr"/>
-                </a:tc>
-                <a:tc>
-                  <a:txBody>
-                    <a:bodyPr/>
-                    <a:lstStyle/>
-                    <a:p>
-                      <a:pPr algn="ctr"/>
-                      <a:endParaRPr lang="zh-CN" altLang="en-US" sz="1100" dirty="0"/>
-                    </a:p>
-                  </a:txBody>
-                  <a:tcPr anchor="ctr"/>
-                </a:tc>
-                <a:tc>
-                  <a:txBody>
-                    <a:bodyPr/>
-                    <a:lstStyle/>
-                    <a:p>
-                      <a:pPr algn="ctr"/>
-                      <a:endParaRPr lang="zh-CN" altLang="en-US" sz="1100" dirty="0"/>
-                    </a:p>
-                  </a:txBody>
-                  <a:tcPr anchor="ctr"/>
-                </a:tc>
-                <a:tc>
-                  <a:txBody>
-                    <a:bodyPr/>
-                    <a:lstStyle/>
-                    <a:p>
-                      <a:pPr algn="ctr"/>
-                      <a:endParaRPr lang="zh-CN" altLang="en-US" sz="1100" dirty="0"/>
-                    </a:p>
-                  </a:txBody>
-                  <a:tcPr anchor="ctr"/>
-                </a:tc>
-                <a:tc>
-                  <a:txBody>
-                    <a:bodyPr/>
-                    <a:lstStyle/>
-                    <a:p>
-                      <a:pPr algn="ctr"/>
-                      <a:endParaRPr lang="zh-CN" altLang="en-US" sz="1100" dirty="0"/>
-                    </a:p>
-                  </a:txBody>
-                  <a:tcPr anchor="ctr"/>
-                </a:tc>
-                <a:tc>
-                  <a:txBody>
-                    <a:bodyPr/>
-                    <a:lstStyle/>
-                    <a:p>
-                      <a:pPr algn="ctr"/>
-                      <a:endParaRPr lang="zh-CN" altLang="en-US" sz="1100" dirty="0"/>
-                    </a:p>
-                  </a:txBody>
-                  <a:tcPr anchor="ctr"/>
-                </a:tc>
-                <a:tc>
-                  <a:txBody>
-                    <a:bodyPr/>
-                    <a:lstStyle/>
-                    <a:p>
-                      <a:pPr algn="ctr"/>
-                      <a:endParaRPr lang="zh-CN" altLang="en-US" sz="1100" dirty="0"/>
-                    </a:p>
-                  </a:txBody>
-                  <a:tcPr anchor="ctr"/>
-                </a:tc>
-                <a:tc>
-                  <a:txBody>
-                    <a:bodyPr/>
-                    <a:lstStyle/>
-                    <a:p>
-                      <a:pPr algn="ctr"/>
-                      <a:endParaRPr lang="zh-CN" altLang="en-US" sz="1100" dirty="0"/>
-                    </a:p>
-                  </a:txBody>
-                  <a:tcPr anchor="ctr"/>
-                </a:tc>
-                <a:tc>
-                  <a:txBody>
-                    <a:bodyPr/>
-                    <a:lstStyle/>
-                    <a:p>
-                      <a:pPr algn="ctr"/>
-                      <a:endParaRPr lang="zh-CN" altLang="en-US" sz="1100" dirty="0"/>
-                    </a:p>
-                  </a:txBody>
-                  <a:tcPr anchor="ctr"/>
-                </a:tc>
-                <a:tc>
-                  <a:txBody>
-                    <a:bodyPr/>
-                    <a:lstStyle/>
-                    <a:p>
-                      <a:pPr algn="ctr"/>
-                      <a:endParaRPr lang="zh-CN" altLang="en-US" sz="1100" dirty="0"/>
-                    </a:p>
-                  </a:txBody>
-                  <a:tcPr anchor="ctr"/>
-                </a:tc>
-                <a:tc>
-                  <a:txBody>
-                    <a:bodyPr/>
-                    <a:lstStyle/>
-                    <a:p>
-                      <a:pPr algn="ctr"/>
-                      <a:endParaRPr lang="en-US" altLang="zh-CN" sz="1100" dirty="0"/>
-                    </a:p>
-                  </a:txBody>
-                  <a:tcPr anchor="ctr"/>
-                </a:tc>
-              </a:tr>
-            </a:tbl>
-          </a:graphicData>
-        </a:graphic>
-      </p:graphicFrame>
-      <p:sp>
-        <p:nvSpPr>
-          <p:cNvPr id="6" name="文本框 5"/>
+              <a:rPr lang="zh-CN" altLang="en-US" dirty="0"/>
+              <a:t>需要注意的点：</a:t>
+            </a:r>
+            <a:endParaRPr lang="en-US" altLang="zh-CN" dirty="0"/>
+          </a:p>
+          <a:p>
+            <a:r>
+              <a:rPr lang="zh-CN" altLang="en-US" dirty="0"/>
+              <a:t>导出的数据，要做持久化记录。记录导出日期，下次查找，可从导出日期开始查找即可，无需从头开始。存留</a:t>
+            </a:r>
+            <a:r>
+              <a:rPr lang="en-US" altLang="zh-CN" dirty="0"/>
+              <a:t>TXT</a:t>
+            </a:r>
+            <a:r>
+              <a:rPr lang="zh-CN" altLang="en-US" dirty="0"/>
+              <a:t>即可，无需额外增加数据库的负担。</a:t>
+            </a:r>
+            <a:endParaRPr lang="en-US" altLang="zh-CN" dirty="0"/>
+          </a:p>
+          <a:p>
+            <a:endParaRPr lang="en-US" altLang="zh-CN" dirty="0"/>
+          </a:p>
+          <a:p>
+            <a:r>
+              <a:rPr lang="zh-CN" altLang="en-US" dirty="0"/>
+              <a:t>数据库更新后，要把大类和小类的更新日期记录下来。每次查询从最后一次更新开始查询。</a:t>
+            </a:r>
+          </a:p>
+        </p:txBody>
+      </p:sp>
+      <p:sp>
+        <p:nvSpPr>
+          <p:cNvPr id="2" name="文本框 1"/>
           <p:cNvSpPr txBox="1"/>
           <p:nvPr/>
         </p:nvSpPr>
         <p:spPr>
           <a:xfrm>
-            <a:off x="1" y="1251980"/>
-            <a:ext cx="2094655" cy="369332"/>
+            <a:off x="323462" y="2273300"/>
+            <a:ext cx="11449438" cy="646331"/>
           </a:xfrm>
           <a:prstGeom prst="rect">
             <a:avLst/>
@@ -7788,2311 +10199,6 @@
           <a:lstStyle/>
           <a:p>
             <a:r>
-              <a:rPr lang="zh-CN" altLang="en-US" dirty="0">
-                <a:solidFill>
-                  <a:srgbClr val="FF0000"/>
-                </a:solidFill>
-              </a:rPr>
-              <a:t>表名：其他信息表</a:t>
-            </a:r>
-            <a:endParaRPr lang="zh-CN" altLang="en-US" dirty="0">
-              <a:solidFill>
-                <a:srgbClr val="FF0000"/>
-              </a:solidFill>
-            </a:endParaRPr>
-          </a:p>
-        </p:txBody>
-      </p:sp>
-      <p:graphicFrame>
-        <p:nvGraphicFramePr>
-          <p:cNvPr id="8" name="表格 5"/>
-          <p:cNvGraphicFramePr>
-            <a:graphicFrameLocks noGrp="1"/>
-          </p:cNvGraphicFramePr>
-          <p:nvPr/>
-        </p:nvGraphicFramePr>
-        <p:xfrm>
-          <a:off x="-2" y="1601662"/>
-          <a:ext cx="7165911" cy="525191"/>
-        </p:xfrm>
-        <a:graphic>
-          <a:graphicData uri="http://schemas.openxmlformats.org/drawingml/2006/table">
-            <a:tbl>
-              <a:tblPr firstRow="1" bandRow="1">
-                <a:tableStyleId>{5C22544A-7EE6-4342-B048-85BDC9FD1C3A}</a:tableStyleId>
-              </a:tblPr>
-              <a:tblGrid>
-                <a:gridCol w="1101364"/>
-                <a:gridCol w="910743"/>
-                <a:gridCol w="593039"/>
-                <a:gridCol w="593039"/>
-                <a:gridCol w="593039"/>
-                <a:gridCol w="748362"/>
-                <a:gridCol w="762480"/>
-                <a:gridCol w="899683"/>
-                <a:gridCol w="964162"/>
-              </a:tblGrid>
-              <a:tr h="266111">
-                <a:tc>
-                  <a:txBody>
-                    <a:bodyPr/>
-                    <a:lstStyle/>
-                    <a:p>
-                      <a:pPr algn="ctr"/>
-                      <a:r>
-                        <a:rPr lang="zh-CN" altLang="en-US" sz="1100" dirty="0"/>
-                        <a:t>唯一编码</a:t>
-                      </a:r>
-                      <a:endParaRPr lang="zh-CN" altLang="en-US" sz="1100" dirty="0"/>
-                    </a:p>
-                  </a:txBody>
-                  <a:tcPr anchor="ctr"/>
-                </a:tc>
-                <a:tc>
-                  <a:txBody>
-                    <a:bodyPr/>
-                    <a:lstStyle/>
-                    <a:p>
-                      <a:pPr algn="ctr"/>
-                      <a:r>
-                        <a:rPr lang="zh-CN" altLang="en-US" sz="1100" dirty="0"/>
-                        <a:t>原名</a:t>
-                      </a:r>
-                      <a:endParaRPr lang="zh-CN" altLang="en-US" sz="1100" dirty="0"/>
-                    </a:p>
-                  </a:txBody>
-                  <a:tcPr anchor="ctr"/>
-                </a:tc>
-                <a:tc>
-                  <a:txBody>
-                    <a:bodyPr/>
-                    <a:lstStyle/>
-                    <a:p>
-                      <a:pPr algn="ctr"/>
-                      <a:r>
-                        <a:rPr lang="zh-CN" altLang="en-US" sz="1100" dirty="0"/>
-                        <a:t>宽</a:t>
-                      </a:r>
-                      <a:endParaRPr lang="zh-CN" altLang="en-US" sz="1100" dirty="0"/>
-                    </a:p>
-                  </a:txBody>
-                  <a:tcPr anchor="ctr"/>
-                </a:tc>
-                <a:tc>
-                  <a:txBody>
-                    <a:bodyPr/>
-                    <a:lstStyle/>
-                    <a:p>
-                      <a:pPr algn="ctr"/>
-                      <a:r>
-                        <a:rPr lang="zh-CN" altLang="en-US" sz="1100" dirty="0"/>
-                        <a:t>高</a:t>
-                      </a:r>
-                      <a:endParaRPr lang="zh-CN" altLang="en-US" sz="1100" dirty="0"/>
-                    </a:p>
-                  </a:txBody>
-                  <a:tcPr anchor="ctr"/>
-                </a:tc>
-                <a:tc>
-                  <a:txBody>
-                    <a:bodyPr/>
-                    <a:lstStyle/>
-                    <a:p>
-                      <a:pPr algn="ctr"/>
-                      <a:r>
-                        <a:rPr lang="en-US" altLang="zh-CN" sz="1100" dirty="0"/>
-                        <a:t>md5</a:t>
-                      </a:r>
-                      <a:endParaRPr lang="zh-CN" altLang="en-US" sz="1100" dirty="0"/>
-                    </a:p>
-                  </a:txBody>
-                  <a:tcPr anchor="ctr"/>
-                </a:tc>
-                <a:tc>
-                  <a:txBody>
-                    <a:bodyPr/>
-                    <a:lstStyle/>
-                    <a:p>
-                      <a:pPr algn="ctr"/>
-                      <a:r>
-                        <a:rPr lang="zh-CN" altLang="en-US" sz="1100" dirty="0"/>
-                        <a:t>分割标注</a:t>
-                      </a:r>
-                      <a:endParaRPr lang="zh-CN" altLang="en-US" sz="1100" dirty="0"/>
-                    </a:p>
-                  </a:txBody>
-                  <a:tcPr anchor="ctr"/>
-                </a:tc>
-                <a:tc>
-                  <a:txBody>
-                    <a:bodyPr/>
-                    <a:lstStyle/>
-                    <a:p>
-                      <a:pPr algn="ctr"/>
-                      <a:r>
-                        <a:rPr lang="zh-CN" altLang="en-US" sz="1100" dirty="0"/>
-                        <a:t>斜框标注</a:t>
-                      </a:r>
-                      <a:endParaRPr lang="zh-CN" altLang="en-US" sz="1100" dirty="0"/>
-                    </a:p>
-                  </a:txBody>
-                  <a:tcPr anchor="ctr"/>
-                </a:tc>
-                <a:tc>
-                  <a:txBody>
-                    <a:bodyPr/>
-                    <a:lstStyle/>
-                    <a:p>
-                      <a:pPr algn="ctr"/>
-                      <a:r>
-                        <a:rPr lang="zh-CN" altLang="en-US" sz="1100" dirty="0"/>
-                        <a:t>点线标注</a:t>
-                      </a:r>
-                      <a:endParaRPr lang="zh-CN" altLang="en-US" sz="1100" dirty="0"/>
-                    </a:p>
-                  </a:txBody>
-                  <a:tcPr anchor="ctr"/>
-                </a:tc>
-                <a:tc>
-                  <a:txBody>
-                    <a:bodyPr/>
-                    <a:lstStyle/>
-                    <a:p>
-                      <a:pPr algn="ctr"/>
-                      <a:r>
-                        <a:rPr lang="zh-CN" altLang="en-US" sz="1100" dirty="0"/>
-                        <a:t>训练信息</a:t>
-                      </a:r>
-                      <a:endParaRPr lang="zh-CN" altLang="en-US" sz="1100" dirty="0"/>
-                    </a:p>
-                  </a:txBody>
-                  <a:tcPr anchor="ctr"/>
-                </a:tc>
-              </a:tr>
-              <a:tr h="0">
-                <a:tc>
-                  <a:txBody>
-                    <a:bodyPr/>
-                    <a:lstStyle/>
-                    <a:p>
-                      <a:pPr algn="ctr"/>
-                      <a:r>
-                        <a:rPr lang="en-US" altLang="zh-CN" sz="1100" dirty="0" err="1"/>
-                        <a:t>asdfghj</a:t>
-                      </a:r>
-                      <a:endParaRPr lang="zh-CN" altLang="en-US" sz="1100" dirty="0"/>
-                    </a:p>
-                  </a:txBody>
-                  <a:tcPr anchor="ctr"/>
-                </a:tc>
-                <a:tc>
-                  <a:txBody>
-                    <a:bodyPr/>
-                    <a:lstStyle/>
-                    <a:p>
-                      <a:pPr algn="ctr"/>
-                      <a:r>
-                        <a:rPr lang="en-US" altLang="zh-CN" sz="1100" dirty="0"/>
-                        <a:t>DJ_123456</a:t>
-                      </a:r>
-                      <a:endParaRPr lang="zh-CN" altLang="en-US" sz="1100" dirty="0"/>
-                    </a:p>
-                  </a:txBody>
-                  <a:tcPr anchor="ctr"/>
-                </a:tc>
-                <a:tc>
-                  <a:txBody>
-                    <a:bodyPr/>
-                    <a:lstStyle/>
-                    <a:p>
-                      <a:pPr algn="ctr"/>
-                      <a:r>
-                        <a:rPr lang="en-US" altLang="zh-CN" sz="1100" dirty="0"/>
-                        <a:t>100</a:t>
-                      </a:r>
-                      <a:endParaRPr lang="zh-CN" altLang="en-US" sz="1100" dirty="0"/>
-                    </a:p>
-                  </a:txBody>
-                  <a:tcPr anchor="ctr"/>
-                </a:tc>
-                <a:tc>
-                  <a:txBody>
-                    <a:bodyPr/>
-                    <a:lstStyle/>
-                    <a:p>
-                      <a:pPr algn="ctr"/>
-                      <a:r>
-                        <a:rPr lang="en-US" altLang="zh-CN" sz="1100" dirty="0"/>
-                        <a:t>100</a:t>
-                      </a:r>
-                      <a:endParaRPr lang="zh-CN" altLang="en-US" sz="1100" dirty="0"/>
-                    </a:p>
-                  </a:txBody>
-                  <a:tcPr anchor="ctr"/>
-                </a:tc>
-                <a:tc>
-                  <a:txBody>
-                    <a:bodyPr/>
-                    <a:lstStyle/>
-                    <a:p>
-                      <a:pPr algn="ctr"/>
-                      <a:r>
-                        <a:rPr lang="en-US" altLang="zh-CN" sz="1100" dirty="0" err="1"/>
-                        <a:t>sdgsj</a:t>
-                      </a:r>
-                      <a:endParaRPr lang="zh-CN" altLang="en-US" sz="1100" dirty="0"/>
-                    </a:p>
-                  </a:txBody>
-                  <a:tcPr anchor="ctr"/>
-                </a:tc>
-                <a:tc>
-                  <a:txBody>
-                    <a:bodyPr/>
-                    <a:lstStyle/>
-                    <a:p>
-                      <a:pPr algn="ctr"/>
-                      <a:r>
-                        <a:rPr lang="en-US" altLang="zh-CN" sz="1100" dirty="0"/>
-                        <a:t>0</a:t>
-                      </a:r>
-                      <a:endParaRPr lang="zh-CN" altLang="en-US" sz="1100" dirty="0"/>
-                    </a:p>
-                  </a:txBody>
-                  <a:tcPr anchor="ctr"/>
-                </a:tc>
-                <a:tc>
-                  <a:txBody>
-                    <a:bodyPr/>
-                    <a:lstStyle/>
-                    <a:p>
-                      <a:pPr algn="ctr"/>
-                      <a:r>
-                        <a:rPr lang="en-US" altLang="zh-CN" sz="1100" dirty="0"/>
-                        <a:t>0</a:t>
-                      </a:r>
-                      <a:endParaRPr lang="zh-CN" altLang="en-US" sz="1100" dirty="0"/>
-                    </a:p>
-                  </a:txBody>
-                  <a:tcPr anchor="ctr"/>
-                </a:tc>
-                <a:tc>
-                  <a:txBody>
-                    <a:bodyPr/>
-                    <a:lstStyle/>
-                    <a:p>
-                      <a:pPr algn="ctr"/>
-                      <a:r>
-                        <a:rPr lang="en-US" altLang="zh-CN" sz="1100" dirty="0"/>
-                        <a:t>0</a:t>
-                      </a:r>
-                      <a:endParaRPr lang="zh-CN" altLang="en-US" sz="1100" dirty="0"/>
-                    </a:p>
-                  </a:txBody>
-                  <a:tcPr anchor="ctr"/>
-                </a:tc>
-                <a:tc>
-                  <a:txBody>
-                    <a:bodyPr/>
-                    <a:lstStyle/>
-                    <a:p>
-                      <a:pPr algn="ctr"/>
-                      <a:r>
-                        <a:rPr lang="en-US" altLang="zh-CN" sz="1100" dirty="0"/>
-                        <a:t>V1.1.1</a:t>
-                      </a:r>
-                      <a:endParaRPr lang="zh-CN" altLang="en-US" sz="1100" dirty="0"/>
-                    </a:p>
-                  </a:txBody>
-                  <a:tcPr anchor="ctr"/>
-                </a:tc>
-              </a:tr>
-            </a:tbl>
-          </a:graphicData>
-        </a:graphic>
-      </p:graphicFrame>
-      <p:sp>
-        <p:nvSpPr>
-          <p:cNvPr id="13" name="文本框 12"/>
-          <p:cNvSpPr txBox="1"/>
-          <p:nvPr/>
-        </p:nvSpPr>
-        <p:spPr>
-          <a:xfrm>
-            <a:off x="34922" y="3854117"/>
-            <a:ext cx="2362200" cy="369332"/>
-          </a:xfrm>
-          <a:prstGeom prst="rect">
-            <a:avLst/>
-          </a:prstGeom>
-          <a:noFill/>
-        </p:spPr>
-        <p:txBody>
-          <a:bodyPr wrap="square" rtlCol="0">
-            <a:spAutoFit/>
-          </a:bodyPr>
-          <a:lstStyle/>
-          <a:p>
-            <a:r>
-              <a:rPr lang="zh-CN" altLang="en-US" dirty="0">
-                <a:solidFill>
-                  <a:srgbClr val="FF0000"/>
-                </a:solidFill>
-              </a:rPr>
-              <a:t>表名：绝缘子标注表</a:t>
-            </a:r>
-            <a:endParaRPr lang="zh-CN" altLang="en-US" dirty="0">
-              <a:solidFill>
-                <a:srgbClr val="FF0000"/>
-              </a:solidFill>
-            </a:endParaRPr>
-          </a:p>
-        </p:txBody>
-      </p:sp>
-      <p:cxnSp>
-        <p:nvCxnSpPr>
-          <p:cNvPr id="15" name="直接连接符 14"/>
-          <p:cNvCxnSpPr/>
-          <p:nvPr/>
-        </p:nvCxnSpPr>
-        <p:spPr>
-          <a:xfrm flipV="1">
-            <a:off x="34922" y="3834299"/>
-            <a:ext cx="12122156" cy="19818"/>
-          </a:xfrm>
-          <a:prstGeom prst="line">
-            <a:avLst/>
-          </a:prstGeom>
-          <a:ln w="38100"/>
-        </p:spPr>
-        <p:style>
-          <a:lnRef idx="1">
-            <a:schemeClr val="accent1"/>
-          </a:lnRef>
-          <a:fillRef idx="0">
-            <a:schemeClr val="accent1"/>
-          </a:fillRef>
-          <a:effectRef idx="0">
-            <a:schemeClr val="accent1"/>
-          </a:effectRef>
-          <a:fontRef idx="minor">
-            <a:schemeClr val="tx1"/>
-          </a:fontRef>
-        </p:style>
-      </p:cxnSp>
-      <p:sp>
-        <p:nvSpPr>
-          <p:cNvPr id="16" name="文本框 15"/>
-          <p:cNvSpPr txBox="1"/>
-          <p:nvPr/>
-        </p:nvSpPr>
-        <p:spPr>
-          <a:xfrm>
-            <a:off x="15875" y="3484784"/>
-            <a:ext cx="1346200" cy="923330"/>
-          </a:xfrm>
-          <a:prstGeom prst="rect">
-            <a:avLst/>
-          </a:prstGeom>
-          <a:noFill/>
-        </p:spPr>
-        <p:txBody>
-          <a:bodyPr wrap="square" rtlCol="0">
-            <a:spAutoFit/>
-          </a:bodyPr>
-          <a:lstStyle/>
-          <a:p>
-            <a:r>
-              <a:rPr lang="zh-CN" altLang="en-US" dirty="0"/>
-              <a:t>图片小类表</a:t>
-            </a:r>
-            <a:r>
-              <a:rPr lang="zh-CN" altLang="zh-CN" b="1" dirty="0">
-                <a:solidFill>
-                  <a:srgbClr val="FFFFFF"/>
-                </a:solidFill>
-                <a:latin typeface="等线" panose="02010600030101010101" pitchFamily="2" charset="-122"/>
-              </a:rPr>
-              <a:t>部件</a:t>
-            </a:r>
-            <a:endParaRPr lang="zh-CN" altLang="zh-CN" dirty="0">
-              <a:latin typeface="Arial" panose="020B0604020202020204" pitchFamily="34" charset="0"/>
-            </a:endParaRPr>
-          </a:p>
-          <a:p>
-            <a:endParaRPr lang="zh-CN" altLang="en-US" dirty="0"/>
-          </a:p>
-        </p:txBody>
-      </p:sp>
-      <p:graphicFrame>
-        <p:nvGraphicFramePr>
-          <p:cNvPr id="18" name="表格 5"/>
-          <p:cNvGraphicFramePr>
-            <a:graphicFrameLocks noGrp="1"/>
-          </p:cNvGraphicFramePr>
-          <p:nvPr/>
-        </p:nvGraphicFramePr>
-        <p:xfrm>
-          <a:off x="41271" y="4190176"/>
-          <a:ext cx="9922802" cy="396240"/>
-        </p:xfrm>
-        <a:graphic>
-          <a:graphicData uri="http://schemas.openxmlformats.org/drawingml/2006/table">
-            <a:tbl>
-              <a:tblPr firstRow="1" bandRow="1">
-                <a:tableStyleId>{5C22544A-7EE6-4342-B048-85BDC9FD1C3A}</a:tableStyleId>
-              </a:tblPr>
-              <a:tblGrid>
-                <a:gridCol w="564568"/>
-                <a:gridCol w="680377"/>
-                <a:gridCol w="698715"/>
-                <a:gridCol w="715118"/>
-                <a:gridCol w="482536"/>
-                <a:gridCol w="709328"/>
-                <a:gridCol w="492187"/>
-                <a:gridCol w="574221"/>
-                <a:gridCol w="463235"/>
-                <a:gridCol w="468058"/>
-                <a:gridCol w="680377"/>
-                <a:gridCol w="690027"/>
-                <a:gridCol w="386031"/>
-                <a:gridCol w="390855"/>
-                <a:gridCol w="410156"/>
-                <a:gridCol w="366408"/>
-                <a:gridCol w="366408"/>
-                <a:gridCol w="366408"/>
-                <a:gridCol w="417789"/>
-              </a:tblGrid>
-              <a:tr h="0">
-                <a:tc>
-                  <a:txBody>
-                    <a:bodyPr/>
-                    <a:lstStyle/>
-                    <a:p>
-                      <a:pPr algn="ctr"/>
-                      <a:r>
-                        <a:rPr lang="zh-CN" altLang="en-US" sz="700" dirty="0"/>
-                        <a:t>唯一编码</a:t>
-                      </a:r>
-                      <a:endParaRPr lang="zh-CN" altLang="en-US" sz="700" dirty="0"/>
-                    </a:p>
-                  </a:txBody>
-                  <a:tcPr anchor="ctr"/>
-                </a:tc>
-                <a:tc>
-                  <a:txBody>
-                    <a:bodyPr/>
-                    <a:lstStyle/>
-                    <a:p>
-                      <a:pPr algn="ctr"/>
-                      <a:r>
-                        <a:rPr lang="zh-CN" altLang="en-US" sz="700" dirty="0"/>
-                        <a:t>陶瓷绝缘子</a:t>
-                      </a:r>
-                      <a:endParaRPr lang="zh-CN" altLang="en-US" sz="700" dirty="0"/>
-                    </a:p>
-                  </a:txBody>
-                  <a:tcPr anchor="ctr"/>
-                </a:tc>
-                <a:tc>
-                  <a:txBody>
-                    <a:bodyPr/>
-                    <a:lstStyle/>
-                    <a:p>
-                      <a:pPr algn="ctr"/>
-                      <a:r>
-                        <a:rPr lang="zh-CN" altLang="en-US" sz="700" dirty="0"/>
-                        <a:t>复合绝缘子</a:t>
-                      </a:r>
-                      <a:endParaRPr lang="zh-CN" altLang="en-US" sz="700" dirty="0"/>
-                    </a:p>
-                  </a:txBody>
-                  <a:tcPr anchor="ctr"/>
-                </a:tc>
-                <a:tc>
-                  <a:txBody>
-                    <a:bodyPr/>
-                    <a:lstStyle/>
-                    <a:p>
-                      <a:pPr algn="ctr"/>
-                      <a:r>
-                        <a:rPr lang="zh-CN" altLang="en-US" sz="700" dirty="0"/>
-                        <a:t>玻璃绝缘子</a:t>
-                      </a:r>
-                      <a:endParaRPr lang="zh-CN" altLang="en-US" sz="700" dirty="0"/>
-                    </a:p>
-                  </a:txBody>
-                  <a:tcPr anchor="ctr"/>
-                </a:tc>
-                <a:tc>
-                  <a:txBody>
-                    <a:bodyPr/>
-                    <a:lstStyle/>
-                    <a:p>
-                      <a:pPr algn="ctr"/>
-                      <a:r>
-                        <a:rPr lang="zh-CN" altLang="en-US" sz="700" dirty="0"/>
-                        <a:t>瓷瓶棒</a:t>
-                      </a:r>
-                      <a:endParaRPr lang="zh-CN" altLang="en-US" sz="700" dirty="0"/>
-                    </a:p>
-                  </a:txBody>
-                  <a:tcPr anchor="ctr"/>
-                </a:tc>
-                <a:tc>
-                  <a:txBody>
-                    <a:bodyPr/>
-                    <a:lstStyle/>
-                    <a:p>
-                      <a:pPr algn="ctr"/>
-                      <a:r>
-                        <a:rPr lang="zh-CN" altLang="en-US" sz="700" dirty="0"/>
-                        <a:t>地线绝缘子</a:t>
-                      </a:r>
-                      <a:endParaRPr lang="zh-CN" altLang="en-US" sz="700" dirty="0"/>
-                    </a:p>
-                  </a:txBody>
-                  <a:tcPr anchor="ctr"/>
-                </a:tc>
-                <a:tc>
-                  <a:txBody>
-                    <a:bodyPr/>
-                    <a:lstStyle/>
-                    <a:p>
-                      <a:pPr algn="ctr"/>
-                      <a:r>
-                        <a:rPr lang="zh-CN" altLang="en-US" sz="700" dirty="0"/>
-                        <a:t>均压环</a:t>
-                      </a:r>
-                      <a:endParaRPr lang="zh-CN" altLang="en-US" sz="700" dirty="0"/>
-                    </a:p>
-                  </a:txBody>
-                  <a:tcPr anchor="ctr"/>
-                </a:tc>
-                <a:tc>
-                  <a:txBody>
-                    <a:bodyPr/>
-                    <a:lstStyle/>
-                    <a:p>
-                      <a:pPr algn="ctr"/>
-                      <a:r>
-                        <a:rPr lang="zh-CN" altLang="en-US" sz="700" dirty="0"/>
-                        <a:t>钢脚钢帽</a:t>
-                      </a:r>
-                      <a:endParaRPr lang="zh-CN" altLang="en-US" sz="700" dirty="0"/>
-                    </a:p>
-                  </a:txBody>
-                  <a:tcPr anchor="ctr"/>
-                </a:tc>
-                <a:tc>
-                  <a:txBody>
-                    <a:bodyPr/>
-                    <a:lstStyle/>
-                    <a:p>
-                      <a:pPr algn="ctr"/>
-                      <a:r>
-                        <a:rPr lang="zh-CN" altLang="en-US" sz="700" dirty="0"/>
-                        <a:t>防污罩</a:t>
-                      </a:r>
-                      <a:endParaRPr lang="zh-CN" altLang="en-US" sz="700" dirty="0"/>
-                    </a:p>
-                  </a:txBody>
-                  <a:tcPr anchor="ctr"/>
-                </a:tc>
-                <a:tc>
-                  <a:txBody>
-                    <a:bodyPr/>
-                    <a:lstStyle/>
-                    <a:p>
-                      <a:pPr algn="ctr"/>
-                      <a:r>
-                        <a:rPr lang="zh-CN" altLang="en-US" sz="700" dirty="0"/>
-                        <a:t>避雷器</a:t>
-                      </a:r>
-                      <a:endParaRPr lang="zh-CN" altLang="en-US" sz="700" dirty="0"/>
-                    </a:p>
-                  </a:txBody>
-                  <a:tcPr anchor="ctr"/>
-                </a:tc>
-                <a:tc>
-                  <a:txBody>
-                    <a:bodyPr/>
-                    <a:lstStyle/>
-                    <a:p>
-                      <a:pPr algn="ctr"/>
-                      <a:r>
-                        <a:rPr lang="zh-CN" altLang="en-US" sz="700" dirty="0"/>
-                        <a:t>横担绝缘子</a:t>
-                      </a:r>
-                      <a:endParaRPr lang="zh-CN" altLang="en-US" sz="700" dirty="0"/>
-                    </a:p>
-                  </a:txBody>
-                  <a:tcPr anchor="ctr"/>
-                </a:tc>
-                <a:tc>
-                  <a:txBody>
-                    <a:bodyPr/>
-                    <a:lstStyle/>
-                    <a:p>
-                      <a:pPr algn="ctr"/>
-                      <a:r>
-                        <a:rPr lang="zh-CN" altLang="en-US" sz="700" dirty="0"/>
-                        <a:t>所有绝缘子</a:t>
-                      </a:r>
-                      <a:endParaRPr lang="zh-CN" altLang="en-US" sz="700" dirty="0"/>
-                    </a:p>
-                  </a:txBody>
-                  <a:tcPr anchor="ctr"/>
-                </a:tc>
-                <a:tc>
-                  <a:txBody>
-                    <a:bodyPr/>
-                    <a:lstStyle/>
-                    <a:p>
-                      <a:pPr algn="ctr"/>
-                      <a:r>
-                        <a:rPr lang="zh-CN" altLang="en-US" sz="700" dirty="0"/>
-                        <a:t>自爆</a:t>
-                      </a:r>
-                      <a:endParaRPr lang="zh-CN" altLang="en-US" sz="700" dirty="0"/>
-                    </a:p>
-                  </a:txBody>
-                  <a:tcPr anchor="ctr"/>
-                </a:tc>
-                <a:tc>
-                  <a:txBody>
-                    <a:bodyPr/>
-                    <a:lstStyle/>
-                    <a:p>
-                      <a:pPr algn="ctr"/>
-                      <a:r>
-                        <a:rPr lang="zh-CN" altLang="en-US" sz="700" dirty="0"/>
-                        <a:t>破损</a:t>
-                      </a:r>
-                      <a:endParaRPr lang="zh-CN" altLang="en-US" sz="700" dirty="0"/>
-                    </a:p>
-                  </a:txBody>
-                  <a:tcPr anchor="ctr"/>
-                </a:tc>
-                <a:tc>
-                  <a:txBody>
-                    <a:bodyPr/>
-                    <a:lstStyle/>
-                    <a:p>
-                      <a:pPr algn="ctr"/>
-                      <a:r>
-                        <a:rPr lang="zh-CN" altLang="en-US" sz="700" dirty="0"/>
-                        <a:t>脏污</a:t>
-                      </a:r>
-                      <a:endParaRPr lang="zh-CN" altLang="en-US" sz="700" dirty="0"/>
-                    </a:p>
-                  </a:txBody>
-                  <a:tcPr anchor="ctr"/>
-                </a:tc>
-                <a:tc>
-                  <a:txBody>
-                    <a:bodyPr/>
-                    <a:lstStyle/>
-                    <a:p>
-                      <a:pPr algn="ctr"/>
-                      <a:r>
-                        <a:rPr lang="zh-CN" altLang="en-US" sz="700" dirty="0"/>
-                        <a:t>雷击</a:t>
-                      </a:r>
-                      <a:endParaRPr lang="zh-CN" altLang="en-US" sz="700" dirty="0"/>
-                    </a:p>
-                  </a:txBody>
-                  <a:tcPr anchor="ctr"/>
-                </a:tc>
-                <a:tc>
-                  <a:txBody>
-                    <a:bodyPr/>
-                    <a:lstStyle/>
-                    <a:p>
-                      <a:pPr algn="ctr"/>
-                      <a:r>
-                        <a:rPr lang="zh-CN" altLang="en-US" sz="700" dirty="0"/>
-                        <a:t>锈蚀</a:t>
-                      </a:r>
-                      <a:endParaRPr lang="zh-CN" altLang="en-US" sz="700" dirty="0"/>
-                    </a:p>
-                  </a:txBody>
-                  <a:tcPr anchor="ctr"/>
-                </a:tc>
-                <a:tc>
-                  <a:txBody>
-                    <a:bodyPr/>
-                    <a:lstStyle/>
-                    <a:p>
-                      <a:pPr algn="ctr"/>
-                      <a:r>
-                        <a:rPr lang="zh-CN" altLang="en-US" sz="700" dirty="0"/>
-                        <a:t>倾斜</a:t>
-                      </a:r>
-                      <a:endParaRPr lang="zh-CN" altLang="en-US" sz="700" dirty="0"/>
-                    </a:p>
-                  </a:txBody>
-                  <a:tcPr anchor="ctr"/>
-                </a:tc>
-                <a:tc>
-                  <a:txBody>
-                    <a:bodyPr/>
-                    <a:lstStyle/>
-                    <a:p>
-                      <a:pPr algn="ctr"/>
-                      <a:r>
-                        <a:rPr lang="zh-CN" altLang="en-US" sz="700" dirty="0"/>
-                        <a:t>正常</a:t>
-                      </a:r>
-                      <a:endParaRPr lang="zh-CN" altLang="en-US" sz="700" dirty="0"/>
-                    </a:p>
-                  </a:txBody>
-                  <a:tcPr anchor="ctr"/>
-                </a:tc>
-              </a:tr>
-              <a:tr h="0">
-                <a:tc>
-                  <a:txBody>
-                    <a:bodyPr/>
-                    <a:lstStyle/>
-                    <a:p>
-                      <a:pPr algn="ctr"/>
-                      <a:endParaRPr lang="zh-CN" altLang="en-US" sz="700" dirty="0"/>
-                    </a:p>
-                  </a:txBody>
-                  <a:tcPr anchor="ctr"/>
-                </a:tc>
-                <a:tc>
-                  <a:txBody>
-                    <a:bodyPr/>
-                    <a:lstStyle/>
-                    <a:p>
-                      <a:pPr algn="ctr"/>
-                      <a:endParaRPr lang="zh-CN" altLang="en-US" sz="700" dirty="0"/>
-                    </a:p>
-                  </a:txBody>
-                  <a:tcPr anchor="ctr"/>
-                </a:tc>
-                <a:tc>
-                  <a:txBody>
-                    <a:bodyPr/>
-                    <a:lstStyle/>
-                    <a:p>
-                      <a:pPr algn="ctr"/>
-                      <a:endParaRPr lang="zh-CN" altLang="en-US" sz="700" dirty="0"/>
-                    </a:p>
-                  </a:txBody>
-                  <a:tcPr anchor="ctr"/>
-                </a:tc>
-                <a:tc>
-                  <a:txBody>
-                    <a:bodyPr/>
-                    <a:lstStyle/>
-                    <a:p>
-                      <a:pPr algn="ctr"/>
-                      <a:endParaRPr lang="zh-CN" altLang="en-US" sz="700" dirty="0"/>
-                    </a:p>
-                  </a:txBody>
-                  <a:tcPr anchor="ctr"/>
-                </a:tc>
-                <a:tc>
-                  <a:txBody>
-                    <a:bodyPr/>
-                    <a:lstStyle/>
-                    <a:p>
-                      <a:pPr algn="ctr"/>
-                      <a:endParaRPr lang="zh-CN" altLang="en-US" sz="700" dirty="0"/>
-                    </a:p>
-                  </a:txBody>
-                  <a:tcPr anchor="ctr"/>
-                </a:tc>
-                <a:tc>
-                  <a:txBody>
-                    <a:bodyPr/>
-                    <a:lstStyle/>
-                    <a:p>
-                      <a:pPr algn="ctr"/>
-                      <a:endParaRPr lang="zh-CN" altLang="en-US" sz="700" dirty="0"/>
-                    </a:p>
-                  </a:txBody>
-                  <a:tcPr anchor="ctr"/>
-                </a:tc>
-                <a:tc>
-                  <a:txBody>
-                    <a:bodyPr/>
-                    <a:lstStyle/>
-                    <a:p>
-                      <a:pPr algn="ctr"/>
-                      <a:endParaRPr lang="zh-CN" altLang="en-US" sz="700" dirty="0"/>
-                    </a:p>
-                  </a:txBody>
-                  <a:tcPr anchor="ctr"/>
-                </a:tc>
-                <a:tc>
-                  <a:txBody>
-                    <a:bodyPr/>
-                    <a:lstStyle/>
-                    <a:p>
-                      <a:pPr algn="ctr"/>
-                      <a:endParaRPr lang="zh-CN" altLang="en-US" sz="700" dirty="0"/>
-                    </a:p>
-                  </a:txBody>
-                  <a:tcPr anchor="ctr"/>
-                </a:tc>
-                <a:tc>
-                  <a:txBody>
-                    <a:bodyPr/>
-                    <a:lstStyle/>
-                    <a:p>
-                      <a:pPr algn="ctr"/>
-                      <a:endParaRPr lang="zh-CN" altLang="en-US" sz="700" dirty="0"/>
-                    </a:p>
-                  </a:txBody>
-                  <a:tcPr anchor="ctr"/>
-                </a:tc>
-                <a:tc>
-                  <a:txBody>
-                    <a:bodyPr/>
-                    <a:lstStyle/>
-                    <a:p>
-                      <a:pPr algn="ctr"/>
-                      <a:endParaRPr lang="zh-CN" altLang="en-US" sz="700" dirty="0"/>
-                    </a:p>
-                  </a:txBody>
-                  <a:tcPr anchor="ctr"/>
-                </a:tc>
-                <a:tc>
-                  <a:txBody>
-                    <a:bodyPr/>
-                    <a:lstStyle/>
-                    <a:p>
-                      <a:pPr algn="ctr"/>
-                      <a:endParaRPr lang="zh-CN" altLang="en-US" sz="700" dirty="0"/>
-                    </a:p>
-                  </a:txBody>
-                  <a:tcPr anchor="ctr"/>
-                </a:tc>
-                <a:tc>
-                  <a:txBody>
-                    <a:bodyPr/>
-                    <a:lstStyle/>
-                    <a:p>
-                      <a:pPr algn="ctr"/>
-                      <a:endParaRPr lang="zh-CN" altLang="en-US" sz="700" dirty="0"/>
-                    </a:p>
-                  </a:txBody>
-                  <a:tcPr anchor="ctr"/>
-                </a:tc>
-                <a:tc>
-                  <a:txBody>
-                    <a:bodyPr/>
-                    <a:lstStyle/>
-                    <a:p>
-                      <a:pPr algn="ctr"/>
-                      <a:endParaRPr lang="zh-CN" altLang="en-US" sz="700" dirty="0"/>
-                    </a:p>
-                  </a:txBody>
-                  <a:tcPr anchor="ctr"/>
-                </a:tc>
-                <a:tc>
-                  <a:txBody>
-                    <a:bodyPr/>
-                    <a:lstStyle/>
-                    <a:p>
-                      <a:pPr algn="ctr"/>
-                      <a:endParaRPr lang="zh-CN" altLang="en-US" sz="700" dirty="0"/>
-                    </a:p>
-                  </a:txBody>
-                  <a:tcPr anchor="ctr"/>
-                </a:tc>
-                <a:tc>
-                  <a:txBody>
-                    <a:bodyPr/>
-                    <a:lstStyle/>
-                    <a:p>
-                      <a:pPr algn="ctr"/>
-                      <a:endParaRPr lang="en-US" altLang="zh-CN" sz="700" dirty="0"/>
-                    </a:p>
-                  </a:txBody>
-                  <a:tcPr anchor="ctr"/>
-                </a:tc>
-                <a:tc>
-                  <a:txBody>
-                    <a:bodyPr/>
-                    <a:lstStyle/>
-                    <a:p>
-                      <a:pPr algn="ctr"/>
-                      <a:endParaRPr lang="en-US" altLang="zh-CN" sz="700" dirty="0"/>
-                    </a:p>
-                  </a:txBody>
-                  <a:tcPr anchor="ctr"/>
-                </a:tc>
-                <a:tc>
-                  <a:txBody>
-                    <a:bodyPr/>
-                    <a:lstStyle/>
-                    <a:p>
-                      <a:pPr algn="ctr"/>
-                      <a:endParaRPr lang="en-US" altLang="zh-CN" sz="700" dirty="0"/>
-                    </a:p>
-                  </a:txBody>
-                  <a:tcPr anchor="ctr"/>
-                </a:tc>
-                <a:tc>
-                  <a:txBody>
-                    <a:bodyPr/>
-                    <a:lstStyle/>
-                    <a:p>
-                      <a:pPr algn="ctr"/>
-                      <a:endParaRPr lang="en-US" altLang="zh-CN" sz="700" dirty="0"/>
-                    </a:p>
-                  </a:txBody>
-                  <a:tcPr anchor="ctr"/>
-                </a:tc>
-                <a:tc>
-                  <a:txBody>
-                    <a:bodyPr/>
-                    <a:lstStyle/>
-                    <a:p>
-                      <a:pPr algn="ctr"/>
-                      <a:endParaRPr lang="en-US" altLang="zh-CN" sz="700" dirty="0"/>
-                    </a:p>
-                  </a:txBody>
-                  <a:tcPr anchor="ctr"/>
-                </a:tc>
-              </a:tr>
-            </a:tbl>
-          </a:graphicData>
-        </a:graphic>
-      </p:graphicFrame>
-      <p:sp>
-        <p:nvSpPr>
-          <p:cNvPr id="21" name="文本框 20"/>
-          <p:cNvSpPr txBox="1"/>
-          <p:nvPr/>
-        </p:nvSpPr>
-        <p:spPr>
-          <a:xfrm>
-            <a:off x="28573" y="4641903"/>
-            <a:ext cx="2066080" cy="369332"/>
-          </a:xfrm>
-          <a:prstGeom prst="rect">
-            <a:avLst/>
-          </a:prstGeom>
-          <a:noFill/>
-        </p:spPr>
-        <p:txBody>
-          <a:bodyPr wrap="square" rtlCol="0">
-            <a:spAutoFit/>
-          </a:bodyPr>
-          <a:lstStyle/>
-          <a:p>
-            <a:r>
-              <a:rPr lang="zh-CN" altLang="en-US" dirty="0">
-                <a:solidFill>
-                  <a:srgbClr val="FF0000"/>
-                </a:solidFill>
-              </a:rPr>
-              <a:t>表名：金具标注表</a:t>
-            </a:r>
-            <a:endParaRPr lang="zh-CN" altLang="en-US" dirty="0">
-              <a:solidFill>
-                <a:srgbClr val="FF0000"/>
-              </a:solidFill>
-            </a:endParaRPr>
-          </a:p>
-        </p:txBody>
-      </p:sp>
-      <p:graphicFrame>
-        <p:nvGraphicFramePr>
-          <p:cNvPr id="22" name="表格 5"/>
-          <p:cNvGraphicFramePr>
-            <a:graphicFrameLocks noGrp="1"/>
-          </p:cNvGraphicFramePr>
-          <p:nvPr/>
-        </p:nvGraphicFramePr>
-        <p:xfrm>
-          <a:off x="41271" y="5056060"/>
-          <a:ext cx="6454995" cy="396240"/>
-        </p:xfrm>
-        <a:graphic>
-          <a:graphicData uri="http://schemas.openxmlformats.org/drawingml/2006/table">
-            <a:tbl>
-              <a:tblPr firstRow="1" bandRow="1">
-                <a:tableStyleId>{5C22544A-7EE6-4342-B048-85BDC9FD1C3A}</a:tableStyleId>
-              </a:tblPr>
-              <a:tblGrid>
-                <a:gridCol w="552450"/>
-                <a:gridCol w="562268"/>
-                <a:gridCol w="625627"/>
-                <a:gridCol w="640313"/>
-                <a:gridCol w="432062"/>
-                <a:gridCol w="635128"/>
-                <a:gridCol w="440703"/>
-                <a:gridCol w="514155"/>
-                <a:gridCol w="414779"/>
-                <a:gridCol w="478415"/>
-                <a:gridCol w="549889"/>
-                <a:gridCol w="609206"/>
-              </a:tblGrid>
-              <a:tr h="0">
-                <a:tc>
-                  <a:txBody>
-                    <a:bodyPr/>
-                    <a:lstStyle/>
-                    <a:p>
-                      <a:pPr algn="ctr"/>
-                      <a:r>
-                        <a:rPr lang="zh-CN" altLang="en-US" sz="700" dirty="0"/>
-                        <a:t>唯一编码</a:t>
-                      </a:r>
-                      <a:endParaRPr lang="zh-CN" altLang="en-US" sz="700" dirty="0"/>
-                    </a:p>
-                  </a:txBody>
-                  <a:tcPr anchor="ctr"/>
-                </a:tc>
-                <a:tc>
-                  <a:txBody>
-                    <a:bodyPr/>
-                    <a:lstStyle/>
-                    <a:p>
-                      <a:pPr algn="ctr"/>
-                      <a:r>
-                        <a:rPr lang="zh-CN" altLang="en-US" sz="700" dirty="0"/>
-                        <a:t>连接件</a:t>
-                      </a:r>
-                      <a:endParaRPr lang="zh-CN" altLang="en-US" sz="700" dirty="0"/>
-                    </a:p>
-                  </a:txBody>
-                  <a:tcPr anchor="ctr"/>
-                </a:tc>
-                <a:tc>
-                  <a:txBody>
-                    <a:bodyPr/>
-                    <a:lstStyle/>
-                    <a:p>
-                      <a:pPr algn="ctr"/>
-                      <a:r>
-                        <a:rPr lang="zh-CN" altLang="en-US" sz="700" dirty="0"/>
-                        <a:t>开口销</a:t>
-                      </a:r>
-                      <a:endParaRPr lang="zh-CN" altLang="en-US" sz="700" dirty="0"/>
-                    </a:p>
-                  </a:txBody>
-                  <a:tcPr anchor="ctr"/>
-                </a:tc>
-                <a:tc>
-                  <a:txBody>
-                    <a:bodyPr/>
-                    <a:lstStyle/>
-                    <a:p>
-                      <a:pPr algn="ctr"/>
-                      <a:r>
-                        <a:rPr lang="zh-CN" altLang="en-US" sz="700" dirty="0"/>
-                        <a:t>螺帽</a:t>
-                      </a:r>
-                      <a:endParaRPr lang="zh-CN" altLang="en-US" sz="700" dirty="0"/>
-                    </a:p>
-                  </a:txBody>
-                  <a:tcPr anchor="ctr"/>
-                </a:tc>
-                <a:tc>
-                  <a:txBody>
-                    <a:bodyPr/>
-                    <a:lstStyle/>
-                    <a:p>
-                      <a:pPr algn="ctr"/>
-                      <a:r>
-                        <a:rPr lang="zh-CN" altLang="en-US" sz="700" dirty="0"/>
-                        <a:t>螺母</a:t>
-                      </a:r>
-                      <a:endParaRPr lang="zh-CN" altLang="en-US" sz="700" dirty="0"/>
-                    </a:p>
-                  </a:txBody>
-                  <a:tcPr anchor="ctr"/>
-                </a:tc>
-                <a:tc>
-                  <a:txBody>
-                    <a:bodyPr/>
-                    <a:lstStyle/>
-                    <a:p>
-                      <a:pPr algn="ctr"/>
-                      <a:r>
-                        <a:rPr lang="zh-CN" altLang="en-US" sz="700" dirty="0"/>
-                        <a:t>螺栓</a:t>
-                      </a:r>
-                      <a:endParaRPr lang="zh-CN" altLang="en-US" sz="700" dirty="0"/>
-                    </a:p>
-                  </a:txBody>
-                  <a:tcPr anchor="ctr"/>
-                </a:tc>
-                <a:tc>
-                  <a:txBody>
-                    <a:bodyPr/>
-                    <a:lstStyle/>
-                    <a:p>
-                      <a:pPr algn="ctr"/>
-                      <a:r>
-                        <a:rPr lang="zh-CN" altLang="en-US" sz="700" dirty="0"/>
-                        <a:t>垫片</a:t>
-                      </a:r>
-                      <a:endParaRPr lang="zh-CN" altLang="en-US" sz="700" dirty="0"/>
-                    </a:p>
-                  </a:txBody>
-                  <a:tcPr anchor="ctr"/>
-                </a:tc>
-                <a:tc>
-                  <a:txBody>
-                    <a:bodyPr/>
-                    <a:lstStyle/>
-                    <a:p>
-                      <a:pPr algn="ctr"/>
-                      <a:r>
-                        <a:rPr lang="zh-CN" altLang="en-US" sz="700" dirty="0"/>
-                        <a:t>缺失</a:t>
-                      </a:r>
-                      <a:endParaRPr lang="zh-CN" altLang="en-US" sz="700" dirty="0"/>
-                    </a:p>
-                  </a:txBody>
-                  <a:tcPr anchor="ctr"/>
-                </a:tc>
-                <a:tc>
-                  <a:txBody>
-                    <a:bodyPr/>
-                    <a:lstStyle/>
-                    <a:p>
-                      <a:pPr algn="ctr"/>
-                      <a:r>
-                        <a:rPr lang="zh-CN" altLang="en-US" sz="700" dirty="0"/>
-                        <a:t>松动</a:t>
-                      </a:r>
-                      <a:endParaRPr lang="zh-CN" altLang="en-US" sz="700" dirty="0"/>
-                    </a:p>
-                  </a:txBody>
-                  <a:tcPr anchor="ctr"/>
-                </a:tc>
-                <a:tc>
-                  <a:txBody>
-                    <a:bodyPr/>
-                    <a:lstStyle/>
-                    <a:p>
-                      <a:pPr algn="ctr"/>
-                      <a:r>
-                        <a:rPr lang="zh-CN" altLang="en-US" sz="700" dirty="0"/>
-                        <a:t>不规范</a:t>
-                      </a:r>
-                      <a:endParaRPr lang="zh-CN" altLang="en-US" sz="700" dirty="0"/>
-                    </a:p>
-                  </a:txBody>
-                  <a:tcPr anchor="ctr"/>
-                </a:tc>
-                <a:tc>
-                  <a:txBody>
-                    <a:bodyPr/>
-                    <a:lstStyle/>
-                    <a:p>
-                      <a:pPr algn="ctr"/>
-                      <a:r>
-                        <a:rPr lang="zh-CN" altLang="en-US" sz="700" dirty="0"/>
-                        <a:t>锈蚀</a:t>
-                      </a:r>
-                      <a:endParaRPr lang="zh-CN" altLang="en-US" sz="700" dirty="0"/>
-                    </a:p>
-                  </a:txBody>
-                  <a:tcPr anchor="ctr"/>
-                </a:tc>
-                <a:tc>
-                  <a:txBody>
-                    <a:bodyPr/>
-                    <a:lstStyle/>
-                    <a:p>
-                      <a:pPr algn="ctr"/>
-                      <a:r>
-                        <a:rPr lang="zh-CN" altLang="en-US" sz="700" dirty="0"/>
-                        <a:t>正常</a:t>
-                      </a:r>
-                      <a:endParaRPr lang="zh-CN" altLang="en-US" sz="700" dirty="0"/>
-                    </a:p>
-                  </a:txBody>
-                  <a:tcPr anchor="ctr"/>
-                </a:tc>
-              </a:tr>
-              <a:tr h="0">
-                <a:tc>
-                  <a:txBody>
-                    <a:bodyPr/>
-                    <a:lstStyle/>
-                    <a:p>
-                      <a:pPr algn="ctr"/>
-                      <a:endParaRPr lang="zh-CN" altLang="en-US" sz="700" dirty="0"/>
-                    </a:p>
-                  </a:txBody>
-                  <a:tcPr anchor="ctr"/>
-                </a:tc>
-                <a:tc>
-                  <a:txBody>
-                    <a:bodyPr/>
-                    <a:lstStyle/>
-                    <a:p>
-                      <a:pPr algn="ctr"/>
-                      <a:endParaRPr lang="zh-CN" altLang="en-US" sz="700" dirty="0"/>
-                    </a:p>
-                  </a:txBody>
-                  <a:tcPr anchor="ctr"/>
-                </a:tc>
-                <a:tc>
-                  <a:txBody>
-                    <a:bodyPr/>
-                    <a:lstStyle/>
-                    <a:p>
-                      <a:pPr algn="ctr"/>
-                      <a:endParaRPr lang="zh-CN" altLang="en-US" sz="700" dirty="0"/>
-                    </a:p>
-                  </a:txBody>
-                  <a:tcPr anchor="ctr"/>
-                </a:tc>
-                <a:tc>
-                  <a:txBody>
-                    <a:bodyPr/>
-                    <a:lstStyle/>
-                    <a:p>
-                      <a:pPr algn="ctr"/>
-                      <a:endParaRPr lang="zh-CN" altLang="en-US" sz="700" dirty="0"/>
-                    </a:p>
-                  </a:txBody>
-                  <a:tcPr anchor="ctr"/>
-                </a:tc>
-                <a:tc>
-                  <a:txBody>
-                    <a:bodyPr/>
-                    <a:lstStyle/>
-                    <a:p>
-                      <a:pPr algn="ctr"/>
-                      <a:endParaRPr lang="zh-CN" altLang="en-US" sz="700" dirty="0"/>
-                    </a:p>
-                  </a:txBody>
-                  <a:tcPr anchor="ctr"/>
-                </a:tc>
-                <a:tc>
-                  <a:txBody>
-                    <a:bodyPr/>
-                    <a:lstStyle/>
-                    <a:p>
-                      <a:pPr algn="ctr"/>
-                      <a:endParaRPr lang="zh-CN" altLang="en-US" sz="700" dirty="0"/>
-                    </a:p>
-                  </a:txBody>
-                  <a:tcPr anchor="ctr"/>
-                </a:tc>
-                <a:tc>
-                  <a:txBody>
-                    <a:bodyPr/>
-                    <a:lstStyle/>
-                    <a:p>
-                      <a:pPr algn="ctr"/>
-                      <a:endParaRPr lang="zh-CN" altLang="en-US" sz="700" dirty="0"/>
-                    </a:p>
-                  </a:txBody>
-                  <a:tcPr anchor="ctr"/>
-                </a:tc>
-                <a:tc>
-                  <a:txBody>
-                    <a:bodyPr/>
-                    <a:lstStyle/>
-                    <a:p>
-                      <a:pPr algn="ctr"/>
-                      <a:endParaRPr lang="zh-CN" altLang="en-US" sz="700" dirty="0"/>
-                    </a:p>
-                  </a:txBody>
-                  <a:tcPr anchor="ctr"/>
-                </a:tc>
-                <a:tc>
-                  <a:txBody>
-                    <a:bodyPr/>
-                    <a:lstStyle/>
-                    <a:p>
-                      <a:pPr algn="ctr"/>
-                      <a:endParaRPr lang="zh-CN" altLang="en-US" sz="700" dirty="0"/>
-                    </a:p>
-                  </a:txBody>
-                  <a:tcPr anchor="ctr"/>
-                </a:tc>
-                <a:tc>
-                  <a:txBody>
-                    <a:bodyPr/>
-                    <a:lstStyle/>
-                    <a:p>
-                      <a:pPr algn="ctr"/>
-                      <a:endParaRPr lang="zh-CN" altLang="en-US" sz="700" dirty="0"/>
-                    </a:p>
-                  </a:txBody>
-                  <a:tcPr anchor="ctr"/>
-                </a:tc>
-                <a:tc>
-                  <a:txBody>
-                    <a:bodyPr/>
-                    <a:lstStyle/>
-                    <a:p>
-                      <a:pPr algn="ctr"/>
-                      <a:endParaRPr lang="zh-CN" altLang="en-US" sz="700" dirty="0"/>
-                    </a:p>
-                  </a:txBody>
-                  <a:tcPr anchor="ctr"/>
-                </a:tc>
-                <a:tc>
-                  <a:txBody>
-                    <a:bodyPr/>
-                    <a:lstStyle/>
-                    <a:p>
-                      <a:pPr algn="ctr"/>
-                      <a:endParaRPr lang="zh-CN" altLang="en-US" sz="700" dirty="0"/>
-                    </a:p>
-                  </a:txBody>
-                  <a:tcPr anchor="ctr"/>
-                </a:tc>
-              </a:tr>
-            </a:tbl>
-          </a:graphicData>
-        </a:graphic>
-      </p:graphicFrame>
-      <p:sp>
-        <p:nvSpPr>
-          <p:cNvPr id="25" name="文本框 24"/>
-          <p:cNvSpPr txBox="1"/>
-          <p:nvPr/>
-        </p:nvSpPr>
-        <p:spPr>
-          <a:xfrm>
-            <a:off x="15875" y="5569462"/>
-            <a:ext cx="2793996" cy="369332"/>
-          </a:xfrm>
-          <a:prstGeom prst="rect">
-            <a:avLst/>
-          </a:prstGeom>
-          <a:noFill/>
-        </p:spPr>
-        <p:txBody>
-          <a:bodyPr wrap="square" rtlCol="0">
-            <a:spAutoFit/>
-          </a:bodyPr>
-          <a:lstStyle/>
-          <a:p>
-            <a:r>
-              <a:rPr lang="zh-CN" altLang="en-US" dirty="0">
-                <a:solidFill>
-                  <a:srgbClr val="FF0000"/>
-                </a:solidFill>
-              </a:rPr>
-              <a:t>表名：导线标注表</a:t>
-            </a:r>
-            <a:endParaRPr lang="zh-CN" altLang="en-US" dirty="0">
-              <a:solidFill>
-                <a:srgbClr val="FF0000"/>
-              </a:solidFill>
-            </a:endParaRPr>
-          </a:p>
-        </p:txBody>
-      </p:sp>
-      <p:graphicFrame>
-        <p:nvGraphicFramePr>
-          <p:cNvPr id="26" name="表格 5"/>
-          <p:cNvGraphicFramePr>
-            <a:graphicFrameLocks noGrp="1"/>
-          </p:cNvGraphicFramePr>
-          <p:nvPr/>
-        </p:nvGraphicFramePr>
-        <p:xfrm>
-          <a:off x="41271" y="5986192"/>
-          <a:ext cx="4402706" cy="396240"/>
-        </p:xfrm>
-        <a:graphic>
-          <a:graphicData uri="http://schemas.openxmlformats.org/drawingml/2006/table">
-            <a:tbl>
-              <a:tblPr firstRow="1" bandRow="1">
-                <a:tableStyleId>{5C22544A-7EE6-4342-B048-85BDC9FD1C3A}</a:tableStyleId>
-              </a:tblPr>
-              <a:tblGrid>
-                <a:gridCol w="552450"/>
-                <a:gridCol w="562268"/>
-                <a:gridCol w="625627"/>
-                <a:gridCol w="640313"/>
-                <a:gridCol w="432062"/>
-                <a:gridCol w="635128"/>
-                <a:gridCol w="440703"/>
-                <a:gridCol w="514155"/>
-              </a:tblGrid>
-              <a:tr h="0">
-                <a:tc>
-                  <a:txBody>
-                    <a:bodyPr/>
-                    <a:lstStyle/>
-                    <a:p>
-                      <a:pPr algn="ctr"/>
-                      <a:r>
-                        <a:rPr lang="zh-CN" altLang="en-US" sz="700" dirty="0"/>
-                        <a:t>唯一编码</a:t>
-                      </a:r>
-                      <a:endParaRPr lang="zh-CN" altLang="en-US" sz="700" dirty="0"/>
-                    </a:p>
-                  </a:txBody>
-                  <a:tcPr anchor="ctr"/>
-                </a:tc>
-                <a:tc>
-                  <a:txBody>
-                    <a:bodyPr/>
-                    <a:lstStyle/>
-                    <a:p>
-                      <a:pPr algn="ctr"/>
-                      <a:r>
-                        <a:rPr lang="zh-CN" altLang="en-US" sz="700" dirty="0"/>
-                        <a:t>防振锤</a:t>
-                      </a:r>
-                      <a:endParaRPr lang="zh-CN" altLang="en-US" sz="700" dirty="0"/>
-                    </a:p>
-                  </a:txBody>
-                  <a:tcPr anchor="ctr"/>
-                </a:tc>
-                <a:tc>
-                  <a:txBody>
-                    <a:bodyPr/>
-                    <a:lstStyle/>
-                    <a:p>
-                      <a:pPr algn="ctr"/>
-                      <a:r>
-                        <a:rPr lang="zh-CN" altLang="en-US" sz="700" dirty="0"/>
-                        <a:t>导线</a:t>
-                      </a:r>
-                      <a:endParaRPr lang="zh-CN" altLang="en-US" sz="700" dirty="0"/>
-                    </a:p>
-                  </a:txBody>
-                  <a:tcPr anchor="ctr"/>
-                </a:tc>
-                <a:tc>
-                  <a:txBody>
-                    <a:bodyPr/>
-                    <a:lstStyle/>
-                    <a:p>
-                      <a:pPr algn="ctr"/>
-                      <a:r>
-                        <a:rPr lang="zh-CN" altLang="en-US" sz="700" dirty="0"/>
-                        <a:t>锈蚀</a:t>
-                      </a:r>
-                      <a:endParaRPr lang="zh-CN" altLang="en-US" sz="700" dirty="0"/>
-                    </a:p>
-                  </a:txBody>
-                  <a:tcPr anchor="ctr"/>
-                </a:tc>
-                <a:tc>
-                  <a:txBody>
-                    <a:bodyPr/>
-                    <a:lstStyle/>
-                    <a:p>
-                      <a:pPr algn="ctr"/>
-                      <a:r>
-                        <a:rPr lang="zh-CN" altLang="en-US" sz="700" dirty="0"/>
-                        <a:t>破损</a:t>
-                      </a:r>
-                      <a:endParaRPr lang="zh-CN" altLang="en-US" sz="700" dirty="0"/>
-                    </a:p>
-                  </a:txBody>
-                  <a:tcPr anchor="ctr"/>
-                </a:tc>
-                <a:tc>
-                  <a:txBody>
-                    <a:bodyPr/>
-                    <a:lstStyle/>
-                    <a:p>
-                      <a:pPr algn="ctr"/>
-                      <a:r>
-                        <a:rPr lang="zh-CN" altLang="en-US" sz="700" dirty="0"/>
-                        <a:t>倾斜</a:t>
-                      </a:r>
-                      <a:endParaRPr lang="zh-CN" altLang="en-US" sz="700" dirty="0"/>
-                    </a:p>
-                  </a:txBody>
-                  <a:tcPr anchor="ctr"/>
-                </a:tc>
-                <a:tc>
-                  <a:txBody>
-                    <a:bodyPr/>
-                    <a:lstStyle/>
-                    <a:p>
-                      <a:pPr algn="ctr"/>
-                      <a:r>
-                        <a:rPr lang="zh-CN" altLang="en-US" sz="700" dirty="0"/>
-                        <a:t>裸露</a:t>
-                      </a:r>
-                      <a:endParaRPr lang="zh-CN" altLang="en-US" sz="700" dirty="0"/>
-                    </a:p>
-                  </a:txBody>
-                  <a:tcPr anchor="ctr"/>
-                </a:tc>
-                <a:tc>
-                  <a:txBody>
-                    <a:bodyPr/>
-                    <a:lstStyle/>
-                    <a:p>
-                      <a:pPr algn="ctr"/>
-                      <a:r>
-                        <a:rPr lang="zh-CN" altLang="en-US" sz="700" dirty="0"/>
-                        <a:t>正常</a:t>
-                      </a:r>
-                      <a:endParaRPr lang="zh-CN" altLang="en-US" sz="700" dirty="0"/>
-                    </a:p>
-                  </a:txBody>
-                  <a:tcPr anchor="ctr"/>
-                </a:tc>
-              </a:tr>
-              <a:tr h="0">
-                <a:tc>
-                  <a:txBody>
-                    <a:bodyPr/>
-                    <a:lstStyle/>
-                    <a:p>
-                      <a:pPr algn="ctr"/>
-                      <a:endParaRPr lang="zh-CN" altLang="en-US" sz="700" dirty="0"/>
-                    </a:p>
-                  </a:txBody>
-                  <a:tcPr anchor="ctr"/>
-                </a:tc>
-                <a:tc>
-                  <a:txBody>
-                    <a:bodyPr/>
-                    <a:lstStyle/>
-                    <a:p>
-                      <a:pPr algn="ctr"/>
-                      <a:endParaRPr lang="zh-CN" altLang="en-US" sz="700" dirty="0"/>
-                    </a:p>
-                  </a:txBody>
-                  <a:tcPr anchor="ctr"/>
-                </a:tc>
-                <a:tc>
-                  <a:txBody>
-                    <a:bodyPr/>
-                    <a:lstStyle/>
-                    <a:p>
-                      <a:pPr algn="ctr"/>
-                      <a:endParaRPr lang="zh-CN" altLang="en-US" sz="700" dirty="0"/>
-                    </a:p>
-                  </a:txBody>
-                  <a:tcPr anchor="ctr"/>
-                </a:tc>
-                <a:tc>
-                  <a:txBody>
-                    <a:bodyPr/>
-                    <a:lstStyle/>
-                    <a:p>
-                      <a:pPr algn="ctr"/>
-                      <a:endParaRPr lang="zh-CN" altLang="en-US" sz="700" dirty="0"/>
-                    </a:p>
-                  </a:txBody>
-                  <a:tcPr anchor="ctr"/>
-                </a:tc>
-                <a:tc>
-                  <a:txBody>
-                    <a:bodyPr/>
-                    <a:lstStyle/>
-                    <a:p>
-                      <a:pPr algn="ctr"/>
-                      <a:endParaRPr lang="zh-CN" altLang="en-US" sz="700" dirty="0"/>
-                    </a:p>
-                  </a:txBody>
-                  <a:tcPr anchor="ctr"/>
-                </a:tc>
-                <a:tc>
-                  <a:txBody>
-                    <a:bodyPr/>
-                    <a:lstStyle/>
-                    <a:p>
-                      <a:pPr algn="ctr"/>
-                      <a:endParaRPr lang="zh-CN" altLang="en-US" sz="700" dirty="0"/>
-                    </a:p>
-                  </a:txBody>
-                  <a:tcPr anchor="ctr"/>
-                </a:tc>
-                <a:tc>
-                  <a:txBody>
-                    <a:bodyPr/>
-                    <a:lstStyle/>
-                    <a:p>
-                      <a:pPr algn="ctr"/>
-                      <a:endParaRPr lang="zh-CN" altLang="en-US" sz="700" dirty="0"/>
-                    </a:p>
-                  </a:txBody>
-                  <a:tcPr anchor="ctr"/>
-                </a:tc>
-                <a:tc>
-                  <a:txBody>
-                    <a:bodyPr/>
-                    <a:lstStyle/>
-                    <a:p>
-                      <a:pPr algn="ctr"/>
-                      <a:endParaRPr lang="zh-CN" altLang="en-US" sz="700" dirty="0"/>
-                    </a:p>
-                  </a:txBody>
-                  <a:tcPr anchor="ctr"/>
-                </a:tc>
-              </a:tr>
-            </a:tbl>
-          </a:graphicData>
-        </a:graphic>
-      </p:graphicFrame>
-      <p:sp>
-        <p:nvSpPr>
-          <p:cNvPr id="30" name="文本框 29"/>
-          <p:cNvSpPr txBox="1"/>
-          <p:nvPr/>
-        </p:nvSpPr>
-        <p:spPr>
-          <a:xfrm>
-            <a:off x="6676697" y="4640334"/>
-            <a:ext cx="2311794" cy="369332"/>
-          </a:xfrm>
-          <a:prstGeom prst="rect">
-            <a:avLst/>
-          </a:prstGeom>
-          <a:noFill/>
-        </p:spPr>
-        <p:txBody>
-          <a:bodyPr wrap="square" rtlCol="0">
-            <a:spAutoFit/>
-          </a:bodyPr>
-          <a:lstStyle/>
-          <a:p>
-            <a:r>
-              <a:rPr lang="zh-CN" altLang="en-US" dirty="0">
-                <a:solidFill>
-                  <a:srgbClr val="FF0000"/>
-                </a:solidFill>
-              </a:rPr>
-              <a:t>表名：连接件标注表</a:t>
-            </a:r>
-            <a:endParaRPr lang="zh-CN" altLang="en-US" dirty="0">
-              <a:solidFill>
-                <a:srgbClr val="FF0000"/>
-              </a:solidFill>
-            </a:endParaRPr>
-          </a:p>
-        </p:txBody>
-      </p:sp>
-      <p:graphicFrame>
-        <p:nvGraphicFramePr>
-          <p:cNvPr id="31" name="表格 5"/>
-          <p:cNvGraphicFramePr>
-            <a:graphicFrameLocks noGrp="1"/>
-          </p:cNvGraphicFramePr>
-          <p:nvPr/>
-        </p:nvGraphicFramePr>
-        <p:xfrm>
-          <a:off x="6797550" y="5058035"/>
-          <a:ext cx="1828800" cy="396240"/>
-        </p:xfrm>
-        <a:graphic>
-          <a:graphicData uri="http://schemas.openxmlformats.org/drawingml/2006/table">
-            <a:tbl>
-              <a:tblPr firstRow="1" bandRow="1">
-                <a:tableStyleId>{5C22544A-7EE6-4342-B048-85BDC9FD1C3A}</a:tableStyleId>
-              </a:tblPr>
-              <a:tblGrid>
-                <a:gridCol w="609600"/>
-                <a:gridCol w="609600"/>
-                <a:gridCol w="609600"/>
-              </a:tblGrid>
-              <a:tr h="0">
-                <a:tc>
-                  <a:txBody>
-                    <a:bodyPr/>
-                    <a:lstStyle/>
-                    <a:p>
-                      <a:pPr algn="ctr"/>
-                      <a:r>
-                        <a:rPr lang="zh-CN" altLang="en-US" sz="700" dirty="0"/>
-                        <a:t>唯一编码</a:t>
-                      </a:r>
-                      <a:endParaRPr lang="zh-CN" altLang="en-US" sz="700" dirty="0"/>
-                    </a:p>
-                  </a:txBody>
-                  <a:tcPr anchor="ctr"/>
-                </a:tc>
-                <a:tc>
-                  <a:txBody>
-                    <a:bodyPr/>
-                    <a:lstStyle/>
-                    <a:p>
-                      <a:pPr algn="ctr"/>
-                      <a:r>
-                        <a:rPr lang="zh-CN" altLang="en-US" sz="700" dirty="0"/>
-                        <a:t>挂板型号</a:t>
-                      </a:r>
-                      <a:r>
-                        <a:rPr lang="en-US" altLang="zh-CN" sz="700" dirty="0"/>
-                        <a:t>1</a:t>
-                      </a:r>
-                      <a:endParaRPr lang="zh-CN" altLang="en-US" sz="700" dirty="0"/>
-                    </a:p>
-                  </a:txBody>
-                  <a:tcPr anchor="ctr"/>
-                </a:tc>
-                <a:tc>
-                  <a:txBody>
-                    <a:bodyPr/>
-                    <a:lstStyle/>
-                    <a:p>
-                      <a:pPr algn="ctr"/>
-                      <a:r>
-                        <a:rPr lang="zh-CN" altLang="en-US" sz="700" dirty="0"/>
-                        <a:t>挂板型号</a:t>
-                      </a:r>
-                      <a:r>
-                        <a:rPr lang="en-US" altLang="zh-CN" sz="700" dirty="0"/>
-                        <a:t>2</a:t>
-                      </a:r>
-                      <a:endParaRPr lang="zh-CN" altLang="en-US" sz="700" dirty="0"/>
-                    </a:p>
-                  </a:txBody>
-                  <a:tcPr anchor="ctr"/>
-                </a:tc>
-              </a:tr>
-              <a:tr h="0">
-                <a:tc>
-                  <a:txBody>
-                    <a:bodyPr/>
-                    <a:lstStyle/>
-                    <a:p>
-                      <a:pPr algn="ctr"/>
-                      <a:endParaRPr lang="zh-CN" altLang="en-US" sz="700" dirty="0"/>
-                    </a:p>
-                  </a:txBody>
-                  <a:tcPr anchor="ctr"/>
-                </a:tc>
-                <a:tc>
-                  <a:txBody>
-                    <a:bodyPr/>
-                    <a:lstStyle/>
-                    <a:p>
-                      <a:pPr algn="ctr"/>
-                      <a:endParaRPr lang="zh-CN" altLang="en-US" sz="700" dirty="0"/>
-                    </a:p>
-                  </a:txBody>
-                  <a:tcPr anchor="ctr"/>
-                </a:tc>
-                <a:tc>
-                  <a:txBody>
-                    <a:bodyPr/>
-                    <a:lstStyle/>
-                    <a:p>
-                      <a:pPr algn="ctr"/>
-                      <a:endParaRPr lang="zh-CN" altLang="en-US" sz="700" dirty="0"/>
-                    </a:p>
-                  </a:txBody>
-                  <a:tcPr anchor="ctr"/>
-                </a:tc>
-              </a:tr>
-            </a:tbl>
-          </a:graphicData>
-        </a:graphic>
-      </p:graphicFrame>
-      <p:sp>
-        <p:nvSpPr>
-          <p:cNvPr id="29" name="文本框 28"/>
-          <p:cNvSpPr txBox="1"/>
-          <p:nvPr/>
-        </p:nvSpPr>
-        <p:spPr>
-          <a:xfrm>
-            <a:off x="-2" y="2153080"/>
-            <a:ext cx="2094655" cy="369332"/>
-          </a:xfrm>
-          <a:prstGeom prst="rect">
-            <a:avLst/>
-          </a:prstGeom>
-          <a:noFill/>
-        </p:spPr>
-        <p:txBody>
-          <a:bodyPr wrap="square" rtlCol="0">
-            <a:spAutoFit/>
-          </a:bodyPr>
-          <a:lstStyle/>
-          <a:p>
-            <a:r>
-              <a:rPr lang="zh-CN" altLang="en-US" dirty="0">
-                <a:solidFill>
-                  <a:srgbClr val="FF0000"/>
-                </a:solidFill>
-              </a:rPr>
-              <a:t>表名：标签信息表</a:t>
-            </a:r>
-            <a:endParaRPr lang="zh-CN" altLang="en-US" dirty="0">
-              <a:solidFill>
-                <a:srgbClr val="FF0000"/>
-              </a:solidFill>
-            </a:endParaRPr>
-          </a:p>
-        </p:txBody>
-      </p:sp>
-      <p:graphicFrame>
-        <p:nvGraphicFramePr>
-          <p:cNvPr id="32" name="表格 5"/>
-          <p:cNvGraphicFramePr>
-            <a:graphicFrameLocks noGrp="1"/>
-          </p:cNvGraphicFramePr>
-          <p:nvPr/>
-        </p:nvGraphicFramePr>
-        <p:xfrm>
-          <a:off x="-3" y="2492340"/>
-          <a:ext cx="4802159" cy="531656"/>
-        </p:xfrm>
-        <a:graphic>
-          <a:graphicData uri="http://schemas.openxmlformats.org/drawingml/2006/table">
-            <a:tbl>
-              <a:tblPr firstRow="1" bandRow="1">
-                <a:tableStyleId>{5C22544A-7EE6-4342-B048-85BDC9FD1C3A}</a:tableStyleId>
-              </a:tblPr>
-              <a:tblGrid>
-                <a:gridCol w="929907"/>
-                <a:gridCol w="686064"/>
-                <a:gridCol w="686064"/>
-                <a:gridCol w="789314"/>
-                <a:gridCol w="762746"/>
-                <a:gridCol w="948064"/>
-              </a:tblGrid>
-              <a:tr h="272576">
-                <a:tc>
-                  <a:txBody>
-                    <a:bodyPr/>
-                    <a:lstStyle/>
-                    <a:p>
-                      <a:pPr algn="ctr"/>
-                      <a:r>
-                        <a:rPr lang="zh-CN" altLang="en-US" sz="1100" dirty="0"/>
-                        <a:t>标签</a:t>
-                      </a:r>
-                      <a:endParaRPr lang="zh-CN" altLang="en-US" sz="1100" dirty="0"/>
-                    </a:p>
-                  </a:txBody>
-                  <a:tcPr anchor="ctr"/>
-                </a:tc>
-                <a:tc>
-                  <a:txBody>
-                    <a:bodyPr/>
-                    <a:lstStyle/>
-                    <a:p>
-                      <a:pPr algn="ctr"/>
-                      <a:r>
-                        <a:rPr lang="zh-CN" altLang="en-US" sz="1100" dirty="0"/>
-                        <a:t>大类</a:t>
-                      </a:r>
-                      <a:endParaRPr lang="zh-CN" altLang="en-US" sz="1100" dirty="0"/>
-                    </a:p>
-                  </a:txBody>
-                  <a:tcPr anchor="ctr"/>
-                </a:tc>
-                <a:tc>
-                  <a:txBody>
-                    <a:bodyPr/>
-                    <a:lstStyle/>
-                    <a:p>
-                      <a:pPr algn="ctr"/>
-                      <a:r>
-                        <a:rPr lang="zh-CN" altLang="en-US" sz="1100" dirty="0"/>
-                        <a:t>部件</a:t>
-                      </a:r>
-                      <a:endParaRPr lang="zh-CN" altLang="en-US" sz="1100" dirty="0"/>
-                    </a:p>
-                  </a:txBody>
-                  <a:tcPr anchor="ctr"/>
-                </a:tc>
-                <a:tc>
-                  <a:txBody>
-                    <a:bodyPr/>
-                    <a:lstStyle/>
-                    <a:p>
-                      <a:pPr algn="ctr"/>
-                      <a:r>
-                        <a:rPr lang="zh-CN" altLang="en-US" sz="1100" dirty="0"/>
-                        <a:t>描述</a:t>
-                      </a:r>
-                      <a:endParaRPr lang="zh-CN" altLang="en-US" sz="1100" dirty="0"/>
-                    </a:p>
-                  </a:txBody>
-                  <a:tcPr anchor="ctr"/>
-                </a:tc>
-                <a:tc>
-                  <a:txBody>
-                    <a:bodyPr/>
-                    <a:lstStyle/>
-                    <a:p>
-                      <a:pPr algn="ctr"/>
-                      <a:r>
-                        <a:rPr lang="zh-CN" altLang="en-US" sz="1100" dirty="0"/>
-                        <a:t>特殊</a:t>
-                      </a:r>
-                      <a:endParaRPr lang="zh-CN" altLang="en-US" sz="1100" dirty="0"/>
-                    </a:p>
-                  </a:txBody>
-                  <a:tcPr anchor="ctr"/>
-                </a:tc>
-                <a:tc>
-                  <a:txBody>
-                    <a:bodyPr/>
-                    <a:lstStyle/>
-                    <a:p>
-                      <a:pPr algn="ctr"/>
-                      <a:r>
-                        <a:rPr lang="zh-CN" altLang="en-US" sz="1100" dirty="0"/>
-                        <a:t>更新日期</a:t>
-                      </a:r>
-                      <a:endParaRPr lang="zh-CN" altLang="en-US" sz="1100" dirty="0"/>
-                    </a:p>
-                  </a:txBody>
-                  <a:tcPr anchor="ctr"/>
-                </a:tc>
-              </a:tr>
-              <a:tr h="0">
-                <a:tc>
-                  <a:txBody>
-                    <a:bodyPr/>
-                    <a:lstStyle/>
-                    <a:p>
-                      <a:pPr algn="ctr"/>
-                      <a:r>
-                        <a:rPr lang="en-US" altLang="zh-CN" sz="1100" dirty="0" err="1"/>
-                        <a:t>cpb_ps</a:t>
-                      </a:r>
-                      <a:endParaRPr lang="zh-CN" altLang="en-US" sz="1100" dirty="0"/>
-                    </a:p>
-                  </a:txBody>
-                  <a:tcPr anchor="ctr"/>
-                </a:tc>
-                <a:tc>
-                  <a:txBody>
-                    <a:bodyPr/>
-                    <a:lstStyle/>
-                    <a:p>
-                      <a:pPr algn="ctr"/>
-                      <a:r>
-                        <a:rPr lang="zh-CN" altLang="en-US" sz="1100" dirty="0"/>
-                        <a:t>绝缘子</a:t>
-                      </a:r>
-                      <a:endParaRPr lang="zh-CN" altLang="en-US" sz="1100" dirty="0"/>
-                    </a:p>
-                  </a:txBody>
-                  <a:tcPr anchor="ctr"/>
-                </a:tc>
-                <a:tc>
-                  <a:txBody>
-                    <a:bodyPr/>
-                    <a:lstStyle/>
-                    <a:p>
-                      <a:pPr algn="ctr"/>
-                      <a:r>
-                        <a:rPr lang="zh-CN" altLang="en-US" sz="1100" dirty="0"/>
-                        <a:t>瓷瓶棒</a:t>
-                      </a:r>
-                      <a:endParaRPr lang="zh-CN" altLang="en-US" sz="1100" dirty="0"/>
-                    </a:p>
-                  </a:txBody>
-                  <a:tcPr anchor="ctr"/>
-                </a:tc>
-                <a:tc>
-                  <a:txBody>
-                    <a:bodyPr/>
-                    <a:lstStyle/>
-                    <a:p>
-                      <a:pPr algn="ctr"/>
-                      <a:r>
-                        <a:rPr lang="zh-CN" altLang="en-US" sz="1100" dirty="0"/>
-                        <a:t>破损</a:t>
-                      </a:r>
-                      <a:endParaRPr lang="zh-CN" altLang="en-US" sz="1100" dirty="0"/>
-                    </a:p>
-                  </a:txBody>
-                  <a:tcPr anchor="ctr"/>
-                </a:tc>
-                <a:tc>
-                  <a:txBody>
-                    <a:bodyPr/>
-                    <a:lstStyle/>
-                    <a:p>
-                      <a:pPr algn="ctr"/>
-                      <a:r>
-                        <a:rPr lang="en-US" altLang="zh-CN" sz="1100" dirty="0"/>
-                        <a:t>False</a:t>
-                      </a:r>
-                      <a:endParaRPr lang="zh-CN" altLang="en-US" sz="1100" dirty="0"/>
-                    </a:p>
-                  </a:txBody>
-                  <a:tcPr anchor="ctr"/>
-                </a:tc>
-                <a:tc>
-                  <a:txBody>
-                    <a:bodyPr/>
-                    <a:lstStyle/>
-                    <a:p>
-                      <a:pPr algn="ctr"/>
-                      <a:r>
-                        <a:rPr lang="en-US" altLang="zh-CN" sz="1100" dirty="0"/>
-                        <a:t>All</a:t>
-                      </a:r>
-                      <a:endParaRPr lang="zh-CN" altLang="en-US" sz="1100" dirty="0"/>
-                    </a:p>
-                  </a:txBody>
-                  <a:tcPr anchor="ctr"/>
-                </a:tc>
-              </a:tr>
-            </a:tbl>
-          </a:graphicData>
-        </a:graphic>
-      </p:graphicFrame>
-      <p:sp>
-        <p:nvSpPr>
-          <p:cNvPr id="33" name="文本框 32"/>
-          <p:cNvSpPr txBox="1"/>
-          <p:nvPr/>
-        </p:nvSpPr>
-        <p:spPr>
-          <a:xfrm>
-            <a:off x="5924696" y="2147442"/>
-            <a:ext cx="2094655" cy="369332"/>
-          </a:xfrm>
-          <a:prstGeom prst="rect">
-            <a:avLst/>
-          </a:prstGeom>
-          <a:noFill/>
-        </p:spPr>
-        <p:txBody>
-          <a:bodyPr wrap="square" rtlCol="0">
-            <a:spAutoFit/>
-          </a:bodyPr>
-          <a:lstStyle/>
-          <a:p>
-            <a:r>
-              <a:rPr lang="zh-CN" altLang="en-US" dirty="0">
-                <a:solidFill>
-                  <a:srgbClr val="FF0000"/>
-                </a:solidFill>
-              </a:rPr>
-              <a:t>表名：特殊标注表</a:t>
-            </a:r>
-            <a:endParaRPr lang="zh-CN" altLang="en-US" dirty="0">
-              <a:solidFill>
-                <a:srgbClr val="FF0000"/>
-              </a:solidFill>
-            </a:endParaRPr>
-          </a:p>
-        </p:txBody>
-      </p:sp>
-      <p:graphicFrame>
-        <p:nvGraphicFramePr>
-          <p:cNvPr id="34" name="表格 5"/>
-          <p:cNvGraphicFramePr>
-            <a:graphicFrameLocks noGrp="1"/>
-          </p:cNvGraphicFramePr>
-          <p:nvPr/>
-        </p:nvGraphicFramePr>
-        <p:xfrm>
-          <a:off x="6045551" y="2501722"/>
-          <a:ext cx="2526173" cy="531656"/>
-        </p:xfrm>
-        <a:graphic>
-          <a:graphicData uri="http://schemas.openxmlformats.org/drawingml/2006/table">
-            <a:tbl>
-              <a:tblPr firstRow="1" bandRow="1">
-                <a:tableStyleId>{5C22544A-7EE6-4342-B048-85BDC9FD1C3A}</a:tableStyleId>
-              </a:tblPr>
-              <a:tblGrid>
-                <a:gridCol w="832627"/>
-                <a:gridCol w="846773"/>
-                <a:gridCol w="846773"/>
-              </a:tblGrid>
-              <a:tr h="272576">
-                <a:tc>
-                  <a:txBody>
-                    <a:bodyPr/>
-                    <a:lstStyle/>
-                    <a:p>
-                      <a:pPr algn="ctr"/>
-                      <a:r>
-                        <a:rPr lang="zh-CN" altLang="en-US" sz="1100" dirty="0"/>
-                        <a:t>唯一编码</a:t>
-                      </a:r>
-                      <a:endParaRPr lang="zh-CN" altLang="en-US" sz="1100" dirty="0"/>
-                    </a:p>
-                  </a:txBody>
-                  <a:tcPr anchor="ctr"/>
-                </a:tc>
-                <a:tc>
-                  <a:txBody>
-                    <a:bodyPr/>
-                    <a:lstStyle/>
-                    <a:p>
-                      <a:pPr algn="ctr"/>
-                      <a:r>
-                        <a:rPr lang="zh-CN" altLang="en-US" sz="1100" dirty="0"/>
-                        <a:t>特殊标签</a:t>
-                      </a:r>
-                      <a:endParaRPr lang="zh-CN" altLang="en-US" sz="1100" dirty="0"/>
-                    </a:p>
-                  </a:txBody>
-                  <a:tcPr anchor="ctr"/>
-                </a:tc>
-                <a:tc>
-                  <a:txBody>
-                    <a:bodyPr/>
-                    <a:lstStyle/>
-                    <a:p>
-                      <a:pPr algn="ctr"/>
-                      <a:r>
-                        <a:rPr lang="zh-CN" altLang="en-US" sz="1100" dirty="0"/>
-                        <a:t>标注逻辑</a:t>
-                      </a:r>
-                      <a:endParaRPr lang="zh-CN" altLang="en-US" sz="1100" dirty="0"/>
-                    </a:p>
-                  </a:txBody>
-                  <a:tcPr anchor="ctr"/>
-                </a:tc>
-              </a:tr>
-              <a:tr h="0">
-                <a:tc>
-                  <a:txBody>
-                    <a:bodyPr/>
-                    <a:lstStyle/>
-                    <a:p>
-                      <a:pPr algn="ctr"/>
-                      <a:endParaRPr lang="zh-CN" altLang="en-US" sz="1100" dirty="0"/>
-                    </a:p>
-                  </a:txBody>
-                  <a:tcPr anchor="ctr"/>
-                </a:tc>
-                <a:tc>
-                  <a:txBody>
-                    <a:bodyPr/>
-                    <a:lstStyle/>
-                    <a:p>
-                      <a:pPr algn="ctr"/>
-                      <a:endParaRPr lang="zh-CN" altLang="en-US" sz="1100" dirty="0"/>
-                    </a:p>
-                  </a:txBody>
-                  <a:tcPr anchor="ctr"/>
-                </a:tc>
-                <a:tc>
-                  <a:txBody>
-                    <a:bodyPr/>
-                    <a:lstStyle/>
-                    <a:p>
-                      <a:pPr algn="ctr"/>
-                      <a:endParaRPr lang="zh-CN" altLang="en-US" sz="1100" dirty="0"/>
-                    </a:p>
-                  </a:txBody>
-                  <a:tcPr anchor="ctr"/>
-                </a:tc>
-              </a:tr>
-            </a:tbl>
-          </a:graphicData>
-        </a:graphic>
-      </p:graphicFrame>
-    </p:spTree>
-  </p:cSld>
-  <p:clrMapOvr>
-    <a:masterClrMapping/>
-  </p:clrMapOvr>
-</p:sld>
-</file>
-
-<file path=ppt/slides/slide5.xml><?xml version="1.0" encoding="utf-8"?>
-<p:sld xmlns:a="http://schemas.openxmlformats.org/drawingml/2006/main" xmlns:r="http://schemas.openxmlformats.org/officeDocument/2006/relationships" xmlns:p="http://schemas.openxmlformats.org/presentationml/2006/main">
-  <p:cSld>
-    <p:spTree>
-      <p:nvGrpSpPr>
-        <p:cNvPr id="1" name=""/>
-        <p:cNvGrpSpPr/>
-        <p:nvPr/>
-      </p:nvGrpSpPr>
-      <p:grpSpPr>
-        <a:xfrm>
-          <a:off x="0" y="0"/>
-          <a:ext cx="0" cy="0"/>
-          <a:chOff x="0" y="0"/>
-          <a:chExt cx="0" cy="0"/>
-        </a:xfrm>
-      </p:grpSpPr>
-      <p:sp>
-        <p:nvSpPr>
-          <p:cNvPr id="4" name="文本框 3"/>
-          <p:cNvSpPr txBox="1"/>
-          <p:nvPr/>
-        </p:nvSpPr>
-        <p:spPr>
-          <a:xfrm>
-            <a:off x="323462" y="391886"/>
-            <a:ext cx="10717762" cy="1477328"/>
-          </a:xfrm>
-          <a:prstGeom prst="rect">
-            <a:avLst/>
-          </a:prstGeom>
-          <a:noFill/>
-        </p:spPr>
-        <p:txBody>
-          <a:bodyPr wrap="square" rtlCol="0">
-            <a:spAutoFit/>
-          </a:bodyPr>
-          <a:lstStyle/>
-          <a:p>
-            <a:r>
-              <a:rPr lang="zh-CN" altLang="en-US" dirty="0"/>
-              <a:t>需要注意的点：</a:t>
-            </a:r>
-            <a:endParaRPr lang="en-US" altLang="zh-CN" dirty="0"/>
-          </a:p>
-          <a:p>
-            <a:r>
-              <a:rPr lang="zh-CN" altLang="en-US" dirty="0"/>
-              <a:t>导出的数据，要做持久化记录。记录导出日期，下次查找，可从导出日期开始查找即可，无需从头开始。存留</a:t>
-            </a:r>
-            <a:r>
-              <a:rPr lang="en-US" altLang="zh-CN" dirty="0"/>
-              <a:t>TXT</a:t>
-            </a:r>
-            <a:r>
-              <a:rPr lang="zh-CN" altLang="en-US" dirty="0"/>
-              <a:t>即可，无需额外增加数据库的负担。</a:t>
-            </a:r>
-            <a:endParaRPr lang="en-US" altLang="zh-CN" dirty="0"/>
-          </a:p>
-          <a:p>
-            <a:endParaRPr lang="en-US" altLang="zh-CN" dirty="0"/>
-          </a:p>
-          <a:p>
-            <a:r>
-              <a:rPr lang="zh-CN" altLang="en-US" dirty="0"/>
-              <a:t>数据库更新后，要把大类和小类的更新日期记录下来。每次查询从最后一次更新开始查询。</a:t>
-            </a:r>
-            <a:endParaRPr lang="zh-CN" altLang="en-US" dirty="0"/>
-          </a:p>
-        </p:txBody>
-      </p:sp>
-      <p:sp>
-        <p:nvSpPr>
-          <p:cNvPr id="2" name="文本框 1"/>
-          <p:cNvSpPr txBox="1"/>
-          <p:nvPr/>
-        </p:nvSpPr>
-        <p:spPr>
-          <a:xfrm>
-            <a:off x="323462" y="2273300"/>
-            <a:ext cx="11449438" cy="646331"/>
-          </a:xfrm>
-          <a:prstGeom prst="rect">
-            <a:avLst/>
-          </a:prstGeom>
-          <a:noFill/>
-        </p:spPr>
-        <p:txBody>
-          <a:bodyPr wrap="square" rtlCol="0">
-            <a:spAutoFit/>
-          </a:bodyPr>
-          <a:lstStyle/>
-          <a:p>
-            <a:r>
               <a:rPr lang="zh-CN" altLang="en-US" dirty="0"/>
               <a:t>首先在标签对照表里查找，如果是特殊标签，则查找特殊标签表。</a:t>
             </a:r>
@@ -10103,137 +10209,6 @@
               <a:rPr lang="zh-CN" altLang="en-US" dirty="0"/>
               <a:t>如果是正常标签，则按照下划线将字符串拆分，去标注表里面找。</a:t>
             </a:r>
-            <a:endParaRPr lang="zh-CN" altLang="en-US" dirty="0"/>
-          </a:p>
-        </p:txBody>
-      </p:sp>
-    </p:spTree>
-  </p:cSld>
-  <p:clrMapOvr>
-    <a:masterClrMapping/>
-  </p:clrMapOvr>
-</p:sld>
-</file>
-
-<file path=ppt/slides/slide6.xml><?xml version="1.0" encoding="utf-8"?>
-<p:sld xmlns:a="http://schemas.openxmlformats.org/drawingml/2006/main" xmlns:r="http://schemas.openxmlformats.org/officeDocument/2006/relationships" xmlns:p="http://schemas.openxmlformats.org/presentationml/2006/main">
-  <p:cSld>
-    <p:spTree>
-      <p:nvGrpSpPr>
-        <p:cNvPr id="1" name=""/>
-        <p:cNvGrpSpPr/>
-        <p:nvPr/>
-      </p:nvGrpSpPr>
-      <p:grpSpPr>
-        <a:xfrm>
-          <a:off x="0" y="0"/>
-          <a:ext cx="0" cy="0"/>
-          <a:chOff x="0" y="0"/>
-          <a:chExt cx="0" cy="0"/>
-        </a:xfrm>
-      </p:grpSpPr>
-      <p:sp>
-        <p:nvSpPr>
-          <p:cNvPr id="2" name="文本框 1"/>
-          <p:cNvSpPr txBox="1"/>
-          <p:nvPr/>
-        </p:nvSpPr>
-        <p:spPr>
-          <a:xfrm>
-            <a:off x="689246" y="261913"/>
-            <a:ext cx="3110798" cy="369332"/>
-          </a:xfrm>
-          <a:prstGeom prst="rect">
-            <a:avLst/>
-          </a:prstGeom>
-          <a:noFill/>
-        </p:spPr>
-        <p:txBody>
-          <a:bodyPr wrap="square" rtlCol="0">
-            <a:spAutoFit/>
-          </a:bodyPr>
-          <a:lstStyle/>
-          <a:p>
-            <a:r>
-              <a:rPr lang="zh-CN" altLang="en-US" dirty="0"/>
-              <a:t>数据库接口</a:t>
-            </a:r>
-            <a:endParaRPr lang="zh-CN" altLang="en-US" dirty="0"/>
-          </a:p>
-        </p:txBody>
-      </p:sp>
-      <p:sp>
-        <p:nvSpPr>
-          <p:cNvPr id="3" name="文本框 2"/>
-          <p:cNvSpPr txBox="1"/>
-          <p:nvPr/>
-        </p:nvSpPr>
-        <p:spPr>
-          <a:xfrm>
-            <a:off x="689246" y="813311"/>
-            <a:ext cx="5872378" cy="646331"/>
-          </a:xfrm>
-          <a:prstGeom prst="rect">
-            <a:avLst/>
-          </a:prstGeom>
-          <a:noFill/>
-        </p:spPr>
-        <p:txBody>
-          <a:bodyPr wrap="square" rtlCol="0">
-            <a:spAutoFit/>
-          </a:bodyPr>
-          <a:lstStyle/>
-          <a:p>
-            <a:r>
-              <a:rPr lang="en-US" altLang="zh-CN" dirty="0"/>
-              <a:t>1</a:t>
-            </a:r>
-            <a:r>
-              <a:rPr lang="zh-CN" altLang="en-US" dirty="0"/>
-              <a:t>、启动数据库</a:t>
-            </a:r>
-            <a:endParaRPr lang="en-US" altLang="zh-CN" dirty="0"/>
-          </a:p>
-          <a:p>
-            <a:r>
-              <a:rPr lang="zh-CN" altLang="en-US" dirty="0"/>
-              <a:t>调用函数直接启动，返回一个游标类型数据库接口</a:t>
-            </a:r>
-            <a:endParaRPr lang="zh-CN" altLang="en-US" dirty="0"/>
-          </a:p>
-        </p:txBody>
-      </p:sp>
-      <p:sp>
-        <p:nvSpPr>
-          <p:cNvPr id="4" name="文本框 3"/>
-          <p:cNvSpPr txBox="1"/>
-          <p:nvPr/>
-        </p:nvSpPr>
-        <p:spPr>
-          <a:xfrm>
-            <a:off x="689246" y="2027150"/>
-            <a:ext cx="1773660" cy="369332"/>
-          </a:xfrm>
-          <a:prstGeom prst="rect">
-            <a:avLst/>
-          </a:prstGeom>
-          <a:noFill/>
-        </p:spPr>
-        <p:txBody>
-          <a:bodyPr wrap="square" rtlCol="0">
-            <a:spAutoFit/>
-          </a:bodyPr>
-          <a:lstStyle/>
-          <a:p>
-            <a:r>
-              <a:rPr lang="en-US" altLang="zh-CN" dirty="0"/>
-              <a:t>2</a:t>
-            </a:r>
-            <a:r>
-              <a:rPr lang="zh-CN" altLang="en-US" dirty="0"/>
-              <a:t>、启动数据库</a:t>
-            </a:r>
-            <a:endParaRPr lang="zh-CN" altLang="en-US" dirty="0"/>
           </a:p>
         </p:txBody>
       </p:sp>
@@ -10496,6 +10471,8 @@
       </a:bgFillStyleLst>
     </a:fmtScheme>
   </a:themeElements>
+  <a:objectDefaults/>
+  <a:extraClrSchemeLst/>
   <a:extLst>
     <a:ext uri="{05A4C25C-085E-4340-85A3-A5531E510DB2}">
       <thm15:themeFamily xmlns:thm15="http://schemas.microsoft.com/office/thememl/2012/main" name="Office Theme" id="{62F939B6-93AF-4DB8-9C6B-D6C7DFDC589F}" vid="{4A3C46E8-61CC-4603-A589-7422A47A8E4A}"/>
@@ -10755,6 +10732,8 @@
       </a:bgFillStyleLst>
     </a:fmtScheme>
   </a:themeElements>
+  <a:objectDefaults/>
+  <a:extraClrSchemeLst/>
   <a:extLst>
     <a:ext uri="{05A4C25C-085E-4340-85A3-A5531E510DB2}">
       <thm15:themeFamily xmlns:thm15="http://schemas.microsoft.com/office/thememl/2012/main" name="Office Theme" id="{62F939B6-93AF-4DB8-9C6B-D6C7DFDC589F}" vid="{4A3C46E8-61CC-4603-A589-7422A47A8E4A}"/>
